--- a/Document/Document.pptx
+++ b/Document/Document.pptx
@@ -4,13 +4,20 @@
   <p:sldMasterIdLst>
     <p:sldMasterId id="2147483648" r:id="rId1"/>
   </p:sldMasterIdLst>
+  <p:notesMasterIdLst>
+    <p:notesMasterId r:id="rId12"/>
+  </p:notesMasterIdLst>
   <p:sldIdLst>
     <p:sldId id="261" r:id="rId2"/>
     <p:sldId id="256" r:id="rId3"/>
-    <p:sldId id="257" r:id="rId4"/>
-    <p:sldId id="258" r:id="rId5"/>
-    <p:sldId id="259" r:id="rId6"/>
-    <p:sldId id="260" r:id="rId7"/>
+    <p:sldId id="264" r:id="rId4"/>
+    <p:sldId id="257" r:id="rId5"/>
+    <p:sldId id="258" r:id="rId6"/>
+    <p:sldId id="265" r:id="rId7"/>
+    <p:sldId id="259" r:id="rId8"/>
+    <p:sldId id="262" r:id="rId9"/>
+    <p:sldId id="263" r:id="rId10"/>
+    <p:sldId id="260" r:id="rId11"/>
   </p:sldIdLst>
   <p:sldSz cx="12192000" cy="6858000"/>
   <p:notesSz cx="6858000" cy="9144000"/>
@@ -109,7 +116,698 @@
       </a:defRPr>
     </a:lvl9pPr>
   </p:defaultTextStyle>
+  <p:extLst>
+    <p:ext uri="{EFAFB233-063F-42B5-8137-9DF3F51BA10A}">
+      <p15:sldGuideLst xmlns:p15="http://schemas.microsoft.com/office/powerpoint/2012/main"/>
+    </p:ext>
+  </p:extLst>
 </p:presentation>
+</file>
+
+<file path=ppt/notesMasters/notesMaster1.xml><?xml version="1.0" encoding="utf-8"?>
+<p:notesMaster xmlns:a="http://schemas.openxmlformats.org/drawingml/2006/main" xmlns:r="http://schemas.openxmlformats.org/officeDocument/2006/relationships" xmlns:p="http://schemas.openxmlformats.org/presentationml/2006/main">
+  <p:cSld>
+    <p:bg>
+      <p:bgRef idx="1001">
+        <a:schemeClr val="bg1"/>
+      </p:bgRef>
+    </p:bg>
+    <p:spTree>
+      <p:nvGrpSpPr>
+        <p:cNvPr id="1" name=""/>
+        <p:cNvGrpSpPr/>
+        <p:nvPr/>
+      </p:nvGrpSpPr>
+      <p:grpSpPr>
+        <a:xfrm>
+          <a:off x="0" y="0"/>
+          <a:ext cx="0" cy="0"/>
+          <a:chOff x="0" y="0"/>
+          <a:chExt cx="0" cy="0"/>
+        </a:xfrm>
+      </p:grpSpPr>
+      <p:sp>
+        <p:nvSpPr>
+          <p:cNvPr id="2" name="מציין מיקום של כותרת עליונה 1"/>
+          <p:cNvSpPr>
+            <a:spLocks noGrp="1"/>
+          </p:cNvSpPr>
+          <p:nvPr>
+            <p:ph type="hdr" sz="quarter"/>
+          </p:nvPr>
+        </p:nvSpPr>
+        <p:spPr>
+          <a:xfrm>
+            <a:off x="3886200" y="0"/>
+            <a:ext cx="2971800" cy="458788"/>
+          </a:xfrm>
+          <a:prstGeom prst="rect">
+            <a:avLst/>
+          </a:prstGeom>
+        </p:spPr>
+        <p:txBody>
+          <a:bodyPr vert="horz" lIns="91440" tIns="45720" rIns="91440" bIns="45720" rtlCol="1"/>
+          <a:lstStyle>
+            <a:lvl1pPr algn="l">
+              <a:defRPr sz="1200"/>
+            </a:lvl1pPr>
+          </a:lstStyle>
+          <a:p>
+            <a:endParaRPr lang="en-US"/>
+          </a:p>
+        </p:txBody>
+      </p:sp>
+      <p:sp>
+        <p:nvSpPr>
+          <p:cNvPr id="3" name="מציין מיקום של תאריך 2"/>
+          <p:cNvSpPr>
+            <a:spLocks noGrp="1"/>
+          </p:cNvSpPr>
+          <p:nvPr>
+            <p:ph type="dt" idx="1"/>
+          </p:nvPr>
+        </p:nvSpPr>
+        <p:spPr>
+          <a:xfrm>
+            <a:off x="1588" y="0"/>
+            <a:ext cx="2971800" cy="458788"/>
+          </a:xfrm>
+          <a:prstGeom prst="rect">
+            <a:avLst/>
+          </a:prstGeom>
+        </p:spPr>
+        <p:txBody>
+          <a:bodyPr vert="horz" lIns="91440" tIns="45720" rIns="91440" bIns="45720" rtlCol="1"/>
+          <a:lstStyle>
+            <a:lvl1pPr algn="r">
+              <a:defRPr sz="1200"/>
+            </a:lvl1pPr>
+          </a:lstStyle>
+          <a:p>
+            <a:fld id="{34C547BD-11AF-42E1-ACD1-5AA0DC0288A1}" type="datetimeFigureOut">
+              <a:rPr lang="en-US" smtClean="0"/>
+              <a:t>6/30/2020</a:t>
+            </a:fld>
+            <a:endParaRPr lang="en-US"/>
+          </a:p>
+        </p:txBody>
+      </p:sp>
+      <p:sp>
+        <p:nvSpPr>
+          <p:cNvPr id="4" name="מציין מיקום של תמונת שקופית 3"/>
+          <p:cNvSpPr>
+            <a:spLocks noGrp="1" noRot="1" noChangeAspect="1"/>
+          </p:cNvSpPr>
+          <p:nvPr>
+            <p:ph type="sldImg" idx="2"/>
+          </p:nvPr>
+        </p:nvSpPr>
+        <p:spPr>
+          <a:xfrm>
+            <a:off x="685800" y="1143000"/>
+            <a:ext cx="5486400" cy="3086100"/>
+          </a:xfrm>
+          <a:prstGeom prst="rect">
+            <a:avLst/>
+          </a:prstGeom>
+          <a:noFill/>
+          <a:ln w="12700">
+            <a:solidFill>
+              <a:prstClr val="black"/>
+            </a:solidFill>
+          </a:ln>
+        </p:spPr>
+        <p:txBody>
+          <a:bodyPr vert="horz" lIns="91440" tIns="45720" rIns="91440" bIns="45720" rtlCol="1" anchor="ctr"/>
+          <a:lstStyle/>
+          <a:p>
+            <a:endParaRPr lang="en-US"/>
+          </a:p>
+        </p:txBody>
+      </p:sp>
+      <p:sp>
+        <p:nvSpPr>
+          <p:cNvPr id="5" name="מציין מיקום של הערות 4"/>
+          <p:cNvSpPr>
+            <a:spLocks noGrp="1"/>
+          </p:cNvSpPr>
+          <p:nvPr>
+            <p:ph type="body" sz="quarter" idx="3"/>
+          </p:nvPr>
+        </p:nvSpPr>
+        <p:spPr>
+          <a:xfrm>
+            <a:off x="685800" y="4400550"/>
+            <a:ext cx="5486400" cy="3600450"/>
+          </a:xfrm>
+          <a:prstGeom prst="rect">
+            <a:avLst/>
+          </a:prstGeom>
+        </p:spPr>
+        <p:txBody>
+          <a:bodyPr vert="horz" lIns="91440" tIns="45720" rIns="91440" bIns="45720" rtlCol="1"/>
+          <a:lstStyle/>
+          <a:p>
+            <a:pPr lvl="0"/>
+            <a:r>
+              <a:rPr lang="he-IL"/>
+              <a:t>לחץ כדי לערוך סגנונות טקסט של תבנית בסיס</a:t>
+            </a:r>
+          </a:p>
+          <a:p>
+            <a:pPr lvl="1"/>
+            <a:r>
+              <a:rPr lang="he-IL"/>
+              <a:t>רמה שנייה</a:t>
+            </a:r>
+          </a:p>
+          <a:p>
+            <a:pPr lvl="2"/>
+            <a:r>
+              <a:rPr lang="he-IL"/>
+              <a:t>רמה שלישית</a:t>
+            </a:r>
+          </a:p>
+          <a:p>
+            <a:pPr lvl="3"/>
+            <a:r>
+              <a:rPr lang="he-IL"/>
+              <a:t>רמה רביעית</a:t>
+            </a:r>
+          </a:p>
+          <a:p>
+            <a:pPr lvl="4"/>
+            <a:r>
+              <a:rPr lang="he-IL"/>
+              <a:t>רמה חמישית</a:t>
+            </a:r>
+            <a:endParaRPr lang="en-US"/>
+          </a:p>
+        </p:txBody>
+      </p:sp>
+      <p:sp>
+        <p:nvSpPr>
+          <p:cNvPr id="6" name="מציין מיקום של כותרת תחתונה 5"/>
+          <p:cNvSpPr>
+            <a:spLocks noGrp="1"/>
+          </p:cNvSpPr>
+          <p:nvPr>
+            <p:ph type="ftr" sz="quarter" idx="4"/>
+          </p:nvPr>
+        </p:nvSpPr>
+        <p:spPr>
+          <a:xfrm>
+            <a:off x="3886200" y="8685213"/>
+            <a:ext cx="2971800" cy="458787"/>
+          </a:xfrm>
+          <a:prstGeom prst="rect">
+            <a:avLst/>
+          </a:prstGeom>
+        </p:spPr>
+        <p:txBody>
+          <a:bodyPr vert="horz" lIns="91440" tIns="45720" rIns="91440" bIns="45720" rtlCol="1" anchor="b"/>
+          <a:lstStyle>
+            <a:lvl1pPr algn="l">
+              <a:defRPr sz="1200"/>
+            </a:lvl1pPr>
+          </a:lstStyle>
+          <a:p>
+            <a:endParaRPr lang="en-US"/>
+          </a:p>
+        </p:txBody>
+      </p:sp>
+      <p:sp>
+        <p:nvSpPr>
+          <p:cNvPr id="7" name="מציין מיקום של מספר שקופית 6"/>
+          <p:cNvSpPr>
+            <a:spLocks noGrp="1"/>
+          </p:cNvSpPr>
+          <p:nvPr>
+            <p:ph type="sldNum" sz="quarter" idx="5"/>
+          </p:nvPr>
+        </p:nvSpPr>
+        <p:spPr>
+          <a:xfrm>
+            <a:off x="1588" y="8685213"/>
+            <a:ext cx="2971800" cy="458787"/>
+          </a:xfrm>
+          <a:prstGeom prst="rect">
+            <a:avLst/>
+          </a:prstGeom>
+        </p:spPr>
+        <p:txBody>
+          <a:bodyPr vert="horz" lIns="91440" tIns="45720" rIns="91440" bIns="45720" rtlCol="1" anchor="b"/>
+          <a:lstStyle>
+            <a:lvl1pPr algn="r">
+              <a:defRPr sz="1200"/>
+            </a:lvl1pPr>
+          </a:lstStyle>
+          <a:p>
+            <a:fld id="{5ED657D2-04A0-4070-AE6A-CFDD969B8E61}" type="slidenum">
+              <a:rPr lang="en-US" smtClean="0"/>
+              <a:t>‹#›</a:t>
+            </a:fld>
+            <a:endParaRPr lang="en-US"/>
+          </a:p>
+        </p:txBody>
+      </p:sp>
+    </p:spTree>
+    <p:extLst>
+      <p:ext uri="{BB962C8B-B14F-4D97-AF65-F5344CB8AC3E}">
+        <p14:creationId xmlns:p14="http://schemas.microsoft.com/office/powerpoint/2010/main" val="1415305810"/>
+      </p:ext>
+    </p:extLst>
+  </p:cSld>
+  <p:clrMap bg1="lt1" tx1="dk1" bg2="lt2" tx2="dk2" accent1="accent1" accent2="accent2" accent3="accent3" accent4="accent4" accent5="accent5" accent6="accent6" hlink="hlink" folHlink="folHlink"/>
+  <p:notesStyle>
+    <a:lvl1pPr marL="0" algn="r" defTabSz="914400" rtl="1" eaLnBrk="1" latinLnBrk="0" hangingPunct="1">
+      <a:defRPr sz="1200" kern="1200">
+        <a:solidFill>
+          <a:schemeClr val="tx1"/>
+        </a:solidFill>
+        <a:latin typeface="+mn-lt"/>
+        <a:ea typeface="+mn-ea"/>
+        <a:cs typeface="+mn-cs"/>
+      </a:defRPr>
+    </a:lvl1pPr>
+    <a:lvl2pPr marL="457200" algn="r" defTabSz="914400" rtl="1" eaLnBrk="1" latinLnBrk="0" hangingPunct="1">
+      <a:defRPr sz="1200" kern="1200">
+        <a:solidFill>
+          <a:schemeClr val="tx1"/>
+        </a:solidFill>
+        <a:latin typeface="+mn-lt"/>
+        <a:ea typeface="+mn-ea"/>
+        <a:cs typeface="+mn-cs"/>
+      </a:defRPr>
+    </a:lvl2pPr>
+    <a:lvl3pPr marL="914400" algn="r" defTabSz="914400" rtl="1" eaLnBrk="1" latinLnBrk="0" hangingPunct="1">
+      <a:defRPr sz="1200" kern="1200">
+        <a:solidFill>
+          <a:schemeClr val="tx1"/>
+        </a:solidFill>
+        <a:latin typeface="+mn-lt"/>
+        <a:ea typeface="+mn-ea"/>
+        <a:cs typeface="+mn-cs"/>
+      </a:defRPr>
+    </a:lvl3pPr>
+    <a:lvl4pPr marL="1371600" algn="r" defTabSz="914400" rtl="1" eaLnBrk="1" latinLnBrk="0" hangingPunct="1">
+      <a:defRPr sz="1200" kern="1200">
+        <a:solidFill>
+          <a:schemeClr val="tx1"/>
+        </a:solidFill>
+        <a:latin typeface="+mn-lt"/>
+        <a:ea typeface="+mn-ea"/>
+        <a:cs typeface="+mn-cs"/>
+      </a:defRPr>
+    </a:lvl4pPr>
+    <a:lvl5pPr marL="1828800" algn="r" defTabSz="914400" rtl="1" eaLnBrk="1" latinLnBrk="0" hangingPunct="1">
+      <a:defRPr sz="1200" kern="1200">
+        <a:solidFill>
+          <a:schemeClr val="tx1"/>
+        </a:solidFill>
+        <a:latin typeface="+mn-lt"/>
+        <a:ea typeface="+mn-ea"/>
+        <a:cs typeface="+mn-cs"/>
+      </a:defRPr>
+    </a:lvl5pPr>
+    <a:lvl6pPr marL="2286000" algn="r" defTabSz="914400" rtl="1" eaLnBrk="1" latinLnBrk="0" hangingPunct="1">
+      <a:defRPr sz="1200" kern="1200">
+        <a:solidFill>
+          <a:schemeClr val="tx1"/>
+        </a:solidFill>
+        <a:latin typeface="+mn-lt"/>
+        <a:ea typeface="+mn-ea"/>
+        <a:cs typeface="+mn-cs"/>
+      </a:defRPr>
+    </a:lvl6pPr>
+    <a:lvl7pPr marL="2743200" algn="r" defTabSz="914400" rtl="1" eaLnBrk="1" latinLnBrk="0" hangingPunct="1">
+      <a:defRPr sz="1200" kern="1200">
+        <a:solidFill>
+          <a:schemeClr val="tx1"/>
+        </a:solidFill>
+        <a:latin typeface="+mn-lt"/>
+        <a:ea typeface="+mn-ea"/>
+        <a:cs typeface="+mn-cs"/>
+      </a:defRPr>
+    </a:lvl7pPr>
+    <a:lvl8pPr marL="3200400" algn="r" defTabSz="914400" rtl="1" eaLnBrk="1" latinLnBrk="0" hangingPunct="1">
+      <a:defRPr sz="1200" kern="1200">
+        <a:solidFill>
+          <a:schemeClr val="tx1"/>
+        </a:solidFill>
+        <a:latin typeface="+mn-lt"/>
+        <a:ea typeface="+mn-ea"/>
+        <a:cs typeface="+mn-cs"/>
+      </a:defRPr>
+    </a:lvl8pPr>
+    <a:lvl9pPr marL="3657600" algn="r" defTabSz="914400" rtl="1" eaLnBrk="1" latinLnBrk="0" hangingPunct="1">
+      <a:defRPr sz="1200" kern="1200">
+        <a:solidFill>
+          <a:schemeClr val="tx1"/>
+        </a:solidFill>
+        <a:latin typeface="+mn-lt"/>
+        <a:ea typeface="+mn-ea"/>
+        <a:cs typeface="+mn-cs"/>
+      </a:defRPr>
+    </a:lvl9pPr>
+  </p:notesStyle>
+</p:notesMaster>
+</file>
+
+<file path=ppt/notesSlides/notesSlide1.xml><?xml version="1.0" encoding="utf-8"?>
+<p:notes xmlns:a="http://schemas.openxmlformats.org/drawingml/2006/main" xmlns:r="http://schemas.openxmlformats.org/officeDocument/2006/relationships" xmlns:p="http://schemas.openxmlformats.org/presentationml/2006/main">
+  <p:cSld>
+    <p:spTree>
+      <p:nvGrpSpPr>
+        <p:cNvPr id="1" name=""/>
+        <p:cNvGrpSpPr/>
+        <p:nvPr/>
+      </p:nvGrpSpPr>
+      <p:grpSpPr>
+        <a:xfrm>
+          <a:off x="0" y="0"/>
+          <a:ext cx="0" cy="0"/>
+          <a:chOff x="0" y="0"/>
+          <a:chExt cx="0" cy="0"/>
+        </a:xfrm>
+      </p:grpSpPr>
+      <p:sp>
+        <p:nvSpPr>
+          <p:cNvPr id="2" name="מציין מיקום של תמונת שקופית 1"/>
+          <p:cNvSpPr>
+            <a:spLocks noGrp="1" noRot="1" noChangeAspect="1"/>
+          </p:cNvSpPr>
+          <p:nvPr>
+            <p:ph type="sldImg"/>
+          </p:nvPr>
+        </p:nvSpPr>
+        <p:spPr/>
+      </p:sp>
+      <p:sp>
+        <p:nvSpPr>
+          <p:cNvPr id="3" name="מציין מיקום של הערות 2"/>
+          <p:cNvSpPr>
+            <a:spLocks noGrp="1"/>
+          </p:cNvSpPr>
+          <p:nvPr>
+            <p:ph type="body" idx="1"/>
+          </p:nvPr>
+        </p:nvSpPr>
+        <p:spPr/>
+        <p:txBody>
+          <a:bodyPr/>
+          <a:lstStyle/>
+          <a:p>
+            <a:endParaRPr lang="en-US" dirty="0"/>
+          </a:p>
+        </p:txBody>
+      </p:sp>
+      <p:sp>
+        <p:nvSpPr>
+          <p:cNvPr id="4" name="מציין מיקום של מספר שקופית 3"/>
+          <p:cNvSpPr>
+            <a:spLocks noGrp="1"/>
+          </p:cNvSpPr>
+          <p:nvPr>
+            <p:ph type="sldNum" sz="quarter" idx="5"/>
+          </p:nvPr>
+        </p:nvSpPr>
+        <p:spPr/>
+        <p:txBody>
+          <a:bodyPr/>
+          <a:lstStyle/>
+          <a:p>
+            <a:fld id="{5ED657D2-04A0-4070-AE6A-CFDD969B8E61}" type="slidenum">
+              <a:rPr lang="en-US" smtClean="0"/>
+              <a:t>6</a:t>
+            </a:fld>
+            <a:endParaRPr lang="en-US"/>
+          </a:p>
+        </p:txBody>
+      </p:sp>
+    </p:spTree>
+    <p:extLst>
+      <p:ext uri="{BB962C8B-B14F-4D97-AF65-F5344CB8AC3E}">
+        <p14:creationId xmlns:p14="http://schemas.microsoft.com/office/powerpoint/2010/main" val="1420137152"/>
+      </p:ext>
+    </p:extLst>
+  </p:cSld>
+  <p:clrMapOvr>
+    <a:masterClrMapping/>
+  </p:clrMapOvr>
+</p:notes>
+</file>
+
+<file path=ppt/notesSlides/notesSlide2.xml><?xml version="1.0" encoding="utf-8"?>
+<p:notes xmlns:a="http://schemas.openxmlformats.org/drawingml/2006/main" xmlns:r="http://schemas.openxmlformats.org/officeDocument/2006/relationships" xmlns:p="http://schemas.openxmlformats.org/presentationml/2006/main">
+  <p:cSld>
+    <p:spTree>
+      <p:nvGrpSpPr>
+        <p:cNvPr id="1" name=""/>
+        <p:cNvGrpSpPr/>
+        <p:nvPr/>
+      </p:nvGrpSpPr>
+      <p:grpSpPr>
+        <a:xfrm>
+          <a:off x="0" y="0"/>
+          <a:ext cx="0" cy="0"/>
+          <a:chOff x="0" y="0"/>
+          <a:chExt cx="0" cy="0"/>
+        </a:xfrm>
+      </p:grpSpPr>
+      <p:sp>
+        <p:nvSpPr>
+          <p:cNvPr id="2" name="מציין מיקום של תמונת שקופית 1"/>
+          <p:cNvSpPr>
+            <a:spLocks noGrp="1" noRot="1" noChangeAspect="1"/>
+          </p:cNvSpPr>
+          <p:nvPr>
+            <p:ph type="sldImg"/>
+          </p:nvPr>
+        </p:nvSpPr>
+        <p:spPr/>
+      </p:sp>
+      <p:sp>
+        <p:nvSpPr>
+          <p:cNvPr id="3" name="מציין מיקום של הערות 2"/>
+          <p:cNvSpPr>
+            <a:spLocks noGrp="1"/>
+          </p:cNvSpPr>
+          <p:nvPr>
+            <p:ph type="body" idx="1"/>
+          </p:nvPr>
+        </p:nvSpPr>
+        <p:spPr/>
+        <p:txBody>
+          <a:bodyPr/>
+          <a:lstStyle/>
+          <a:p>
+            <a:endParaRPr lang="en-US" dirty="0"/>
+          </a:p>
+        </p:txBody>
+      </p:sp>
+      <p:sp>
+        <p:nvSpPr>
+          <p:cNvPr id="4" name="מציין מיקום של מספר שקופית 3"/>
+          <p:cNvSpPr>
+            <a:spLocks noGrp="1"/>
+          </p:cNvSpPr>
+          <p:nvPr>
+            <p:ph type="sldNum" sz="quarter" idx="5"/>
+          </p:nvPr>
+        </p:nvSpPr>
+        <p:spPr/>
+        <p:txBody>
+          <a:bodyPr/>
+          <a:lstStyle/>
+          <a:p>
+            <a:fld id="{5ED657D2-04A0-4070-AE6A-CFDD969B8E61}" type="slidenum">
+              <a:rPr lang="en-US" smtClean="0"/>
+              <a:t>7</a:t>
+            </a:fld>
+            <a:endParaRPr lang="en-US"/>
+          </a:p>
+        </p:txBody>
+      </p:sp>
+    </p:spTree>
+    <p:extLst>
+      <p:ext uri="{BB962C8B-B14F-4D97-AF65-F5344CB8AC3E}">
+        <p14:creationId xmlns:p14="http://schemas.microsoft.com/office/powerpoint/2010/main" val="632939393"/>
+      </p:ext>
+    </p:extLst>
+  </p:cSld>
+  <p:clrMapOvr>
+    <a:masterClrMapping/>
+  </p:clrMapOvr>
+</p:notes>
+</file>
+
+<file path=ppt/notesSlides/notesSlide3.xml><?xml version="1.0" encoding="utf-8"?>
+<p:notes xmlns:a="http://schemas.openxmlformats.org/drawingml/2006/main" xmlns:r="http://schemas.openxmlformats.org/officeDocument/2006/relationships" xmlns:p="http://schemas.openxmlformats.org/presentationml/2006/main">
+  <p:cSld>
+    <p:spTree>
+      <p:nvGrpSpPr>
+        <p:cNvPr id="1" name=""/>
+        <p:cNvGrpSpPr/>
+        <p:nvPr/>
+      </p:nvGrpSpPr>
+      <p:grpSpPr>
+        <a:xfrm>
+          <a:off x="0" y="0"/>
+          <a:ext cx="0" cy="0"/>
+          <a:chOff x="0" y="0"/>
+          <a:chExt cx="0" cy="0"/>
+        </a:xfrm>
+      </p:grpSpPr>
+      <p:sp>
+        <p:nvSpPr>
+          <p:cNvPr id="2" name="מציין מיקום של תמונת שקופית 1"/>
+          <p:cNvSpPr>
+            <a:spLocks noGrp="1" noRot="1" noChangeAspect="1"/>
+          </p:cNvSpPr>
+          <p:nvPr>
+            <p:ph type="sldImg"/>
+          </p:nvPr>
+        </p:nvSpPr>
+        <p:spPr/>
+      </p:sp>
+      <p:sp>
+        <p:nvSpPr>
+          <p:cNvPr id="3" name="מציין מיקום של הערות 2"/>
+          <p:cNvSpPr>
+            <a:spLocks noGrp="1"/>
+          </p:cNvSpPr>
+          <p:nvPr>
+            <p:ph type="body" idx="1"/>
+          </p:nvPr>
+        </p:nvSpPr>
+        <p:spPr/>
+        <p:txBody>
+          <a:bodyPr/>
+          <a:lstStyle/>
+          <a:p>
+            <a:endParaRPr lang="en-US" dirty="0"/>
+          </a:p>
+        </p:txBody>
+      </p:sp>
+      <p:sp>
+        <p:nvSpPr>
+          <p:cNvPr id="4" name="מציין מיקום של מספר שקופית 3"/>
+          <p:cNvSpPr>
+            <a:spLocks noGrp="1"/>
+          </p:cNvSpPr>
+          <p:nvPr>
+            <p:ph type="sldNum" sz="quarter" idx="5"/>
+          </p:nvPr>
+        </p:nvSpPr>
+        <p:spPr/>
+        <p:txBody>
+          <a:bodyPr/>
+          <a:lstStyle/>
+          <a:p>
+            <a:fld id="{5ED657D2-04A0-4070-AE6A-CFDD969B8E61}" type="slidenum">
+              <a:rPr lang="en-US" smtClean="0"/>
+              <a:t>8</a:t>
+            </a:fld>
+            <a:endParaRPr lang="en-US"/>
+          </a:p>
+        </p:txBody>
+      </p:sp>
+    </p:spTree>
+    <p:extLst>
+      <p:ext uri="{BB962C8B-B14F-4D97-AF65-F5344CB8AC3E}">
+        <p14:creationId xmlns:p14="http://schemas.microsoft.com/office/powerpoint/2010/main" val="539043804"/>
+      </p:ext>
+    </p:extLst>
+  </p:cSld>
+  <p:clrMapOvr>
+    <a:masterClrMapping/>
+  </p:clrMapOvr>
+</p:notes>
+</file>
+
+<file path=ppt/notesSlides/notesSlide4.xml><?xml version="1.0" encoding="utf-8"?>
+<p:notes xmlns:a="http://schemas.openxmlformats.org/drawingml/2006/main" xmlns:r="http://schemas.openxmlformats.org/officeDocument/2006/relationships" xmlns:p="http://schemas.openxmlformats.org/presentationml/2006/main">
+  <p:cSld>
+    <p:spTree>
+      <p:nvGrpSpPr>
+        <p:cNvPr id="1" name=""/>
+        <p:cNvGrpSpPr/>
+        <p:nvPr/>
+      </p:nvGrpSpPr>
+      <p:grpSpPr>
+        <a:xfrm>
+          <a:off x="0" y="0"/>
+          <a:ext cx="0" cy="0"/>
+          <a:chOff x="0" y="0"/>
+          <a:chExt cx="0" cy="0"/>
+        </a:xfrm>
+      </p:grpSpPr>
+      <p:sp>
+        <p:nvSpPr>
+          <p:cNvPr id="2" name="מציין מיקום של תמונת שקופית 1"/>
+          <p:cNvSpPr>
+            <a:spLocks noGrp="1" noRot="1" noChangeAspect="1"/>
+          </p:cNvSpPr>
+          <p:nvPr>
+            <p:ph type="sldImg"/>
+          </p:nvPr>
+        </p:nvSpPr>
+        <p:spPr/>
+      </p:sp>
+      <p:sp>
+        <p:nvSpPr>
+          <p:cNvPr id="3" name="מציין מיקום של הערות 2"/>
+          <p:cNvSpPr>
+            <a:spLocks noGrp="1"/>
+          </p:cNvSpPr>
+          <p:nvPr>
+            <p:ph type="body" idx="1"/>
+          </p:nvPr>
+        </p:nvSpPr>
+        <p:spPr/>
+        <p:txBody>
+          <a:bodyPr/>
+          <a:lstStyle/>
+          <a:p>
+            <a:endParaRPr lang="en-US" dirty="0"/>
+          </a:p>
+        </p:txBody>
+      </p:sp>
+      <p:sp>
+        <p:nvSpPr>
+          <p:cNvPr id="4" name="מציין מיקום של מספר שקופית 3"/>
+          <p:cNvSpPr>
+            <a:spLocks noGrp="1"/>
+          </p:cNvSpPr>
+          <p:nvPr>
+            <p:ph type="sldNum" sz="quarter" idx="5"/>
+          </p:nvPr>
+        </p:nvSpPr>
+        <p:spPr/>
+        <p:txBody>
+          <a:bodyPr/>
+          <a:lstStyle/>
+          <a:p>
+            <a:fld id="{5ED657D2-04A0-4070-AE6A-CFDD969B8E61}" type="slidenum">
+              <a:rPr lang="en-US" smtClean="0"/>
+              <a:t>9</a:t>
+            </a:fld>
+            <a:endParaRPr lang="en-US"/>
+          </a:p>
+        </p:txBody>
+      </p:sp>
+    </p:spTree>
+    <p:extLst>
+      <p:ext uri="{BB962C8B-B14F-4D97-AF65-F5344CB8AC3E}">
+        <p14:creationId xmlns:p14="http://schemas.microsoft.com/office/powerpoint/2010/main" val="1041495440"/>
+      </p:ext>
+    </p:extLst>
+  </p:cSld>
+  <p:clrMapOvr>
+    <a:masterClrMapping/>
+  </p:clrMapOvr>
+</p:notes>
 </file>
 
 <file path=ppt/slideLayouts/slideLayout1.xml><?xml version="1.0" encoding="utf-8"?>
@@ -261,7 +959,7 @@
           <a:p>
             <a:fld id="{3411A5E0-68CC-49B7-9618-F8C68CABB5F5}" type="datetimeFigureOut">
               <a:rPr lang="en-US" smtClean="0"/>
-              <a:t>6/28/2020</a:t>
+              <a:t>6/30/2020</a:t>
             </a:fld>
             <a:endParaRPr lang="en-US"/>
           </a:p>
@@ -461,7 +1159,7 @@
           <a:p>
             <a:fld id="{3411A5E0-68CC-49B7-9618-F8C68CABB5F5}" type="datetimeFigureOut">
               <a:rPr lang="en-US" smtClean="0"/>
-              <a:t>6/28/2020</a:t>
+              <a:t>6/30/2020</a:t>
             </a:fld>
             <a:endParaRPr lang="en-US"/>
           </a:p>
@@ -671,7 +1369,7 @@
           <a:p>
             <a:fld id="{3411A5E0-68CC-49B7-9618-F8C68CABB5F5}" type="datetimeFigureOut">
               <a:rPr lang="en-US" smtClean="0"/>
-              <a:t>6/28/2020</a:t>
+              <a:t>6/30/2020</a:t>
             </a:fld>
             <a:endParaRPr lang="en-US"/>
           </a:p>
@@ -871,7 +1569,7 @@
           <a:p>
             <a:fld id="{3411A5E0-68CC-49B7-9618-F8C68CABB5F5}" type="datetimeFigureOut">
               <a:rPr lang="en-US" smtClean="0"/>
-              <a:t>6/28/2020</a:t>
+              <a:t>6/30/2020</a:t>
             </a:fld>
             <a:endParaRPr lang="en-US"/>
           </a:p>
@@ -1147,7 +1845,7 @@
           <a:p>
             <a:fld id="{3411A5E0-68CC-49B7-9618-F8C68CABB5F5}" type="datetimeFigureOut">
               <a:rPr lang="en-US" smtClean="0"/>
-              <a:t>6/28/2020</a:t>
+              <a:t>6/30/2020</a:t>
             </a:fld>
             <a:endParaRPr lang="en-US"/>
           </a:p>
@@ -1415,7 +2113,7 @@
           <a:p>
             <a:fld id="{3411A5E0-68CC-49B7-9618-F8C68CABB5F5}" type="datetimeFigureOut">
               <a:rPr lang="en-US" smtClean="0"/>
-              <a:t>6/28/2020</a:t>
+              <a:t>6/30/2020</a:t>
             </a:fld>
             <a:endParaRPr lang="en-US"/>
           </a:p>
@@ -1830,7 +2528,7 @@
           <a:p>
             <a:fld id="{3411A5E0-68CC-49B7-9618-F8C68CABB5F5}" type="datetimeFigureOut">
               <a:rPr lang="en-US" smtClean="0"/>
-              <a:t>6/28/2020</a:t>
+              <a:t>6/30/2020</a:t>
             </a:fld>
             <a:endParaRPr lang="en-US"/>
           </a:p>
@@ -1972,7 +2670,7 @@
           <a:p>
             <a:fld id="{3411A5E0-68CC-49B7-9618-F8C68CABB5F5}" type="datetimeFigureOut">
               <a:rPr lang="en-US" smtClean="0"/>
-              <a:t>6/28/2020</a:t>
+              <a:t>6/30/2020</a:t>
             </a:fld>
             <a:endParaRPr lang="en-US"/>
           </a:p>
@@ -2085,7 +2783,7 @@
           <a:p>
             <a:fld id="{3411A5E0-68CC-49B7-9618-F8C68CABB5F5}" type="datetimeFigureOut">
               <a:rPr lang="en-US" smtClean="0"/>
-              <a:t>6/28/2020</a:t>
+              <a:t>6/30/2020</a:t>
             </a:fld>
             <a:endParaRPr lang="en-US"/>
           </a:p>
@@ -2398,7 +3096,7 @@
           <a:p>
             <a:fld id="{3411A5E0-68CC-49B7-9618-F8C68CABB5F5}" type="datetimeFigureOut">
               <a:rPr lang="en-US" smtClean="0"/>
-              <a:t>6/28/2020</a:t>
+              <a:t>6/30/2020</a:t>
             </a:fld>
             <a:endParaRPr lang="en-US"/>
           </a:p>
@@ -2687,7 +3385,7 @@
           <a:p>
             <a:fld id="{3411A5E0-68CC-49B7-9618-F8C68CABB5F5}" type="datetimeFigureOut">
               <a:rPr lang="en-US" smtClean="0"/>
-              <a:t>6/28/2020</a:t>
+              <a:t>6/30/2020</a:t>
             </a:fld>
             <a:endParaRPr lang="en-US"/>
           </a:p>
@@ -2933,7 +3631,7 @@
           <a:p>
             <a:fld id="{3411A5E0-68CC-49B7-9618-F8C68CABB5F5}" type="datetimeFigureOut">
               <a:rPr lang="en-US" smtClean="0"/>
-              <a:t>6/28/2020</a:t>
+              <a:t>6/30/2020</a:t>
             </a:fld>
             <a:endParaRPr lang="en-US"/>
           </a:p>
@@ -3848,7 +4546,7 @@
 </p:sld>
 </file>
 
-<file path=ppt/slides/slide2.xml><?xml version="1.0" encoding="utf-8"?>
+<file path=ppt/slides/slide10.xml><?xml version="1.0" encoding="utf-8"?>
 <p:sld xmlns:a="http://schemas.openxmlformats.org/drawingml/2006/main" xmlns:r="http://schemas.openxmlformats.org/officeDocument/2006/relationships" xmlns:p="http://schemas.openxmlformats.org/presentationml/2006/main">
   <p:cSld>
     <p:spTree>
@@ -4047,7 +4745,7 @@
         </p:blipFill>
         <p:spPr>
           <a:xfrm flipH="1">
-            <a:off x="20" y="1282"/>
+            <a:off x="68267" y="1282"/>
             <a:ext cx="12191980" cy="6856718"/>
           </a:xfrm>
           <a:prstGeom prst="rect">
@@ -4246,8 +4944,8 @@
         </p:nvSpPr>
         <p:spPr>
           <a:xfrm>
-            <a:off x="8346756" y="913564"/>
-            <a:ext cx="3534943" cy="707886"/>
+            <a:off x="7669582" y="895091"/>
+            <a:ext cx="3115918" cy="707886"/>
           </a:xfrm>
           <a:prstGeom prst="rect">
             <a:avLst/>
@@ -4262,8 +4960,11 @@
           <a:p>
             <a:pPr algn="ctr"/>
             <a:r>
-              <a:rPr lang="he-IL" sz="4000" u="sng" dirty="0">
+              <a:rPr lang="en-US" sz="4000" b="0" u="sng" cap="none" spc="0" dirty="0">
                 <a:ln w="0"/>
+                <a:solidFill>
+                  <a:schemeClr val="tx1"/>
+                </a:solidFill>
                 <a:effectLst>
                   <a:outerShdw blurRad="38100" dist="19050" dir="2700000" algn="tl" rotWithShape="0">
                     <a:schemeClr val="dk1">
@@ -4272,7 +4973,7 @@
                   </a:outerShdw>
                 </a:effectLst>
               </a:rPr>
-              <a:t>כללי -מבנה הקוד</a:t>
+              <a:t>Tracking block</a:t>
             </a:r>
             <a:endParaRPr lang="he-IL" sz="4000" b="0" u="sng" cap="none" spc="0" dirty="0">
               <a:ln w="0"/>
@@ -4287,307 +4988,6 @@
                 </a:outerShdw>
               </a:effectLst>
             </a:endParaRPr>
-          </a:p>
-        </p:txBody>
-      </p:sp>
-      <p:sp>
-        <p:nvSpPr>
-          <p:cNvPr id="17" name="מלבן: פינות מעוגלות 16">
-            <a:extLst>
-              <a:ext uri="{FF2B5EF4-FFF2-40B4-BE49-F238E27FC236}">
-                <a16:creationId xmlns:a16="http://schemas.microsoft.com/office/drawing/2014/main" id="{7F760D77-2B12-4841-88C0-4D6E7926CED4}"/>
-              </a:ext>
-            </a:extLst>
-          </p:cNvPr>
-          <p:cNvSpPr/>
-          <p:nvPr/>
-        </p:nvSpPr>
-        <p:spPr>
-          <a:xfrm>
-            <a:off x="284019" y="2761224"/>
-            <a:ext cx="2407595" cy="1468071"/>
-          </a:xfrm>
-          <a:prstGeom prst="roundRect">
-            <a:avLst/>
-          </a:prstGeom>
-        </p:spPr>
-        <p:style>
-          <a:lnRef idx="2">
-            <a:schemeClr val="accent2">
-              <a:shade val="50000"/>
-            </a:schemeClr>
-          </a:lnRef>
-          <a:fillRef idx="1">
-            <a:schemeClr val="accent2"/>
-          </a:fillRef>
-          <a:effectRef idx="0">
-            <a:schemeClr val="accent2"/>
-          </a:effectRef>
-          <a:fontRef idx="minor">
-            <a:schemeClr val="lt1"/>
-          </a:fontRef>
-        </p:style>
-        <p:txBody>
-          <a:bodyPr rtlCol="0" anchor="ctr"/>
-          <a:lstStyle/>
-          <a:p>
-            <a:pPr algn="ctr"/>
-            <a:r>
-              <a:rPr lang="en-US" sz="1600" dirty="0">
-                <a:solidFill>
-                  <a:schemeClr val="tx1"/>
-                </a:solidFill>
-              </a:rPr>
-              <a:t>Stabilize_Video_Main.py</a:t>
-            </a:r>
-          </a:p>
-        </p:txBody>
-      </p:sp>
-      <p:sp>
-        <p:nvSpPr>
-          <p:cNvPr id="18" name="מלבן: פינות מעוגלות 17">
-            <a:extLst>
-              <a:ext uri="{FF2B5EF4-FFF2-40B4-BE49-F238E27FC236}">
-                <a16:creationId xmlns:a16="http://schemas.microsoft.com/office/drawing/2014/main" id="{A9CC540B-8B36-4243-8EC6-2CB2C55A7C1C}"/>
-              </a:ext>
-            </a:extLst>
-          </p:cNvPr>
-          <p:cNvSpPr/>
-          <p:nvPr/>
-        </p:nvSpPr>
-        <p:spPr>
-          <a:xfrm>
-            <a:off x="3194630" y="2705357"/>
-            <a:ext cx="2407595" cy="1589552"/>
-          </a:xfrm>
-          <a:prstGeom prst="roundRect">
-            <a:avLst/>
-          </a:prstGeom>
-        </p:spPr>
-        <p:style>
-          <a:lnRef idx="2">
-            <a:schemeClr val="accent2">
-              <a:shade val="50000"/>
-            </a:schemeClr>
-          </a:lnRef>
-          <a:fillRef idx="1">
-            <a:schemeClr val="accent2"/>
-          </a:fillRef>
-          <a:effectRef idx="0">
-            <a:schemeClr val="accent2"/>
-          </a:effectRef>
-          <a:fontRef idx="minor">
-            <a:schemeClr val="lt1"/>
-          </a:fontRef>
-        </p:style>
-        <p:txBody>
-          <a:bodyPr rtlCol="0" anchor="ctr"/>
-          <a:lstStyle/>
-          <a:p>
-            <a:pPr algn="ctr"/>
-            <a:r>
-              <a:rPr lang="en-US" sz="1200" dirty="0">
-                <a:solidFill>
-                  <a:schemeClr val="tx1"/>
-                </a:solidFill>
-              </a:rPr>
-              <a:t>backgroundSubtraction_Main.py</a:t>
-            </a:r>
-          </a:p>
-        </p:txBody>
-      </p:sp>
-      <p:sp>
-        <p:nvSpPr>
-          <p:cNvPr id="19" name="מלבן: פינות מעוגלות 18">
-            <a:extLst>
-              <a:ext uri="{FF2B5EF4-FFF2-40B4-BE49-F238E27FC236}">
-                <a16:creationId xmlns:a16="http://schemas.microsoft.com/office/drawing/2014/main" id="{3F38F2A1-BF79-4C5F-BE2B-CA8D4F16C5CB}"/>
-              </a:ext>
-            </a:extLst>
-          </p:cNvPr>
-          <p:cNvSpPr/>
-          <p:nvPr/>
-        </p:nvSpPr>
-        <p:spPr>
-          <a:xfrm>
-            <a:off x="6060411" y="2441984"/>
-            <a:ext cx="3174212" cy="1933923"/>
-          </a:xfrm>
-          <a:prstGeom prst="roundRect">
-            <a:avLst/>
-          </a:prstGeom>
-        </p:spPr>
-        <p:style>
-          <a:lnRef idx="2">
-            <a:schemeClr val="accent2">
-              <a:shade val="50000"/>
-            </a:schemeClr>
-          </a:lnRef>
-          <a:fillRef idx="1">
-            <a:schemeClr val="accent2"/>
-          </a:fillRef>
-          <a:effectRef idx="0">
-            <a:schemeClr val="accent2"/>
-          </a:effectRef>
-          <a:fontRef idx="minor">
-            <a:schemeClr val="lt1"/>
-          </a:fontRef>
-        </p:style>
-        <p:txBody>
-          <a:bodyPr rtlCol="0" anchor="ctr"/>
-          <a:lstStyle/>
-          <a:p>
-            <a:pPr algn="ctr"/>
-            <a:r>
-              <a:rPr lang="en-US" sz="1600" dirty="0">
-                <a:solidFill>
-                  <a:schemeClr val="tx1"/>
-                </a:solidFill>
-              </a:rPr>
-              <a:t>Matting_Main.py – contains:</a:t>
-            </a:r>
-          </a:p>
-          <a:p>
-            <a:pPr algn="l"/>
-            <a:r>
-              <a:rPr lang="en-US" sz="1600" dirty="0">
-                <a:solidFill>
-                  <a:schemeClr val="tx1"/>
-                </a:solidFill>
-              </a:rPr>
-              <a:t>1.Binary to </a:t>
-            </a:r>
-            <a:r>
-              <a:rPr lang="en-US" sz="1600" dirty="0" err="1">
-                <a:solidFill>
-                  <a:schemeClr val="tx1"/>
-                </a:solidFill>
-              </a:rPr>
-              <a:t>Trimap</a:t>
-            </a:r>
-            <a:endParaRPr lang="en-US" sz="1600" dirty="0">
-              <a:solidFill>
-                <a:schemeClr val="tx1"/>
-              </a:solidFill>
-            </a:endParaRPr>
-          </a:p>
-          <a:p>
-            <a:pPr algn="l"/>
-            <a:r>
-              <a:rPr lang="en-US" sz="1600" dirty="0">
-                <a:solidFill>
-                  <a:schemeClr val="tx1"/>
-                </a:solidFill>
-              </a:rPr>
-              <a:t>2. </a:t>
-            </a:r>
-            <a:r>
-              <a:rPr lang="en-US" sz="1600" dirty="0" err="1">
-                <a:solidFill>
-                  <a:schemeClr val="tx1"/>
-                </a:solidFill>
-              </a:rPr>
-              <a:t>Trimap</a:t>
-            </a:r>
-            <a:r>
-              <a:rPr lang="en-US" sz="1600" dirty="0">
-                <a:solidFill>
-                  <a:schemeClr val="tx1"/>
-                </a:solidFill>
-              </a:rPr>
-              <a:t> to Alpha</a:t>
-            </a:r>
-          </a:p>
-          <a:p>
-            <a:pPr algn="l"/>
-            <a:r>
-              <a:rPr lang="en-US" sz="1600" dirty="0">
-                <a:solidFill>
-                  <a:schemeClr val="tx1"/>
-                </a:solidFill>
-              </a:rPr>
-              <a:t>3. Creating </a:t>
-            </a:r>
-            <a:r>
-              <a:rPr lang="en-US" sz="1600" dirty="0" err="1">
-                <a:solidFill>
-                  <a:schemeClr val="tx1"/>
-                </a:solidFill>
-              </a:rPr>
-              <a:t>unstabilized</a:t>
-            </a:r>
-            <a:r>
-              <a:rPr lang="en-US" sz="1600" dirty="0">
-                <a:solidFill>
-                  <a:schemeClr val="tx1"/>
-                </a:solidFill>
-              </a:rPr>
-              <a:t> alpha</a:t>
-            </a:r>
-          </a:p>
-          <a:p>
-            <a:pPr algn="l"/>
-            <a:r>
-              <a:rPr lang="en-US" sz="1600" dirty="0">
-                <a:solidFill>
-                  <a:schemeClr val="tx1"/>
-                </a:solidFill>
-              </a:rPr>
-              <a:t>4. Matting</a:t>
-            </a:r>
-          </a:p>
-        </p:txBody>
-      </p:sp>
-      <p:sp>
-        <p:nvSpPr>
-          <p:cNvPr id="20" name="מלבן: פינות מעוגלות 19">
-            <a:extLst>
-              <a:ext uri="{FF2B5EF4-FFF2-40B4-BE49-F238E27FC236}">
-                <a16:creationId xmlns:a16="http://schemas.microsoft.com/office/drawing/2014/main" id="{779D9CE4-F372-43D8-962E-7A5137BED2D0}"/>
-              </a:ext>
-            </a:extLst>
-          </p:cNvPr>
-          <p:cNvSpPr/>
-          <p:nvPr/>
-        </p:nvSpPr>
-        <p:spPr>
-          <a:xfrm>
-            <a:off x="9683373" y="2694964"/>
-            <a:ext cx="2407595" cy="1468071"/>
-          </a:xfrm>
-          <a:prstGeom prst="roundRect">
-            <a:avLst/>
-          </a:prstGeom>
-        </p:spPr>
-        <p:style>
-          <a:lnRef idx="2">
-            <a:schemeClr val="accent2">
-              <a:shade val="50000"/>
-            </a:schemeClr>
-          </a:lnRef>
-          <a:fillRef idx="1">
-            <a:schemeClr val="accent2"/>
-          </a:fillRef>
-          <a:effectRef idx="0">
-            <a:schemeClr val="accent2"/>
-          </a:effectRef>
-          <a:fontRef idx="minor">
-            <a:schemeClr val="lt1"/>
-          </a:fontRef>
-        </p:style>
-        <p:txBody>
-          <a:bodyPr rtlCol="0" anchor="ctr"/>
-          <a:lstStyle/>
-          <a:p>
-            <a:pPr algn="ctr"/>
-            <a:r>
-              <a:rPr lang="en-US" dirty="0">
-                <a:solidFill>
-                  <a:schemeClr val="tx1"/>
-                </a:solidFill>
-              </a:rPr>
-              <a:t>Tracking_Main.py</a:t>
-            </a:r>
           </a:p>
         </p:txBody>
       </p:sp>
@@ -4621,138 +5021,12 @@
           </a:prstGeom>
         </p:spPr>
       </p:pic>
-      <p:cxnSp>
-        <p:nvCxnSpPr>
-          <p:cNvPr id="23" name="מחבר חץ ישר 22">
-            <a:extLst>
-              <a:ext uri="{FF2B5EF4-FFF2-40B4-BE49-F238E27FC236}">
-                <a16:creationId xmlns:a16="http://schemas.microsoft.com/office/drawing/2014/main" id="{88C2B58C-83D7-454D-800B-BF82DCA9679A}"/>
-              </a:ext>
-            </a:extLst>
-          </p:cNvPr>
-          <p:cNvCxnSpPr/>
-          <p:nvPr/>
-        </p:nvCxnSpPr>
-        <p:spPr>
-          <a:xfrm>
-            <a:off x="2691614" y="3428999"/>
-            <a:ext cx="448750" cy="0"/>
-          </a:xfrm>
-          <a:prstGeom prst="straightConnector1">
-            <a:avLst/>
-          </a:prstGeom>
-          <a:ln w="57150">
-            <a:solidFill>
-              <a:schemeClr val="tx1"/>
-            </a:solidFill>
-            <a:tailEnd type="triangle"/>
-          </a:ln>
-        </p:spPr>
-        <p:style>
-          <a:lnRef idx="1">
-            <a:schemeClr val="dk1"/>
-          </a:lnRef>
-          <a:fillRef idx="0">
-            <a:schemeClr val="dk1"/>
-          </a:fillRef>
-          <a:effectRef idx="0">
-            <a:schemeClr val="dk1"/>
-          </a:effectRef>
-          <a:fontRef idx="minor">
-            <a:schemeClr val="tx1"/>
-          </a:fontRef>
-        </p:style>
-      </p:cxnSp>
-      <p:cxnSp>
-        <p:nvCxnSpPr>
-          <p:cNvPr id="24" name="מחבר חץ ישר 23">
-            <a:extLst>
-              <a:ext uri="{FF2B5EF4-FFF2-40B4-BE49-F238E27FC236}">
-                <a16:creationId xmlns:a16="http://schemas.microsoft.com/office/drawing/2014/main" id="{572EF549-921C-4BC0-93B1-41C7881D5024}"/>
-              </a:ext>
-            </a:extLst>
-          </p:cNvPr>
-          <p:cNvCxnSpPr/>
-          <p:nvPr/>
-        </p:nvCxnSpPr>
-        <p:spPr>
-          <a:xfrm>
-            <a:off x="5602225" y="3398980"/>
-            <a:ext cx="448750" cy="0"/>
-          </a:xfrm>
-          <a:prstGeom prst="straightConnector1">
-            <a:avLst/>
-          </a:prstGeom>
-          <a:ln w="57150">
-            <a:solidFill>
-              <a:schemeClr val="tx1"/>
-            </a:solidFill>
-            <a:tailEnd type="triangle"/>
-          </a:ln>
-        </p:spPr>
-        <p:style>
-          <a:lnRef idx="1">
-            <a:schemeClr val="dk1"/>
-          </a:lnRef>
-          <a:fillRef idx="0">
-            <a:schemeClr val="dk1"/>
-          </a:fillRef>
-          <a:effectRef idx="0">
-            <a:schemeClr val="dk1"/>
-          </a:effectRef>
-          <a:fontRef idx="minor">
-            <a:schemeClr val="tx1"/>
-          </a:fontRef>
-        </p:style>
-      </p:cxnSp>
-      <p:cxnSp>
-        <p:nvCxnSpPr>
-          <p:cNvPr id="25" name="מחבר חץ ישר 24">
-            <a:extLst>
-              <a:ext uri="{FF2B5EF4-FFF2-40B4-BE49-F238E27FC236}">
-                <a16:creationId xmlns:a16="http://schemas.microsoft.com/office/drawing/2014/main" id="{03CA8927-5E89-4F45-92B0-5E0B0313F7C6}"/>
-              </a:ext>
-            </a:extLst>
-          </p:cNvPr>
-          <p:cNvCxnSpPr/>
-          <p:nvPr/>
-        </p:nvCxnSpPr>
-        <p:spPr>
-          <a:xfrm>
-            <a:off x="9241005" y="3408216"/>
-            <a:ext cx="448750" cy="0"/>
-          </a:xfrm>
-          <a:prstGeom prst="straightConnector1">
-            <a:avLst/>
-          </a:prstGeom>
-          <a:ln w="57150">
-            <a:solidFill>
-              <a:schemeClr val="tx1"/>
-            </a:solidFill>
-            <a:tailEnd type="triangle"/>
-          </a:ln>
-        </p:spPr>
-        <p:style>
-          <a:lnRef idx="1">
-            <a:schemeClr val="dk1"/>
-          </a:lnRef>
-          <a:fillRef idx="0">
-            <a:schemeClr val="dk1"/>
-          </a:fillRef>
-          <a:effectRef idx="0">
-            <a:schemeClr val="dk1"/>
-          </a:effectRef>
-          <a:fontRef idx="minor">
-            <a:schemeClr val="tx1"/>
-          </a:fontRef>
-        </p:style>
-      </p:cxnSp>
       <p:sp>
         <p:nvSpPr>
-          <p:cNvPr id="26" name="מלבן: פינות מעוגלות 25">
-            <a:extLst>
-              <a:ext uri="{FF2B5EF4-FFF2-40B4-BE49-F238E27FC236}">
-                <a16:creationId xmlns:a16="http://schemas.microsoft.com/office/drawing/2014/main" id="{B88761B5-A55C-448F-9383-E455B81B028A}"/>
+          <p:cNvPr id="2" name="מלבן 1">
+            <a:extLst>
+              <a:ext uri="{FF2B5EF4-FFF2-40B4-BE49-F238E27FC236}">
+                <a16:creationId xmlns:a16="http://schemas.microsoft.com/office/drawing/2014/main" id="{C9779DE7-A685-4C79-9F6A-4C5A0BA7F741}"/>
               </a:ext>
             </a:extLst>
           </p:cNvPr>
@@ -4761,227 +5035,136 @@
         </p:nvSpPr>
         <p:spPr>
           <a:xfrm>
-            <a:off x="580615" y="5062301"/>
-            <a:ext cx="4670747" cy="1463898"/>
-          </a:xfrm>
-          <a:prstGeom prst="roundRect">
-            <a:avLst/>
-          </a:prstGeom>
-        </p:spPr>
-        <p:style>
-          <a:lnRef idx="2">
-            <a:schemeClr val="accent4">
-              <a:shade val="50000"/>
-            </a:schemeClr>
-          </a:lnRef>
-          <a:fillRef idx="1">
-            <a:schemeClr val="accent4"/>
-          </a:fillRef>
-          <a:effectRef idx="0">
-            <a:schemeClr val="accent4"/>
-          </a:effectRef>
-          <a:fontRef idx="minor">
-            <a:schemeClr val="lt1"/>
-          </a:fontRef>
-        </p:style>
-        <p:txBody>
-          <a:bodyPr rtlCol="0" anchor="ctr"/>
-          <a:lstStyle/>
-          <a:p>
-            <a:pPr algn="l"/>
-            <a:r>
-              <a:rPr lang="en-US" dirty="0">
-                <a:solidFill>
-                  <a:schemeClr val="tx1"/>
-                </a:solidFill>
-              </a:rPr>
-              <a:t>Runme.py – main code</a:t>
-            </a:r>
-          </a:p>
-          <a:p>
-            <a:pPr algn="l"/>
-            <a:r>
-              <a:rPr lang="en-US" dirty="0">
-                <a:solidFill>
-                  <a:schemeClr val="tx1"/>
-                </a:solidFill>
-              </a:rPr>
-              <a:t>Settings.py – variables and configurations</a:t>
-            </a:r>
-          </a:p>
-          <a:p>
-            <a:pPr algn="l"/>
-            <a:r>
-              <a:rPr lang="en-US" dirty="0">
-                <a:solidFill>
-                  <a:schemeClr val="tx1"/>
-                </a:solidFill>
-              </a:rPr>
-              <a:t>auxiliary_functions.py – general functions</a:t>
-            </a:r>
-          </a:p>
-        </p:txBody>
-      </p:sp>
-      <p:sp>
-        <p:nvSpPr>
-          <p:cNvPr id="28" name="מלבן 27">
-            <a:extLst>
-              <a:ext uri="{FF2B5EF4-FFF2-40B4-BE49-F238E27FC236}">
-                <a16:creationId xmlns:a16="http://schemas.microsoft.com/office/drawing/2014/main" id="{43212487-50FE-47FC-94F5-98887769FB2F}"/>
-              </a:ext>
-            </a:extLst>
-          </p:cNvPr>
-          <p:cNvSpPr/>
-          <p:nvPr/>
-        </p:nvSpPr>
-        <p:spPr>
-          <a:xfrm>
-            <a:off x="485316" y="2329476"/>
-            <a:ext cx="1939185" cy="369332"/>
+            <a:off x="337351" y="1737256"/>
+            <a:ext cx="11653812" cy="2163349"/>
           </a:xfrm>
           <a:prstGeom prst="rect">
             <a:avLst/>
           </a:prstGeom>
-          <a:noFill/>
         </p:spPr>
         <p:txBody>
-          <a:bodyPr wrap="none" lIns="91440" tIns="45720" rIns="91440" bIns="45720">
+          <a:bodyPr wrap="square">
             <a:spAutoFit/>
           </a:bodyPr>
           <a:lstStyle/>
           <a:p>
-            <a:pPr algn="ctr"/>
+            <a:pPr>
+              <a:lnSpc>
+                <a:spcPct val="107000"/>
+              </a:lnSpc>
+              <a:spcAft>
+                <a:spcPts val="800"/>
+              </a:spcAft>
+            </a:pPr>
+            <a:r>
+              <a:rPr lang="he-IL" dirty="0">
+                <a:latin typeface="Calibri" panose="020F0502020204030204" pitchFamily="34" charset="0"/>
+              </a:rPr>
+              <a:t>בבלוק זה ניסינו תחילה להשתמש בפתרון מסנן החלקיקים שכתבנו בתרגיל 3, אך מכיוון שהפתרון שלנו משתמש בהיסטוגרמה והדמות שהתקבלה ב</a:t>
+            </a:r>
             <a:r>
               <a:rPr lang="en-US" dirty="0">
-                <a:solidFill>
-                  <a:schemeClr val="tx1"/>
-                </a:solidFill>
+                <a:latin typeface="Calibri" panose="020F0502020204030204" pitchFamily="34" charset="0"/>
               </a:rPr>
-              <a:t>Stabilization block:</a:t>
-            </a:r>
-          </a:p>
-        </p:txBody>
-      </p:sp>
-      <p:sp>
-        <p:nvSpPr>
-          <p:cNvPr id="29" name="מלבן 28">
-            <a:extLst>
-              <a:ext uri="{FF2B5EF4-FFF2-40B4-BE49-F238E27FC236}">
-                <a16:creationId xmlns:a16="http://schemas.microsoft.com/office/drawing/2014/main" id="{E5601882-DB4C-4808-8D0D-E6FC25533357}"/>
-              </a:ext>
-            </a:extLst>
-          </p:cNvPr>
-          <p:cNvSpPr/>
-          <p:nvPr/>
-        </p:nvSpPr>
-        <p:spPr>
-          <a:xfrm>
-            <a:off x="2876151" y="2257318"/>
-            <a:ext cx="3044551" cy="369332"/>
-          </a:xfrm>
-          <a:prstGeom prst="rect">
-            <a:avLst/>
-          </a:prstGeom>
-          <a:noFill/>
-        </p:spPr>
-        <p:txBody>
-          <a:bodyPr wrap="none" lIns="91440" tIns="45720" rIns="91440" bIns="45720">
-            <a:spAutoFit/>
-          </a:bodyPr>
-          <a:lstStyle/>
-          <a:p>
-            <a:pPr algn="ctr"/>
-            <a:r>
-              <a:rPr lang="en-US" dirty="0"/>
-              <a:t>Background Subtraction block:</a:t>
-            </a:r>
-          </a:p>
-        </p:txBody>
-      </p:sp>
-      <p:sp>
-        <p:nvSpPr>
-          <p:cNvPr id="30" name="מלבן 29">
-            <a:extLst>
-              <a:ext uri="{FF2B5EF4-FFF2-40B4-BE49-F238E27FC236}">
-                <a16:creationId xmlns:a16="http://schemas.microsoft.com/office/drawing/2014/main" id="{6FBC0814-B292-477A-9612-FEF76BB252AF}"/>
-              </a:ext>
-            </a:extLst>
-          </p:cNvPr>
-          <p:cNvSpPr/>
-          <p:nvPr/>
-        </p:nvSpPr>
-        <p:spPr>
-          <a:xfrm>
-            <a:off x="6761624" y="2000094"/>
-            <a:ext cx="1541832" cy="369332"/>
-          </a:xfrm>
-          <a:prstGeom prst="rect">
-            <a:avLst/>
-          </a:prstGeom>
-          <a:noFill/>
-        </p:spPr>
-        <p:txBody>
-          <a:bodyPr wrap="none" lIns="91440" tIns="45720" rIns="91440" bIns="45720">
-            <a:spAutoFit/>
-          </a:bodyPr>
-          <a:lstStyle/>
-          <a:p>
-            <a:pPr algn="ctr"/>
+              <a:t>matting</a:t>
+            </a:r>
+            <a:r>
+              <a:rPr lang="he-IL" dirty="0">
+                <a:latin typeface="Calibri" panose="020F0502020204030204" pitchFamily="34" charset="0"/>
+              </a:rPr>
+              <a:t> איננה שלמה כל הזמן, העקיבה נאבדת לפעמים.</a:t>
+            </a:r>
+          </a:p>
+          <a:p>
+            <a:pPr>
+              <a:lnSpc>
+                <a:spcPct val="107000"/>
+              </a:lnSpc>
+              <a:spcAft>
+                <a:spcPts val="800"/>
+              </a:spcAft>
+            </a:pPr>
+            <a:r>
+              <a:rPr lang="he-IL" dirty="0">
+                <a:latin typeface="Calibri" panose="020F0502020204030204" pitchFamily="34" charset="0"/>
+              </a:rPr>
+              <a:t>במקום פתרון זה בחרנו להשתמש </a:t>
+            </a:r>
+            <a:r>
+              <a:rPr lang="he-IL" dirty="0" err="1">
+                <a:latin typeface="Calibri" panose="020F0502020204030204" pitchFamily="34" charset="0"/>
+              </a:rPr>
+              <a:t>בעקיבת</a:t>
+            </a:r>
+            <a:r>
+              <a:rPr lang="he-IL" dirty="0">
+                <a:latin typeface="Calibri" panose="020F0502020204030204" pitchFamily="34" charset="0"/>
+              </a:rPr>
+              <a:t> של </a:t>
+            </a:r>
+            <a:r>
+              <a:rPr lang="en-US" dirty="0" err="1">
+                <a:latin typeface="Calibri" panose="020F0502020204030204" pitchFamily="34" charset="0"/>
+              </a:rPr>
+              <a:t>opencv</a:t>
+            </a:r>
+            <a:r>
+              <a:rPr lang="he-IL" dirty="0">
+                <a:latin typeface="Calibri" panose="020F0502020204030204" pitchFamily="34" charset="0"/>
+              </a:rPr>
+              <a:t>. בחרנו בעוקב מסוג </a:t>
+            </a:r>
             <a:r>
               <a:rPr lang="en-US" dirty="0">
-                <a:solidFill>
-                  <a:schemeClr val="tx1"/>
-                </a:solidFill>
+                <a:latin typeface="Calibri" panose="020F0502020204030204" pitchFamily="34" charset="0"/>
               </a:rPr>
-              <a:t>Matting Block:</a:t>
-            </a:r>
-          </a:p>
-        </p:txBody>
-      </p:sp>
-      <p:sp>
-        <p:nvSpPr>
-          <p:cNvPr id="31" name="מלבן 30">
-            <a:extLst>
-              <a:ext uri="{FF2B5EF4-FFF2-40B4-BE49-F238E27FC236}">
-                <a16:creationId xmlns:a16="http://schemas.microsoft.com/office/drawing/2014/main" id="{C600F928-0D1C-4F19-9140-5EAAA3E8AF91}"/>
-              </a:ext>
-            </a:extLst>
-          </p:cNvPr>
-          <p:cNvSpPr/>
-          <p:nvPr/>
-        </p:nvSpPr>
-        <p:spPr>
-          <a:xfrm>
-            <a:off x="9949780" y="2309072"/>
-            <a:ext cx="1571456" cy="369332"/>
-          </a:xfrm>
-          <a:prstGeom prst="rect">
-            <a:avLst/>
-          </a:prstGeom>
-          <a:noFill/>
-        </p:spPr>
-        <p:txBody>
-          <a:bodyPr wrap="none" lIns="91440" tIns="45720" rIns="91440" bIns="45720">
-            <a:spAutoFit/>
-          </a:bodyPr>
-          <a:lstStyle/>
-          <a:p>
-            <a:pPr algn="ctr"/>
+              <a:t>Boosting</a:t>
+            </a:r>
+            <a:r>
+              <a:rPr lang="he-IL" dirty="0">
+                <a:latin typeface="Calibri" panose="020F0502020204030204" pitchFamily="34" charset="0"/>
+              </a:rPr>
+              <a:t> מכיוון שהוא משתמש ברקע כדוגמה שלילית וכך נמנע מסחיפה בעקבות איבוד רגעי של האובייקט. ייתכן ושרקע שומה מאוד לאובייקט יגרום לביצועים פחות טובים של העקיבה.</a:t>
+            </a:r>
+          </a:p>
+          <a:p>
+            <a:pPr>
+              <a:lnSpc>
+                <a:spcPct val="107000"/>
+              </a:lnSpc>
+              <a:spcAft>
+                <a:spcPts val="800"/>
+              </a:spcAft>
+            </a:pPr>
+            <a:endParaRPr lang="he-IL" dirty="0">
+              <a:latin typeface="Calibri" panose="020F0502020204030204" pitchFamily="34" charset="0"/>
+            </a:endParaRPr>
+          </a:p>
+          <a:p>
+            <a:pPr lvl="1">
+              <a:lnSpc>
+                <a:spcPct val="107000"/>
+              </a:lnSpc>
+              <a:spcAft>
+                <a:spcPts val="800"/>
+              </a:spcAft>
+            </a:pPr>
             <a:r>
               <a:rPr lang="en-US" dirty="0">
-                <a:solidFill>
-                  <a:schemeClr val="tx1"/>
-                </a:solidFill>
+                <a:latin typeface="Calibri" panose="020F0502020204030204" pitchFamily="34" charset="0"/>
               </a:rPr>
-              <a:t>Tracking Block:</a:t>
-            </a:r>
+              <a:t>	</a:t>
+            </a:r>
+            <a:endParaRPr lang="he-IL" dirty="0">
+              <a:latin typeface="Calibri" panose="020F0502020204030204" pitchFamily="34" charset="0"/>
+            </a:endParaRPr>
           </a:p>
         </p:txBody>
       </p:sp>
     </p:spTree>
     <p:extLst>
       <p:ext uri="{BB962C8B-B14F-4D97-AF65-F5344CB8AC3E}">
-        <p14:creationId xmlns:p14="http://schemas.microsoft.com/office/powerpoint/2010/main" val="921354258"/>
+        <p14:creationId xmlns:p14="http://schemas.microsoft.com/office/powerpoint/2010/main" val="3740391072"/>
       </p:ext>
     </p:extLst>
   </p:cSld>
@@ -4991,7 +5174,7 @@
 </p:sld>
 </file>
 
-<file path=ppt/slides/slide3.xml><?xml version="1.0" encoding="utf-8"?>
+<file path=ppt/slides/slide2.xml><?xml version="1.0" encoding="utf-8"?>
 <p:sld xmlns:a="http://schemas.openxmlformats.org/drawingml/2006/main" xmlns:r="http://schemas.openxmlformats.org/officeDocument/2006/relationships" xmlns:p="http://schemas.openxmlformats.org/presentationml/2006/main">
   <p:cSld>
     <p:spTree>
@@ -5389,8 +5572,8 @@
         </p:nvSpPr>
         <p:spPr>
           <a:xfrm>
-            <a:off x="7176727" y="968982"/>
-            <a:ext cx="3935373" cy="707886"/>
+            <a:off x="8346756" y="913564"/>
+            <a:ext cx="3534943" cy="707886"/>
           </a:xfrm>
           <a:prstGeom prst="rect">
             <a:avLst/>
@@ -5405,11 +5588,8 @@
           <a:p>
             <a:pPr algn="ctr"/>
             <a:r>
-              <a:rPr lang="en-US" sz="4000" b="0" u="sng" cap="none" spc="0" dirty="0">
+              <a:rPr lang="he-IL" sz="4000" u="sng" dirty="0">
                 <a:ln w="0"/>
-                <a:solidFill>
-                  <a:schemeClr val="tx1"/>
-                </a:solidFill>
                 <a:effectLst>
                   <a:outerShdw blurRad="38100" dist="19050" dir="2700000" algn="tl" rotWithShape="0">
                     <a:schemeClr val="dk1">
@@ -5418,7 +5598,7 @@
                   </a:outerShdw>
                 </a:effectLst>
               </a:rPr>
-              <a:t>Stabilization block</a:t>
+              <a:t>כללי -מבנה הקוד</a:t>
             </a:r>
             <a:endParaRPr lang="he-IL" sz="4000" b="0" u="sng" cap="none" spc="0" dirty="0">
               <a:ln w="0"/>
@@ -5433,6 +5613,307 @@
                 </a:outerShdw>
               </a:effectLst>
             </a:endParaRPr>
+          </a:p>
+        </p:txBody>
+      </p:sp>
+      <p:sp>
+        <p:nvSpPr>
+          <p:cNvPr id="17" name="מלבן: פינות מעוגלות 16">
+            <a:extLst>
+              <a:ext uri="{FF2B5EF4-FFF2-40B4-BE49-F238E27FC236}">
+                <a16:creationId xmlns:a16="http://schemas.microsoft.com/office/drawing/2014/main" id="{7F760D77-2B12-4841-88C0-4D6E7926CED4}"/>
+              </a:ext>
+            </a:extLst>
+          </p:cNvPr>
+          <p:cNvSpPr/>
+          <p:nvPr/>
+        </p:nvSpPr>
+        <p:spPr>
+          <a:xfrm>
+            <a:off x="284019" y="2761224"/>
+            <a:ext cx="2404083" cy="1468071"/>
+          </a:xfrm>
+          <a:prstGeom prst="roundRect">
+            <a:avLst/>
+          </a:prstGeom>
+        </p:spPr>
+        <p:style>
+          <a:lnRef idx="2">
+            <a:schemeClr val="accent2">
+              <a:shade val="50000"/>
+            </a:schemeClr>
+          </a:lnRef>
+          <a:fillRef idx="1">
+            <a:schemeClr val="accent2"/>
+          </a:fillRef>
+          <a:effectRef idx="0">
+            <a:schemeClr val="accent2"/>
+          </a:effectRef>
+          <a:fontRef idx="minor">
+            <a:schemeClr val="lt1"/>
+          </a:fontRef>
+        </p:style>
+        <p:txBody>
+          <a:bodyPr rtlCol="0" anchor="ctr"/>
+          <a:lstStyle/>
+          <a:p>
+            <a:pPr algn="ctr"/>
+            <a:r>
+              <a:rPr lang="en-US" sz="1600" dirty="0">
+                <a:solidFill>
+                  <a:schemeClr val="tx1"/>
+                </a:solidFill>
+              </a:rPr>
+              <a:t>Stabilize_Video_Main.py</a:t>
+            </a:r>
+          </a:p>
+        </p:txBody>
+      </p:sp>
+      <p:sp>
+        <p:nvSpPr>
+          <p:cNvPr id="18" name="מלבן: פינות מעוגלות 17">
+            <a:extLst>
+              <a:ext uri="{FF2B5EF4-FFF2-40B4-BE49-F238E27FC236}">
+                <a16:creationId xmlns:a16="http://schemas.microsoft.com/office/drawing/2014/main" id="{A9CC540B-8B36-4243-8EC6-2CB2C55A7C1C}"/>
+              </a:ext>
+            </a:extLst>
+          </p:cNvPr>
+          <p:cNvSpPr/>
+          <p:nvPr/>
+        </p:nvSpPr>
+        <p:spPr>
+          <a:xfrm>
+            <a:off x="3136852" y="2705357"/>
+            <a:ext cx="2896078" cy="1589552"/>
+          </a:xfrm>
+          <a:prstGeom prst="roundRect">
+            <a:avLst/>
+          </a:prstGeom>
+        </p:spPr>
+        <p:style>
+          <a:lnRef idx="2">
+            <a:schemeClr val="accent2">
+              <a:shade val="50000"/>
+            </a:schemeClr>
+          </a:lnRef>
+          <a:fillRef idx="1">
+            <a:schemeClr val="accent2"/>
+          </a:fillRef>
+          <a:effectRef idx="0">
+            <a:schemeClr val="accent2"/>
+          </a:effectRef>
+          <a:fontRef idx="minor">
+            <a:schemeClr val="lt1"/>
+          </a:fontRef>
+        </p:style>
+        <p:txBody>
+          <a:bodyPr rtlCol="0" anchor="ctr"/>
+          <a:lstStyle/>
+          <a:p>
+            <a:pPr algn="ctr"/>
+            <a:r>
+              <a:rPr lang="en-US" sz="1500" dirty="0">
+                <a:solidFill>
+                  <a:schemeClr val="tx1"/>
+                </a:solidFill>
+              </a:rPr>
+              <a:t>backgroundSubtraction_Main.py</a:t>
+            </a:r>
+          </a:p>
+        </p:txBody>
+      </p:sp>
+      <p:sp>
+        <p:nvSpPr>
+          <p:cNvPr id="19" name="מלבן: פינות מעוגלות 18">
+            <a:extLst>
+              <a:ext uri="{FF2B5EF4-FFF2-40B4-BE49-F238E27FC236}">
+                <a16:creationId xmlns:a16="http://schemas.microsoft.com/office/drawing/2014/main" id="{3F38F2A1-BF79-4C5F-BE2B-CA8D4F16C5CB}"/>
+              </a:ext>
+            </a:extLst>
+          </p:cNvPr>
+          <p:cNvSpPr/>
+          <p:nvPr/>
+        </p:nvSpPr>
+        <p:spPr>
+          <a:xfrm>
+            <a:off x="6485192" y="2448964"/>
+            <a:ext cx="3174212" cy="1933923"/>
+          </a:xfrm>
+          <a:prstGeom prst="roundRect">
+            <a:avLst/>
+          </a:prstGeom>
+        </p:spPr>
+        <p:style>
+          <a:lnRef idx="2">
+            <a:schemeClr val="accent2">
+              <a:shade val="50000"/>
+            </a:schemeClr>
+          </a:lnRef>
+          <a:fillRef idx="1">
+            <a:schemeClr val="accent2"/>
+          </a:fillRef>
+          <a:effectRef idx="0">
+            <a:schemeClr val="accent2"/>
+          </a:effectRef>
+          <a:fontRef idx="minor">
+            <a:schemeClr val="lt1"/>
+          </a:fontRef>
+        </p:style>
+        <p:txBody>
+          <a:bodyPr rtlCol="0" anchor="ctr"/>
+          <a:lstStyle/>
+          <a:p>
+            <a:pPr algn="ctr"/>
+            <a:r>
+              <a:rPr lang="en-US" sz="1600" dirty="0">
+                <a:solidFill>
+                  <a:schemeClr val="tx1"/>
+                </a:solidFill>
+              </a:rPr>
+              <a:t>Matting_Main.py – contains:</a:t>
+            </a:r>
+          </a:p>
+          <a:p>
+            <a:pPr algn="l"/>
+            <a:r>
+              <a:rPr lang="en-US" sz="1600" dirty="0">
+                <a:solidFill>
+                  <a:schemeClr val="tx1"/>
+                </a:solidFill>
+              </a:rPr>
+              <a:t>1.Binary to </a:t>
+            </a:r>
+            <a:r>
+              <a:rPr lang="en-US" sz="1600" dirty="0" err="1">
+                <a:solidFill>
+                  <a:schemeClr val="tx1"/>
+                </a:solidFill>
+              </a:rPr>
+              <a:t>Trimap</a:t>
+            </a:r>
+            <a:endParaRPr lang="en-US" sz="1600" dirty="0">
+              <a:solidFill>
+                <a:schemeClr val="tx1"/>
+              </a:solidFill>
+            </a:endParaRPr>
+          </a:p>
+          <a:p>
+            <a:pPr algn="l"/>
+            <a:r>
+              <a:rPr lang="en-US" sz="1600" dirty="0">
+                <a:solidFill>
+                  <a:schemeClr val="tx1"/>
+                </a:solidFill>
+              </a:rPr>
+              <a:t>2. </a:t>
+            </a:r>
+            <a:r>
+              <a:rPr lang="en-US" sz="1600" dirty="0" err="1">
+                <a:solidFill>
+                  <a:schemeClr val="tx1"/>
+                </a:solidFill>
+              </a:rPr>
+              <a:t>Trimap</a:t>
+            </a:r>
+            <a:r>
+              <a:rPr lang="en-US" sz="1600" dirty="0">
+                <a:solidFill>
+                  <a:schemeClr val="tx1"/>
+                </a:solidFill>
+              </a:rPr>
+              <a:t> to Alpha</a:t>
+            </a:r>
+          </a:p>
+          <a:p>
+            <a:pPr algn="l"/>
+            <a:r>
+              <a:rPr lang="en-US" sz="1600" dirty="0">
+                <a:solidFill>
+                  <a:schemeClr val="tx1"/>
+                </a:solidFill>
+              </a:rPr>
+              <a:t>3. Creating </a:t>
+            </a:r>
+            <a:r>
+              <a:rPr lang="en-US" sz="1600" dirty="0" err="1">
+                <a:solidFill>
+                  <a:schemeClr val="tx1"/>
+                </a:solidFill>
+              </a:rPr>
+              <a:t>unstabilized</a:t>
+            </a:r>
+            <a:r>
+              <a:rPr lang="en-US" sz="1600" dirty="0">
+                <a:solidFill>
+                  <a:schemeClr val="tx1"/>
+                </a:solidFill>
+              </a:rPr>
+              <a:t> alpha</a:t>
+            </a:r>
+          </a:p>
+          <a:p>
+            <a:pPr algn="l"/>
+            <a:r>
+              <a:rPr lang="en-US" sz="1600" dirty="0">
+                <a:solidFill>
+                  <a:schemeClr val="tx1"/>
+                </a:solidFill>
+              </a:rPr>
+              <a:t>4. Matting</a:t>
+            </a:r>
+          </a:p>
+        </p:txBody>
+      </p:sp>
+      <p:sp>
+        <p:nvSpPr>
+          <p:cNvPr id="20" name="מלבן: פינות מעוגלות 19">
+            <a:extLst>
+              <a:ext uri="{FF2B5EF4-FFF2-40B4-BE49-F238E27FC236}">
+                <a16:creationId xmlns:a16="http://schemas.microsoft.com/office/drawing/2014/main" id="{779D9CE4-F372-43D8-962E-7A5137BED2D0}"/>
+              </a:ext>
+            </a:extLst>
+          </p:cNvPr>
+          <p:cNvSpPr/>
+          <p:nvPr/>
+        </p:nvSpPr>
+        <p:spPr>
+          <a:xfrm>
+            <a:off x="10111666" y="2694964"/>
+            <a:ext cx="1979302" cy="1468071"/>
+          </a:xfrm>
+          <a:prstGeom prst="roundRect">
+            <a:avLst/>
+          </a:prstGeom>
+        </p:spPr>
+        <p:style>
+          <a:lnRef idx="2">
+            <a:schemeClr val="accent2">
+              <a:shade val="50000"/>
+            </a:schemeClr>
+          </a:lnRef>
+          <a:fillRef idx="1">
+            <a:schemeClr val="accent2"/>
+          </a:fillRef>
+          <a:effectRef idx="0">
+            <a:schemeClr val="accent2"/>
+          </a:effectRef>
+          <a:fontRef idx="minor">
+            <a:schemeClr val="lt1"/>
+          </a:fontRef>
+        </p:style>
+        <p:txBody>
+          <a:bodyPr rtlCol="0" anchor="ctr"/>
+          <a:lstStyle/>
+          <a:p>
+            <a:pPr algn="ctr"/>
+            <a:r>
+              <a:rPr lang="en-US" dirty="0">
+                <a:solidFill>
+                  <a:schemeClr val="tx1"/>
+                </a:solidFill>
+              </a:rPr>
+              <a:t>Tracking_Main.py</a:t>
+            </a:r>
           </a:p>
         </p:txBody>
       </p:sp>
@@ -5466,10 +5947,367 @@
           </a:prstGeom>
         </p:spPr>
       </p:pic>
+      <p:cxnSp>
+        <p:nvCxnSpPr>
+          <p:cNvPr id="23" name="מחבר חץ ישר 22">
+            <a:extLst>
+              <a:ext uri="{FF2B5EF4-FFF2-40B4-BE49-F238E27FC236}">
+                <a16:creationId xmlns:a16="http://schemas.microsoft.com/office/drawing/2014/main" id="{88C2B58C-83D7-454D-800B-BF82DCA9679A}"/>
+              </a:ext>
+            </a:extLst>
+          </p:cNvPr>
+          <p:cNvCxnSpPr/>
+          <p:nvPr/>
+        </p:nvCxnSpPr>
+        <p:spPr>
+          <a:xfrm>
+            <a:off x="2688102" y="3535531"/>
+            <a:ext cx="448750" cy="0"/>
+          </a:xfrm>
+          <a:prstGeom prst="straightConnector1">
+            <a:avLst/>
+          </a:prstGeom>
+          <a:ln w="57150">
+            <a:solidFill>
+              <a:schemeClr val="tx1"/>
+            </a:solidFill>
+            <a:tailEnd type="triangle"/>
+          </a:ln>
+        </p:spPr>
+        <p:style>
+          <a:lnRef idx="1">
+            <a:schemeClr val="dk1"/>
+          </a:lnRef>
+          <a:fillRef idx="0">
+            <a:schemeClr val="dk1"/>
+          </a:fillRef>
+          <a:effectRef idx="0">
+            <a:schemeClr val="dk1"/>
+          </a:effectRef>
+          <a:fontRef idx="minor">
+            <a:schemeClr val="tx1"/>
+          </a:fontRef>
+        </p:style>
+      </p:cxnSp>
+      <p:cxnSp>
+        <p:nvCxnSpPr>
+          <p:cNvPr id="24" name="מחבר חץ ישר 23">
+            <a:extLst>
+              <a:ext uri="{FF2B5EF4-FFF2-40B4-BE49-F238E27FC236}">
+                <a16:creationId xmlns:a16="http://schemas.microsoft.com/office/drawing/2014/main" id="{572EF549-921C-4BC0-93B1-41C7881D5024}"/>
+              </a:ext>
+            </a:extLst>
+          </p:cNvPr>
+          <p:cNvCxnSpPr/>
+          <p:nvPr/>
+        </p:nvCxnSpPr>
+        <p:spPr>
+          <a:xfrm>
+            <a:off x="6036442" y="3415925"/>
+            <a:ext cx="448750" cy="0"/>
+          </a:xfrm>
+          <a:prstGeom prst="straightConnector1">
+            <a:avLst/>
+          </a:prstGeom>
+          <a:ln w="57150">
+            <a:solidFill>
+              <a:schemeClr val="tx1"/>
+            </a:solidFill>
+            <a:tailEnd type="triangle"/>
+          </a:ln>
+        </p:spPr>
+        <p:style>
+          <a:lnRef idx="1">
+            <a:schemeClr val="dk1"/>
+          </a:lnRef>
+          <a:fillRef idx="0">
+            <a:schemeClr val="dk1"/>
+          </a:fillRef>
+          <a:effectRef idx="0">
+            <a:schemeClr val="dk1"/>
+          </a:effectRef>
+          <a:fontRef idx="minor">
+            <a:schemeClr val="tx1"/>
+          </a:fontRef>
+        </p:style>
+      </p:cxnSp>
+      <p:cxnSp>
+        <p:nvCxnSpPr>
+          <p:cNvPr id="25" name="מחבר חץ ישר 24">
+            <a:extLst>
+              <a:ext uri="{FF2B5EF4-FFF2-40B4-BE49-F238E27FC236}">
+                <a16:creationId xmlns:a16="http://schemas.microsoft.com/office/drawing/2014/main" id="{03CA8927-5E89-4F45-92B0-5E0B0313F7C6}"/>
+              </a:ext>
+            </a:extLst>
+          </p:cNvPr>
+          <p:cNvCxnSpPr/>
+          <p:nvPr/>
+        </p:nvCxnSpPr>
+        <p:spPr>
+          <a:xfrm>
+            <a:off x="9662916" y="3415926"/>
+            <a:ext cx="448750" cy="0"/>
+          </a:xfrm>
+          <a:prstGeom prst="straightConnector1">
+            <a:avLst/>
+          </a:prstGeom>
+          <a:ln w="57150">
+            <a:solidFill>
+              <a:schemeClr val="tx1"/>
+            </a:solidFill>
+            <a:tailEnd type="triangle"/>
+          </a:ln>
+        </p:spPr>
+        <p:style>
+          <a:lnRef idx="1">
+            <a:schemeClr val="dk1"/>
+          </a:lnRef>
+          <a:fillRef idx="0">
+            <a:schemeClr val="dk1"/>
+          </a:fillRef>
+          <a:effectRef idx="0">
+            <a:schemeClr val="dk1"/>
+          </a:effectRef>
+          <a:fontRef idx="minor">
+            <a:schemeClr val="tx1"/>
+          </a:fontRef>
+        </p:style>
+      </p:cxnSp>
+      <p:sp>
+        <p:nvSpPr>
+          <p:cNvPr id="26" name="מלבן: פינות מעוגלות 25">
+            <a:extLst>
+              <a:ext uri="{FF2B5EF4-FFF2-40B4-BE49-F238E27FC236}">
+                <a16:creationId xmlns:a16="http://schemas.microsoft.com/office/drawing/2014/main" id="{B88761B5-A55C-448F-9383-E455B81B028A}"/>
+              </a:ext>
+            </a:extLst>
+          </p:cNvPr>
+          <p:cNvSpPr/>
+          <p:nvPr/>
+        </p:nvSpPr>
+        <p:spPr>
+          <a:xfrm>
+            <a:off x="580615" y="5062301"/>
+            <a:ext cx="4670747" cy="1463898"/>
+          </a:xfrm>
+          <a:prstGeom prst="roundRect">
+            <a:avLst/>
+          </a:prstGeom>
+        </p:spPr>
+        <p:style>
+          <a:lnRef idx="2">
+            <a:schemeClr val="accent4">
+              <a:shade val="50000"/>
+            </a:schemeClr>
+          </a:lnRef>
+          <a:fillRef idx="1">
+            <a:schemeClr val="accent4"/>
+          </a:fillRef>
+          <a:effectRef idx="0">
+            <a:schemeClr val="accent4"/>
+          </a:effectRef>
+          <a:fontRef idx="minor">
+            <a:schemeClr val="lt1"/>
+          </a:fontRef>
+        </p:style>
+        <p:txBody>
+          <a:bodyPr rtlCol="0" anchor="ctr"/>
+          <a:lstStyle/>
+          <a:p>
+            <a:pPr algn="l"/>
+            <a:r>
+              <a:rPr lang="en-US" dirty="0">
+                <a:solidFill>
+                  <a:schemeClr val="tx1"/>
+                </a:solidFill>
+              </a:rPr>
+              <a:t>Runme.py – main code</a:t>
+            </a:r>
+          </a:p>
+          <a:p>
+            <a:pPr algn="l"/>
+            <a:r>
+              <a:rPr lang="en-US" dirty="0">
+                <a:solidFill>
+                  <a:schemeClr val="tx1"/>
+                </a:solidFill>
+              </a:rPr>
+              <a:t>Settings.py – variables and configurations</a:t>
+            </a:r>
+          </a:p>
+          <a:p>
+            <a:pPr algn="l"/>
+            <a:r>
+              <a:rPr lang="en-US" dirty="0">
+                <a:solidFill>
+                  <a:schemeClr val="tx1"/>
+                </a:solidFill>
+              </a:rPr>
+              <a:t>auxiliary_functions.py – general functions</a:t>
+            </a:r>
+          </a:p>
+        </p:txBody>
+      </p:sp>
+      <p:sp>
+        <p:nvSpPr>
+          <p:cNvPr id="28" name="מלבן 27">
+            <a:extLst>
+              <a:ext uri="{FF2B5EF4-FFF2-40B4-BE49-F238E27FC236}">
+                <a16:creationId xmlns:a16="http://schemas.microsoft.com/office/drawing/2014/main" id="{43212487-50FE-47FC-94F5-98887769FB2F}"/>
+              </a:ext>
+            </a:extLst>
+          </p:cNvPr>
+          <p:cNvSpPr/>
+          <p:nvPr/>
+        </p:nvSpPr>
+        <p:spPr>
+          <a:xfrm>
+            <a:off x="485316" y="2329476"/>
+            <a:ext cx="1939185" cy="369332"/>
+          </a:xfrm>
+          <a:prstGeom prst="rect">
+            <a:avLst/>
+          </a:prstGeom>
+          <a:noFill/>
+        </p:spPr>
+        <p:txBody>
+          <a:bodyPr wrap="none" lIns="91440" tIns="45720" rIns="91440" bIns="45720">
+            <a:spAutoFit/>
+          </a:bodyPr>
+          <a:lstStyle/>
+          <a:p>
+            <a:pPr algn="ctr"/>
+            <a:r>
+              <a:rPr lang="en-US" dirty="0">
+                <a:solidFill>
+                  <a:schemeClr val="tx1"/>
+                </a:solidFill>
+              </a:rPr>
+              <a:t>Stabilization block:</a:t>
+            </a:r>
+          </a:p>
+        </p:txBody>
+      </p:sp>
+      <p:sp>
+        <p:nvSpPr>
+          <p:cNvPr id="29" name="מלבן 28">
+            <a:extLst>
+              <a:ext uri="{FF2B5EF4-FFF2-40B4-BE49-F238E27FC236}">
+                <a16:creationId xmlns:a16="http://schemas.microsoft.com/office/drawing/2014/main" id="{E5601882-DB4C-4808-8D0D-E6FC25533357}"/>
+              </a:ext>
+            </a:extLst>
+          </p:cNvPr>
+          <p:cNvSpPr/>
+          <p:nvPr/>
+        </p:nvSpPr>
+        <p:spPr>
+          <a:xfrm>
+            <a:off x="2876151" y="2257318"/>
+            <a:ext cx="3044551" cy="369332"/>
+          </a:xfrm>
+          <a:prstGeom prst="rect">
+            <a:avLst/>
+          </a:prstGeom>
+          <a:noFill/>
+        </p:spPr>
+        <p:txBody>
+          <a:bodyPr wrap="none" lIns="91440" tIns="45720" rIns="91440" bIns="45720">
+            <a:spAutoFit/>
+          </a:bodyPr>
+          <a:lstStyle/>
+          <a:p>
+            <a:pPr algn="ctr"/>
+            <a:r>
+              <a:rPr lang="en-US" dirty="0"/>
+              <a:t>Background Subtraction block:</a:t>
+            </a:r>
+          </a:p>
+        </p:txBody>
+      </p:sp>
+      <p:sp>
+        <p:nvSpPr>
+          <p:cNvPr id="30" name="מלבן 29">
+            <a:extLst>
+              <a:ext uri="{FF2B5EF4-FFF2-40B4-BE49-F238E27FC236}">
+                <a16:creationId xmlns:a16="http://schemas.microsoft.com/office/drawing/2014/main" id="{6FBC0814-B292-477A-9612-FEF76BB252AF}"/>
+              </a:ext>
+            </a:extLst>
+          </p:cNvPr>
+          <p:cNvSpPr/>
+          <p:nvPr/>
+        </p:nvSpPr>
+        <p:spPr>
+          <a:xfrm>
+            <a:off x="7253497" y="2079632"/>
+            <a:ext cx="1541832" cy="369332"/>
+          </a:xfrm>
+          <a:prstGeom prst="rect">
+            <a:avLst/>
+          </a:prstGeom>
+          <a:noFill/>
+        </p:spPr>
+        <p:txBody>
+          <a:bodyPr wrap="none" lIns="91440" tIns="45720" rIns="91440" bIns="45720">
+            <a:spAutoFit/>
+          </a:bodyPr>
+          <a:lstStyle/>
+          <a:p>
+            <a:pPr algn="ctr"/>
+            <a:r>
+              <a:rPr lang="en-US" dirty="0">
+                <a:solidFill>
+                  <a:schemeClr val="tx1"/>
+                </a:solidFill>
+              </a:rPr>
+              <a:t>Matting Block:</a:t>
+            </a:r>
+          </a:p>
+        </p:txBody>
+      </p:sp>
+      <p:sp>
+        <p:nvSpPr>
+          <p:cNvPr id="31" name="מלבן 30">
+            <a:extLst>
+              <a:ext uri="{FF2B5EF4-FFF2-40B4-BE49-F238E27FC236}">
+                <a16:creationId xmlns:a16="http://schemas.microsoft.com/office/drawing/2014/main" id="{C600F928-0D1C-4F19-9140-5EAAA3E8AF91}"/>
+              </a:ext>
+            </a:extLst>
+          </p:cNvPr>
+          <p:cNvSpPr/>
+          <p:nvPr/>
+        </p:nvSpPr>
+        <p:spPr>
+          <a:xfrm>
+            <a:off x="9949780" y="2309072"/>
+            <a:ext cx="1571456" cy="369332"/>
+          </a:xfrm>
+          <a:prstGeom prst="rect">
+            <a:avLst/>
+          </a:prstGeom>
+          <a:noFill/>
+        </p:spPr>
+        <p:txBody>
+          <a:bodyPr wrap="none" lIns="91440" tIns="45720" rIns="91440" bIns="45720">
+            <a:spAutoFit/>
+          </a:bodyPr>
+          <a:lstStyle/>
+          <a:p>
+            <a:pPr algn="ctr"/>
+            <a:r>
+              <a:rPr lang="en-US" dirty="0">
+                <a:solidFill>
+                  <a:schemeClr val="tx1"/>
+                </a:solidFill>
+              </a:rPr>
+              <a:t>Tracking Block:</a:t>
+            </a:r>
+          </a:p>
+        </p:txBody>
+      </p:sp>
     </p:spTree>
     <p:extLst>
       <p:ext uri="{BB962C8B-B14F-4D97-AF65-F5344CB8AC3E}">
-        <p14:creationId xmlns:p14="http://schemas.microsoft.com/office/powerpoint/2010/main" val="1252566476"/>
+        <p14:creationId xmlns:p14="http://schemas.microsoft.com/office/powerpoint/2010/main" val="921354258"/>
       </p:ext>
     </p:extLst>
   </p:cSld>
@@ -5479,7 +6317,7 @@
 </p:sld>
 </file>
 
-<file path=ppt/slides/slide4.xml><?xml version="1.0" encoding="utf-8"?>
+<file path=ppt/slides/slide3.xml><?xml version="1.0" encoding="utf-8"?>
 <p:sld xmlns:a="http://schemas.openxmlformats.org/drawingml/2006/main" xmlns:r="http://schemas.openxmlformats.org/officeDocument/2006/relationships" xmlns:p="http://schemas.openxmlformats.org/presentationml/2006/main">
   <p:cSld>
     <p:spTree>
@@ -5877,8 +6715,8 @@
         </p:nvSpPr>
         <p:spPr>
           <a:xfrm>
-            <a:off x="6532856" y="891269"/>
-            <a:ext cx="5130764" cy="584775"/>
+            <a:off x="8930134" y="951057"/>
+            <a:ext cx="2754280" cy="707886"/>
           </a:xfrm>
           <a:prstGeom prst="rect">
             <a:avLst/>
@@ -5893,11 +6731,8 @@
           <a:p>
             <a:pPr algn="ctr"/>
             <a:r>
-              <a:rPr lang="en-US" sz="3200" b="0" u="sng" cap="none" spc="0" dirty="0">
+              <a:rPr lang="he-IL" sz="4000" u="sng" dirty="0">
                 <a:ln w="0"/>
-                <a:solidFill>
-                  <a:schemeClr val="tx1"/>
-                </a:solidFill>
                 <a:effectLst>
                   <a:outerShdw blurRad="38100" dist="19050" dir="2700000" algn="tl" rotWithShape="0">
                     <a:schemeClr val="dk1">
@@ -5906,9 +6741,9 @@
                   </a:outerShdw>
                 </a:effectLst>
               </a:rPr>
-              <a:t>Background subtraction block</a:t>
-            </a:r>
-            <a:endParaRPr lang="he-IL" sz="3200" b="0" u="sng" cap="none" spc="0" dirty="0">
+              <a:t>פונקציות עזר</a:t>
+            </a:r>
+            <a:endParaRPr lang="he-IL" sz="4000" b="0" u="sng" cap="none" spc="0" dirty="0">
               <a:ln w="0"/>
               <a:solidFill>
                 <a:schemeClr val="tx1"/>
@@ -5954,10 +6789,120 @@
           </a:prstGeom>
         </p:spPr>
       </p:pic>
+      <p:sp>
+        <p:nvSpPr>
+          <p:cNvPr id="2" name="תיבת טקסט 1">
+            <a:extLst>
+              <a:ext uri="{FF2B5EF4-FFF2-40B4-BE49-F238E27FC236}">
+                <a16:creationId xmlns:a16="http://schemas.microsoft.com/office/drawing/2014/main" id="{F3BBB341-6552-46B1-B6FF-8C54E8F5327C}"/>
+              </a:ext>
+            </a:extLst>
+          </p:cNvPr>
+          <p:cNvSpPr txBox="1"/>
+          <p:nvPr/>
+        </p:nvSpPr>
+        <p:spPr>
+          <a:xfrm>
+            <a:off x="2690926" y="1840559"/>
+            <a:ext cx="8940800" cy="2308324"/>
+          </a:xfrm>
+          <a:prstGeom prst="rect">
+            <a:avLst/>
+          </a:prstGeom>
+          <a:noFill/>
+        </p:spPr>
+        <p:txBody>
+          <a:bodyPr wrap="square" rtlCol="0">
+            <a:spAutoFit/>
+          </a:bodyPr>
+          <a:lstStyle/>
+          <a:p>
+            <a:r>
+              <a:rPr lang="en-US" dirty="0"/>
+              <a:t>Runme.py</a:t>
+            </a:r>
+            <a:r>
+              <a:rPr lang="he-IL" dirty="0"/>
+              <a:t> – מריץ את הבלוקים. קיימות 2 אפשרויות ידניות כמתבקש בהוראות:</a:t>
+            </a:r>
+          </a:p>
+          <a:p>
+            <a:pPr marL="800100" lvl="1" indent="-342900">
+              <a:buFont typeface="+mj-lt"/>
+              <a:buAutoNum type="arabicPeriod"/>
+            </a:pPr>
+            <a:r>
+              <a:rPr lang="he-IL" dirty="0"/>
+              <a:t>ביטול בלוק ה</a:t>
+            </a:r>
+            <a:r>
+              <a:rPr lang="en-US" dirty="0"/>
+              <a:t>Stabilization</a:t>
+            </a:r>
+            <a:r>
+              <a:rPr lang="he-IL" dirty="0"/>
+              <a:t>. במקרה זה יטענו הטרנספורמציות מתוך קובץ כדי ליצור את קובץ האלפא הלא מיוצב.</a:t>
+            </a:r>
+          </a:p>
+          <a:p>
+            <a:pPr marL="800100" lvl="1" indent="-342900">
+              <a:buFont typeface="+mj-lt"/>
+              <a:buAutoNum type="arabicPeriod"/>
+            </a:pPr>
+            <a:r>
+              <a:rPr lang="he-IL" dirty="0"/>
+              <a:t>סימון עקיבה ידנית בעזרת </a:t>
+            </a:r>
+            <a:r>
+              <a:rPr lang="en-US" dirty="0"/>
+              <a:t>GUI</a:t>
+            </a:r>
+            <a:r>
+              <a:rPr lang="he-IL" dirty="0"/>
+              <a:t> במקום העקיבה האוטומטית</a:t>
+            </a:r>
+          </a:p>
+          <a:p>
+            <a:pPr marL="800100" lvl="1" indent="-342900">
+              <a:buFont typeface="+mj-lt"/>
+              <a:buAutoNum type="arabicPeriod"/>
+            </a:pPr>
+            <a:endParaRPr lang="he-IL" dirty="0"/>
+          </a:p>
+          <a:p>
+            <a:r>
+              <a:rPr lang="en-US" dirty="0"/>
+              <a:t>Settings.py</a:t>
+            </a:r>
+            <a:r>
+              <a:rPr lang="he-IL" dirty="0"/>
+              <a:t> – מכיל את כל שמות הקבצים כדי לבצע שינויים ידניים, מכיל ערכי </a:t>
+            </a:r>
+            <a:r>
+              <a:rPr lang="he-IL"/>
+              <a:t>פרמטרים שונים.</a:t>
+            </a:r>
+            <a:endParaRPr lang="he-IL" dirty="0"/>
+          </a:p>
+          <a:p>
+            <a:endParaRPr lang="he-IL" dirty="0"/>
+          </a:p>
+          <a:p>
+            <a:r>
+              <a:rPr lang="en-US" dirty="0"/>
+              <a:t>Auxiliary_functions.py</a:t>
+            </a:r>
+            <a:r>
+              <a:rPr lang="he-IL" dirty="0"/>
+              <a:t> – מכיל פונקציות מבלוקים שונים כדי למנוע קבצי בלוקים ארוכים מדי.</a:t>
+            </a:r>
+          </a:p>
+        </p:txBody>
+      </p:sp>
     </p:spTree>
     <p:extLst>
       <p:ext uri="{BB962C8B-B14F-4D97-AF65-F5344CB8AC3E}">
-        <p14:creationId xmlns:p14="http://schemas.microsoft.com/office/powerpoint/2010/main" val="3305102513"/>
+        <p14:creationId xmlns:p14="http://schemas.microsoft.com/office/powerpoint/2010/main" val="3248515650"/>
       </p:ext>
     </p:extLst>
   </p:cSld>
@@ -5967,7 +6912,7 @@
 </p:sld>
 </file>
 
-<file path=ppt/slides/slide5.xml><?xml version="1.0" encoding="utf-8"?>
+<file path=ppt/slides/slide4.xml><?xml version="1.0" encoding="utf-8"?>
 <p:sld xmlns:a="http://schemas.openxmlformats.org/drawingml/2006/main" xmlns:r="http://schemas.openxmlformats.org/officeDocument/2006/relationships" xmlns:p="http://schemas.openxmlformats.org/presentationml/2006/main">
   <p:cSld>
     <p:spTree>
@@ -6365,8 +7310,8 @@
         </p:nvSpPr>
         <p:spPr>
           <a:xfrm>
-            <a:off x="7616139" y="895091"/>
-            <a:ext cx="3050066" cy="707886"/>
+            <a:off x="7176727" y="968982"/>
+            <a:ext cx="3935373" cy="707886"/>
           </a:xfrm>
           <a:prstGeom prst="rect">
             <a:avLst/>
@@ -6394,7 +7339,7 @@
                   </a:outerShdw>
                 </a:effectLst>
               </a:rPr>
-              <a:t>Matting block</a:t>
+              <a:t>Stabilization block</a:t>
             </a:r>
             <a:endParaRPr lang="he-IL" sz="4000" b="0" u="sng" cap="none" spc="0" dirty="0">
               <a:ln w="0"/>
@@ -6442,10 +7387,353 @@
           </a:prstGeom>
         </p:spPr>
       </p:pic>
+      <p:sp>
+        <p:nvSpPr>
+          <p:cNvPr id="2" name="מלבן 1">
+            <a:extLst>
+              <a:ext uri="{FF2B5EF4-FFF2-40B4-BE49-F238E27FC236}">
+                <a16:creationId xmlns:a16="http://schemas.microsoft.com/office/drawing/2014/main" id="{EBF41603-0547-41D8-A1D6-163E8B29D41E}"/>
+              </a:ext>
+            </a:extLst>
+          </p:cNvPr>
+          <p:cNvSpPr/>
+          <p:nvPr/>
+        </p:nvSpPr>
+        <p:spPr>
+          <a:xfrm>
+            <a:off x="639193" y="1775534"/>
+            <a:ext cx="11212496" cy="4146713"/>
+          </a:xfrm>
+          <a:prstGeom prst="rect">
+            <a:avLst/>
+          </a:prstGeom>
+        </p:spPr>
+        <p:txBody>
+          <a:bodyPr wrap="square">
+            <a:spAutoFit/>
+          </a:bodyPr>
+          <a:lstStyle/>
+          <a:p>
+            <a:pPr>
+              <a:lnSpc>
+                <a:spcPct val="107000"/>
+              </a:lnSpc>
+              <a:spcAft>
+                <a:spcPts val="800"/>
+              </a:spcAft>
+            </a:pPr>
+            <a:r>
+              <a:rPr lang="he-IL" dirty="0">
+                <a:latin typeface="Calibri" panose="020F0502020204030204" pitchFamily="34" charset="0"/>
+                <a:ea typeface="Calibri" panose="020F0502020204030204" pitchFamily="34" charset="0"/>
+              </a:rPr>
+              <a:t>בחלק זה פעלנו לפי ההצעת הפתרון שניתנה לנו. עבור כל פריים חיפשנו נקודות עניין: בעזרת הפונקציה  </a:t>
+            </a:r>
+            <a:r>
+              <a:rPr lang="en-US" dirty="0">
+                <a:latin typeface="Calibri" panose="020F0502020204030204" pitchFamily="34" charset="0"/>
+                <a:ea typeface="Calibri" panose="020F0502020204030204" pitchFamily="34" charset="0"/>
+                <a:cs typeface="Arial" panose="020B0604020202020204" pitchFamily="34" charset="0"/>
+              </a:rPr>
+              <a:t>cv2.goodFeaturesToTrack</a:t>
+            </a:r>
+            <a:r>
+              <a:rPr lang="he-IL" dirty="0">
+                <a:latin typeface="Arial" panose="020B0604020202020204" pitchFamily="34" charset="0"/>
+                <a:ea typeface="Calibri" panose="020F0502020204030204" pitchFamily="34" charset="0"/>
+                <a:cs typeface="Arial" panose="020B0604020202020204" pitchFamily="34" charset="0"/>
+              </a:rPr>
+              <a:t> </a:t>
+            </a:r>
+            <a:r>
+              <a:rPr lang="he-IL" dirty="0">
+                <a:latin typeface="Arial" panose="020B0604020202020204" pitchFamily="34" charset="0"/>
+                <a:ea typeface="Calibri" panose="020F0502020204030204" pitchFamily="34" charset="0"/>
+              </a:rPr>
+              <a:t>וחיפשנו את אותן נקודות בפריים שאחריו בעזרת </a:t>
+            </a:r>
+            <a:r>
+              <a:rPr lang="en-US" dirty="0">
+                <a:latin typeface="Calibri" panose="020F0502020204030204" pitchFamily="34" charset="0"/>
+                <a:ea typeface="Calibri" panose="020F0502020204030204" pitchFamily="34" charset="0"/>
+                <a:cs typeface="Arial" panose="020B0604020202020204" pitchFamily="34" charset="0"/>
+              </a:rPr>
+              <a:t>cv2.calcOpticalFlowPyrLK</a:t>
+            </a:r>
+            <a:r>
+              <a:rPr lang="he-IL" dirty="0">
+                <a:latin typeface="Calibri" panose="020F0502020204030204" pitchFamily="34" charset="0"/>
+                <a:ea typeface="Calibri" panose="020F0502020204030204" pitchFamily="34" charset="0"/>
+              </a:rPr>
+              <a:t>. </a:t>
+            </a:r>
+            <a:endParaRPr lang="en-US" dirty="0">
+              <a:latin typeface="Calibri" panose="020F0502020204030204" pitchFamily="34" charset="0"/>
+              <a:ea typeface="Calibri" panose="020F0502020204030204" pitchFamily="34" charset="0"/>
+              <a:cs typeface="Arial" panose="020B0604020202020204" pitchFamily="34" charset="0"/>
+            </a:endParaRPr>
+          </a:p>
+          <a:p>
+            <a:pPr>
+              <a:lnSpc>
+                <a:spcPct val="107000"/>
+              </a:lnSpc>
+              <a:spcAft>
+                <a:spcPts val="800"/>
+              </a:spcAft>
+            </a:pPr>
+            <a:r>
+              <a:rPr lang="he-IL" dirty="0">
+                <a:latin typeface="Calibri" panose="020F0502020204030204" pitchFamily="34" charset="0"/>
+                <a:ea typeface="Calibri" panose="020F0502020204030204" pitchFamily="34" charset="0"/>
+              </a:rPr>
+              <a:t>לאחר מכן ניסינו להשתמש ב</a:t>
+            </a:r>
+            <a:r>
+              <a:rPr lang="en-US" dirty="0">
+                <a:latin typeface="Calibri" panose="020F0502020204030204" pitchFamily="34" charset="0"/>
+                <a:ea typeface="Calibri" panose="020F0502020204030204" pitchFamily="34" charset="0"/>
+                <a:cs typeface="Arial" panose="020B0604020202020204" pitchFamily="34" charset="0"/>
+              </a:rPr>
+              <a:t>RANSAC</a:t>
+            </a:r>
+            <a:r>
+              <a:rPr lang="he-IL" dirty="0">
+                <a:latin typeface="Calibri" panose="020F0502020204030204" pitchFamily="34" charset="0"/>
+                <a:ea typeface="Calibri" panose="020F0502020204030204" pitchFamily="34" charset="0"/>
+              </a:rPr>
+              <a:t> כדי להוריד נקודות שנחשבות כ</a:t>
+            </a:r>
+            <a:r>
+              <a:rPr lang="en-US" dirty="0">
+                <a:latin typeface="Calibri" panose="020F0502020204030204" pitchFamily="34" charset="0"/>
+                <a:ea typeface="Calibri" panose="020F0502020204030204" pitchFamily="34" charset="0"/>
+                <a:cs typeface="Arial" panose="020B0604020202020204" pitchFamily="34" charset="0"/>
+              </a:rPr>
+              <a:t>Outliers</a:t>
+            </a:r>
+            <a:r>
+              <a:rPr lang="he-IL" dirty="0">
+                <a:latin typeface="Calibri" panose="020F0502020204030204" pitchFamily="34" charset="0"/>
+                <a:ea typeface="Calibri" panose="020F0502020204030204" pitchFamily="34" charset="0"/>
+              </a:rPr>
+              <a:t>. משום מה התוצאה בייצוב הייתה פחות טובה ולכן השארנו חלק זה ב</a:t>
+            </a:r>
+            <a:r>
+              <a:rPr lang="en-US" dirty="0">
+                <a:latin typeface="Calibri" panose="020F0502020204030204" pitchFamily="34" charset="0"/>
+                <a:ea typeface="Calibri" panose="020F0502020204030204" pitchFamily="34" charset="0"/>
+                <a:cs typeface="Arial" panose="020B0604020202020204" pitchFamily="34" charset="0"/>
+              </a:rPr>
+              <a:t>Comment</a:t>
+            </a:r>
+            <a:r>
+              <a:rPr lang="he-IL" dirty="0">
+                <a:latin typeface="Calibri" panose="020F0502020204030204" pitchFamily="34" charset="0"/>
+                <a:ea typeface="Calibri" panose="020F0502020204030204" pitchFamily="34" charset="0"/>
+              </a:rPr>
+              <a:t>.</a:t>
+            </a:r>
+            <a:endParaRPr lang="en-US" dirty="0">
+              <a:latin typeface="Calibri" panose="020F0502020204030204" pitchFamily="34" charset="0"/>
+              <a:ea typeface="Calibri" panose="020F0502020204030204" pitchFamily="34" charset="0"/>
+              <a:cs typeface="Arial" panose="020B0604020202020204" pitchFamily="34" charset="0"/>
+            </a:endParaRPr>
+          </a:p>
+          <a:p>
+            <a:pPr>
+              <a:lnSpc>
+                <a:spcPct val="107000"/>
+              </a:lnSpc>
+              <a:spcAft>
+                <a:spcPts val="800"/>
+              </a:spcAft>
+            </a:pPr>
+            <a:r>
+              <a:rPr lang="he-IL" dirty="0">
+                <a:latin typeface="Calibri" panose="020F0502020204030204" pitchFamily="34" charset="0"/>
+                <a:ea typeface="Calibri" panose="020F0502020204030204" pitchFamily="34" charset="0"/>
+              </a:rPr>
+              <a:t>את הטרנספורמציה בין </a:t>
+            </a:r>
+            <a:r>
+              <a:rPr lang="he-IL" dirty="0" err="1">
+                <a:latin typeface="Calibri" panose="020F0502020204030204" pitchFamily="34" charset="0"/>
+                <a:ea typeface="Calibri" panose="020F0502020204030204" pitchFamily="34" charset="0"/>
+              </a:rPr>
+              <a:t>הפריימים</a:t>
+            </a:r>
+            <a:r>
+              <a:rPr lang="he-IL" dirty="0">
+                <a:latin typeface="Calibri" panose="020F0502020204030204" pitchFamily="34" charset="0"/>
+                <a:ea typeface="Calibri" panose="020F0502020204030204" pitchFamily="34" charset="0"/>
+              </a:rPr>
+              <a:t> מצאנו בעזרת הפונקציה </a:t>
+            </a:r>
+            <a:r>
+              <a:rPr lang="en-US" dirty="0">
+                <a:latin typeface="Calibri" panose="020F0502020204030204" pitchFamily="34" charset="0"/>
+                <a:ea typeface="Calibri" panose="020F0502020204030204" pitchFamily="34" charset="0"/>
+                <a:cs typeface="Arial" panose="020B0604020202020204" pitchFamily="34" charset="0"/>
+              </a:rPr>
+              <a:t>cv2.estimateAffinePartial2D</a:t>
+            </a:r>
+            <a:r>
+              <a:rPr lang="he-IL" dirty="0">
+                <a:latin typeface="Calibri" panose="020F0502020204030204" pitchFamily="34" charset="0"/>
+                <a:ea typeface="Calibri" panose="020F0502020204030204" pitchFamily="34" charset="0"/>
+              </a:rPr>
+              <a:t>, ושמרנו אותה בתוך מערך טרנספורמציות כדי לייצר בשלב מאוחר יותר את סרטון האלפא הלא מיוצב.</a:t>
+            </a:r>
+            <a:endParaRPr lang="en-US" dirty="0">
+              <a:latin typeface="Calibri" panose="020F0502020204030204" pitchFamily="34" charset="0"/>
+              <a:ea typeface="Calibri" panose="020F0502020204030204" pitchFamily="34" charset="0"/>
+              <a:cs typeface="Arial" panose="020B0604020202020204" pitchFamily="34" charset="0"/>
+            </a:endParaRPr>
+          </a:p>
+          <a:p>
+            <a:pPr>
+              <a:lnSpc>
+                <a:spcPct val="107000"/>
+              </a:lnSpc>
+              <a:spcAft>
+                <a:spcPts val="800"/>
+              </a:spcAft>
+            </a:pPr>
+            <a:r>
+              <a:rPr lang="he-IL" dirty="0">
+                <a:latin typeface="Calibri" panose="020F0502020204030204" pitchFamily="34" charset="0"/>
+                <a:ea typeface="Calibri" panose="020F0502020204030204" pitchFamily="34" charset="0"/>
+              </a:rPr>
+              <a:t>סכמנו את כל מערך הטרנספורמציות בצורה קומולטיבית כדי לקבל את התנועה הכללית וביצענו עלייה החלקה בעזרת </a:t>
+            </a:r>
+            <a:r>
+              <a:rPr lang="en-US" dirty="0">
+                <a:latin typeface="Calibri" panose="020F0502020204030204" pitchFamily="34" charset="0"/>
+                <a:ea typeface="Calibri" panose="020F0502020204030204" pitchFamily="34" charset="0"/>
+                <a:cs typeface="Arial" panose="020B0604020202020204" pitchFamily="34" charset="0"/>
+              </a:rPr>
+              <a:t>Moving Average</a:t>
+            </a:r>
+            <a:r>
+              <a:rPr lang="he-IL" dirty="0">
+                <a:latin typeface="Calibri" panose="020F0502020204030204" pitchFamily="34" charset="0"/>
+                <a:ea typeface="Calibri" panose="020F0502020204030204" pitchFamily="34" charset="0"/>
+              </a:rPr>
+              <a:t> עם חלון קטן. בחירת החלון הקטן עוזרת לנו לשמור על מניעת תנועות חזקות מדי כתוצאה מ</a:t>
+            </a:r>
+            <a:r>
+              <a:rPr lang="en-US" dirty="0">
+                <a:latin typeface="Calibri" panose="020F0502020204030204" pitchFamily="34" charset="0"/>
+                <a:ea typeface="Calibri" panose="020F0502020204030204" pitchFamily="34" charset="0"/>
+                <a:cs typeface="Arial" panose="020B0604020202020204" pitchFamily="34" charset="0"/>
+              </a:rPr>
+              <a:t>outliers</a:t>
+            </a:r>
+            <a:r>
+              <a:rPr lang="he-IL" dirty="0">
+                <a:latin typeface="Calibri" panose="020F0502020204030204" pitchFamily="34" charset="0"/>
+                <a:ea typeface="Calibri" panose="020F0502020204030204" pitchFamily="34" charset="0"/>
+              </a:rPr>
+              <a:t> ומצד שני ממצעת על כמות טרנספורמציות קטנות כך שהאלגוריתם עדיין יוכל להתמודד עם תנועות מהירות בין </a:t>
+            </a:r>
+            <a:r>
+              <a:rPr lang="he-IL" dirty="0" err="1">
+                <a:latin typeface="Calibri" panose="020F0502020204030204" pitchFamily="34" charset="0"/>
+                <a:ea typeface="Calibri" panose="020F0502020204030204" pitchFamily="34" charset="0"/>
+              </a:rPr>
+              <a:t>פריימים</a:t>
+            </a:r>
+            <a:r>
+              <a:rPr lang="he-IL" dirty="0">
+                <a:latin typeface="Calibri" panose="020F0502020204030204" pitchFamily="34" charset="0"/>
+                <a:ea typeface="Calibri" panose="020F0502020204030204" pitchFamily="34" charset="0"/>
+              </a:rPr>
+              <a:t> בודדים.</a:t>
+            </a:r>
+            <a:endParaRPr lang="en-US" dirty="0">
+              <a:latin typeface="Calibri" panose="020F0502020204030204" pitchFamily="34" charset="0"/>
+              <a:ea typeface="Calibri" panose="020F0502020204030204" pitchFamily="34" charset="0"/>
+              <a:cs typeface="Arial" panose="020B0604020202020204" pitchFamily="34" charset="0"/>
+            </a:endParaRPr>
+          </a:p>
+          <a:p>
+            <a:pPr>
+              <a:lnSpc>
+                <a:spcPct val="107000"/>
+              </a:lnSpc>
+              <a:spcAft>
+                <a:spcPts val="800"/>
+              </a:spcAft>
+            </a:pPr>
+            <a:r>
+              <a:rPr lang="he-IL" dirty="0">
+                <a:latin typeface="Calibri" panose="020F0502020204030204" pitchFamily="34" charset="0"/>
+                <a:ea typeface="Calibri" panose="020F0502020204030204" pitchFamily="34" charset="0"/>
+              </a:rPr>
+              <a:t>בשלב האחרון אנו מבצעים </a:t>
+            </a:r>
+            <a:r>
+              <a:rPr lang="en-US" dirty="0">
+                <a:latin typeface="Calibri" panose="020F0502020204030204" pitchFamily="34" charset="0"/>
+                <a:ea typeface="Calibri" panose="020F0502020204030204" pitchFamily="34" charset="0"/>
+                <a:cs typeface="Arial" panose="020B0604020202020204" pitchFamily="34" charset="0"/>
+              </a:rPr>
+              <a:t>Warp</a:t>
+            </a:r>
+            <a:r>
+              <a:rPr lang="he-IL" dirty="0">
+                <a:latin typeface="Calibri" panose="020F0502020204030204" pitchFamily="34" charset="0"/>
+                <a:ea typeface="Calibri" panose="020F0502020204030204" pitchFamily="34" charset="0"/>
+              </a:rPr>
+              <a:t> לכל פריים בעזרת הטרנספורמציה המוחלקת ושומרים את הסרטון המיוצב.</a:t>
+            </a:r>
+          </a:p>
+          <a:p>
+            <a:pPr>
+              <a:lnSpc>
+                <a:spcPct val="107000"/>
+              </a:lnSpc>
+              <a:spcAft>
+                <a:spcPts val="800"/>
+              </a:spcAft>
+            </a:pPr>
+            <a:r>
+              <a:rPr lang="he-IL" dirty="0">
+                <a:latin typeface="Calibri" panose="020F0502020204030204" pitchFamily="34" charset="0"/>
+                <a:ea typeface="Calibri" panose="020F0502020204030204" pitchFamily="34" charset="0"/>
+                <a:cs typeface="Arial" panose="020B0604020202020204" pitchFamily="34" charset="0"/>
+              </a:rPr>
+              <a:t>התוצאה הסופית לא הייתה מספיק טובה והפתרון שמצאנו הוא ביצוע מספר </a:t>
+            </a:r>
+            <a:r>
+              <a:rPr lang="he-IL" dirty="0" err="1">
+                <a:latin typeface="Calibri" panose="020F0502020204030204" pitchFamily="34" charset="0"/>
+                <a:ea typeface="Calibri" panose="020F0502020204030204" pitchFamily="34" charset="0"/>
+                <a:cs typeface="Arial" panose="020B0604020202020204" pitchFamily="34" charset="0"/>
+              </a:rPr>
+              <a:t>איטרציות</a:t>
+            </a:r>
+            <a:r>
+              <a:rPr lang="he-IL" dirty="0">
+                <a:latin typeface="Calibri" panose="020F0502020204030204" pitchFamily="34" charset="0"/>
+                <a:ea typeface="Calibri" panose="020F0502020204030204" pitchFamily="34" charset="0"/>
+                <a:cs typeface="Arial" panose="020B0604020202020204" pitchFamily="34" charset="0"/>
+              </a:rPr>
+              <a:t> של ייצוב על הסרטון כך שהתוצאה הסופית מיוצבת בצורה מספקת.</a:t>
+            </a:r>
+            <a:endParaRPr lang="en-US" dirty="0">
+              <a:latin typeface="Calibri" panose="020F0502020204030204" pitchFamily="34" charset="0"/>
+              <a:ea typeface="Calibri" panose="020F0502020204030204" pitchFamily="34" charset="0"/>
+              <a:cs typeface="Arial" panose="020B0604020202020204" pitchFamily="34" charset="0"/>
+            </a:endParaRPr>
+          </a:p>
+        </p:txBody>
+      </p:sp>
     </p:spTree>
     <p:extLst>
       <p:ext uri="{BB962C8B-B14F-4D97-AF65-F5344CB8AC3E}">
-        <p14:creationId xmlns:p14="http://schemas.microsoft.com/office/powerpoint/2010/main" val="1270926283"/>
+        <p14:creationId xmlns:p14="http://schemas.microsoft.com/office/powerpoint/2010/main" val="1252566476"/>
       </p:ext>
     </p:extLst>
   </p:cSld>
@@ -6455,7 +7743,7 @@
 </p:sld>
 </file>
 
-<file path=ppt/slides/slide6.xml><?xml version="1.0" encoding="utf-8"?>
+<file path=ppt/slides/slide5.xml><?xml version="1.0" encoding="utf-8"?>
 <p:sld xmlns:a="http://schemas.openxmlformats.org/drawingml/2006/main" xmlns:r="http://schemas.openxmlformats.org/officeDocument/2006/relationships" xmlns:p="http://schemas.openxmlformats.org/presentationml/2006/main">
   <p:cSld>
     <p:spTree>
@@ -6853,8 +8141,8 @@
         </p:nvSpPr>
         <p:spPr>
           <a:xfrm>
-            <a:off x="7669582" y="895091"/>
-            <a:ext cx="3115918" cy="707886"/>
+            <a:off x="6532856" y="891269"/>
+            <a:ext cx="5130764" cy="584775"/>
           </a:xfrm>
           <a:prstGeom prst="rect">
             <a:avLst/>
@@ -6869,7 +8157,7 @@
           <a:p>
             <a:pPr algn="ctr"/>
             <a:r>
-              <a:rPr lang="en-US" sz="4000" b="0" u="sng" cap="none" spc="0" dirty="0">
+              <a:rPr lang="en-US" sz="3200" b="0" u="sng" cap="none" spc="0" dirty="0">
                 <a:ln w="0"/>
                 <a:solidFill>
                   <a:schemeClr val="tx1"/>
@@ -6882,9 +8170,9 @@
                   </a:outerShdw>
                 </a:effectLst>
               </a:rPr>
-              <a:t>Tracking block</a:t>
-            </a:r>
-            <a:endParaRPr lang="he-IL" sz="4000" b="0" u="sng" cap="none" spc="0" dirty="0">
+              <a:t>Background subtraction block</a:t>
+            </a:r>
+            <a:endParaRPr lang="he-IL" sz="3200" b="0" u="sng" cap="none" spc="0" dirty="0">
               <a:ln w="0"/>
               <a:solidFill>
                 <a:schemeClr val="tx1"/>
@@ -6933,7 +8221,6500 @@
     </p:spTree>
     <p:extLst>
       <p:ext uri="{BB962C8B-B14F-4D97-AF65-F5344CB8AC3E}">
-        <p14:creationId xmlns:p14="http://schemas.microsoft.com/office/powerpoint/2010/main" val="3740391072"/>
+        <p14:creationId xmlns:p14="http://schemas.microsoft.com/office/powerpoint/2010/main" val="3305102513"/>
+      </p:ext>
+    </p:extLst>
+  </p:cSld>
+  <p:clrMapOvr>
+    <a:masterClrMapping/>
+  </p:clrMapOvr>
+</p:sld>
+</file>
+
+<file path=ppt/slides/slide6.xml><?xml version="1.0" encoding="utf-8"?>
+<p:sld xmlns:a="http://schemas.openxmlformats.org/drawingml/2006/main" xmlns:r="http://schemas.openxmlformats.org/officeDocument/2006/relationships" xmlns:p="http://schemas.openxmlformats.org/presentationml/2006/main">
+  <p:cSld>
+    <p:spTree>
+      <p:nvGrpSpPr>
+        <p:cNvPr id="1" name=""/>
+        <p:cNvGrpSpPr/>
+        <p:nvPr/>
+      </p:nvGrpSpPr>
+      <p:grpSpPr>
+        <a:xfrm>
+          <a:off x="0" y="0"/>
+          <a:ext cx="0" cy="0"/>
+          <a:chOff x="0" y="0"/>
+          <a:chExt cx="0" cy="0"/>
+        </a:xfrm>
+      </p:grpSpPr>
+      <p:sp>
+        <p:nvSpPr>
+          <p:cNvPr id="12" name="Rectangle 11">
+            <a:extLst>
+              <a:ext uri="{FF2B5EF4-FFF2-40B4-BE49-F238E27FC236}">
+                <a16:creationId xmlns:a16="http://schemas.microsoft.com/office/drawing/2014/main" id="{42A4FC2C-047E-45A5-965D-8E1E3BF09BC6}"/>
+              </a:ext>
+              <a:ext uri="{C183D7F6-B498-43B3-948B-1728B52AA6E4}">
+                <adec:decorative xmlns:adec="http://schemas.microsoft.com/office/drawing/2017/decorative" val="1"/>
+              </a:ext>
+            </a:extLst>
+          </p:cNvPr>
+          <p:cNvSpPr>
+            <a:spLocks noGrp="1" noRot="1" noChangeAspect="1" noMove="1" noResize="1" noEditPoints="1" noAdjustHandles="1" noChangeArrowheads="1" noChangeShapeType="1" noTextEdit="1"/>
+          </p:cNvSpPr>
+          <p:nvPr>
+            <p:extLst>
+              <p:ext uri="{386F3935-93C4-4BCD-93E2-E3B085C9AB24}">
+                <p16:designElem xmlns:p16="http://schemas.microsoft.com/office/powerpoint/2015/main" val="1"/>
+              </p:ext>
+            </p:extLst>
+          </p:nvPr>
+        </p:nvSpPr>
+        <p:spPr bwMode="white">
+          <a:xfrm>
+            <a:off x="1524" y="0"/>
+            <a:ext cx="12188952" cy="6858000"/>
+          </a:xfrm>
+          <a:prstGeom prst="rect">
+            <a:avLst/>
+          </a:prstGeom>
+          <a:noFill/>
+          <a:ln>
+            <a:noFill/>
+          </a:ln>
+        </p:spPr>
+        <p:style>
+          <a:lnRef idx="2">
+            <a:schemeClr val="accent1">
+              <a:shade val="50000"/>
+            </a:schemeClr>
+          </a:lnRef>
+          <a:fillRef idx="1">
+            <a:schemeClr val="accent1"/>
+          </a:fillRef>
+          <a:effectRef idx="0">
+            <a:schemeClr val="accent1"/>
+          </a:effectRef>
+          <a:fontRef idx="minor">
+            <a:schemeClr val="lt1"/>
+          </a:fontRef>
+        </p:style>
+        <p:txBody>
+          <a:bodyPr rtlCol="0" anchor="ctr"/>
+          <a:lstStyle>
+            <a:defPPr>
+              <a:defRPr lang="en-US"/>
+            </a:defPPr>
+            <a:lvl1pPr marL="0" algn="l" defTabSz="914400" rtl="0" eaLnBrk="1" latinLnBrk="0" hangingPunct="1">
+              <a:defRPr sz="1800" kern="1200">
+                <a:solidFill>
+                  <a:schemeClr val="lt1"/>
+                </a:solidFill>
+                <a:latin typeface="+mn-lt"/>
+                <a:ea typeface="+mn-ea"/>
+                <a:cs typeface="+mn-cs"/>
+              </a:defRPr>
+            </a:lvl1pPr>
+            <a:lvl2pPr marL="457200" algn="l" defTabSz="914400" rtl="0" eaLnBrk="1" latinLnBrk="0" hangingPunct="1">
+              <a:defRPr sz="1800" kern="1200">
+                <a:solidFill>
+                  <a:schemeClr val="lt1"/>
+                </a:solidFill>
+                <a:latin typeface="+mn-lt"/>
+                <a:ea typeface="+mn-ea"/>
+                <a:cs typeface="+mn-cs"/>
+              </a:defRPr>
+            </a:lvl2pPr>
+            <a:lvl3pPr marL="914400" algn="l" defTabSz="914400" rtl="0" eaLnBrk="1" latinLnBrk="0" hangingPunct="1">
+              <a:defRPr sz="1800" kern="1200">
+                <a:solidFill>
+                  <a:schemeClr val="lt1"/>
+                </a:solidFill>
+                <a:latin typeface="+mn-lt"/>
+                <a:ea typeface="+mn-ea"/>
+                <a:cs typeface="+mn-cs"/>
+              </a:defRPr>
+            </a:lvl3pPr>
+            <a:lvl4pPr marL="1371600" algn="l" defTabSz="914400" rtl="0" eaLnBrk="1" latinLnBrk="0" hangingPunct="1">
+              <a:defRPr sz="1800" kern="1200">
+                <a:solidFill>
+                  <a:schemeClr val="lt1"/>
+                </a:solidFill>
+                <a:latin typeface="+mn-lt"/>
+                <a:ea typeface="+mn-ea"/>
+                <a:cs typeface="+mn-cs"/>
+              </a:defRPr>
+            </a:lvl4pPr>
+            <a:lvl5pPr marL="1828800" algn="l" defTabSz="914400" rtl="0" eaLnBrk="1" latinLnBrk="0" hangingPunct="1">
+              <a:defRPr sz="1800" kern="1200">
+                <a:solidFill>
+                  <a:schemeClr val="lt1"/>
+                </a:solidFill>
+                <a:latin typeface="+mn-lt"/>
+                <a:ea typeface="+mn-ea"/>
+                <a:cs typeface="+mn-cs"/>
+              </a:defRPr>
+            </a:lvl5pPr>
+            <a:lvl6pPr marL="2286000" algn="l" defTabSz="914400" rtl="0" eaLnBrk="1" latinLnBrk="0" hangingPunct="1">
+              <a:defRPr sz="1800" kern="1200">
+                <a:solidFill>
+                  <a:schemeClr val="lt1"/>
+                </a:solidFill>
+                <a:latin typeface="+mn-lt"/>
+                <a:ea typeface="+mn-ea"/>
+                <a:cs typeface="+mn-cs"/>
+              </a:defRPr>
+            </a:lvl6pPr>
+            <a:lvl7pPr marL="2743200" algn="l" defTabSz="914400" rtl="0" eaLnBrk="1" latinLnBrk="0" hangingPunct="1">
+              <a:defRPr sz="1800" kern="1200">
+                <a:solidFill>
+                  <a:schemeClr val="lt1"/>
+                </a:solidFill>
+                <a:latin typeface="+mn-lt"/>
+                <a:ea typeface="+mn-ea"/>
+                <a:cs typeface="+mn-cs"/>
+              </a:defRPr>
+            </a:lvl7pPr>
+            <a:lvl8pPr marL="3200400" algn="l" defTabSz="914400" rtl="0" eaLnBrk="1" latinLnBrk="0" hangingPunct="1">
+              <a:defRPr sz="1800" kern="1200">
+                <a:solidFill>
+                  <a:schemeClr val="lt1"/>
+                </a:solidFill>
+                <a:latin typeface="+mn-lt"/>
+                <a:ea typeface="+mn-ea"/>
+                <a:cs typeface="+mn-cs"/>
+              </a:defRPr>
+            </a:lvl8pPr>
+            <a:lvl9pPr marL="3657600" algn="l" defTabSz="914400" rtl="0" eaLnBrk="1" latinLnBrk="0" hangingPunct="1">
+              <a:defRPr sz="1800" kern="1200">
+                <a:solidFill>
+                  <a:schemeClr val="lt1"/>
+                </a:solidFill>
+                <a:latin typeface="+mn-lt"/>
+                <a:ea typeface="+mn-ea"/>
+                <a:cs typeface="+mn-cs"/>
+              </a:defRPr>
+            </a:lvl9pPr>
+          </a:lstStyle>
+          <a:p>
+            <a:pPr algn="ctr"/>
+            <a:endParaRPr lang="en-US"/>
+          </a:p>
+        </p:txBody>
+      </p:sp>
+      <p:pic>
+        <p:nvPicPr>
+          <p:cNvPr id="7" name="תמונה 6" descr="תמונה שמכילה שולחן&#10;&#10;התיאור נוצר באופן אוטומטי">
+            <a:extLst>
+              <a:ext uri="{FF2B5EF4-FFF2-40B4-BE49-F238E27FC236}">
+                <a16:creationId xmlns:a16="http://schemas.microsoft.com/office/drawing/2014/main" id="{50417BDD-94E9-4331-B903-2CCC7F596200}"/>
+              </a:ext>
+            </a:extLst>
+          </p:cNvPr>
+          <p:cNvPicPr>
+            <a:picLocks noChangeAspect="1"/>
+          </p:cNvPicPr>
+          <p:nvPr/>
+        </p:nvPicPr>
+        <p:blipFill rotWithShape="1">
+          <a:blip r:embed="rId3">
+            <a:extLst>
+              <a:ext uri="{28A0092B-C50C-407E-A947-70E740481C1C}">
+                <a14:useLocalDpi xmlns:a14="http://schemas.microsoft.com/office/drawing/2010/main" val="0"/>
+              </a:ext>
+            </a:extLst>
+          </a:blip>
+          <a:srcRect b="19"/>
+          <a:stretch/>
+        </p:blipFill>
+        <p:spPr>
+          <a:xfrm flipH="1">
+            <a:off x="20" y="1282"/>
+            <a:ext cx="12191980" cy="6856718"/>
+          </a:xfrm>
+          <a:prstGeom prst="rect">
+            <a:avLst/>
+          </a:prstGeom>
+        </p:spPr>
+      </p:pic>
+      <p:sp>
+        <p:nvSpPr>
+          <p:cNvPr id="8" name="מלבן 7">
+            <a:extLst>
+              <a:ext uri="{FF2B5EF4-FFF2-40B4-BE49-F238E27FC236}">
+                <a16:creationId xmlns:a16="http://schemas.microsoft.com/office/drawing/2014/main" id="{3836571B-B5FA-41FD-A96B-BEBD96B7DC80}"/>
+              </a:ext>
+            </a:extLst>
+          </p:cNvPr>
+          <p:cNvSpPr/>
+          <p:nvPr/>
+        </p:nvSpPr>
+        <p:spPr>
+          <a:xfrm>
+            <a:off x="6890327" y="0"/>
+            <a:ext cx="5163697" cy="769441"/>
+          </a:xfrm>
+          <a:prstGeom prst="rect">
+            <a:avLst/>
+          </a:prstGeom>
+          <a:noFill/>
+        </p:spPr>
+        <p:txBody>
+          <a:bodyPr wrap="square" lIns="91440" tIns="45720" rIns="91440" bIns="45720">
+            <a:spAutoFit/>
+          </a:bodyPr>
+          <a:lstStyle/>
+          <a:p>
+            <a:pPr algn="ctr"/>
+            <a:r>
+              <a:rPr lang="he-IL" sz="4400" dirty="0">
+                <a:ln w="0">
+                  <a:solidFill>
+                    <a:schemeClr val="accent1">
+                      <a:lumMod val="40000"/>
+                      <a:lumOff val="60000"/>
+                    </a:schemeClr>
+                  </a:solidFill>
+                </a:ln>
+                <a:effectLst>
+                  <a:glow rad="101600">
+                    <a:schemeClr val="accent1">
+                      <a:satMod val="175000"/>
+                      <a:alpha val="40000"/>
+                    </a:schemeClr>
+                  </a:glow>
+                  <a:outerShdw blurRad="38100" dist="19050" dir="2700000" algn="tl" rotWithShape="0">
+                    <a:schemeClr val="dk1">
+                      <a:alpha val="40000"/>
+                    </a:schemeClr>
+                  </a:outerShdw>
+                </a:effectLst>
+              </a:rPr>
+              <a:t>פרויקט עיבוד וידיאו</a:t>
+            </a:r>
+          </a:p>
+        </p:txBody>
+      </p:sp>
+      <p:sp>
+        <p:nvSpPr>
+          <p:cNvPr id="13" name="מלבן 12">
+            <a:extLst>
+              <a:ext uri="{FF2B5EF4-FFF2-40B4-BE49-F238E27FC236}">
+                <a16:creationId xmlns:a16="http://schemas.microsoft.com/office/drawing/2014/main" id="{205D09B1-C463-4102-9D6B-E5BCA79EF7D7}"/>
+              </a:ext>
+            </a:extLst>
+          </p:cNvPr>
+          <p:cNvSpPr/>
+          <p:nvPr/>
+        </p:nvSpPr>
+        <p:spPr>
+          <a:xfrm>
+            <a:off x="2368843" y="123110"/>
+            <a:ext cx="5163697" cy="646331"/>
+          </a:xfrm>
+          <a:prstGeom prst="rect">
+            <a:avLst/>
+          </a:prstGeom>
+          <a:noFill/>
+        </p:spPr>
+        <p:txBody>
+          <a:bodyPr wrap="square" lIns="91440" tIns="45720" rIns="91440" bIns="45720">
+            <a:spAutoFit/>
+          </a:bodyPr>
+          <a:lstStyle/>
+          <a:p>
+            <a:pPr algn="ctr"/>
+            <a:r>
+              <a:rPr lang="he-IL" dirty="0">
+                <a:ln w="0"/>
+                <a:solidFill>
+                  <a:schemeClr val="accent1">
+                    <a:lumMod val="40000"/>
+                    <a:lumOff val="60000"/>
+                  </a:schemeClr>
+                </a:solidFill>
+                <a:effectLst>
+                  <a:outerShdw blurRad="38100" dist="19050" dir="2700000" algn="tl" rotWithShape="0">
+                    <a:schemeClr val="dk1">
+                      <a:alpha val="40000"/>
+                    </a:schemeClr>
+                  </a:outerShdw>
+                </a:effectLst>
+              </a:rPr>
+              <a:t>נועם כץ 204251144</a:t>
+            </a:r>
+          </a:p>
+          <a:p>
+            <a:pPr algn="ctr"/>
+            <a:r>
+              <a:rPr lang="he-IL" dirty="0">
+                <a:ln w="0"/>
+                <a:solidFill>
+                  <a:schemeClr val="accent1">
+                    <a:lumMod val="40000"/>
+                    <a:lumOff val="60000"/>
+                  </a:schemeClr>
+                </a:solidFill>
+                <a:effectLst>
+                  <a:outerShdw blurRad="38100" dist="19050" dir="2700000" algn="tl" rotWithShape="0">
+                    <a:schemeClr val="dk1">
+                      <a:alpha val="40000"/>
+                    </a:schemeClr>
+                  </a:outerShdw>
+                </a:effectLst>
+              </a:rPr>
+              <a:t>שקד רצון 200940500</a:t>
+            </a:r>
+            <a:endParaRPr lang="he-IL" b="0" cap="none" spc="0" dirty="0">
+              <a:ln w="0"/>
+              <a:solidFill>
+                <a:schemeClr val="accent1">
+                  <a:lumMod val="40000"/>
+                  <a:lumOff val="60000"/>
+                </a:schemeClr>
+              </a:solidFill>
+              <a:effectLst>
+                <a:outerShdw blurRad="38100" dist="19050" dir="2700000" algn="tl" rotWithShape="0">
+                  <a:schemeClr val="dk1">
+                    <a:alpha val="40000"/>
+                  </a:schemeClr>
+                </a:outerShdw>
+              </a:effectLst>
+            </a:endParaRPr>
+          </a:p>
+        </p:txBody>
+      </p:sp>
+      <p:pic>
+        <p:nvPicPr>
+          <p:cNvPr id="9" name="תמונה 8">
+            <a:extLst>
+              <a:ext uri="{FF2B5EF4-FFF2-40B4-BE49-F238E27FC236}">
+                <a16:creationId xmlns:a16="http://schemas.microsoft.com/office/drawing/2014/main" id="{163993D9-4214-45D9-A2FE-17BD1E91A690}"/>
+              </a:ext>
+            </a:extLst>
+          </p:cNvPr>
+          <p:cNvPicPr>
+            <a:picLocks noChangeAspect="1"/>
+          </p:cNvPicPr>
+          <p:nvPr/>
+        </p:nvPicPr>
+        <p:blipFill>
+          <a:blip r:embed="rId4"/>
+          <a:stretch>
+            <a:fillRect/>
+          </a:stretch>
+        </p:blipFill>
+        <p:spPr>
+          <a:xfrm>
+            <a:off x="1" y="0"/>
+            <a:ext cx="818844" cy="1433689"/>
+          </a:xfrm>
+          <a:prstGeom prst="rect">
+            <a:avLst/>
+          </a:prstGeom>
+        </p:spPr>
+      </p:pic>
+      <p:sp>
+        <p:nvSpPr>
+          <p:cNvPr id="11" name="מלבן 10">
+            <a:extLst>
+              <a:ext uri="{FF2B5EF4-FFF2-40B4-BE49-F238E27FC236}">
+                <a16:creationId xmlns:a16="http://schemas.microsoft.com/office/drawing/2014/main" id="{54B7D947-39EA-49B6-945B-788A628AE68B}"/>
+              </a:ext>
+            </a:extLst>
+          </p:cNvPr>
+          <p:cNvSpPr/>
+          <p:nvPr/>
+        </p:nvSpPr>
+        <p:spPr>
+          <a:xfrm>
+            <a:off x="7616139" y="895091"/>
+            <a:ext cx="3050066" cy="707886"/>
+          </a:xfrm>
+          <a:prstGeom prst="rect">
+            <a:avLst/>
+          </a:prstGeom>
+          <a:noFill/>
+        </p:spPr>
+        <p:txBody>
+          <a:bodyPr wrap="none" lIns="91440" tIns="45720" rIns="91440" bIns="45720">
+            <a:spAutoFit/>
+          </a:bodyPr>
+          <a:lstStyle/>
+          <a:p>
+            <a:pPr algn="ctr"/>
+            <a:r>
+              <a:rPr lang="en-US" sz="4000" b="0" u="sng" cap="none" spc="0" dirty="0">
+                <a:ln w="0"/>
+                <a:solidFill>
+                  <a:schemeClr val="tx1"/>
+                </a:solidFill>
+                <a:effectLst>
+                  <a:outerShdw blurRad="38100" dist="19050" dir="2700000" algn="tl" rotWithShape="0">
+                    <a:schemeClr val="dk1">
+                      <a:alpha val="40000"/>
+                    </a:schemeClr>
+                  </a:outerShdw>
+                </a:effectLst>
+              </a:rPr>
+              <a:t>Matting block</a:t>
+            </a:r>
+            <a:endParaRPr lang="he-IL" sz="4000" b="0" u="sng" cap="none" spc="0" dirty="0">
+              <a:ln w="0"/>
+              <a:solidFill>
+                <a:schemeClr val="tx1"/>
+              </a:solidFill>
+              <a:effectLst>
+                <a:outerShdw blurRad="38100" dist="19050" dir="2700000" algn="tl" rotWithShape="0">
+                  <a:schemeClr val="dk1">
+                    <a:alpha val="40000"/>
+                  </a:schemeClr>
+                </a:outerShdw>
+              </a:effectLst>
+            </a:endParaRPr>
+          </a:p>
+        </p:txBody>
+      </p:sp>
+      <p:pic>
+        <p:nvPicPr>
+          <p:cNvPr id="21" name="תמונה 20">
+            <a:extLst>
+              <a:ext uri="{FF2B5EF4-FFF2-40B4-BE49-F238E27FC236}">
+                <a16:creationId xmlns:a16="http://schemas.microsoft.com/office/drawing/2014/main" id="{47368236-C349-4237-9D5F-67330689ACB3}"/>
+              </a:ext>
+            </a:extLst>
+          </p:cNvPr>
+          <p:cNvPicPr>
+            <a:picLocks noChangeAspect="1"/>
+          </p:cNvPicPr>
+          <p:nvPr/>
+        </p:nvPicPr>
+        <p:blipFill>
+          <a:blip r:embed="rId4"/>
+          <a:stretch>
+            <a:fillRect/>
+          </a:stretch>
+        </p:blipFill>
+        <p:spPr>
+          <a:xfrm flipH="1">
+            <a:off x="818845" y="-1"/>
+            <a:ext cx="818844" cy="1433689"/>
+          </a:xfrm>
+          <a:prstGeom prst="rect">
+            <a:avLst/>
+          </a:prstGeom>
+        </p:spPr>
+      </p:pic>
+      <mc:AlternateContent xmlns:mc="http://schemas.openxmlformats.org/markup-compatibility/2006">
+        <mc:Choice xmlns:a14="http://schemas.microsoft.com/office/drawing/2010/main" Requires="a14">
+          <p:sp>
+            <p:nvSpPr>
+              <p:cNvPr id="3" name="מלבן 2">
+                <a:extLst>
+                  <a:ext uri="{FF2B5EF4-FFF2-40B4-BE49-F238E27FC236}">
+                    <a16:creationId xmlns:a16="http://schemas.microsoft.com/office/drawing/2014/main" id="{147CA06E-C008-46C6-A7E2-5AF0D1B2ABC8}"/>
+                  </a:ext>
+                </a:extLst>
+              </p:cNvPr>
+              <p:cNvSpPr/>
+              <p:nvPr/>
+            </p:nvSpPr>
+            <p:spPr>
+              <a:xfrm>
+                <a:off x="550415" y="1917979"/>
+                <a:ext cx="11394446" cy="3650038"/>
+              </a:xfrm>
+              <a:prstGeom prst="rect">
+                <a:avLst/>
+              </a:prstGeom>
+            </p:spPr>
+            <p:txBody>
+              <a:bodyPr wrap="square">
+                <a:spAutoFit/>
+              </a:bodyPr>
+              <a:lstStyle/>
+              <a:p>
+                <a:pPr>
+                  <a:lnSpc>
+                    <a:spcPct val="107000"/>
+                  </a:lnSpc>
+                  <a:spcAft>
+                    <a:spcPts val="800"/>
+                  </a:spcAft>
+                </a:pPr>
+                <a:r>
+                  <a:rPr lang="he-IL" dirty="0">
+                    <a:latin typeface="Calibri" panose="020F0502020204030204" pitchFamily="34" charset="0"/>
+                  </a:rPr>
+                  <a:t>בלוק זה מתחלק ל4 פונקציות עיקריות:</a:t>
+                </a:r>
+              </a:p>
+              <a:p>
+                <a:pPr marL="800100" lvl="1" indent="-342900">
+                  <a:lnSpc>
+                    <a:spcPct val="107000"/>
+                  </a:lnSpc>
+                  <a:spcAft>
+                    <a:spcPts val="800"/>
+                  </a:spcAft>
+                  <a:buFont typeface="+mj-lt"/>
+                  <a:buAutoNum type="arabicPeriod"/>
+                </a:pPr>
+                <a:r>
+                  <a:rPr lang="he-IL" dirty="0">
+                    <a:latin typeface="Calibri" panose="020F0502020204030204" pitchFamily="34" charset="0"/>
+                  </a:rPr>
+                  <a:t>הפיכת מפת הבינארי למפת </a:t>
+                </a:r>
+                <a:r>
+                  <a:rPr lang="en-US" dirty="0" err="1">
+                    <a:latin typeface="Calibri" panose="020F0502020204030204" pitchFamily="34" charset="0"/>
+                  </a:rPr>
+                  <a:t>Trimap</a:t>
+                </a:r>
+                <a:r>
+                  <a:rPr lang="he-IL" dirty="0">
+                    <a:latin typeface="Calibri" panose="020F0502020204030204" pitchFamily="34" charset="0"/>
+                  </a:rPr>
+                  <a:t> – מבוצע על ידי פעולות מורפולוגיות: </a:t>
+                </a:r>
+                <a:r>
+                  <a:rPr lang="en-US" dirty="0" err="1">
+                    <a:latin typeface="Calibri" panose="020F0502020204030204" pitchFamily="34" charset="0"/>
+                  </a:rPr>
+                  <a:t>dialition</a:t>
+                </a:r>
+                <a:r>
+                  <a:rPr lang="he-IL" dirty="0">
+                    <a:latin typeface="Calibri" panose="020F0502020204030204" pitchFamily="34" charset="0"/>
+                  </a:rPr>
+                  <a:t> ואחר כך </a:t>
+                </a:r>
+                <a:r>
+                  <a:rPr lang="en-US" dirty="0">
+                    <a:latin typeface="Calibri" panose="020F0502020204030204" pitchFamily="34" charset="0"/>
+                  </a:rPr>
+                  <a:t>erosion</a:t>
+                </a:r>
+                <a:r>
+                  <a:rPr lang="he-IL" dirty="0">
+                    <a:latin typeface="Calibri" panose="020F0502020204030204" pitchFamily="34" charset="0"/>
+                  </a:rPr>
+                  <a:t>.</a:t>
+                </a:r>
+              </a:p>
+              <a:p>
+                <a:pPr marL="800100" lvl="1" indent="-342900">
+                  <a:lnSpc>
+                    <a:spcPct val="107000"/>
+                  </a:lnSpc>
+                  <a:spcAft>
+                    <a:spcPts val="800"/>
+                  </a:spcAft>
+                  <a:buFont typeface="+mj-lt"/>
+                  <a:buAutoNum type="arabicPeriod"/>
+                </a:pPr>
+                <a:r>
+                  <a:rPr lang="he-IL" dirty="0">
+                    <a:latin typeface="Calibri" panose="020F0502020204030204" pitchFamily="34" charset="0"/>
+                  </a:rPr>
+                  <a:t>הפיכת מפת ה</a:t>
+                </a:r>
+                <a:r>
+                  <a:rPr lang="en-US" dirty="0" err="1">
+                    <a:latin typeface="Calibri" panose="020F0502020204030204" pitchFamily="34" charset="0"/>
+                  </a:rPr>
+                  <a:t>Trimap</a:t>
+                </a:r>
+                <a:r>
+                  <a:rPr lang="he-IL" dirty="0">
+                    <a:latin typeface="Calibri" panose="020F0502020204030204" pitchFamily="34" charset="0"/>
+                  </a:rPr>
+                  <a:t> למפת אלפא – מפורט בשקופיות הבאות.</a:t>
+                </a:r>
+              </a:p>
+              <a:p>
+                <a:pPr marL="800100" lvl="1" indent="-342900">
+                  <a:lnSpc>
+                    <a:spcPct val="107000"/>
+                  </a:lnSpc>
+                  <a:spcAft>
+                    <a:spcPts val="800"/>
+                  </a:spcAft>
+                  <a:buFont typeface="+mj-lt"/>
+                  <a:buAutoNum type="arabicPeriod"/>
+                </a:pPr>
+                <a:r>
+                  <a:rPr lang="he-IL" dirty="0">
+                    <a:latin typeface="Calibri" panose="020F0502020204030204" pitchFamily="34" charset="0"/>
+                  </a:rPr>
+                  <a:t>יצירת מפת אלפא לא מיוצבת – בחלק הייצוב נשמרות כל הטרנספורמציות שבוצעו, בחלק זה מבוצעות כל הטרנספורמציות על מפת האלפא בסדר הפוך ועם סימן הפוך.</a:t>
+                </a:r>
+              </a:p>
+              <a:p>
+                <a:pPr marL="800100" lvl="1" indent="-342900">
+                  <a:lnSpc>
+                    <a:spcPct val="107000"/>
+                  </a:lnSpc>
+                  <a:spcAft>
+                    <a:spcPts val="800"/>
+                  </a:spcAft>
+                  <a:buFont typeface="+mj-lt"/>
+                  <a:buAutoNum type="arabicPeriod"/>
+                </a:pPr>
+                <a:r>
+                  <a:rPr lang="he-IL" dirty="0">
+                    <a:latin typeface="Calibri" panose="020F0502020204030204" pitchFamily="34" charset="0"/>
+                  </a:rPr>
+                  <a:t>ביצוע ה</a:t>
+                </a:r>
+                <a:r>
+                  <a:rPr lang="en-US" dirty="0">
+                    <a:latin typeface="Calibri" panose="020F0502020204030204" pitchFamily="34" charset="0"/>
+                  </a:rPr>
+                  <a:t>matting</a:t>
+                </a:r>
+                <a:r>
+                  <a:rPr lang="he-IL" dirty="0">
+                    <a:latin typeface="Calibri" panose="020F0502020204030204" pitchFamily="34" charset="0"/>
+                  </a:rPr>
+                  <a:t> על הרקע החדש – שינוי גודל תמונת הרקע שתתאים לסרטון, לאחר מכן שימוש בסיסי במפת האלפא עם הסרטון המקורי: </a:t>
+                </a:r>
+                <a14:m>
+                  <m:oMath xmlns:m="http://schemas.openxmlformats.org/officeDocument/2006/math">
+                    <m:r>
+                      <a:rPr lang="en-US" b="0" i="1" smtClean="0">
+                        <a:latin typeface="Cambria Math" panose="02040503050406030204" pitchFamily="18" charset="0"/>
+                      </a:rPr>
+                      <m:t>𝐼</m:t>
+                    </m:r>
+                    <m:r>
+                      <a:rPr lang="en-US" b="0" i="1" smtClean="0">
+                        <a:latin typeface="Cambria Math" panose="02040503050406030204" pitchFamily="18" charset="0"/>
+                      </a:rPr>
+                      <m:t>=</m:t>
+                    </m:r>
+                    <m:d>
+                      <m:dPr>
+                        <m:ctrlPr>
+                          <a:rPr lang="en-US" b="0" i="1" smtClean="0">
+                            <a:latin typeface="Cambria Math" panose="02040503050406030204" pitchFamily="18" charset="0"/>
+                          </a:rPr>
+                        </m:ctrlPr>
+                      </m:dPr>
+                      <m:e>
+                        <m:r>
+                          <a:rPr lang="en-US" b="0" i="1" smtClean="0">
+                            <a:latin typeface="Cambria Math" panose="02040503050406030204" pitchFamily="18" charset="0"/>
+                          </a:rPr>
+                          <m:t>1</m:t>
+                        </m:r>
+                        <m:r>
+                          <a:rPr lang="en-US" b="0" i="1" smtClean="0">
+                            <a:latin typeface="Cambria Math" panose="02040503050406030204" pitchFamily="18" charset="0"/>
+                          </a:rPr>
+                          <m:t>−</m:t>
+                        </m:r>
+                        <m:r>
+                          <a:rPr lang="en-US" b="0" i="1" smtClean="0">
+                            <a:latin typeface="Cambria Math" panose="02040503050406030204" pitchFamily="18" charset="0"/>
+                            <a:ea typeface="Cambria Math" panose="02040503050406030204" pitchFamily="18" charset="0"/>
+                          </a:rPr>
+                          <m:t>𝛼</m:t>
+                        </m:r>
+                      </m:e>
+                    </m:d>
+                    <m:r>
+                      <a:rPr lang="en-US" b="0" i="1" smtClean="0">
+                        <a:latin typeface="Cambria Math" panose="02040503050406030204" pitchFamily="18" charset="0"/>
+                        <a:ea typeface="Cambria Math" panose="02040503050406030204" pitchFamily="18" charset="0"/>
+                      </a:rPr>
+                      <m:t>∙</m:t>
+                    </m:r>
+                    <m:r>
+                      <a:rPr lang="en-US" b="0" i="1" smtClean="0">
+                        <a:latin typeface="Cambria Math" panose="02040503050406030204" pitchFamily="18" charset="0"/>
+                        <a:ea typeface="Cambria Math" panose="02040503050406030204" pitchFamily="18" charset="0"/>
+                      </a:rPr>
+                      <m:t>𝐵𝑎𝑐𝑘𝑔𝑟𝑜𝑢𝑛𝑑</m:t>
+                    </m:r>
+                    <m:r>
+                      <a:rPr lang="en-US" b="0" i="1" smtClean="0">
+                        <a:latin typeface="Cambria Math" panose="02040503050406030204" pitchFamily="18" charset="0"/>
+                        <a:ea typeface="Cambria Math" panose="02040503050406030204" pitchFamily="18" charset="0"/>
+                      </a:rPr>
+                      <m:t>+ </m:t>
+                    </m:r>
+                    <m:r>
+                      <a:rPr lang="en-US" b="0" i="1" smtClean="0">
+                        <a:latin typeface="Cambria Math" panose="02040503050406030204" pitchFamily="18" charset="0"/>
+                        <a:ea typeface="Cambria Math" panose="02040503050406030204" pitchFamily="18" charset="0"/>
+                      </a:rPr>
+                      <m:t>𝛼</m:t>
+                    </m:r>
+                    <m:r>
+                      <a:rPr lang="en-US" b="0" i="1" smtClean="0">
+                        <a:latin typeface="Cambria Math" panose="02040503050406030204" pitchFamily="18" charset="0"/>
+                        <a:ea typeface="Cambria Math" panose="02040503050406030204" pitchFamily="18" charset="0"/>
+                      </a:rPr>
+                      <m:t>∙</m:t>
+                    </m:r>
+                    <m:r>
+                      <a:rPr lang="en-US" b="0" i="1" smtClean="0">
+                        <a:latin typeface="Cambria Math" panose="02040503050406030204" pitchFamily="18" charset="0"/>
+                        <a:ea typeface="Cambria Math" panose="02040503050406030204" pitchFamily="18" charset="0"/>
+                      </a:rPr>
+                      <m:t>𝑂𝑟𝑖𝑔𝑖𝑛𝑎𝑙</m:t>
+                    </m:r>
+                  </m:oMath>
+                </a14:m>
+                <a:r>
+                  <a:rPr lang="he-IL" dirty="0">
+                    <a:latin typeface="Calibri" panose="020F0502020204030204" pitchFamily="34" charset="0"/>
+                  </a:rPr>
+                  <a:t>, כאשר הערך </a:t>
+                </a:r>
+                <a14:m>
+                  <m:oMath xmlns:m="http://schemas.openxmlformats.org/officeDocument/2006/math">
+                    <m:r>
+                      <a:rPr lang="en-US" i="1">
+                        <a:latin typeface="Cambria Math" panose="02040503050406030204" pitchFamily="18" charset="0"/>
+                        <a:ea typeface="Cambria Math" panose="02040503050406030204" pitchFamily="18" charset="0"/>
+                      </a:rPr>
+                      <m:t>𝛼</m:t>
+                    </m:r>
+                  </m:oMath>
+                </a14:m>
+                <a:r>
+                  <a:rPr lang="he-IL" dirty="0">
+                    <a:latin typeface="Calibri" panose="020F0502020204030204" pitchFamily="34" charset="0"/>
+                  </a:rPr>
+                  <a:t> הוא ערך הפיקסל במפת האלפא מנורמל ל</a:t>
+                </a:r>
+                <a:r>
+                  <a:rPr lang="en-US" dirty="0">
+                    <a:latin typeface="Calibri" panose="020F0502020204030204" pitchFamily="34" charset="0"/>
+                  </a:rPr>
+                  <a:t>[0,1]</a:t>
+                </a:r>
+                <a:r>
+                  <a:rPr lang="he-IL" dirty="0">
+                    <a:latin typeface="Calibri" panose="020F0502020204030204" pitchFamily="34" charset="0"/>
+                  </a:rPr>
+                  <a:t>.</a:t>
+                </a:r>
+              </a:p>
+              <a:p>
+                <a:pPr lvl="1">
+                  <a:lnSpc>
+                    <a:spcPct val="107000"/>
+                  </a:lnSpc>
+                  <a:spcAft>
+                    <a:spcPts val="800"/>
+                  </a:spcAft>
+                </a:pPr>
+                <a:r>
+                  <a:rPr lang="en-US" dirty="0">
+                    <a:latin typeface="Calibri" panose="020F0502020204030204" pitchFamily="34" charset="0"/>
+                  </a:rPr>
+                  <a:t>	</a:t>
+                </a:r>
+                <a:endParaRPr lang="he-IL" dirty="0">
+                  <a:latin typeface="Calibri" panose="020F0502020204030204" pitchFamily="34" charset="0"/>
+                </a:endParaRPr>
+              </a:p>
+              <a:p>
+                <a:pPr lvl="1">
+                  <a:lnSpc>
+                    <a:spcPct val="107000"/>
+                  </a:lnSpc>
+                  <a:spcAft>
+                    <a:spcPts val="800"/>
+                  </a:spcAft>
+                </a:pPr>
+                <a:endParaRPr lang="he-IL" dirty="0">
+                  <a:latin typeface="Calibri" panose="020F0502020204030204" pitchFamily="34" charset="0"/>
+                </a:endParaRPr>
+              </a:p>
+            </p:txBody>
+          </p:sp>
+        </mc:Choice>
+        <mc:Fallback>
+          <p:sp>
+            <p:nvSpPr>
+              <p:cNvPr id="3" name="מלבן 2">
+                <a:extLst>
+                  <a:ext uri="{FF2B5EF4-FFF2-40B4-BE49-F238E27FC236}">
+                    <a16:creationId xmlns:a16="http://schemas.microsoft.com/office/drawing/2014/main" id="{147CA06E-C008-46C6-A7E2-5AF0D1B2ABC8}"/>
+                  </a:ext>
+                </a:extLst>
+              </p:cNvPr>
+              <p:cNvSpPr>
+                <a:spLocks noRot="1" noChangeAspect="1" noMove="1" noResize="1" noEditPoints="1" noAdjustHandles="1" noChangeArrowheads="1" noChangeShapeType="1" noTextEdit="1"/>
+              </p:cNvSpPr>
+              <p:nvPr/>
+            </p:nvSpPr>
+            <p:spPr>
+              <a:xfrm>
+                <a:off x="550415" y="1917979"/>
+                <a:ext cx="11394446" cy="3650038"/>
+              </a:xfrm>
+              <a:prstGeom prst="rect">
+                <a:avLst/>
+              </a:prstGeom>
+              <a:blipFill>
+                <a:blip r:embed="rId5"/>
+                <a:stretch>
+                  <a:fillRect t="-1003" r="-482"/>
+                </a:stretch>
+              </a:blipFill>
+            </p:spPr>
+            <p:txBody>
+              <a:bodyPr/>
+              <a:lstStyle/>
+              <a:p>
+                <a:r>
+                  <a:rPr lang="en-US">
+                    <a:noFill/>
+                  </a:rPr>
+                  <a:t> </a:t>
+                </a:r>
+              </a:p>
+            </p:txBody>
+          </p:sp>
+        </mc:Fallback>
+      </mc:AlternateContent>
+    </p:spTree>
+    <p:extLst>
+      <p:ext uri="{BB962C8B-B14F-4D97-AF65-F5344CB8AC3E}">
+        <p14:creationId xmlns:p14="http://schemas.microsoft.com/office/powerpoint/2010/main" val="2632981225"/>
+      </p:ext>
+    </p:extLst>
+  </p:cSld>
+  <p:clrMapOvr>
+    <a:masterClrMapping/>
+  </p:clrMapOvr>
+</p:sld>
+</file>
+
+<file path=ppt/slides/slide7.xml><?xml version="1.0" encoding="utf-8"?>
+<p:sld xmlns:a="http://schemas.openxmlformats.org/drawingml/2006/main" xmlns:r="http://schemas.openxmlformats.org/officeDocument/2006/relationships" xmlns:p="http://schemas.openxmlformats.org/presentationml/2006/main">
+  <p:cSld>
+    <p:spTree>
+      <p:nvGrpSpPr>
+        <p:cNvPr id="1" name=""/>
+        <p:cNvGrpSpPr/>
+        <p:nvPr/>
+      </p:nvGrpSpPr>
+      <p:grpSpPr>
+        <a:xfrm>
+          <a:off x="0" y="0"/>
+          <a:ext cx="0" cy="0"/>
+          <a:chOff x="0" y="0"/>
+          <a:chExt cx="0" cy="0"/>
+        </a:xfrm>
+      </p:grpSpPr>
+      <p:sp>
+        <p:nvSpPr>
+          <p:cNvPr id="12" name="Rectangle 11">
+            <a:extLst>
+              <a:ext uri="{FF2B5EF4-FFF2-40B4-BE49-F238E27FC236}">
+                <a16:creationId xmlns:a16="http://schemas.microsoft.com/office/drawing/2014/main" id="{42A4FC2C-047E-45A5-965D-8E1E3BF09BC6}"/>
+              </a:ext>
+              <a:ext uri="{C183D7F6-B498-43B3-948B-1728B52AA6E4}">
+                <adec:decorative xmlns:adec="http://schemas.microsoft.com/office/drawing/2017/decorative" val="1"/>
+              </a:ext>
+            </a:extLst>
+          </p:cNvPr>
+          <p:cNvSpPr>
+            <a:spLocks noGrp="1" noRot="1" noChangeAspect="1" noMove="1" noResize="1" noEditPoints="1" noAdjustHandles="1" noChangeArrowheads="1" noChangeShapeType="1" noTextEdit="1"/>
+          </p:cNvSpPr>
+          <p:nvPr>
+            <p:extLst>
+              <p:ext uri="{386F3935-93C4-4BCD-93E2-E3B085C9AB24}">
+                <p16:designElem xmlns:p16="http://schemas.microsoft.com/office/powerpoint/2015/main" val="1"/>
+              </p:ext>
+            </p:extLst>
+          </p:nvPr>
+        </p:nvSpPr>
+        <p:spPr bwMode="white">
+          <a:xfrm>
+            <a:off x="1524" y="0"/>
+            <a:ext cx="12188952" cy="6858000"/>
+          </a:xfrm>
+          <a:prstGeom prst="rect">
+            <a:avLst/>
+          </a:prstGeom>
+          <a:noFill/>
+          <a:ln>
+            <a:noFill/>
+          </a:ln>
+        </p:spPr>
+        <p:style>
+          <a:lnRef idx="2">
+            <a:schemeClr val="accent1">
+              <a:shade val="50000"/>
+            </a:schemeClr>
+          </a:lnRef>
+          <a:fillRef idx="1">
+            <a:schemeClr val="accent1"/>
+          </a:fillRef>
+          <a:effectRef idx="0">
+            <a:schemeClr val="accent1"/>
+          </a:effectRef>
+          <a:fontRef idx="minor">
+            <a:schemeClr val="lt1"/>
+          </a:fontRef>
+        </p:style>
+        <p:txBody>
+          <a:bodyPr rtlCol="0" anchor="ctr"/>
+          <a:lstStyle>
+            <a:defPPr>
+              <a:defRPr lang="en-US"/>
+            </a:defPPr>
+            <a:lvl1pPr marL="0" algn="l" defTabSz="914400" rtl="0" eaLnBrk="1" latinLnBrk="0" hangingPunct="1">
+              <a:defRPr sz="1800" kern="1200">
+                <a:solidFill>
+                  <a:schemeClr val="lt1"/>
+                </a:solidFill>
+                <a:latin typeface="+mn-lt"/>
+                <a:ea typeface="+mn-ea"/>
+                <a:cs typeface="+mn-cs"/>
+              </a:defRPr>
+            </a:lvl1pPr>
+            <a:lvl2pPr marL="457200" algn="l" defTabSz="914400" rtl="0" eaLnBrk="1" latinLnBrk="0" hangingPunct="1">
+              <a:defRPr sz="1800" kern="1200">
+                <a:solidFill>
+                  <a:schemeClr val="lt1"/>
+                </a:solidFill>
+                <a:latin typeface="+mn-lt"/>
+                <a:ea typeface="+mn-ea"/>
+                <a:cs typeface="+mn-cs"/>
+              </a:defRPr>
+            </a:lvl2pPr>
+            <a:lvl3pPr marL="914400" algn="l" defTabSz="914400" rtl="0" eaLnBrk="1" latinLnBrk="0" hangingPunct="1">
+              <a:defRPr sz="1800" kern="1200">
+                <a:solidFill>
+                  <a:schemeClr val="lt1"/>
+                </a:solidFill>
+                <a:latin typeface="+mn-lt"/>
+                <a:ea typeface="+mn-ea"/>
+                <a:cs typeface="+mn-cs"/>
+              </a:defRPr>
+            </a:lvl3pPr>
+            <a:lvl4pPr marL="1371600" algn="l" defTabSz="914400" rtl="0" eaLnBrk="1" latinLnBrk="0" hangingPunct="1">
+              <a:defRPr sz="1800" kern="1200">
+                <a:solidFill>
+                  <a:schemeClr val="lt1"/>
+                </a:solidFill>
+                <a:latin typeface="+mn-lt"/>
+                <a:ea typeface="+mn-ea"/>
+                <a:cs typeface="+mn-cs"/>
+              </a:defRPr>
+            </a:lvl4pPr>
+            <a:lvl5pPr marL="1828800" algn="l" defTabSz="914400" rtl="0" eaLnBrk="1" latinLnBrk="0" hangingPunct="1">
+              <a:defRPr sz="1800" kern="1200">
+                <a:solidFill>
+                  <a:schemeClr val="lt1"/>
+                </a:solidFill>
+                <a:latin typeface="+mn-lt"/>
+                <a:ea typeface="+mn-ea"/>
+                <a:cs typeface="+mn-cs"/>
+              </a:defRPr>
+            </a:lvl5pPr>
+            <a:lvl6pPr marL="2286000" algn="l" defTabSz="914400" rtl="0" eaLnBrk="1" latinLnBrk="0" hangingPunct="1">
+              <a:defRPr sz="1800" kern="1200">
+                <a:solidFill>
+                  <a:schemeClr val="lt1"/>
+                </a:solidFill>
+                <a:latin typeface="+mn-lt"/>
+                <a:ea typeface="+mn-ea"/>
+                <a:cs typeface="+mn-cs"/>
+              </a:defRPr>
+            </a:lvl6pPr>
+            <a:lvl7pPr marL="2743200" algn="l" defTabSz="914400" rtl="0" eaLnBrk="1" latinLnBrk="0" hangingPunct="1">
+              <a:defRPr sz="1800" kern="1200">
+                <a:solidFill>
+                  <a:schemeClr val="lt1"/>
+                </a:solidFill>
+                <a:latin typeface="+mn-lt"/>
+                <a:ea typeface="+mn-ea"/>
+                <a:cs typeface="+mn-cs"/>
+              </a:defRPr>
+            </a:lvl7pPr>
+            <a:lvl8pPr marL="3200400" algn="l" defTabSz="914400" rtl="0" eaLnBrk="1" latinLnBrk="0" hangingPunct="1">
+              <a:defRPr sz="1800" kern="1200">
+                <a:solidFill>
+                  <a:schemeClr val="lt1"/>
+                </a:solidFill>
+                <a:latin typeface="+mn-lt"/>
+                <a:ea typeface="+mn-ea"/>
+                <a:cs typeface="+mn-cs"/>
+              </a:defRPr>
+            </a:lvl8pPr>
+            <a:lvl9pPr marL="3657600" algn="l" defTabSz="914400" rtl="0" eaLnBrk="1" latinLnBrk="0" hangingPunct="1">
+              <a:defRPr sz="1800" kern="1200">
+                <a:solidFill>
+                  <a:schemeClr val="lt1"/>
+                </a:solidFill>
+                <a:latin typeface="+mn-lt"/>
+                <a:ea typeface="+mn-ea"/>
+                <a:cs typeface="+mn-cs"/>
+              </a:defRPr>
+            </a:lvl9pPr>
+          </a:lstStyle>
+          <a:p>
+            <a:pPr algn="ctr"/>
+            <a:endParaRPr lang="en-US"/>
+          </a:p>
+        </p:txBody>
+      </p:sp>
+      <p:pic>
+        <p:nvPicPr>
+          <p:cNvPr id="7" name="תמונה 6" descr="תמונה שמכילה שולחן&#10;&#10;התיאור נוצר באופן אוטומטי">
+            <a:extLst>
+              <a:ext uri="{FF2B5EF4-FFF2-40B4-BE49-F238E27FC236}">
+                <a16:creationId xmlns:a16="http://schemas.microsoft.com/office/drawing/2014/main" id="{50417BDD-94E9-4331-B903-2CCC7F596200}"/>
+              </a:ext>
+            </a:extLst>
+          </p:cNvPr>
+          <p:cNvPicPr>
+            <a:picLocks noChangeAspect="1"/>
+          </p:cNvPicPr>
+          <p:nvPr/>
+        </p:nvPicPr>
+        <p:blipFill rotWithShape="1">
+          <a:blip r:embed="rId3">
+            <a:extLst>
+              <a:ext uri="{28A0092B-C50C-407E-A947-70E740481C1C}">
+                <a14:useLocalDpi xmlns:a14="http://schemas.microsoft.com/office/drawing/2010/main" val="0"/>
+              </a:ext>
+            </a:extLst>
+          </a:blip>
+          <a:srcRect b="19"/>
+          <a:stretch/>
+        </p:blipFill>
+        <p:spPr>
+          <a:xfrm flipH="1">
+            <a:off x="20" y="1282"/>
+            <a:ext cx="12191980" cy="6856718"/>
+          </a:xfrm>
+          <a:prstGeom prst="rect">
+            <a:avLst/>
+          </a:prstGeom>
+        </p:spPr>
+      </p:pic>
+      <p:sp>
+        <p:nvSpPr>
+          <p:cNvPr id="8" name="מלבן 7">
+            <a:extLst>
+              <a:ext uri="{FF2B5EF4-FFF2-40B4-BE49-F238E27FC236}">
+                <a16:creationId xmlns:a16="http://schemas.microsoft.com/office/drawing/2014/main" id="{3836571B-B5FA-41FD-A96B-BEBD96B7DC80}"/>
+              </a:ext>
+            </a:extLst>
+          </p:cNvPr>
+          <p:cNvSpPr/>
+          <p:nvPr/>
+        </p:nvSpPr>
+        <p:spPr>
+          <a:xfrm>
+            <a:off x="6890327" y="0"/>
+            <a:ext cx="5163697" cy="769441"/>
+          </a:xfrm>
+          <a:prstGeom prst="rect">
+            <a:avLst/>
+          </a:prstGeom>
+          <a:noFill/>
+        </p:spPr>
+        <p:txBody>
+          <a:bodyPr wrap="square" lIns="91440" tIns="45720" rIns="91440" bIns="45720">
+            <a:spAutoFit/>
+          </a:bodyPr>
+          <a:lstStyle/>
+          <a:p>
+            <a:pPr algn="ctr"/>
+            <a:r>
+              <a:rPr lang="he-IL" sz="4400" dirty="0">
+                <a:ln w="0">
+                  <a:solidFill>
+                    <a:schemeClr val="accent1">
+                      <a:lumMod val="40000"/>
+                      <a:lumOff val="60000"/>
+                    </a:schemeClr>
+                  </a:solidFill>
+                </a:ln>
+                <a:effectLst>
+                  <a:glow rad="101600">
+                    <a:schemeClr val="accent1">
+                      <a:satMod val="175000"/>
+                      <a:alpha val="40000"/>
+                    </a:schemeClr>
+                  </a:glow>
+                  <a:outerShdw blurRad="38100" dist="19050" dir="2700000" algn="tl" rotWithShape="0">
+                    <a:schemeClr val="dk1">
+                      <a:alpha val="40000"/>
+                    </a:schemeClr>
+                  </a:outerShdw>
+                </a:effectLst>
+              </a:rPr>
+              <a:t>פרויקט עיבוד וידיאו</a:t>
+            </a:r>
+          </a:p>
+        </p:txBody>
+      </p:sp>
+      <p:sp>
+        <p:nvSpPr>
+          <p:cNvPr id="13" name="מלבן 12">
+            <a:extLst>
+              <a:ext uri="{FF2B5EF4-FFF2-40B4-BE49-F238E27FC236}">
+                <a16:creationId xmlns:a16="http://schemas.microsoft.com/office/drawing/2014/main" id="{205D09B1-C463-4102-9D6B-E5BCA79EF7D7}"/>
+              </a:ext>
+            </a:extLst>
+          </p:cNvPr>
+          <p:cNvSpPr/>
+          <p:nvPr/>
+        </p:nvSpPr>
+        <p:spPr>
+          <a:xfrm>
+            <a:off x="2368843" y="123110"/>
+            <a:ext cx="5163697" cy="646331"/>
+          </a:xfrm>
+          <a:prstGeom prst="rect">
+            <a:avLst/>
+          </a:prstGeom>
+          <a:noFill/>
+        </p:spPr>
+        <p:txBody>
+          <a:bodyPr wrap="square" lIns="91440" tIns="45720" rIns="91440" bIns="45720">
+            <a:spAutoFit/>
+          </a:bodyPr>
+          <a:lstStyle/>
+          <a:p>
+            <a:pPr algn="ctr"/>
+            <a:r>
+              <a:rPr lang="he-IL" dirty="0">
+                <a:ln w="0"/>
+                <a:solidFill>
+                  <a:schemeClr val="accent1">
+                    <a:lumMod val="40000"/>
+                    <a:lumOff val="60000"/>
+                  </a:schemeClr>
+                </a:solidFill>
+                <a:effectLst>
+                  <a:outerShdw blurRad="38100" dist="19050" dir="2700000" algn="tl" rotWithShape="0">
+                    <a:schemeClr val="dk1">
+                      <a:alpha val="40000"/>
+                    </a:schemeClr>
+                  </a:outerShdw>
+                </a:effectLst>
+              </a:rPr>
+              <a:t>נועם כץ 204251144</a:t>
+            </a:r>
+          </a:p>
+          <a:p>
+            <a:pPr algn="ctr"/>
+            <a:r>
+              <a:rPr lang="he-IL" dirty="0">
+                <a:ln w="0"/>
+                <a:solidFill>
+                  <a:schemeClr val="accent1">
+                    <a:lumMod val="40000"/>
+                    <a:lumOff val="60000"/>
+                  </a:schemeClr>
+                </a:solidFill>
+                <a:effectLst>
+                  <a:outerShdw blurRad="38100" dist="19050" dir="2700000" algn="tl" rotWithShape="0">
+                    <a:schemeClr val="dk1">
+                      <a:alpha val="40000"/>
+                    </a:schemeClr>
+                  </a:outerShdw>
+                </a:effectLst>
+              </a:rPr>
+              <a:t>שקד רצון 200940500</a:t>
+            </a:r>
+            <a:endParaRPr lang="he-IL" b="0" cap="none" spc="0" dirty="0">
+              <a:ln w="0"/>
+              <a:solidFill>
+                <a:schemeClr val="accent1">
+                  <a:lumMod val="40000"/>
+                  <a:lumOff val="60000"/>
+                </a:schemeClr>
+              </a:solidFill>
+              <a:effectLst>
+                <a:outerShdw blurRad="38100" dist="19050" dir="2700000" algn="tl" rotWithShape="0">
+                  <a:schemeClr val="dk1">
+                    <a:alpha val="40000"/>
+                  </a:schemeClr>
+                </a:outerShdw>
+              </a:effectLst>
+            </a:endParaRPr>
+          </a:p>
+        </p:txBody>
+      </p:sp>
+      <p:pic>
+        <p:nvPicPr>
+          <p:cNvPr id="9" name="תמונה 8">
+            <a:extLst>
+              <a:ext uri="{FF2B5EF4-FFF2-40B4-BE49-F238E27FC236}">
+                <a16:creationId xmlns:a16="http://schemas.microsoft.com/office/drawing/2014/main" id="{163993D9-4214-45D9-A2FE-17BD1E91A690}"/>
+              </a:ext>
+            </a:extLst>
+          </p:cNvPr>
+          <p:cNvPicPr>
+            <a:picLocks noChangeAspect="1"/>
+          </p:cNvPicPr>
+          <p:nvPr/>
+        </p:nvPicPr>
+        <p:blipFill>
+          <a:blip r:embed="rId4"/>
+          <a:stretch>
+            <a:fillRect/>
+          </a:stretch>
+        </p:blipFill>
+        <p:spPr>
+          <a:xfrm>
+            <a:off x="1" y="0"/>
+            <a:ext cx="818844" cy="1433689"/>
+          </a:xfrm>
+          <a:prstGeom prst="rect">
+            <a:avLst/>
+          </a:prstGeom>
+        </p:spPr>
+      </p:pic>
+      <p:sp>
+        <p:nvSpPr>
+          <p:cNvPr id="11" name="מלבן 10">
+            <a:extLst>
+              <a:ext uri="{FF2B5EF4-FFF2-40B4-BE49-F238E27FC236}">
+                <a16:creationId xmlns:a16="http://schemas.microsoft.com/office/drawing/2014/main" id="{54B7D947-39EA-49B6-945B-788A628AE68B}"/>
+              </a:ext>
+            </a:extLst>
+          </p:cNvPr>
+          <p:cNvSpPr/>
+          <p:nvPr/>
+        </p:nvSpPr>
+        <p:spPr>
+          <a:xfrm>
+            <a:off x="7616139" y="895091"/>
+            <a:ext cx="3050066" cy="707886"/>
+          </a:xfrm>
+          <a:prstGeom prst="rect">
+            <a:avLst/>
+          </a:prstGeom>
+          <a:noFill/>
+        </p:spPr>
+        <p:txBody>
+          <a:bodyPr wrap="none" lIns="91440" tIns="45720" rIns="91440" bIns="45720">
+            <a:spAutoFit/>
+          </a:bodyPr>
+          <a:lstStyle/>
+          <a:p>
+            <a:pPr algn="ctr"/>
+            <a:r>
+              <a:rPr lang="en-US" sz="4000" b="0" u="sng" cap="none" spc="0" dirty="0">
+                <a:ln w="0"/>
+                <a:solidFill>
+                  <a:schemeClr val="tx1"/>
+                </a:solidFill>
+                <a:effectLst>
+                  <a:outerShdw blurRad="38100" dist="19050" dir="2700000" algn="tl" rotWithShape="0">
+                    <a:schemeClr val="dk1">
+                      <a:alpha val="40000"/>
+                    </a:schemeClr>
+                  </a:outerShdw>
+                </a:effectLst>
+              </a:rPr>
+              <a:t>Matting block</a:t>
+            </a:r>
+            <a:endParaRPr lang="he-IL" sz="4000" b="0" u="sng" cap="none" spc="0" dirty="0">
+              <a:ln w="0"/>
+              <a:solidFill>
+                <a:schemeClr val="tx1"/>
+              </a:solidFill>
+              <a:effectLst>
+                <a:outerShdw blurRad="38100" dist="19050" dir="2700000" algn="tl" rotWithShape="0">
+                  <a:schemeClr val="dk1">
+                    <a:alpha val="40000"/>
+                  </a:schemeClr>
+                </a:outerShdw>
+              </a:effectLst>
+            </a:endParaRPr>
+          </a:p>
+        </p:txBody>
+      </p:sp>
+      <p:pic>
+        <p:nvPicPr>
+          <p:cNvPr id="21" name="תמונה 20">
+            <a:extLst>
+              <a:ext uri="{FF2B5EF4-FFF2-40B4-BE49-F238E27FC236}">
+                <a16:creationId xmlns:a16="http://schemas.microsoft.com/office/drawing/2014/main" id="{47368236-C349-4237-9D5F-67330689ACB3}"/>
+              </a:ext>
+            </a:extLst>
+          </p:cNvPr>
+          <p:cNvPicPr>
+            <a:picLocks noChangeAspect="1"/>
+          </p:cNvPicPr>
+          <p:nvPr/>
+        </p:nvPicPr>
+        <p:blipFill>
+          <a:blip r:embed="rId4"/>
+          <a:stretch>
+            <a:fillRect/>
+          </a:stretch>
+        </p:blipFill>
+        <p:spPr>
+          <a:xfrm flipH="1">
+            <a:off x="818845" y="-1"/>
+            <a:ext cx="818844" cy="1433689"/>
+          </a:xfrm>
+          <a:prstGeom prst="rect">
+            <a:avLst/>
+          </a:prstGeom>
+        </p:spPr>
+      </p:pic>
+      <p:sp>
+        <p:nvSpPr>
+          <p:cNvPr id="3" name="מלבן 2">
+            <a:extLst>
+              <a:ext uri="{FF2B5EF4-FFF2-40B4-BE49-F238E27FC236}">
+                <a16:creationId xmlns:a16="http://schemas.microsoft.com/office/drawing/2014/main" id="{147CA06E-C008-46C6-A7E2-5AF0D1B2ABC8}"/>
+              </a:ext>
+            </a:extLst>
+          </p:cNvPr>
+          <p:cNvSpPr/>
+          <p:nvPr/>
+        </p:nvSpPr>
+        <p:spPr>
+          <a:xfrm>
+            <a:off x="550415" y="1917979"/>
+            <a:ext cx="11394446" cy="2247988"/>
+          </a:xfrm>
+          <a:prstGeom prst="rect">
+            <a:avLst/>
+          </a:prstGeom>
+        </p:spPr>
+        <p:txBody>
+          <a:bodyPr wrap="square">
+            <a:spAutoFit/>
+          </a:bodyPr>
+          <a:lstStyle/>
+          <a:p>
+            <a:pPr>
+              <a:lnSpc>
+                <a:spcPct val="107000"/>
+              </a:lnSpc>
+              <a:spcAft>
+                <a:spcPts val="800"/>
+              </a:spcAft>
+            </a:pPr>
+            <a:r>
+              <a:rPr lang="he-IL" dirty="0">
+                <a:latin typeface="Calibri" panose="020F0502020204030204" pitchFamily="34" charset="0"/>
+              </a:rPr>
+              <a:t>בחלק זה ניסינו להשתמש במרחק גאודי כפי שנלמד בכיתה. תוצאת מפת האלפא לא הייתה מספיק טובה ולכן החלטנו לחפש דרך אחרת לביצוע ה</a:t>
+            </a:r>
+            <a:r>
+              <a:rPr lang="en-US" dirty="0">
+                <a:latin typeface="Calibri" panose="020F0502020204030204" pitchFamily="34" charset="0"/>
+              </a:rPr>
+              <a:t>Matting</a:t>
+            </a:r>
+            <a:r>
+              <a:rPr lang="he-IL" dirty="0">
+                <a:latin typeface="Calibri" panose="020F0502020204030204" pitchFamily="34" charset="0"/>
+              </a:rPr>
+              <a:t>. מקריאה באינטרנט ראינו שימוש במתודה המפורטת במאמר</a:t>
+            </a:r>
+            <a:r>
+              <a:rPr lang="en-US" dirty="0">
+                <a:hlinkClick r:id="rId5"/>
+              </a:rPr>
+              <a:t>A Closed Form Solution to Natural Image Matting</a:t>
+            </a:r>
+            <a:r>
+              <a:rPr lang="he-IL" dirty="0"/>
+              <a:t>. בפתרון שהוצג במאמר </a:t>
+            </a:r>
+            <a:r>
+              <a:rPr lang="he-IL" dirty="0">
+                <a:latin typeface="Calibri" panose="020F0502020204030204" pitchFamily="34" charset="0"/>
+                <a:ea typeface="Calibri" panose="020F0502020204030204" pitchFamily="34" charset="0"/>
+              </a:rPr>
+              <a:t>מבצעים הנחות על צבע הפיקסלים של הרקע והאובייקט ומחשבים פונקציית מחיר. מייצרים את מפת האלפא על ידי הגעה למינימום גלובאלי. פתרון פונקציית זו היא מערכת משוואות לינארית של מטריצה דלילה </a:t>
+            </a:r>
+            <a:r>
+              <a:rPr lang="en-US" dirty="0">
+                <a:latin typeface="Calibri" panose="020F0502020204030204" pitchFamily="34" charset="0"/>
+                <a:ea typeface="Calibri" panose="020F0502020204030204" pitchFamily="34" charset="0"/>
+                <a:cs typeface="Arial" panose="020B0604020202020204" pitchFamily="34" charset="0"/>
+              </a:rPr>
+              <a:t>L</a:t>
+            </a:r>
+            <a:r>
+              <a:rPr lang="he-IL" dirty="0">
+                <a:latin typeface="Calibri" panose="020F0502020204030204" pitchFamily="34" charset="0"/>
+                <a:ea typeface="Calibri" panose="020F0502020204030204" pitchFamily="34" charset="0"/>
+                <a:cs typeface="Arial" panose="020B0604020202020204" pitchFamily="34" charset="0"/>
+              </a:rPr>
+              <a:t> ולכן זמן החישוב יכול להיות ארוך עבור תמונות ברזולוציה גבוה, אך לבעיה שלנו פתרון זה מספק.</a:t>
+            </a:r>
+            <a:r>
+              <a:rPr lang="he-IL" dirty="0"/>
+              <a:t> הסבר מעמיק יותר על השיטה מופיע בשני השקפים הבאים.</a:t>
+            </a:r>
+            <a:endParaRPr lang="en-US" dirty="0"/>
+          </a:p>
+          <a:p>
+            <a:pPr>
+              <a:lnSpc>
+                <a:spcPct val="107000"/>
+              </a:lnSpc>
+              <a:spcAft>
+                <a:spcPts val="800"/>
+              </a:spcAft>
+            </a:pPr>
+            <a:r>
+              <a:rPr lang="he-IL" dirty="0"/>
+              <a:t>על ידי שימוש בשיטה זו הצלחנו לייצר מפת אלפא טובה יותר:</a:t>
+            </a:r>
+          </a:p>
+        </p:txBody>
+      </p:sp>
+      <p:pic>
+        <p:nvPicPr>
+          <p:cNvPr id="4" name="תמונה 3">
+            <a:extLst>
+              <a:ext uri="{FF2B5EF4-FFF2-40B4-BE49-F238E27FC236}">
+                <a16:creationId xmlns:a16="http://schemas.microsoft.com/office/drawing/2014/main" id="{D9B35FFF-1E81-43B7-B66A-6175C04148C4}"/>
+              </a:ext>
+            </a:extLst>
+          </p:cNvPr>
+          <p:cNvPicPr>
+            <a:picLocks noChangeAspect="1"/>
+          </p:cNvPicPr>
+          <p:nvPr/>
+        </p:nvPicPr>
+        <p:blipFill>
+          <a:blip r:embed="rId6"/>
+          <a:stretch>
+            <a:fillRect/>
+          </a:stretch>
+        </p:blipFill>
+        <p:spPr>
+          <a:xfrm>
+            <a:off x="4264840" y="4190505"/>
+            <a:ext cx="1788027" cy="2539916"/>
+          </a:xfrm>
+          <a:prstGeom prst="rect">
+            <a:avLst/>
+          </a:prstGeom>
+        </p:spPr>
+      </p:pic>
+      <p:pic>
+        <p:nvPicPr>
+          <p:cNvPr id="5" name="תמונה 4">
+            <a:extLst>
+              <a:ext uri="{FF2B5EF4-FFF2-40B4-BE49-F238E27FC236}">
+                <a16:creationId xmlns:a16="http://schemas.microsoft.com/office/drawing/2014/main" id="{F84F78BD-E5C4-455E-904B-697590CF3A62}"/>
+              </a:ext>
+            </a:extLst>
+          </p:cNvPr>
+          <p:cNvPicPr>
+            <a:picLocks noChangeAspect="1"/>
+          </p:cNvPicPr>
+          <p:nvPr/>
+        </p:nvPicPr>
+        <p:blipFill>
+          <a:blip r:embed="rId7"/>
+          <a:stretch>
+            <a:fillRect/>
+          </a:stretch>
+        </p:blipFill>
+        <p:spPr>
+          <a:xfrm>
+            <a:off x="1563444" y="4298759"/>
+            <a:ext cx="1646579" cy="2432303"/>
+          </a:xfrm>
+          <a:prstGeom prst="rect">
+            <a:avLst/>
+          </a:prstGeom>
+        </p:spPr>
+      </p:pic>
+      <p:sp>
+        <p:nvSpPr>
+          <p:cNvPr id="6" name="מלבן 5">
+            <a:extLst>
+              <a:ext uri="{FF2B5EF4-FFF2-40B4-BE49-F238E27FC236}">
+                <a16:creationId xmlns:a16="http://schemas.microsoft.com/office/drawing/2014/main" id="{86C44450-50AC-4CB2-8212-E670F337CC57}"/>
+              </a:ext>
+            </a:extLst>
+          </p:cNvPr>
+          <p:cNvSpPr/>
+          <p:nvPr/>
+        </p:nvSpPr>
+        <p:spPr>
+          <a:xfrm>
+            <a:off x="4650003" y="3821173"/>
+            <a:ext cx="1223413" cy="369332"/>
+          </a:xfrm>
+          <a:prstGeom prst="rect">
+            <a:avLst/>
+          </a:prstGeom>
+        </p:spPr>
+        <p:txBody>
+          <a:bodyPr wrap="none">
+            <a:spAutoFit/>
+          </a:bodyPr>
+          <a:lstStyle/>
+          <a:p>
+            <a:r>
+              <a:rPr lang="he-IL" dirty="0">
+                <a:latin typeface="Calibri" panose="020F0502020204030204" pitchFamily="34" charset="0"/>
+              </a:rPr>
+              <a:t>מרחק גאודי</a:t>
+            </a:r>
+            <a:endParaRPr lang="en-US" dirty="0"/>
+          </a:p>
+        </p:txBody>
+      </p:sp>
+      <p:sp>
+        <p:nvSpPr>
+          <p:cNvPr id="10" name="מלבן 9">
+            <a:extLst>
+              <a:ext uri="{FF2B5EF4-FFF2-40B4-BE49-F238E27FC236}">
+                <a16:creationId xmlns:a16="http://schemas.microsoft.com/office/drawing/2014/main" id="{5A70E7BA-15D0-4BBA-943B-1151F56040FB}"/>
+              </a:ext>
+            </a:extLst>
+          </p:cNvPr>
+          <p:cNvSpPr/>
+          <p:nvPr/>
+        </p:nvSpPr>
+        <p:spPr>
+          <a:xfrm>
+            <a:off x="1658007" y="3902785"/>
+            <a:ext cx="1457451" cy="369332"/>
+          </a:xfrm>
+          <a:prstGeom prst="rect">
+            <a:avLst/>
+          </a:prstGeom>
+        </p:spPr>
+        <p:txBody>
+          <a:bodyPr wrap="none">
+            <a:spAutoFit/>
+          </a:bodyPr>
+          <a:lstStyle/>
+          <a:p>
+            <a:r>
+              <a:rPr lang="he-IL" dirty="0">
+                <a:latin typeface="Calibri" panose="020F0502020204030204" pitchFamily="34" charset="0"/>
+              </a:rPr>
+              <a:t>פתרון מטריצה</a:t>
+            </a:r>
+            <a:endParaRPr lang="en-US" dirty="0"/>
+          </a:p>
+        </p:txBody>
+      </p:sp>
+      <p:sp>
+        <p:nvSpPr>
+          <p:cNvPr id="14" name="מלבן 13">
+            <a:extLst>
+              <a:ext uri="{FF2B5EF4-FFF2-40B4-BE49-F238E27FC236}">
+                <a16:creationId xmlns:a16="http://schemas.microsoft.com/office/drawing/2014/main" id="{79E5B05F-DD15-4EF3-8A22-90DE7B42A20B}"/>
+              </a:ext>
+            </a:extLst>
+          </p:cNvPr>
+          <p:cNvSpPr/>
+          <p:nvPr/>
+        </p:nvSpPr>
+        <p:spPr>
+          <a:xfrm>
+            <a:off x="9910433" y="1583175"/>
+            <a:ext cx="2028119" cy="400110"/>
+          </a:xfrm>
+          <a:prstGeom prst="rect">
+            <a:avLst/>
+          </a:prstGeom>
+        </p:spPr>
+        <p:txBody>
+          <a:bodyPr wrap="none">
+            <a:spAutoFit/>
+          </a:bodyPr>
+          <a:lstStyle/>
+          <a:p>
+            <a:r>
+              <a:rPr lang="he-IL" sz="2000" u="sng" dirty="0">
+                <a:latin typeface="Calibri" panose="020F0502020204030204" pitchFamily="34" charset="0"/>
+              </a:rPr>
+              <a:t>יצירת מפת האלפא</a:t>
+            </a:r>
+            <a:endParaRPr lang="en-US" sz="2000" u="sng" dirty="0"/>
+          </a:p>
+        </p:txBody>
+      </p:sp>
+    </p:spTree>
+    <p:extLst>
+      <p:ext uri="{BB962C8B-B14F-4D97-AF65-F5344CB8AC3E}">
+        <p14:creationId xmlns:p14="http://schemas.microsoft.com/office/powerpoint/2010/main" val="1270926283"/>
+      </p:ext>
+    </p:extLst>
+  </p:cSld>
+  <p:clrMapOvr>
+    <a:masterClrMapping/>
+  </p:clrMapOvr>
+</p:sld>
+</file>
+
+<file path=ppt/slides/slide8.xml><?xml version="1.0" encoding="utf-8"?>
+<p:sld xmlns:a="http://schemas.openxmlformats.org/drawingml/2006/main" xmlns:r="http://schemas.openxmlformats.org/officeDocument/2006/relationships" xmlns:p="http://schemas.openxmlformats.org/presentationml/2006/main">
+  <p:cSld>
+    <p:spTree>
+      <p:nvGrpSpPr>
+        <p:cNvPr id="1" name=""/>
+        <p:cNvGrpSpPr/>
+        <p:nvPr/>
+      </p:nvGrpSpPr>
+      <p:grpSpPr>
+        <a:xfrm>
+          <a:off x="0" y="0"/>
+          <a:ext cx="0" cy="0"/>
+          <a:chOff x="0" y="0"/>
+          <a:chExt cx="0" cy="0"/>
+        </a:xfrm>
+      </p:grpSpPr>
+      <p:sp>
+        <p:nvSpPr>
+          <p:cNvPr id="12" name="Rectangle 11">
+            <a:extLst>
+              <a:ext uri="{FF2B5EF4-FFF2-40B4-BE49-F238E27FC236}">
+                <a16:creationId xmlns:a16="http://schemas.microsoft.com/office/drawing/2014/main" id="{42A4FC2C-047E-45A5-965D-8E1E3BF09BC6}"/>
+              </a:ext>
+              <a:ext uri="{C183D7F6-B498-43B3-948B-1728B52AA6E4}">
+                <adec:decorative xmlns:adec="http://schemas.microsoft.com/office/drawing/2017/decorative" val="1"/>
+              </a:ext>
+            </a:extLst>
+          </p:cNvPr>
+          <p:cNvSpPr>
+            <a:spLocks noGrp="1" noRot="1" noChangeAspect="1" noMove="1" noResize="1" noEditPoints="1" noAdjustHandles="1" noChangeArrowheads="1" noChangeShapeType="1" noTextEdit="1"/>
+          </p:cNvSpPr>
+          <p:nvPr>
+            <p:extLst>
+              <p:ext uri="{386F3935-93C4-4BCD-93E2-E3B085C9AB24}">
+                <p16:designElem xmlns:p16="http://schemas.microsoft.com/office/powerpoint/2015/main" val="1"/>
+              </p:ext>
+            </p:extLst>
+          </p:nvPr>
+        </p:nvSpPr>
+        <p:spPr bwMode="white">
+          <a:xfrm>
+            <a:off x="1524" y="0"/>
+            <a:ext cx="12188952" cy="6858000"/>
+          </a:xfrm>
+          <a:prstGeom prst="rect">
+            <a:avLst/>
+          </a:prstGeom>
+          <a:noFill/>
+          <a:ln>
+            <a:noFill/>
+          </a:ln>
+        </p:spPr>
+        <p:style>
+          <a:lnRef idx="2">
+            <a:schemeClr val="accent1">
+              <a:shade val="50000"/>
+            </a:schemeClr>
+          </a:lnRef>
+          <a:fillRef idx="1">
+            <a:schemeClr val="accent1"/>
+          </a:fillRef>
+          <a:effectRef idx="0">
+            <a:schemeClr val="accent1"/>
+          </a:effectRef>
+          <a:fontRef idx="minor">
+            <a:schemeClr val="lt1"/>
+          </a:fontRef>
+        </p:style>
+        <p:txBody>
+          <a:bodyPr rtlCol="0" anchor="ctr"/>
+          <a:lstStyle>
+            <a:defPPr>
+              <a:defRPr lang="en-US"/>
+            </a:defPPr>
+            <a:lvl1pPr marL="0" algn="l" defTabSz="914400" rtl="0" eaLnBrk="1" latinLnBrk="0" hangingPunct="1">
+              <a:defRPr sz="1800" kern="1200">
+                <a:solidFill>
+                  <a:schemeClr val="lt1"/>
+                </a:solidFill>
+                <a:latin typeface="+mn-lt"/>
+                <a:ea typeface="+mn-ea"/>
+                <a:cs typeface="+mn-cs"/>
+              </a:defRPr>
+            </a:lvl1pPr>
+            <a:lvl2pPr marL="457200" algn="l" defTabSz="914400" rtl="0" eaLnBrk="1" latinLnBrk="0" hangingPunct="1">
+              <a:defRPr sz="1800" kern="1200">
+                <a:solidFill>
+                  <a:schemeClr val="lt1"/>
+                </a:solidFill>
+                <a:latin typeface="+mn-lt"/>
+                <a:ea typeface="+mn-ea"/>
+                <a:cs typeface="+mn-cs"/>
+              </a:defRPr>
+            </a:lvl2pPr>
+            <a:lvl3pPr marL="914400" algn="l" defTabSz="914400" rtl="0" eaLnBrk="1" latinLnBrk="0" hangingPunct="1">
+              <a:defRPr sz="1800" kern="1200">
+                <a:solidFill>
+                  <a:schemeClr val="lt1"/>
+                </a:solidFill>
+                <a:latin typeface="+mn-lt"/>
+                <a:ea typeface="+mn-ea"/>
+                <a:cs typeface="+mn-cs"/>
+              </a:defRPr>
+            </a:lvl3pPr>
+            <a:lvl4pPr marL="1371600" algn="l" defTabSz="914400" rtl="0" eaLnBrk="1" latinLnBrk="0" hangingPunct="1">
+              <a:defRPr sz="1800" kern="1200">
+                <a:solidFill>
+                  <a:schemeClr val="lt1"/>
+                </a:solidFill>
+                <a:latin typeface="+mn-lt"/>
+                <a:ea typeface="+mn-ea"/>
+                <a:cs typeface="+mn-cs"/>
+              </a:defRPr>
+            </a:lvl4pPr>
+            <a:lvl5pPr marL="1828800" algn="l" defTabSz="914400" rtl="0" eaLnBrk="1" latinLnBrk="0" hangingPunct="1">
+              <a:defRPr sz="1800" kern="1200">
+                <a:solidFill>
+                  <a:schemeClr val="lt1"/>
+                </a:solidFill>
+                <a:latin typeface="+mn-lt"/>
+                <a:ea typeface="+mn-ea"/>
+                <a:cs typeface="+mn-cs"/>
+              </a:defRPr>
+            </a:lvl5pPr>
+            <a:lvl6pPr marL="2286000" algn="l" defTabSz="914400" rtl="0" eaLnBrk="1" latinLnBrk="0" hangingPunct="1">
+              <a:defRPr sz="1800" kern="1200">
+                <a:solidFill>
+                  <a:schemeClr val="lt1"/>
+                </a:solidFill>
+                <a:latin typeface="+mn-lt"/>
+                <a:ea typeface="+mn-ea"/>
+                <a:cs typeface="+mn-cs"/>
+              </a:defRPr>
+            </a:lvl6pPr>
+            <a:lvl7pPr marL="2743200" algn="l" defTabSz="914400" rtl="0" eaLnBrk="1" latinLnBrk="0" hangingPunct="1">
+              <a:defRPr sz="1800" kern="1200">
+                <a:solidFill>
+                  <a:schemeClr val="lt1"/>
+                </a:solidFill>
+                <a:latin typeface="+mn-lt"/>
+                <a:ea typeface="+mn-ea"/>
+                <a:cs typeface="+mn-cs"/>
+              </a:defRPr>
+            </a:lvl7pPr>
+            <a:lvl8pPr marL="3200400" algn="l" defTabSz="914400" rtl="0" eaLnBrk="1" latinLnBrk="0" hangingPunct="1">
+              <a:defRPr sz="1800" kern="1200">
+                <a:solidFill>
+                  <a:schemeClr val="lt1"/>
+                </a:solidFill>
+                <a:latin typeface="+mn-lt"/>
+                <a:ea typeface="+mn-ea"/>
+                <a:cs typeface="+mn-cs"/>
+              </a:defRPr>
+            </a:lvl8pPr>
+            <a:lvl9pPr marL="3657600" algn="l" defTabSz="914400" rtl="0" eaLnBrk="1" latinLnBrk="0" hangingPunct="1">
+              <a:defRPr sz="1800" kern="1200">
+                <a:solidFill>
+                  <a:schemeClr val="lt1"/>
+                </a:solidFill>
+                <a:latin typeface="+mn-lt"/>
+                <a:ea typeface="+mn-ea"/>
+                <a:cs typeface="+mn-cs"/>
+              </a:defRPr>
+            </a:lvl9pPr>
+          </a:lstStyle>
+          <a:p>
+            <a:pPr algn="ctr"/>
+            <a:endParaRPr lang="en-US"/>
+          </a:p>
+        </p:txBody>
+      </p:sp>
+      <p:pic>
+        <p:nvPicPr>
+          <p:cNvPr id="7" name="תמונה 6" descr="תמונה שמכילה שולחן&#10;&#10;התיאור נוצר באופן אוטומטי">
+            <a:extLst>
+              <a:ext uri="{FF2B5EF4-FFF2-40B4-BE49-F238E27FC236}">
+                <a16:creationId xmlns:a16="http://schemas.microsoft.com/office/drawing/2014/main" id="{50417BDD-94E9-4331-B903-2CCC7F596200}"/>
+              </a:ext>
+            </a:extLst>
+          </p:cNvPr>
+          <p:cNvPicPr>
+            <a:picLocks noChangeAspect="1"/>
+          </p:cNvPicPr>
+          <p:nvPr/>
+        </p:nvPicPr>
+        <p:blipFill rotWithShape="1">
+          <a:blip r:embed="rId3">
+            <a:extLst>
+              <a:ext uri="{28A0092B-C50C-407E-A947-70E740481C1C}">
+                <a14:useLocalDpi xmlns:a14="http://schemas.microsoft.com/office/drawing/2010/main" val="0"/>
+              </a:ext>
+            </a:extLst>
+          </a:blip>
+          <a:srcRect b="19"/>
+          <a:stretch/>
+        </p:blipFill>
+        <p:spPr>
+          <a:xfrm flipH="1">
+            <a:off x="20" y="1282"/>
+            <a:ext cx="12191980" cy="6856718"/>
+          </a:xfrm>
+          <a:prstGeom prst="rect">
+            <a:avLst/>
+          </a:prstGeom>
+        </p:spPr>
+      </p:pic>
+      <p:sp>
+        <p:nvSpPr>
+          <p:cNvPr id="8" name="מלבן 7">
+            <a:extLst>
+              <a:ext uri="{FF2B5EF4-FFF2-40B4-BE49-F238E27FC236}">
+                <a16:creationId xmlns:a16="http://schemas.microsoft.com/office/drawing/2014/main" id="{3836571B-B5FA-41FD-A96B-BEBD96B7DC80}"/>
+              </a:ext>
+            </a:extLst>
+          </p:cNvPr>
+          <p:cNvSpPr/>
+          <p:nvPr/>
+        </p:nvSpPr>
+        <p:spPr>
+          <a:xfrm>
+            <a:off x="6890327" y="0"/>
+            <a:ext cx="5163697" cy="769441"/>
+          </a:xfrm>
+          <a:prstGeom prst="rect">
+            <a:avLst/>
+          </a:prstGeom>
+          <a:noFill/>
+        </p:spPr>
+        <p:txBody>
+          <a:bodyPr wrap="square" lIns="91440" tIns="45720" rIns="91440" bIns="45720">
+            <a:spAutoFit/>
+          </a:bodyPr>
+          <a:lstStyle/>
+          <a:p>
+            <a:pPr algn="ctr"/>
+            <a:r>
+              <a:rPr lang="he-IL" sz="4400" dirty="0">
+                <a:ln w="0">
+                  <a:solidFill>
+                    <a:schemeClr val="accent1">
+                      <a:lumMod val="40000"/>
+                      <a:lumOff val="60000"/>
+                    </a:schemeClr>
+                  </a:solidFill>
+                </a:ln>
+                <a:effectLst>
+                  <a:glow rad="101600">
+                    <a:schemeClr val="accent1">
+                      <a:satMod val="175000"/>
+                      <a:alpha val="40000"/>
+                    </a:schemeClr>
+                  </a:glow>
+                  <a:outerShdw blurRad="38100" dist="19050" dir="2700000" algn="tl" rotWithShape="0">
+                    <a:schemeClr val="dk1">
+                      <a:alpha val="40000"/>
+                    </a:schemeClr>
+                  </a:outerShdw>
+                </a:effectLst>
+              </a:rPr>
+              <a:t>פרויקט עיבוד וידיאו</a:t>
+            </a:r>
+          </a:p>
+        </p:txBody>
+      </p:sp>
+      <p:sp>
+        <p:nvSpPr>
+          <p:cNvPr id="13" name="מלבן 12">
+            <a:extLst>
+              <a:ext uri="{FF2B5EF4-FFF2-40B4-BE49-F238E27FC236}">
+                <a16:creationId xmlns:a16="http://schemas.microsoft.com/office/drawing/2014/main" id="{205D09B1-C463-4102-9D6B-E5BCA79EF7D7}"/>
+              </a:ext>
+            </a:extLst>
+          </p:cNvPr>
+          <p:cNvSpPr/>
+          <p:nvPr/>
+        </p:nvSpPr>
+        <p:spPr>
+          <a:xfrm>
+            <a:off x="2368843" y="123110"/>
+            <a:ext cx="5163697" cy="646331"/>
+          </a:xfrm>
+          <a:prstGeom prst="rect">
+            <a:avLst/>
+          </a:prstGeom>
+          <a:noFill/>
+        </p:spPr>
+        <p:txBody>
+          <a:bodyPr wrap="square" lIns="91440" tIns="45720" rIns="91440" bIns="45720">
+            <a:spAutoFit/>
+          </a:bodyPr>
+          <a:lstStyle/>
+          <a:p>
+            <a:pPr algn="ctr"/>
+            <a:r>
+              <a:rPr lang="he-IL" dirty="0">
+                <a:ln w="0"/>
+                <a:solidFill>
+                  <a:schemeClr val="accent1">
+                    <a:lumMod val="40000"/>
+                    <a:lumOff val="60000"/>
+                  </a:schemeClr>
+                </a:solidFill>
+                <a:effectLst>
+                  <a:outerShdw blurRad="38100" dist="19050" dir="2700000" algn="tl" rotWithShape="0">
+                    <a:schemeClr val="dk1">
+                      <a:alpha val="40000"/>
+                    </a:schemeClr>
+                  </a:outerShdw>
+                </a:effectLst>
+              </a:rPr>
+              <a:t>נועם כץ 204251144</a:t>
+            </a:r>
+          </a:p>
+          <a:p>
+            <a:pPr algn="ctr"/>
+            <a:r>
+              <a:rPr lang="he-IL" dirty="0">
+                <a:ln w="0"/>
+                <a:solidFill>
+                  <a:schemeClr val="accent1">
+                    <a:lumMod val="40000"/>
+                    <a:lumOff val="60000"/>
+                  </a:schemeClr>
+                </a:solidFill>
+                <a:effectLst>
+                  <a:outerShdw blurRad="38100" dist="19050" dir="2700000" algn="tl" rotWithShape="0">
+                    <a:schemeClr val="dk1">
+                      <a:alpha val="40000"/>
+                    </a:schemeClr>
+                  </a:outerShdw>
+                </a:effectLst>
+              </a:rPr>
+              <a:t>שקד רצון 200940500</a:t>
+            </a:r>
+            <a:endParaRPr lang="he-IL" b="0" cap="none" spc="0" dirty="0">
+              <a:ln w="0"/>
+              <a:solidFill>
+                <a:schemeClr val="accent1">
+                  <a:lumMod val="40000"/>
+                  <a:lumOff val="60000"/>
+                </a:schemeClr>
+              </a:solidFill>
+              <a:effectLst>
+                <a:outerShdw blurRad="38100" dist="19050" dir="2700000" algn="tl" rotWithShape="0">
+                  <a:schemeClr val="dk1">
+                    <a:alpha val="40000"/>
+                  </a:schemeClr>
+                </a:outerShdw>
+              </a:effectLst>
+            </a:endParaRPr>
+          </a:p>
+        </p:txBody>
+      </p:sp>
+      <p:pic>
+        <p:nvPicPr>
+          <p:cNvPr id="9" name="תמונה 8">
+            <a:extLst>
+              <a:ext uri="{FF2B5EF4-FFF2-40B4-BE49-F238E27FC236}">
+                <a16:creationId xmlns:a16="http://schemas.microsoft.com/office/drawing/2014/main" id="{163993D9-4214-45D9-A2FE-17BD1E91A690}"/>
+              </a:ext>
+            </a:extLst>
+          </p:cNvPr>
+          <p:cNvPicPr>
+            <a:picLocks noChangeAspect="1"/>
+          </p:cNvPicPr>
+          <p:nvPr/>
+        </p:nvPicPr>
+        <p:blipFill>
+          <a:blip r:embed="rId4"/>
+          <a:stretch>
+            <a:fillRect/>
+          </a:stretch>
+        </p:blipFill>
+        <p:spPr>
+          <a:xfrm>
+            <a:off x="1" y="0"/>
+            <a:ext cx="818844" cy="1433689"/>
+          </a:xfrm>
+          <a:prstGeom prst="rect">
+            <a:avLst/>
+          </a:prstGeom>
+        </p:spPr>
+      </p:pic>
+      <p:sp>
+        <p:nvSpPr>
+          <p:cNvPr id="11" name="מלבן 10">
+            <a:extLst>
+              <a:ext uri="{FF2B5EF4-FFF2-40B4-BE49-F238E27FC236}">
+                <a16:creationId xmlns:a16="http://schemas.microsoft.com/office/drawing/2014/main" id="{54B7D947-39EA-49B6-945B-788A628AE68B}"/>
+              </a:ext>
+            </a:extLst>
+          </p:cNvPr>
+          <p:cNvSpPr/>
+          <p:nvPr/>
+        </p:nvSpPr>
+        <p:spPr>
+          <a:xfrm>
+            <a:off x="7616139" y="895091"/>
+            <a:ext cx="3050066" cy="707886"/>
+          </a:xfrm>
+          <a:prstGeom prst="rect">
+            <a:avLst/>
+          </a:prstGeom>
+          <a:noFill/>
+        </p:spPr>
+        <p:txBody>
+          <a:bodyPr wrap="none" lIns="91440" tIns="45720" rIns="91440" bIns="45720">
+            <a:spAutoFit/>
+          </a:bodyPr>
+          <a:lstStyle/>
+          <a:p>
+            <a:pPr algn="ctr"/>
+            <a:r>
+              <a:rPr lang="en-US" sz="4000" b="0" u="sng" cap="none" spc="0" dirty="0">
+                <a:ln w="0"/>
+                <a:solidFill>
+                  <a:schemeClr val="tx1"/>
+                </a:solidFill>
+                <a:effectLst>
+                  <a:outerShdw blurRad="38100" dist="19050" dir="2700000" algn="tl" rotWithShape="0">
+                    <a:schemeClr val="dk1">
+                      <a:alpha val="40000"/>
+                    </a:schemeClr>
+                  </a:outerShdw>
+                </a:effectLst>
+              </a:rPr>
+              <a:t>Matting block</a:t>
+            </a:r>
+            <a:endParaRPr lang="he-IL" sz="4000" b="0" u="sng" cap="none" spc="0" dirty="0">
+              <a:ln w="0"/>
+              <a:solidFill>
+                <a:schemeClr val="tx1"/>
+              </a:solidFill>
+              <a:effectLst>
+                <a:outerShdw blurRad="38100" dist="19050" dir="2700000" algn="tl" rotWithShape="0">
+                  <a:schemeClr val="dk1">
+                    <a:alpha val="40000"/>
+                  </a:schemeClr>
+                </a:outerShdw>
+              </a:effectLst>
+            </a:endParaRPr>
+          </a:p>
+        </p:txBody>
+      </p:sp>
+      <p:pic>
+        <p:nvPicPr>
+          <p:cNvPr id="21" name="תמונה 20">
+            <a:extLst>
+              <a:ext uri="{FF2B5EF4-FFF2-40B4-BE49-F238E27FC236}">
+                <a16:creationId xmlns:a16="http://schemas.microsoft.com/office/drawing/2014/main" id="{47368236-C349-4237-9D5F-67330689ACB3}"/>
+              </a:ext>
+            </a:extLst>
+          </p:cNvPr>
+          <p:cNvPicPr>
+            <a:picLocks noChangeAspect="1"/>
+          </p:cNvPicPr>
+          <p:nvPr/>
+        </p:nvPicPr>
+        <p:blipFill>
+          <a:blip r:embed="rId4"/>
+          <a:stretch>
+            <a:fillRect/>
+          </a:stretch>
+        </p:blipFill>
+        <p:spPr>
+          <a:xfrm flipH="1">
+            <a:off x="818845" y="-1"/>
+            <a:ext cx="818844" cy="1433689"/>
+          </a:xfrm>
+          <a:prstGeom prst="rect">
+            <a:avLst/>
+          </a:prstGeom>
+        </p:spPr>
+      </p:pic>
+      <p:sp>
+        <p:nvSpPr>
+          <p:cNvPr id="23" name="מלבן 22">
+            <a:extLst>
+              <a:ext uri="{FF2B5EF4-FFF2-40B4-BE49-F238E27FC236}">
+                <a16:creationId xmlns:a16="http://schemas.microsoft.com/office/drawing/2014/main" id="{50436409-A9C9-45BE-86DE-F803A5151C5A}"/>
+              </a:ext>
+            </a:extLst>
+          </p:cNvPr>
+          <p:cNvSpPr/>
+          <p:nvPr/>
+        </p:nvSpPr>
+        <p:spPr>
+          <a:xfrm>
+            <a:off x="594356" y="1533691"/>
+            <a:ext cx="11321177" cy="1764394"/>
+          </a:xfrm>
+          <a:prstGeom prst="rect">
+            <a:avLst/>
+          </a:prstGeom>
+        </p:spPr>
+        <p:txBody>
+          <a:bodyPr wrap="square">
+            <a:spAutoFit/>
+          </a:bodyPr>
+          <a:lstStyle/>
+          <a:p>
+            <a:pPr>
+              <a:lnSpc>
+                <a:spcPct val="107000"/>
+              </a:lnSpc>
+              <a:spcAft>
+                <a:spcPts val="800"/>
+              </a:spcAft>
+            </a:pPr>
+            <a:r>
+              <a:rPr lang="he-IL" dirty="0">
+                <a:latin typeface="Calibri" panose="020F0502020204030204" pitchFamily="34" charset="0"/>
+                <a:ea typeface="Calibri" panose="020F0502020204030204" pitchFamily="34" charset="0"/>
+              </a:rPr>
+              <a:t>בשקפים הבאים מופיע הסבר מפורט עבור אלגוריתם ה</a:t>
+            </a:r>
+            <a:r>
+              <a:rPr lang="en-US" dirty="0">
+                <a:latin typeface="Calibri" panose="020F0502020204030204" pitchFamily="34" charset="0"/>
+                <a:ea typeface="Calibri" panose="020F0502020204030204" pitchFamily="34" charset="0"/>
+              </a:rPr>
+              <a:t>Matting</a:t>
+            </a:r>
+            <a:r>
+              <a:rPr lang="he-IL" dirty="0">
+                <a:latin typeface="Calibri" panose="020F0502020204030204" pitchFamily="34" charset="0"/>
+                <a:ea typeface="Calibri" panose="020F0502020204030204" pitchFamily="34" charset="0"/>
+              </a:rPr>
+              <a:t> שהשתמשנו בו. הפירוט המלא מופיע במאמר וכאן הבאנו את עיקרי הדברים</a:t>
+            </a:r>
+            <a:r>
+              <a:rPr lang="en-US" dirty="0">
+                <a:latin typeface="Calibri" panose="020F0502020204030204" pitchFamily="34" charset="0"/>
+                <a:ea typeface="Calibri" panose="020F0502020204030204" pitchFamily="34" charset="0"/>
+              </a:rPr>
+              <a:t>:</a:t>
+            </a:r>
+          </a:p>
+          <a:p>
+            <a:pPr algn="l">
+              <a:lnSpc>
+                <a:spcPct val="107000"/>
+              </a:lnSpc>
+              <a:spcAft>
+                <a:spcPts val="800"/>
+              </a:spcAft>
+            </a:pPr>
+            <a:r>
+              <a:rPr lang="en-US" dirty="0">
+                <a:latin typeface="Calibri" panose="020F0502020204030204" pitchFamily="34" charset="0"/>
+                <a:ea typeface="Calibri" panose="020F0502020204030204" pitchFamily="34" charset="0"/>
+                <a:hlinkClick r:id="rId5"/>
+              </a:rPr>
+              <a:t>Levin, </a:t>
+            </a:r>
+            <a:r>
+              <a:rPr lang="en-US" dirty="0" err="1">
+                <a:latin typeface="Calibri" panose="020F0502020204030204" pitchFamily="34" charset="0"/>
+                <a:ea typeface="Calibri" panose="020F0502020204030204" pitchFamily="34" charset="0"/>
+                <a:hlinkClick r:id="rId5"/>
+              </a:rPr>
+              <a:t>Anat</a:t>
+            </a:r>
+            <a:r>
+              <a:rPr lang="en-US" dirty="0">
+                <a:latin typeface="Calibri" panose="020F0502020204030204" pitchFamily="34" charset="0"/>
+                <a:ea typeface="Calibri" panose="020F0502020204030204" pitchFamily="34" charset="0"/>
+                <a:hlinkClick r:id="rId5"/>
+              </a:rPr>
+              <a:t> &amp; </a:t>
+            </a:r>
+            <a:r>
+              <a:rPr lang="en-US" dirty="0" err="1">
+                <a:latin typeface="Calibri" panose="020F0502020204030204" pitchFamily="34" charset="0"/>
+                <a:ea typeface="Calibri" panose="020F0502020204030204" pitchFamily="34" charset="0"/>
+                <a:hlinkClick r:id="rId5"/>
+              </a:rPr>
+              <a:t>Lischinski</a:t>
+            </a:r>
+            <a:r>
+              <a:rPr lang="en-US" dirty="0">
+                <a:latin typeface="Calibri" panose="020F0502020204030204" pitchFamily="34" charset="0"/>
+                <a:ea typeface="Calibri" panose="020F0502020204030204" pitchFamily="34" charset="0"/>
+                <a:hlinkClick r:id="rId5"/>
+              </a:rPr>
+              <a:t>, Dani &amp; Weiss, </a:t>
+            </a:r>
+            <a:r>
+              <a:rPr lang="en-US" dirty="0" err="1">
+                <a:latin typeface="Calibri" panose="020F0502020204030204" pitchFamily="34" charset="0"/>
+                <a:ea typeface="Calibri" panose="020F0502020204030204" pitchFamily="34" charset="0"/>
+                <a:hlinkClick r:id="rId5"/>
+              </a:rPr>
+              <a:t>Yair</a:t>
+            </a:r>
+            <a:r>
+              <a:rPr lang="en-US" dirty="0">
+                <a:latin typeface="Calibri" panose="020F0502020204030204" pitchFamily="34" charset="0"/>
+                <a:ea typeface="Calibri" panose="020F0502020204030204" pitchFamily="34" charset="0"/>
+                <a:hlinkClick r:id="rId5"/>
+              </a:rPr>
+              <a:t>. (2008). A Closed-Form Solution to Natural Image Matting. IEEE transactions on pattern analysis and machine intelligence. 30. 228-42. 10.1109/TPAMI.2007.1177.</a:t>
+            </a:r>
+            <a:endParaRPr lang="he-IL" dirty="0">
+              <a:latin typeface="Calibri" panose="020F0502020204030204" pitchFamily="34" charset="0"/>
+              <a:ea typeface="Calibri" panose="020F0502020204030204" pitchFamily="34" charset="0"/>
+            </a:endParaRPr>
+          </a:p>
+          <a:p>
+            <a:pPr>
+              <a:lnSpc>
+                <a:spcPct val="107000"/>
+              </a:lnSpc>
+              <a:spcAft>
+                <a:spcPts val="800"/>
+              </a:spcAft>
+            </a:pPr>
+            <a:r>
+              <a:rPr lang="he-IL" dirty="0">
+                <a:latin typeface="Calibri" panose="020F0502020204030204" pitchFamily="34" charset="0"/>
+                <a:ea typeface="Calibri" panose="020F0502020204030204" pitchFamily="34" charset="0"/>
+              </a:rPr>
+              <a:t>כאשר מבצעים </a:t>
+            </a:r>
+            <a:r>
+              <a:rPr lang="en-US" dirty="0">
+                <a:latin typeface="Calibri" panose="020F0502020204030204" pitchFamily="34" charset="0"/>
+                <a:ea typeface="Calibri" panose="020F0502020204030204" pitchFamily="34" charset="0"/>
+                <a:cs typeface="Arial" panose="020B0604020202020204" pitchFamily="34" charset="0"/>
+              </a:rPr>
+              <a:t>Matting</a:t>
+            </a:r>
+            <a:r>
+              <a:rPr lang="he-IL" dirty="0">
+                <a:latin typeface="Calibri" panose="020F0502020204030204" pitchFamily="34" charset="0"/>
+                <a:ea typeface="Calibri" panose="020F0502020204030204" pitchFamily="34" charset="0"/>
+              </a:rPr>
+              <a:t> ניתן לבטא את ערך הפיקסל ה-</a:t>
+            </a:r>
+            <a:r>
+              <a:rPr lang="en-US" dirty="0" err="1">
+                <a:latin typeface="Calibri" panose="020F0502020204030204" pitchFamily="34" charset="0"/>
+                <a:ea typeface="Calibri" panose="020F0502020204030204" pitchFamily="34" charset="0"/>
+                <a:cs typeface="Arial" panose="020B0604020202020204" pitchFamily="34" charset="0"/>
+              </a:rPr>
+              <a:t>i</a:t>
+            </a:r>
+            <a:r>
+              <a:rPr lang="he-IL" dirty="0">
+                <a:latin typeface="Calibri" panose="020F0502020204030204" pitchFamily="34" charset="0"/>
+                <a:ea typeface="Calibri" panose="020F0502020204030204" pitchFamily="34" charset="0"/>
+              </a:rPr>
+              <a:t> בתמונת המוצא </a:t>
+            </a:r>
+            <a:r>
+              <a:rPr lang="en-US" dirty="0">
+                <a:latin typeface="Calibri" panose="020F0502020204030204" pitchFamily="34" charset="0"/>
+                <a:ea typeface="Calibri" panose="020F0502020204030204" pitchFamily="34" charset="0"/>
+              </a:rPr>
+              <a:t>I</a:t>
+            </a:r>
+            <a:r>
+              <a:rPr lang="he-IL" dirty="0">
+                <a:latin typeface="Calibri" panose="020F0502020204030204" pitchFamily="34" charset="0"/>
+                <a:ea typeface="Calibri" panose="020F0502020204030204" pitchFamily="34" charset="0"/>
+              </a:rPr>
+              <a:t> בצורה:</a:t>
+            </a:r>
+            <a:endParaRPr lang="en-US" dirty="0">
+              <a:latin typeface="Calibri" panose="020F0502020204030204" pitchFamily="34" charset="0"/>
+              <a:ea typeface="Calibri" panose="020F0502020204030204" pitchFamily="34" charset="0"/>
+              <a:cs typeface="Arial" panose="020B0604020202020204" pitchFamily="34" charset="0"/>
+            </a:endParaRPr>
+          </a:p>
+        </p:txBody>
+      </p:sp>
+      <mc:AlternateContent xmlns:mc="http://schemas.openxmlformats.org/markup-compatibility/2006">
+        <mc:Choice xmlns:a14="http://schemas.microsoft.com/office/drawing/2010/main" Requires="a14">
+          <p:graphicFrame>
+            <p:nvGraphicFramePr>
+              <p:cNvPr id="25" name="טבלה 24">
+                <a:extLst>
+                  <a:ext uri="{FF2B5EF4-FFF2-40B4-BE49-F238E27FC236}">
+                    <a16:creationId xmlns:a16="http://schemas.microsoft.com/office/drawing/2014/main" id="{6DDD6E85-C778-481F-BFBE-CE82EDF649D5}"/>
+                  </a:ext>
+                </a:extLst>
+              </p:cNvPr>
+              <p:cNvGraphicFramePr>
+                <a:graphicFrameLocks noGrp="1"/>
+              </p:cNvGraphicFramePr>
+              <p:nvPr>
+                <p:extLst>
+                  <p:ext uri="{D42A27DB-BD31-4B8C-83A1-F6EECF244321}">
+                    <p14:modId xmlns:p14="http://schemas.microsoft.com/office/powerpoint/2010/main" val="915080449"/>
+                  </p:ext>
+                </p:extLst>
+              </p:nvPr>
+            </p:nvGraphicFramePr>
+            <p:xfrm>
+              <a:off x="905443" y="3293309"/>
+              <a:ext cx="10515600" cy="293497"/>
+            </p:xfrm>
+            <a:graphic>
+              <a:graphicData uri="http://schemas.openxmlformats.org/drawingml/2006/table">
+                <a:tbl>
+                  <a:tblPr rtl="1" firstRow="1" firstCol="1" bandRow="1"/>
+                  <a:tblGrid>
+                    <a:gridCol w="1758208">
+                      <a:extLst>
+                        <a:ext uri="{9D8B030D-6E8A-4147-A177-3AD203B41FA5}">
+                          <a16:colId xmlns:a16="http://schemas.microsoft.com/office/drawing/2014/main" val="1725618958"/>
+                        </a:ext>
+                      </a:extLst>
+                    </a:gridCol>
+                    <a:gridCol w="8757392">
+                      <a:extLst>
+                        <a:ext uri="{9D8B030D-6E8A-4147-A177-3AD203B41FA5}">
+                          <a16:colId xmlns:a16="http://schemas.microsoft.com/office/drawing/2014/main" val="812591436"/>
+                        </a:ext>
+                      </a:extLst>
+                    </a:gridCol>
+                  </a:tblGrid>
+                  <a:tr h="0">
+                    <a:tc>
+                      <a:txBody>
+                        <a:bodyPr/>
+                        <a:lstStyle/>
+                        <a:p>
+                          <a:pPr algn="ctr" rtl="1">
+                            <a:lnSpc>
+                              <a:spcPct val="107000"/>
+                            </a:lnSpc>
+                            <a:spcAft>
+                              <a:spcPts val="0"/>
+                            </a:spcAft>
+                          </a:pPr>
+                          <a:r>
+                            <a:rPr lang="en-US" sz="1800" b="1" dirty="0">
+                              <a:effectLst/>
+                              <a:latin typeface="Times New Roman" panose="02020603050405020304" pitchFamily="18" charset="0"/>
+                              <a:ea typeface="Calibri" panose="020F0502020204030204" pitchFamily="34" charset="0"/>
+                              <a:cs typeface="Arial" panose="020B0604020202020204" pitchFamily="34" charset="0"/>
+                            </a:rPr>
+                            <a:t>Eq. 1)</a:t>
+                          </a:r>
+                          <a:r>
+                            <a:rPr lang="he-IL" sz="1800" b="1" dirty="0">
+                              <a:effectLst/>
+                              <a:latin typeface="Calibri" panose="020F0502020204030204" pitchFamily="34" charset="0"/>
+                              <a:ea typeface="Calibri" panose="020F0502020204030204" pitchFamily="34" charset="0"/>
+                              <a:cs typeface="Times New Roman" panose="02020603050405020304" pitchFamily="18" charset="0"/>
+                            </a:rPr>
+                            <a:t>)</a:t>
+                          </a:r>
+                          <a:endParaRPr lang="en-US" sz="1600" dirty="0">
+                            <a:effectLst/>
+                            <a:latin typeface="Calibri" panose="020F0502020204030204" pitchFamily="34" charset="0"/>
+                            <a:ea typeface="Calibri" panose="020F0502020204030204" pitchFamily="34" charset="0"/>
+                            <a:cs typeface="Arial" panose="020B0604020202020204" pitchFamily="34" charset="0"/>
+                          </a:endParaRPr>
+                        </a:p>
+                      </a:txBody>
+                      <a:tcPr marL="68580" marR="68580" marT="0" marB="0">
+                        <a:lnL>
+                          <a:noFill/>
+                        </a:lnL>
+                        <a:lnR>
+                          <a:noFill/>
+                        </a:lnR>
+                        <a:lnT>
+                          <a:noFill/>
+                        </a:lnT>
+                        <a:lnB>
+                          <a:noFill/>
+                        </a:lnB>
+                      </a:tcPr>
+                    </a:tc>
+                    <a:tc>
+                      <a:txBody>
+                        <a:bodyPr/>
+                        <a:lstStyle/>
+                        <a:p>
+                          <a:pPr algn="ctr" rtl="1">
+                            <a:lnSpc>
+                              <a:spcPct val="107000"/>
+                            </a:lnSpc>
+                            <a:spcAft>
+                              <a:spcPts val="0"/>
+                            </a:spcAft>
+                          </a:pPr>
+                          <a14:m>
+                            <m:oMathPara xmlns:m="http://schemas.openxmlformats.org/officeDocument/2006/math">
+                              <m:oMathParaPr>
+                                <m:jc m:val="centerGroup"/>
+                              </m:oMathParaPr>
+                              <m:oMath xmlns:m="http://schemas.openxmlformats.org/officeDocument/2006/math">
+                                <m:sSub>
+                                  <m:sSubPr>
+                                    <m:ctrlPr>
+                                      <a:rPr lang="en-US" sz="1800" b="1" i="1" smtClean="0">
+                                        <a:effectLst/>
+                                        <a:latin typeface="Cambria Math" panose="02040503050406030204" pitchFamily="18" charset="0"/>
+                                        <a:ea typeface="Calibri" panose="020F0502020204030204" pitchFamily="34" charset="0"/>
+                                        <a:cs typeface="Times New Roman" panose="02020603050405020304" pitchFamily="18" charset="0"/>
+                                      </a:rPr>
+                                    </m:ctrlPr>
+                                  </m:sSubPr>
+                                  <m:e>
+                                    <m:r>
+                                      <a:rPr lang="en-US" sz="1800" b="1" i="1">
+                                        <a:effectLst/>
+                                        <a:latin typeface="Cambria Math" panose="02040503050406030204" pitchFamily="18" charset="0"/>
+                                        <a:ea typeface="Calibri" panose="020F0502020204030204" pitchFamily="34" charset="0"/>
+                                        <a:cs typeface="Times New Roman" panose="02020603050405020304" pitchFamily="18" charset="0"/>
+                                      </a:rPr>
+                                      <m:t>𝑰</m:t>
+                                    </m:r>
+                                  </m:e>
+                                  <m:sub>
+                                    <m:r>
+                                      <a:rPr lang="en-US" sz="1800" b="1" i="1">
+                                        <a:effectLst/>
+                                        <a:latin typeface="Cambria Math" panose="02040503050406030204" pitchFamily="18" charset="0"/>
+                                        <a:ea typeface="Calibri" panose="020F0502020204030204" pitchFamily="34" charset="0"/>
+                                        <a:cs typeface="Times New Roman" panose="02020603050405020304" pitchFamily="18" charset="0"/>
+                                      </a:rPr>
+                                      <m:t>𝒊</m:t>
+                                    </m:r>
+                                  </m:sub>
+                                </m:sSub>
+                                <m:r>
+                                  <a:rPr lang="en-US" sz="1800" b="1" i="1">
+                                    <a:effectLst/>
+                                    <a:latin typeface="Cambria Math" panose="02040503050406030204" pitchFamily="18" charset="0"/>
+                                    <a:ea typeface="Calibri" panose="020F0502020204030204" pitchFamily="34" charset="0"/>
+                                    <a:cs typeface="Times New Roman" panose="02020603050405020304" pitchFamily="18" charset="0"/>
+                                  </a:rPr>
+                                  <m:t>=</m:t>
+                                </m:r>
+                                <m:sSub>
+                                  <m:sSubPr>
+                                    <m:ctrlPr>
+                                      <a:rPr lang="en-US" sz="1800" b="1" i="1">
+                                        <a:effectLst/>
+                                        <a:latin typeface="Cambria Math" panose="02040503050406030204" pitchFamily="18" charset="0"/>
+                                        <a:ea typeface="Calibri" panose="020F0502020204030204" pitchFamily="34" charset="0"/>
+                                        <a:cs typeface="Times New Roman" panose="02020603050405020304" pitchFamily="18" charset="0"/>
+                                      </a:rPr>
+                                    </m:ctrlPr>
+                                  </m:sSubPr>
+                                  <m:e>
+                                    <m:r>
+                                      <a:rPr lang="en-US" sz="1800" b="1" i="1">
+                                        <a:effectLst/>
+                                        <a:latin typeface="Cambria Math" panose="02040503050406030204" pitchFamily="18" charset="0"/>
+                                        <a:ea typeface="Calibri" panose="020F0502020204030204" pitchFamily="34" charset="0"/>
+                                        <a:cs typeface="Times New Roman" panose="02020603050405020304" pitchFamily="18" charset="0"/>
+                                      </a:rPr>
+                                      <m:t>𝜶</m:t>
+                                    </m:r>
+                                  </m:e>
+                                  <m:sub>
+                                    <m:r>
+                                      <a:rPr lang="en-US" sz="1800" b="1" i="1">
+                                        <a:effectLst/>
+                                        <a:latin typeface="Cambria Math" panose="02040503050406030204" pitchFamily="18" charset="0"/>
+                                        <a:ea typeface="Calibri" panose="020F0502020204030204" pitchFamily="34" charset="0"/>
+                                        <a:cs typeface="Times New Roman" panose="02020603050405020304" pitchFamily="18" charset="0"/>
+                                      </a:rPr>
+                                      <m:t>𝒊</m:t>
+                                    </m:r>
+                                  </m:sub>
+                                </m:sSub>
+                                <m:sSub>
+                                  <m:sSubPr>
+                                    <m:ctrlPr>
+                                      <a:rPr lang="en-US" sz="1800" b="1" i="1">
+                                        <a:effectLst/>
+                                        <a:latin typeface="Cambria Math" panose="02040503050406030204" pitchFamily="18" charset="0"/>
+                                        <a:ea typeface="Calibri" panose="020F0502020204030204" pitchFamily="34" charset="0"/>
+                                        <a:cs typeface="Times New Roman" panose="02020603050405020304" pitchFamily="18" charset="0"/>
+                                      </a:rPr>
+                                    </m:ctrlPr>
+                                  </m:sSubPr>
+                                  <m:e>
+                                    <m:r>
+                                      <a:rPr lang="en-US" sz="1800" b="1" i="1">
+                                        <a:effectLst/>
+                                        <a:latin typeface="Cambria Math" panose="02040503050406030204" pitchFamily="18" charset="0"/>
+                                        <a:ea typeface="Calibri" panose="020F0502020204030204" pitchFamily="34" charset="0"/>
+                                        <a:cs typeface="Times New Roman" panose="02020603050405020304" pitchFamily="18" charset="0"/>
+                                      </a:rPr>
+                                      <m:t>𝑭</m:t>
+                                    </m:r>
+                                  </m:e>
+                                  <m:sub>
+                                    <m:r>
+                                      <a:rPr lang="en-US" sz="1800" b="1" i="1">
+                                        <a:effectLst/>
+                                        <a:latin typeface="Cambria Math" panose="02040503050406030204" pitchFamily="18" charset="0"/>
+                                        <a:ea typeface="Calibri" panose="020F0502020204030204" pitchFamily="34" charset="0"/>
+                                        <a:cs typeface="Times New Roman" panose="02020603050405020304" pitchFamily="18" charset="0"/>
+                                      </a:rPr>
+                                      <m:t>𝒊</m:t>
+                                    </m:r>
+                                  </m:sub>
+                                </m:sSub>
+                                <m:r>
+                                  <a:rPr lang="en-US" sz="1800" b="1" i="1">
+                                    <a:effectLst/>
+                                    <a:latin typeface="Cambria Math" panose="02040503050406030204" pitchFamily="18" charset="0"/>
+                                    <a:ea typeface="Calibri" panose="020F0502020204030204" pitchFamily="34" charset="0"/>
+                                    <a:cs typeface="Times New Roman" panose="02020603050405020304" pitchFamily="18" charset="0"/>
+                                  </a:rPr>
+                                  <m:t>+</m:t>
+                                </m:r>
+                                <m:d>
+                                  <m:dPr>
+                                    <m:ctrlPr>
+                                      <a:rPr lang="en-US" sz="1800" b="1" i="1">
+                                        <a:effectLst/>
+                                        <a:latin typeface="Cambria Math" panose="02040503050406030204" pitchFamily="18" charset="0"/>
+                                        <a:ea typeface="Calibri" panose="020F0502020204030204" pitchFamily="34" charset="0"/>
+                                        <a:cs typeface="Times New Roman" panose="02020603050405020304" pitchFamily="18" charset="0"/>
+                                      </a:rPr>
+                                    </m:ctrlPr>
+                                  </m:dPr>
+                                  <m:e>
+                                    <m:r>
+                                      <a:rPr lang="en-US" sz="1800" b="1" i="1">
+                                        <a:effectLst/>
+                                        <a:latin typeface="Cambria Math" panose="02040503050406030204" pitchFamily="18" charset="0"/>
+                                        <a:ea typeface="Calibri" panose="020F0502020204030204" pitchFamily="34" charset="0"/>
+                                        <a:cs typeface="Times New Roman" panose="02020603050405020304" pitchFamily="18" charset="0"/>
+                                      </a:rPr>
+                                      <m:t>𝟏</m:t>
+                                    </m:r>
+                                    <m:r>
+                                      <a:rPr lang="en-US" sz="1800" b="1" i="1">
+                                        <a:effectLst/>
+                                        <a:latin typeface="Cambria Math" panose="02040503050406030204" pitchFamily="18" charset="0"/>
+                                        <a:ea typeface="Calibri" panose="020F0502020204030204" pitchFamily="34" charset="0"/>
+                                        <a:cs typeface="Times New Roman" panose="02020603050405020304" pitchFamily="18" charset="0"/>
+                                      </a:rPr>
+                                      <m:t>−</m:t>
+                                    </m:r>
+                                    <m:sSub>
+                                      <m:sSubPr>
+                                        <m:ctrlPr>
+                                          <a:rPr lang="en-US" sz="1800" b="1" i="1">
+                                            <a:effectLst/>
+                                            <a:latin typeface="Cambria Math" panose="02040503050406030204" pitchFamily="18" charset="0"/>
+                                            <a:ea typeface="Calibri" panose="020F0502020204030204" pitchFamily="34" charset="0"/>
+                                            <a:cs typeface="Times New Roman" panose="02020603050405020304" pitchFamily="18" charset="0"/>
+                                          </a:rPr>
+                                        </m:ctrlPr>
+                                      </m:sSubPr>
+                                      <m:e>
+                                        <m:r>
+                                          <a:rPr lang="en-US" sz="1800" b="1" i="1">
+                                            <a:effectLst/>
+                                            <a:latin typeface="Cambria Math" panose="02040503050406030204" pitchFamily="18" charset="0"/>
+                                            <a:ea typeface="Calibri" panose="020F0502020204030204" pitchFamily="34" charset="0"/>
+                                            <a:cs typeface="Times New Roman" panose="02020603050405020304" pitchFamily="18" charset="0"/>
+                                          </a:rPr>
+                                          <m:t>𝜶</m:t>
+                                        </m:r>
+                                      </m:e>
+                                      <m:sub>
+                                        <m:r>
+                                          <a:rPr lang="en-US" sz="1800" b="1" i="1">
+                                            <a:effectLst/>
+                                            <a:latin typeface="Cambria Math" panose="02040503050406030204" pitchFamily="18" charset="0"/>
+                                            <a:ea typeface="Calibri" panose="020F0502020204030204" pitchFamily="34" charset="0"/>
+                                            <a:cs typeface="Times New Roman" panose="02020603050405020304" pitchFamily="18" charset="0"/>
+                                          </a:rPr>
+                                          <m:t>𝒊</m:t>
+                                        </m:r>
+                                      </m:sub>
+                                    </m:sSub>
+                                  </m:e>
+                                </m:d>
+                                <m:sSub>
+                                  <m:sSubPr>
+                                    <m:ctrlPr>
+                                      <a:rPr lang="en-US" sz="1800" b="1" i="1">
+                                        <a:effectLst/>
+                                        <a:latin typeface="Cambria Math" panose="02040503050406030204" pitchFamily="18" charset="0"/>
+                                        <a:ea typeface="Calibri" panose="020F0502020204030204" pitchFamily="34" charset="0"/>
+                                        <a:cs typeface="Times New Roman" panose="02020603050405020304" pitchFamily="18" charset="0"/>
+                                      </a:rPr>
+                                    </m:ctrlPr>
+                                  </m:sSubPr>
+                                  <m:e>
+                                    <m:r>
+                                      <a:rPr lang="en-US" sz="1800" b="1" i="1">
+                                        <a:effectLst/>
+                                        <a:latin typeface="Cambria Math" panose="02040503050406030204" pitchFamily="18" charset="0"/>
+                                        <a:ea typeface="Calibri" panose="020F0502020204030204" pitchFamily="34" charset="0"/>
+                                        <a:cs typeface="Times New Roman" panose="02020603050405020304" pitchFamily="18" charset="0"/>
+                                      </a:rPr>
+                                      <m:t>𝑩</m:t>
+                                    </m:r>
+                                  </m:e>
+                                  <m:sub>
+                                    <m:r>
+                                      <a:rPr lang="en-US" sz="1800" b="1" i="1">
+                                        <a:effectLst/>
+                                        <a:latin typeface="Cambria Math" panose="02040503050406030204" pitchFamily="18" charset="0"/>
+                                        <a:ea typeface="Calibri" panose="020F0502020204030204" pitchFamily="34" charset="0"/>
+                                        <a:cs typeface="Times New Roman" panose="02020603050405020304" pitchFamily="18" charset="0"/>
+                                      </a:rPr>
+                                      <m:t>𝒊</m:t>
+                                    </m:r>
+                                  </m:sub>
+                                </m:sSub>
+                              </m:oMath>
+                            </m:oMathPara>
+                          </a14:m>
+                          <a:endParaRPr lang="en-US" sz="1600" dirty="0">
+                            <a:effectLst/>
+                            <a:latin typeface="Calibri" panose="020F0502020204030204" pitchFamily="34" charset="0"/>
+                            <a:ea typeface="Calibri" panose="020F0502020204030204" pitchFamily="34" charset="0"/>
+                            <a:cs typeface="Arial" panose="020B0604020202020204" pitchFamily="34" charset="0"/>
+                          </a:endParaRPr>
+                        </a:p>
+                      </a:txBody>
+                      <a:tcPr marL="68580" marR="68580" marT="0" marB="0">
+                        <a:lnL>
+                          <a:noFill/>
+                        </a:lnL>
+                        <a:lnR>
+                          <a:noFill/>
+                        </a:lnR>
+                        <a:lnT>
+                          <a:noFill/>
+                        </a:lnT>
+                        <a:lnB>
+                          <a:noFill/>
+                        </a:lnB>
+                      </a:tcPr>
+                    </a:tc>
+                    <a:extLst>
+                      <a:ext uri="{0D108BD9-81ED-4DB2-BD59-A6C34878D82A}">
+                        <a16:rowId xmlns:a16="http://schemas.microsoft.com/office/drawing/2014/main" val="3683366486"/>
+                      </a:ext>
+                    </a:extLst>
+                  </a:tr>
+                </a:tbl>
+              </a:graphicData>
+            </a:graphic>
+          </p:graphicFrame>
+        </mc:Choice>
+        <mc:Fallback>
+          <p:graphicFrame>
+            <p:nvGraphicFramePr>
+              <p:cNvPr id="25" name="טבלה 24">
+                <a:extLst>
+                  <a:ext uri="{FF2B5EF4-FFF2-40B4-BE49-F238E27FC236}">
+                    <a16:creationId xmlns:a16="http://schemas.microsoft.com/office/drawing/2014/main" id="{6DDD6E85-C778-481F-BFBE-CE82EDF649D5}"/>
+                  </a:ext>
+                </a:extLst>
+              </p:cNvPr>
+              <p:cNvGraphicFramePr>
+                <a:graphicFrameLocks noGrp="1"/>
+              </p:cNvGraphicFramePr>
+              <p:nvPr>
+                <p:extLst>
+                  <p:ext uri="{D42A27DB-BD31-4B8C-83A1-F6EECF244321}">
+                    <p14:modId xmlns:p14="http://schemas.microsoft.com/office/powerpoint/2010/main" val="915080449"/>
+                  </p:ext>
+                </p:extLst>
+              </p:nvPr>
+            </p:nvGraphicFramePr>
+            <p:xfrm>
+              <a:off x="905443" y="3293309"/>
+              <a:ext cx="10515600" cy="293497"/>
+            </p:xfrm>
+            <a:graphic>
+              <a:graphicData uri="http://schemas.openxmlformats.org/drawingml/2006/table">
+                <a:tbl>
+                  <a:tblPr rtl="1" firstRow="1" firstCol="1" bandRow="1"/>
+                  <a:tblGrid>
+                    <a:gridCol w="1758208">
+                      <a:extLst>
+                        <a:ext uri="{9D8B030D-6E8A-4147-A177-3AD203B41FA5}">
+                          <a16:colId xmlns:a16="http://schemas.microsoft.com/office/drawing/2014/main" val="1725618958"/>
+                        </a:ext>
+                      </a:extLst>
+                    </a:gridCol>
+                    <a:gridCol w="8757392">
+                      <a:extLst>
+                        <a:ext uri="{9D8B030D-6E8A-4147-A177-3AD203B41FA5}">
+                          <a16:colId xmlns:a16="http://schemas.microsoft.com/office/drawing/2014/main" val="812591436"/>
+                        </a:ext>
+                      </a:extLst>
+                    </a:gridCol>
+                  </a:tblGrid>
+                  <a:tr h="293497">
+                    <a:tc>
+                      <a:txBody>
+                        <a:bodyPr/>
+                        <a:lstStyle/>
+                        <a:p>
+                          <a:pPr algn="ctr" rtl="1">
+                            <a:lnSpc>
+                              <a:spcPct val="107000"/>
+                            </a:lnSpc>
+                            <a:spcAft>
+                              <a:spcPts val="0"/>
+                            </a:spcAft>
+                          </a:pPr>
+                          <a:r>
+                            <a:rPr lang="en-US" sz="1800" b="1" dirty="0">
+                              <a:effectLst/>
+                              <a:latin typeface="Times New Roman" panose="02020603050405020304" pitchFamily="18" charset="0"/>
+                              <a:ea typeface="Calibri" panose="020F0502020204030204" pitchFamily="34" charset="0"/>
+                              <a:cs typeface="Arial" panose="020B0604020202020204" pitchFamily="34" charset="0"/>
+                            </a:rPr>
+                            <a:t>Eq. 1)</a:t>
+                          </a:r>
+                          <a:r>
+                            <a:rPr lang="he-IL" sz="1800" b="1" dirty="0">
+                              <a:effectLst/>
+                              <a:latin typeface="Calibri" panose="020F0502020204030204" pitchFamily="34" charset="0"/>
+                              <a:ea typeface="Calibri" panose="020F0502020204030204" pitchFamily="34" charset="0"/>
+                              <a:cs typeface="Times New Roman" panose="02020603050405020304" pitchFamily="18" charset="0"/>
+                            </a:rPr>
+                            <a:t>)</a:t>
+                          </a:r>
+                          <a:endParaRPr lang="en-US" sz="1600" dirty="0">
+                            <a:effectLst/>
+                            <a:latin typeface="Calibri" panose="020F0502020204030204" pitchFamily="34" charset="0"/>
+                            <a:ea typeface="Calibri" panose="020F0502020204030204" pitchFamily="34" charset="0"/>
+                            <a:cs typeface="Arial" panose="020B0604020202020204" pitchFamily="34" charset="0"/>
+                          </a:endParaRPr>
+                        </a:p>
+                      </a:txBody>
+                      <a:tcPr marL="68580" marR="68580" marT="0" marB="0">
+                        <a:lnL>
+                          <a:noFill/>
+                        </a:lnL>
+                        <a:lnR>
+                          <a:noFill/>
+                        </a:lnR>
+                        <a:lnT>
+                          <a:noFill/>
+                        </a:lnT>
+                        <a:lnB>
+                          <a:noFill/>
+                        </a:lnB>
+                      </a:tcPr>
+                    </a:tc>
+                    <a:tc>
+                      <a:txBody>
+                        <a:bodyPr/>
+                        <a:lstStyle/>
+                        <a:p>
+                          <a:endParaRPr lang="en-US"/>
+                        </a:p>
+                      </a:txBody>
+                      <a:tcPr marL="68580" marR="68580" marT="0" marB="0">
+                        <a:lnL>
+                          <a:noFill/>
+                        </a:lnL>
+                        <a:lnR>
+                          <a:noFill/>
+                        </a:lnR>
+                        <a:lnT>
+                          <a:noFill/>
+                        </a:lnT>
+                        <a:lnB>
+                          <a:noFill/>
+                        </a:lnB>
+                        <a:blipFill>
+                          <a:blip r:embed="rId6"/>
+                          <a:stretch>
+                            <a:fillRect l="-20111" t="-26531" b="-40816"/>
+                          </a:stretch>
+                        </a:blipFill>
+                      </a:tcPr>
+                    </a:tc>
+                    <a:extLst>
+                      <a:ext uri="{0D108BD9-81ED-4DB2-BD59-A6C34878D82A}">
+                        <a16:rowId xmlns:a16="http://schemas.microsoft.com/office/drawing/2014/main" val="3683366486"/>
+                      </a:ext>
+                    </a:extLst>
+                  </a:tr>
+                </a:tbl>
+              </a:graphicData>
+            </a:graphic>
+          </p:graphicFrame>
+        </mc:Fallback>
+      </mc:AlternateContent>
+      <p:sp>
+        <p:nvSpPr>
+          <p:cNvPr id="26" name="מלבן 25">
+            <a:extLst>
+              <a:ext uri="{FF2B5EF4-FFF2-40B4-BE49-F238E27FC236}">
+                <a16:creationId xmlns:a16="http://schemas.microsoft.com/office/drawing/2014/main" id="{1ED1F28B-D99D-40A2-8941-13A19B9B3AE7}"/>
+              </a:ext>
+            </a:extLst>
+          </p:cNvPr>
+          <p:cNvSpPr/>
+          <p:nvPr/>
+        </p:nvSpPr>
+        <p:spPr>
+          <a:xfrm>
+            <a:off x="905443" y="3762352"/>
+            <a:ext cx="11010090" cy="1469826"/>
+          </a:xfrm>
+          <a:prstGeom prst="rect">
+            <a:avLst/>
+          </a:prstGeom>
+        </p:spPr>
+        <p:txBody>
+          <a:bodyPr wrap="square">
+            <a:spAutoFit/>
+          </a:bodyPr>
+          <a:lstStyle/>
+          <a:p>
+            <a:pPr>
+              <a:lnSpc>
+                <a:spcPct val="107000"/>
+              </a:lnSpc>
+              <a:spcAft>
+                <a:spcPts val="800"/>
+              </a:spcAft>
+            </a:pPr>
+            <a:r>
+              <a:rPr lang="he-IL" dirty="0">
+                <a:latin typeface="Calibri" panose="020F0502020204030204" pitchFamily="34" charset="0"/>
+                <a:ea typeface="Calibri" panose="020F0502020204030204" pitchFamily="34" charset="0"/>
+              </a:rPr>
+              <a:t>כעת מבצעים הנחה: האובייקט והרקע קבועים בחלון קטן מסביב לכל פיקסל. חלקות האובייקט והרקע לא בהכרח מעידים על חלקות התמונה שהיא אינה חלק מההנחה.</a:t>
+            </a:r>
+            <a:endParaRPr lang="en-US" dirty="0">
+              <a:latin typeface="Calibri" panose="020F0502020204030204" pitchFamily="34" charset="0"/>
+              <a:ea typeface="Calibri" panose="020F0502020204030204" pitchFamily="34" charset="0"/>
+            </a:endParaRPr>
+          </a:p>
+          <a:p>
+            <a:pPr>
+              <a:lnSpc>
+                <a:spcPct val="107000"/>
+              </a:lnSpc>
+              <a:spcAft>
+                <a:spcPts val="800"/>
+              </a:spcAft>
+            </a:pPr>
+            <a:r>
+              <a:rPr lang="he-IL" dirty="0"/>
+              <a:t>מתוך ההנחה נוכל לכתוב מחדש את משוואה 1:</a:t>
+            </a:r>
+            <a:endParaRPr lang="en-US" dirty="0"/>
+          </a:p>
+          <a:p>
+            <a:pPr>
+              <a:lnSpc>
+                <a:spcPct val="107000"/>
+              </a:lnSpc>
+              <a:spcAft>
+                <a:spcPts val="800"/>
+              </a:spcAft>
+            </a:pPr>
+            <a:endParaRPr lang="en-US" dirty="0">
+              <a:latin typeface="Calibri" panose="020F0502020204030204" pitchFamily="34" charset="0"/>
+              <a:ea typeface="Calibri" panose="020F0502020204030204" pitchFamily="34" charset="0"/>
+              <a:cs typeface="Arial" panose="020B0604020202020204" pitchFamily="34" charset="0"/>
+            </a:endParaRPr>
+          </a:p>
+        </p:txBody>
+      </p:sp>
+      <mc:AlternateContent xmlns:mc="http://schemas.openxmlformats.org/markup-compatibility/2006">
+        <mc:Choice xmlns:a14="http://schemas.microsoft.com/office/drawing/2010/main" Requires="a14">
+          <p:graphicFrame>
+            <p:nvGraphicFramePr>
+              <p:cNvPr id="1024" name="טבלה 1023">
+                <a:extLst>
+                  <a:ext uri="{FF2B5EF4-FFF2-40B4-BE49-F238E27FC236}">
+                    <a16:creationId xmlns:a16="http://schemas.microsoft.com/office/drawing/2014/main" id="{41939244-B39C-44C1-A846-86FFF71B9902}"/>
+                  </a:ext>
+                </a:extLst>
+              </p:cNvPr>
+              <p:cNvGraphicFramePr>
+                <a:graphicFrameLocks noGrp="1"/>
+              </p:cNvGraphicFramePr>
+              <p:nvPr>
+                <p:extLst>
+                  <p:ext uri="{D42A27DB-BD31-4B8C-83A1-F6EECF244321}">
+                    <p14:modId xmlns:p14="http://schemas.microsoft.com/office/powerpoint/2010/main" val="3686964783"/>
+                  </p:ext>
+                </p:extLst>
+              </p:nvPr>
+            </p:nvGraphicFramePr>
+            <p:xfrm>
+              <a:off x="997144" y="4938681"/>
+              <a:ext cx="10515600" cy="293497"/>
+            </p:xfrm>
+            <a:graphic>
+              <a:graphicData uri="http://schemas.openxmlformats.org/drawingml/2006/table">
+                <a:tbl>
+                  <a:tblPr rtl="1" firstRow="1" firstCol="1" bandRow="1"/>
+                  <a:tblGrid>
+                    <a:gridCol w="1758208">
+                      <a:extLst>
+                        <a:ext uri="{9D8B030D-6E8A-4147-A177-3AD203B41FA5}">
+                          <a16:colId xmlns:a16="http://schemas.microsoft.com/office/drawing/2014/main" val="2054126588"/>
+                        </a:ext>
+                      </a:extLst>
+                    </a:gridCol>
+                    <a:gridCol w="8757392">
+                      <a:extLst>
+                        <a:ext uri="{9D8B030D-6E8A-4147-A177-3AD203B41FA5}">
+                          <a16:colId xmlns:a16="http://schemas.microsoft.com/office/drawing/2014/main" val="405272000"/>
+                        </a:ext>
+                      </a:extLst>
+                    </a:gridCol>
+                  </a:tblGrid>
+                  <a:tr h="53975">
+                    <a:tc>
+                      <a:txBody>
+                        <a:bodyPr/>
+                        <a:lstStyle/>
+                        <a:p>
+                          <a:pPr algn="ctr" rtl="1">
+                            <a:lnSpc>
+                              <a:spcPct val="107000"/>
+                            </a:lnSpc>
+                            <a:spcAft>
+                              <a:spcPts val="0"/>
+                            </a:spcAft>
+                          </a:pPr>
+                          <a:r>
+                            <a:rPr lang="en-US" sz="1800" b="1" dirty="0">
+                              <a:effectLst/>
+                              <a:latin typeface="Times New Roman" panose="02020603050405020304" pitchFamily="18" charset="0"/>
+                              <a:ea typeface="Calibri" panose="020F0502020204030204" pitchFamily="34" charset="0"/>
+                              <a:cs typeface="Arial" panose="020B0604020202020204" pitchFamily="34" charset="0"/>
+                            </a:rPr>
+                            <a:t>Eq. 2)</a:t>
+                          </a:r>
+                          <a:r>
+                            <a:rPr lang="he-IL" sz="1800" b="1" dirty="0">
+                              <a:effectLst/>
+                              <a:latin typeface="Calibri" panose="020F0502020204030204" pitchFamily="34" charset="0"/>
+                              <a:ea typeface="Calibri" panose="020F0502020204030204" pitchFamily="34" charset="0"/>
+                              <a:cs typeface="Times New Roman" panose="02020603050405020304" pitchFamily="18" charset="0"/>
+                            </a:rPr>
+                            <a:t>)</a:t>
+                          </a:r>
+                          <a:endParaRPr lang="en-US" sz="1600" dirty="0">
+                            <a:effectLst/>
+                            <a:latin typeface="Calibri" panose="020F0502020204030204" pitchFamily="34" charset="0"/>
+                            <a:ea typeface="Calibri" panose="020F0502020204030204" pitchFamily="34" charset="0"/>
+                            <a:cs typeface="Arial" panose="020B0604020202020204" pitchFamily="34" charset="0"/>
+                          </a:endParaRPr>
+                        </a:p>
+                      </a:txBody>
+                      <a:tcPr marL="68580" marR="68580" marT="0" marB="0">
+                        <a:lnL>
+                          <a:noFill/>
+                        </a:lnL>
+                        <a:lnR>
+                          <a:noFill/>
+                        </a:lnR>
+                        <a:lnT>
+                          <a:noFill/>
+                        </a:lnT>
+                        <a:lnB>
+                          <a:noFill/>
+                        </a:lnB>
+                      </a:tcPr>
+                    </a:tc>
+                    <a:tc>
+                      <a:txBody>
+                        <a:bodyPr/>
+                        <a:lstStyle/>
+                        <a:p>
+                          <a:pPr algn="ctr" rtl="1">
+                            <a:lnSpc>
+                              <a:spcPct val="107000"/>
+                            </a:lnSpc>
+                            <a:spcAft>
+                              <a:spcPts val="0"/>
+                            </a:spcAft>
+                          </a:pPr>
+                          <a14:m>
+                            <m:oMathPara xmlns:m="http://schemas.openxmlformats.org/officeDocument/2006/math">
+                              <m:oMathParaPr>
+                                <m:jc m:val="centerGroup"/>
+                              </m:oMathParaPr>
+                              <m:oMath xmlns:m="http://schemas.openxmlformats.org/officeDocument/2006/math">
+                                <m:sSub>
+                                  <m:sSubPr>
+                                    <m:ctrlPr>
+                                      <a:rPr lang="en-US" sz="1800" b="1" i="1">
+                                        <a:effectLst/>
+                                        <a:latin typeface="Cambria Math" panose="02040503050406030204" pitchFamily="18" charset="0"/>
+                                        <a:ea typeface="Calibri" panose="020F0502020204030204" pitchFamily="34" charset="0"/>
+                                        <a:cs typeface="Times New Roman" panose="02020603050405020304" pitchFamily="18" charset="0"/>
+                                      </a:rPr>
+                                    </m:ctrlPr>
+                                  </m:sSubPr>
+                                  <m:e>
+                                    <m:r>
+                                      <a:rPr lang="en-US" sz="1800" b="1" i="1">
+                                        <a:effectLst/>
+                                        <a:latin typeface="Cambria Math" panose="02040503050406030204" pitchFamily="18" charset="0"/>
+                                        <a:ea typeface="Calibri" panose="020F0502020204030204" pitchFamily="34" charset="0"/>
+                                        <a:cs typeface="Times New Roman" panose="02020603050405020304" pitchFamily="18" charset="0"/>
+                                      </a:rPr>
+                                      <m:t>𝜶</m:t>
+                                    </m:r>
+                                  </m:e>
+                                  <m:sub>
+                                    <m:r>
+                                      <a:rPr lang="en-US" sz="1800" b="1" i="1">
+                                        <a:effectLst/>
+                                        <a:latin typeface="Cambria Math" panose="02040503050406030204" pitchFamily="18" charset="0"/>
+                                        <a:ea typeface="Calibri" panose="020F0502020204030204" pitchFamily="34" charset="0"/>
+                                        <a:cs typeface="Times New Roman" panose="02020603050405020304" pitchFamily="18" charset="0"/>
+                                      </a:rPr>
+                                      <m:t>𝒊</m:t>
+                                    </m:r>
+                                  </m:sub>
+                                </m:sSub>
+                                <m:r>
+                                  <a:rPr lang="en-US" sz="1800" b="1" i="1">
+                                    <a:effectLst/>
+                                    <a:latin typeface="Cambria Math" panose="02040503050406030204" pitchFamily="18" charset="0"/>
+                                    <a:ea typeface="Calibri" panose="020F0502020204030204" pitchFamily="34" charset="0"/>
+                                    <a:cs typeface="Times New Roman" panose="02020603050405020304" pitchFamily="18" charset="0"/>
+                                  </a:rPr>
+                                  <m:t>=</m:t>
+                                </m:r>
+                                <m:r>
+                                  <a:rPr lang="en-US" sz="1800" b="1" i="1">
+                                    <a:effectLst/>
+                                    <a:latin typeface="Cambria Math" panose="02040503050406030204" pitchFamily="18" charset="0"/>
+                                    <a:ea typeface="Calibri" panose="020F0502020204030204" pitchFamily="34" charset="0"/>
+                                    <a:cs typeface="Times New Roman" panose="02020603050405020304" pitchFamily="18" charset="0"/>
+                                  </a:rPr>
+                                  <m:t>𝒂</m:t>
+                                </m:r>
+                                <m:sSub>
+                                  <m:sSubPr>
+                                    <m:ctrlPr>
+                                      <a:rPr lang="en-US" sz="1800" b="1" i="1">
+                                        <a:effectLst/>
+                                        <a:latin typeface="Cambria Math" panose="02040503050406030204" pitchFamily="18" charset="0"/>
+                                        <a:ea typeface="Calibri" panose="020F0502020204030204" pitchFamily="34" charset="0"/>
+                                        <a:cs typeface="Times New Roman" panose="02020603050405020304" pitchFamily="18" charset="0"/>
+                                      </a:rPr>
+                                    </m:ctrlPr>
+                                  </m:sSubPr>
+                                  <m:e>
+                                    <m:r>
+                                      <a:rPr lang="en-US" sz="1800" b="1" i="1">
+                                        <a:effectLst/>
+                                        <a:latin typeface="Cambria Math" panose="02040503050406030204" pitchFamily="18" charset="0"/>
+                                        <a:ea typeface="Calibri" panose="020F0502020204030204" pitchFamily="34" charset="0"/>
+                                        <a:cs typeface="Times New Roman" panose="02020603050405020304" pitchFamily="18" charset="0"/>
+                                      </a:rPr>
+                                      <m:t>𝑰</m:t>
+                                    </m:r>
+                                  </m:e>
+                                  <m:sub>
+                                    <m:r>
+                                      <a:rPr lang="en-US" sz="1800" b="1" i="1">
+                                        <a:effectLst/>
+                                        <a:latin typeface="Cambria Math" panose="02040503050406030204" pitchFamily="18" charset="0"/>
+                                        <a:ea typeface="Calibri" panose="020F0502020204030204" pitchFamily="34" charset="0"/>
+                                        <a:cs typeface="Times New Roman" panose="02020603050405020304" pitchFamily="18" charset="0"/>
+                                      </a:rPr>
+                                      <m:t>𝒊</m:t>
+                                    </m:r>
+                                  </m:sub>
+                                </m:sSub>
+                                <m:r>
+                                  <a:rPr lang="en-US" sz="1800" b="1" i="1">
+                                    <a:effectLst/>
+                                    <a:latin typeface="Cambria Math" panose="02040503050406030204" pitchFamily="18" charset="0"/>
+                                    <a:ea typeface="Calibri" panose="020F0502020204030204" pitchFamily="34" charset="0"/>
+                                    <a:cs typeface="Times New Roman" panose="02020603050405020304" pitchFamily="18" charset="0"/>
+                                  </a:rPr>
+                                  <m:t>+</m:t>
+                                </m:r>
+                                <m:r>
+                                  <a:rPr lang="en-US" sz="1800" b="1" i="1">
+                                    <a:effectLst/>
+                                    <a:latin typeface="Cambria Math" panose="02040503050406030204" pitchFamily="18" charset="0"/>
+                                    <a:ea typeface="Calibri" panose="020F0502020204030204" pitchFamily="34" charset="0"/>
+                                    <a:cs typeface="Times New Roman" panose="02020603050405020304" pitchFamily="18" charset="0"/>
+                                  </a:rPr>
+                                  <m:t>𝒃</m:t>
+                                </m:r>
+                              </m:oMath>
+                            </m:oMathPara>
+                          </a14:m>
+                          <a:endParaRPr lang="en-US" sz="1600" dirty="0">
+                            <a:effectLst/>
+                            <a:latin typeface="Calibri" panose="020F0502020204030204" pitchFamily="34" charset="0"/>
+                            <a:ea typeface="Calibri" panose="020F0502020204030204" pitchFamily="34" charset="0"/>
+                            <a:cs typeface="Arial" panose="020B0604020202020204" pitchFamily="34" charset="0"/>
+                          </a:endParaRPr>
+                        </a:p>
+                      </a:txBody>
+                      <a:tcPr marL="68580" marR="68580" marT="0" marB="0">
+                        <a:lnL>
+                          <a:noFill/>
+                        </a:lnL>
+                        <a:lnR>
+                          <a:noFill/>
+                        </a:lnR>
+                        <a:lnT>
+                          <a:noFill/>
+                        </a:lnT>
+                        <a:lnB>
+                          <a:noFill/>
+                        </a:lnB>
+                      </a:tcPr>
+                    </a:tc>
+                    <a:extLst>
+                      <a:ext uri="{0D108BD9-81ED-4DB2-BD59-A6C34878D82A}">
+                        <a16:rowId xmlns:a16="http://schemas.microsoft.com/office/drawing/2014/main" val="1256851332"/>
+                      </a:ext>
+                    </a:extLst>
+                  </a:tr>
+                </a:tbl>
+              </a:graphicData>
+            </a:graphic>
+          </p:graphicFrame>
+        </mc:Choice>
+        <mc:Fallback>
+          <p:graphicFrame>
+            <p:nvGraphicFramePr>
+              <p:cNvPr id="1024" name="טבלה 1023">
+                <a:extLst>
+                  <a:ext uri="{FF2B5EF4-FFF2-40B4-BE49-F238E27FC236}">
+                    <a16:creationId xmlns:a16="http://schemas.microsoft.com/office/drawing/2014/main" id="{41939244-B39C-44C1-A846-86FFF71B9902}"/>
+                  </a:ext>
+                </a:extLst>
+              </p:cNvPr>
+              <p:cNvGraphicFramePr>
+                <a:graphicFrameLocks noGrp="1"/>
+              </p:cNvGraphicFramePr>
+              <p:nvPr>
+                <p:extLst>
+                  <p:ext uri="{D42A27DB-BD31-4B8C-83A1-F6EECF244321}">
+                    <p14:modId xmlns:p14="http://schemas.microsoft.com/office/powerpoint/2010/main" val="3686964783"/>
+                  </p:ext>
+                </p:extLst>
+              </p:nvPr>
+            </p:nvGraphicFramePr>
+            <p:xfrm>
+              <a:off x="997144" y="4938681"/>
+              <a:ext cx="10515600" cy="293497"/>
+            </p:xfrm>
+            <a:graphic>
+              <a:graphicData uri="http://schemas.openxmlformats.org/drawingml/2006/table">
+                <a:tbl>
+                  <a:tblPr rtl="1" firstRow="1" firstCol="1" bandRow="1"/>
+                  <a:tblGrid>
+                    <a:gridCol w="1758208">
+                      <a:extLst>
+                        <a:ext uri="{9D8B030D-6E8A-4147-A177-3AD203B41FA5}">
+                          <a16:colId xmlns:a16="http://schemas.microsoft.com/office/drawing/2014/main" val="2054126588"/>
+                        </a:ext>
+                      </a:extLst>
+                    </a:gridCol>
+                    <a:gridCol w="8757392">
+                      <a:extLst>
+                        <a:ext uri="{9D8B030D-6E8A-4147-A177-3AD203B41FA5}">
+                          <a16:colId xmlns:a16="http://schemas.microsoft.com/office/drawing/2014/main" val="405272000"/>
+                        </a:ext>
+                      </a:extLst>
+                    </a:gridCol>
+                  </a:tblGrid>
+                  <a:tr h="293497">
+                    <a:tc>
+                      <a:txBody>
+                        <a:bodyPr/>
+                        <a:lstStyle/>
+                        <a:p>
+                          <a:pPr algn="ctr" rtl="1">
+                            <a:lnSpc>
+                              <a:spcPct val="107000"/>
+                            </a:lnSpc>
+                            <a:spcAft>
+                              <a:spcPts val="0"/>
+                            </a:spcAft>
+                          </a:pPr>
+                          <a:r>
+                            <a:rPr lang="en-US" sz="1800" b="1" dirty="0">
+                              <a:effectLst/>
+                              <a:latin typeface="Times New Roman" panose="02020603050405020304" pitchFamily="18" charset="0"/>
+                              <a:ea typeface="Calibri" panose="020F0502020204030204" pitchFamily="34" charset="0"/>
+                              <a:cs typeface="Arial" panose="020B0604020202020204" pitchFamily="34" charset="0"/>
+                            </a:rPr>
+                            <a:t>Eq. 2)</a:t>
+                          </a:r>
+                          <a:r>
+                            <a:rPr lang="he-IL" sz="1800" b="1" dirty="0">
+                              <a:effectLst/>
+                              <a:latin typeface="Calibri" panose="020F0502020204030204" pitchFamily="34" charset="0"/>
+                              <a:ea typeface="Calibri" panose="020F0502020204030204" pitchFamily="34" charset="0"/>
+                              <a:cs typeface="Times New Roman" panose="02020603050405020304" pitchFamily="18" charset="0"/>
+                            </a:rPr>
+                            <a:t>)</a:t>
+                          </a:r>
+                          <a:endParaRPr lang="en-US" sz="1600" dirty="0">
+                            <a:effectLst/>
+                            <a:latin typeface="Calibri" panose="020F0502020204030204" pitchFamily="34" charset="0"/>
+                            <a:ea typeface="Calibri" panose="020F0502020204030204" pitchFamily="34" charset="0"/>
+                            <a:cs typeface="Arial" panose="020B0604020202020204" pitchFamily="34" charset="0"/>
+                          </a:endParaRPr>
+                        </a:p>
+                      </a:txBody>
+                      <a:tcPr marL="68580" marR="68580" marT="0" marB="0">
+                        <a:lnL>
+                          <a:noFill/>
+                        </a:lnL>
+                        <a:lnR>
+                          <a:noFill/>
+                        </a:lnR>
+                        <a:lnT>
+                          <a:noFill/>
+                        </a:lnT>
+                        <a:lnB>
+                          <a:noFill/>
+                        </a:lnB>
+                      </a:tcPr>
+                    </a:tc>
+                    <a:tc>
+                      <a:txBody>
+                        <a:bodyPr/>
+                        <a:lstStyle/>
+                        <a:p>
+                          <a:endParaRPr lang="en-US"/>
+                        </a:p>
+                      </a:txBody>
+                      <a:tcPr marL="68580" marR="68580" marT="0" marB="0">
+                        <a:lnL>
+                          <a:noFill/>
+                        </a:lnL>
+                        <a:lnR>
+                          <a:noFill/>
+                        </a:lnR>
+                        <a:lnT>
+                          <a:noFill/>
+                        </a:lnT>
+                        <a:lnB>
+                          <a:noFill/>
+                        </a:lnB>
+                        <a:blipFill>
+                          <a:blip r:embed="rId7"/>
+                          <a:stretch>
+                            <a:fillRect l="-20111" t="-26531" b="-40816"/>
+                          </a:stretch>
+                        </a:blipFill>
+                      </a:tcPr>
+                    </a:tc>
+                    <a:extLst>
+                      <a:ext uri="{0D108BD9-81ED-4DB2-BD59-A6C34878D82A}">
+                        <a16:rowId xmlns:a16="http://schemas.microsoft.com/office/drawing/2014/main" val="1256851332"/>
+                      </a:ext>
+                    </a:extLst>
+                  </a:tr>
+                </a:tbl>
+              </a:graphicData>
+            </a:graphic>
+          </p:graphicFrame>
+        </mc:Fallback>
+      </mc:AlternateContent>
+      <mc:AlternateContent xmlns:mc="http://schemas.openxmlformats.org/markup-compatibility/2006">
+        <mc:Choice xmlns:a14="http://schemas.microsoft.com/office/drawing/2010/main" Requires="a14">
+          <p:sp>
+            <p:nvSpPr>
+              <p:cNvPr id="1026" name="מלבן 1025">
+                <a:extLst>
+                  <a:ext uri="{FF2B5EF4-FFF2-40B4-BE49-F238E27FC236}">
+                    <a16:creationId xmlns:a16="http://schemas.microsoft.com/office/drawing/2014/main" id="{C552DF46-DE02-491B-B988-3DEC3C80CA63}"/>
+                  </a:ext>
+                </a:extLst>
+              </p:cNvPr>
+              <p:cNvSpPr/>
+              <p:nvPr/>
+            </p:nvSpPr>
+            <p:spPr>
+              <a:xfrm>
+                <a:off x="3141184" y="5482216"/>
+                <a:ext cx="8586281" cy="518988"/>
+              </a:xfrm>
+              <a:prstGeom prst="rect">
+                <a:avLst/>
+              </a:prstGeom>
+            </p:spPr>
+            <p:txBody>
+              <a:bodyPr wrap="square">
+                <a:spAutoFit/>
+              </a:bodyPr>
+              <a:lstStyle/>
+              <a:p>
+                <a:pPr>
+                  <a:lnSpc>
+                    <a:spcPct val="107000"/>
+                  </a:lnSpc>
+                  <a:spcAft>
+                    <a:spcPts val="800"/>
+                  </a:spcAft>
+                </a:pPr>
+                <a:r>
+                  <a:rPr lang="he-IL" sz="1600" dirty="0">
+                    <a:latin typeface="Calibri" panose="020F0502020204030204" pitchFamily="34" charset="0"/>
+                    <a:ea typeface="Calibri" panose="020F0502020204030204" pitchFamily="34" charset="0"/>
+                  </a:rPr>
+                  <a:t>כאשר </a:t>
+                </a:r>
+                <a14:m>
+                  <m:oMath xmlns:m="http://schemas.openxmlformats.org/officeDocument/2006/math">
+                    <m:r>
+                      <a:rPr lang="en-US" b="0" i="0" smtClean="0">
+                        <a:latin typeface="Cambria Math" panose="02040503050406030204" pitchFamily="18" charset="0"/>
+                        <a:ea typeface="Calibri" panose="020F0502020204030204" pitchFamily="34" charset="0"/>
+                        <a:cs typeface="Times New Roman" panose="02020603050405020304" pitchFamily="18" charset="0"/>
+                      </a:rPr>
+                      <m:t> </m:t>
+                    </m:r>
+                    <m:r>
+                      <a:rPr lang="en-US" b="1" i="1">
+                        <a:latin typeface="Cambria Math" panose="02040503050406030204" pitchFamily="18" charset="0"/>
+                        <a:ea typeface="Calibri" panose="020F0502020204030204" pitchFamily="34" charset="0"/>
+                        <a:cs typeface="Times New Roman" panose="02020603050405020304" pitchFamily="18" charset="0"/>
+                      </a:rPr>
+                      <m:t>𝒂</m:t>
+                    </m:r>
+                    <m:r>
+                      <a:rPr lang="en-US" b="1" i="1">
+                        <a:latin typeface="Cambria Math" panose="02040503050406030204" pitchFamily="18" charset="0"/>
+                        <a:ea typeface="Calibri" panose="020F0502020204030204" pitchFamily="34" charset="0"/>
+                        <a:cs typeface="Times New Roman" panose="02020603050405020304" pitchFamily="18" charset="0"/>
+                      </a:rPr>
+                      <m:t>=</m:t>
+                    </m:r>
+                    <m:f>
+                      <m:fPr>
+                        <m:ctrlPr>
+                          <a:rPr lang="en-US" b="1" i="1">
+                            <a:latin typeface="Cambria Math" panose="02040503050406030204" pitchFamily="18" charset="0"/>
+                            <a:ea typeface="Calibri" panose="020F0502020204030204" pitchFamily="34" charset="0"/>
+                            <a:cs typeface="Times New Roman" panose="02020603050405020304" pitchFamily="18" charset="0"/>
+                          </a:rPr>
+                        </m:ctrlPr>
+                      </m:fPr>
+                      <m:num>
+                        <m:r>
+                          <a:rPr lang="en-US" b="1" i="1">
+                            <a:latin typeface="Cambria Math" panose="02040503050406030204" pitchFamily="18" charset="0"/>
+                            <a:ea typeface="Calibri" panose="020F0502020204030204" pitchFamily="34" charset="0"/>
+                            <a:cs typeface="Times New Roman" panose="02020603050405020304" pitchFamily="18" charset="0"/>
+                          </a:rPr>
+                          <m:t>𝑩</m:t>
+                        </m:r>
+                      </m:num>
+                      <m:den>
+                        <m:r>
+                          <a:rPr lang="en-US" b="1" i="1">
+                            <a:latin typeface="Cambria Math" panose="02040503050406030204" pitchFamily="18" charset="0"/>
+                            <a:ea typeface="Calibri" panose="020F0502020204030204" pitchFamily="34" charset="0"/>
+                            <a:cs typeface="Times New Roman" panose="02020603050405020304" pitchFamily="18" charset="0"/>
+                          </a:rPr>
+                          <m:t>𝐅</m:t>
+                        </m:r>
+                        <m:r>
+                          <a:rPr lang="en-US" b="1" i="1">
+                            <a:latin typeface="Cambria Math" panose="02040503050406030204" pitchFamily="18" charset="0"/>
+                            <a:ea typeface="Calibri" panose="020F0502020204030204" pitchFamily="34" charset="0"/>
+                            <a:cs typeface="Times New Roman" panose="02020603050405020304" pitchFamily="18" charset="0"/>
+                          </a:rPr>
+                          <m:t>−</m:t>
+                        </m:r>
+                        <m:r>
+                          <a:rPr lang="en-US" b="1" i="1">
+                            <a:latin typeface="Cambria Math" panose="02040503050406030204" pitchFamily="18" charset="0"/>
+                            <a:ea typeface="Calibri" panose="020F0502020204030204" pitchFamily="34" charset="0"/>
+                            <a:cs typeface="Times New Roman" panose="02020603050405020304" pitchFamily="18" charset="0"/>
+                          </a:rPr>
+                          <m:t>𝐁</m:t>
+                        </m:r>
+                      </m:den>
+                    </m:f>
+                  </m:oMath>
+                </a14:m>
+                <a:r>
+                  <a:rPr lang="en-US" b="1" dirty="0">
+                    <a:latin typeface="Arial" panose="020B0604020202020204" pitchFamily="34" charset="0"/>
+                    <a:ea typeface="Times New Roman" panose="02020603050405020304" pitchFamily="18" charset="0"/>
+                    <a:cs typeface="Arial" panose="020B0604020202020204" pitchFamily="34" charset="0"/>
+                  </a:rPr>
+                  <a:t> </a:t>
+                </a:r>
+                <a:r>
+                  <a:rPr lang="he-IL" dirty="0">
+                    <a:latin typeface="Calibri" panose="020F0502020204030204" pitchFamily="34" charset="0"/>
+                    <a:ea typeface="Times New Roman" panose="02020603050405020304" pitchFamily="18" charset="0"/>
+                  </a:rPr>
+                  <a:t>וכאשר </a:t>
+                </a:r>
+                <a14:m>
+                  <m:oMath xmlns:m="http://schemas.openxmlformats.org/officeDocument/2006/math">
+                    <m:r>
+                      <a:rPr lang="en-US" b="0" i="0" smtClean="0">
+                        <a:latin typeface="Cambria Math" panose="02040503050406030204" pitchFamily="18" charset="0"/>
+                        <a:ea typeface="Calibri" panose="020F0502020204030204" pitchFamily="34" charset="0"/>
+                        <a:cs typeface="Times New Roman" panose="02020603050405020304" pitchFamily="18" charset="0"/>
+                      </a:rPr>
+                      <m:t> </m:t>
+                    </m:r>
+                    <m:r>
+                      <a:rPr lang="en-US" b="1" i="1">
+                        <a:latin typeface="Cambria Math" panose="02040503050406030204" pitchFamily="18" charset="0"/>
+                        <a:ea typeface="Calibri" panose="020F0502020204030204" pitchFamily="34" charset="0"/>
+                        <a:cs typeface="Times New Roman" panose="02020603050405020304" pitchFamily="18" charset="0"/>
+                      </a:rPr>
+                      <m:t>𝐛</m:t>
+                    </m:r>
+                    <m:r>
+                      <a:rPr lang="en-US" b="1" i="1">
+                        <a:latin typeface="Cambria Math" panose="02040503050406030204" pitchFamily="18" charset="0"/>
+                        <a:ea typeface="Calibri" panose="020F0502020204030204" pitchFamily="34" charset="0"/>
+                        <a:cs typeface="Times New Roman" panose="02020603050405020304" pitchFamily="18" charset="0"/>
+                      </a:rPr>
+                      <m:t>=</m:t>
+                    </m:r>
+                    <m:f>
+                      <m:fPr>
+                        <m:ctrlPr>
+                          <a:rPr lang="en-US" b="1" i="1">
+                            <a:latin typeface="Cambria Math" panose="02040503050406030204" pitchFamily="18" charset="0"/>
+                            <a:ea typeface="Calibri" panose="020F0502020204030204" pitchFamily="34" charset="0"/>
+                            <a:cs typeface="Times New Roman" panose="02020603050405020304" pitchFamily="18" charset="0"/>
+                          </a:rPr>
+                        </m:ctrlPr>
+                      </m:fPr>
+                      <m:num>
+                        <m:r>
+                          <a:rPr lang="en-US" b="1" i="1">
+                            <a:latin typeface="Cambria Math" panose="02040503050406030204" pitchFamily="18" charset="0"/>
+                            <a:ea typeface="Calibri" panose="020F0502020204030204" pitchFamily="34" charset="0"/>
+                            <a:cs typeface="Times New Roman" panose="02020603050405020304" pitchFamily="18" charset="0"/>
+                          </a:rPr>
+                          <m:t>𝟏</m:t>
+                        </m:r>
+                      </m:num>
+                      <m:den>
+                        <m:r>
+                          <a:rPr lang="en-US" b="1" i="1">
+                            <a:latin typeface="Cambria Math" panose="02040503050406030204" pitchFamily="18" charset="0"/>
+                            <a:ea typeface="Calibri" panose="020F0502020204030204" pitchFamily="34" charset="0"/>
+                            <a:cs typeface="Times New Roman" panose="02020603050405020304" pitchFamily="18" charset="0"/>
+                          </a:rPr>
+                          <m:t>𝑭</m:t>
+                        </m:r>
+                        <m:r>
+                          <a:rPr lang="en-US" b="1" i="1">
+                            <a:latin typeface="Cambria Math" panose="02040503050406030204" pitchFamily="18" charset="0"/>
+                            <a:ea typeface="Calibri" panose="020F0502020204030204" pitchFamily="34" charset="0"/>
+                            <a:cs typeface="Times New Roman" panose="02020603050405020304" pitchFamily="18" charset="0"/>
+                          </a:rPr>
+                          <m:t>−</m:t>
+                        </m:r>
+                        <m:r>
+                          <a:rPr lang="en-US" b="1" i="1">
+                            <a:latin typeface="Cambria Math" panose="02040503050406030204" pitchFamily="18" charset="0"/>
+                            <a:ea typeface="Calibri" panose="020F0502020204030204" pitchFamily="34" charset="0"/>
+                            <a:cs typeface="Times New Roman" panose="02020603050405020304" pitchFamily="18" charset="0"/>
+                          </a:rPr>
+                          <m:t>𝐁</m:t>
+                        </m:r>
+                      </m:den>
+                    </m:f>
+                  </m:oMath>
+                </a14:m>
+                <a:r>
+                  <a:rPr lang="en-US" b="1" dirty="0">
+                    <a:latin typeface="Arial" panose="020B0604020202020204" pitchFamily="34" charset="0"/>
+                    <a:ea typeface="Times New Roman" panose="02020603050405020304" pitchFamily="18" charset="0"/>
+                    <a:cs typeface="Arial" panose="020B0604020202020204" pitchFamily="34" charset="0"/>
+                  </a:rPr>
+                  <a:t> </a:t>
+                </a:r>
+                <a:r>
+                  <a:rPr lang="he-IL" dirty="0">
+                    <a:latin typeface="Calibri" panose="020F0502020204030204" pitchFamily="34" charset="0"/>
+                    <a:ea typeface="Times New Roman" panose="02020603050405020304" pitchFamily="18" charset="0"/>
+                  </a:rPr>
+                  <a:t>עבור סביבה קטנה מסביב לפיקסל ה-</a:t>
+                </a:r>
+                <a:r>
+                  <a:rPr lang="en-US" dirty="0" err="1">
+                    <a:latin typeface="Calibri" panose="020F0502020204030204" pitchFamily="34" charset="0"/>
+                    <a:ea typeface="Times New Roman" panose="02020603050405020304" pitchFamily="18" charset="0"/>
+                    <a:cs typeface="Arial" panose="020B0604020202020204" pitchFamily="34" charset="0"/>
+                  </a:rPr>
+                  <a:t>i</a:t>
+                </a:r>
+                <a:r>
+                  <a:rPr lang="he-IL" dirty="0">
+                    <a:latin typeface="Calibri" panose="020F0502020204030204" pitchFamily="34" charset="0"/>
+                    <a:ea typeface="Times New Roman" panose="02020603050405020304" pitchFamily="18" charset="0"/>
+                  </a:rPr>
+                  <a:t>.</a:t>
+                </a:r>
+                <a:endParaRPr lang="en-US" sz="1600" dirty="0">
+                  <a:effectLst/>
+                  <a:latin typeface="Calibri" panose="020F0502020204030204" pitchFamily="34" charset="0"/>
+                  <a:ea typeface="Calibri" panose="020F0502020204030204" pitchFamily="34" charset="0"/>
+                  <a:cs typeface="Arial" panose="020B0604020202020204" pitchFamily="34" charset="0"/>
+                </a:endParaRPr>
+              </a:p>
+            </p:txBody>
+          </p:sp>
+        </mc:Choice>
+        <mc:Fallback>
+          <p:sp>
+            <p:nvSpPr>
+              <p:cNvPr id="1026" name="מלבן 1025">
+                <a:extLst>
+                  <a:ext uri="{FF2B5EF4-FFF2-40B4-BE49-F238E27FC236}">
+                    <a16:creationId xmlns:a16="http://schemas.microsoft.com/office/drawing/2014/main" id="{C552DF46-DE02-491B-B988-3DEC3C80CA63}"/>
+                  </a:ext>
+                </a:extLst>
+              </p:cNvPr>
+              <p:cNvSpPr>
+                <a:spLocks noRot="1" noChangeAspect="1" noMove="1" noResize="1" noEditPoints="1" noAdjustHandles="1" noChangeArrowheads="1" noChangeShapeType="1" noTextEdit="1"/>
+              </p:cNvSpPr>
+              <p:nvPr/>
+            </p:nvSpPr>
+            <p:spPr>
+              <a:xfrm>
+                <a:off x="3141184" y="5482216"/>
+                <a:ext cx="8586281" cy="518988"/>
+              </a:xfrm>
+              <a:prstGeom prst="rect">
+                <a:avLst/>
+              </a:prstGeom>
+              <a:blipFill>
+                <a:blip r:embed="rId8"/>
+                <a:stretch>
+                  <a:fillRect r="-355" b="-7059"/>
+                </a:stretch>
+              </a:blipFill>
+            </p:spPr>
+            <p:txBody>
+              <a:bodyPr/>
+              <a:lstStyle/>
+              <a:p>
+                <a:r>
+                  <a:rPr lang="en-US">
+                    <a:noFill/>
+                  </a:rPr>
+                  <a:t> </a:t>
+                </a:r>
+              </a:p>
+            </p:txBody>
+          </p:sp>
+        </mc:Fallback>
+      </mc:AlternateContent>
+    </p:spTree>
+    <p:extLst>
+      <p:ext uri="{BB962C8B-B14F-4D97-AF65-F5344CB8AC3E}">
+        <p14:creationId xmlns:p14="http://schemas.microsoft.com/office/powerpoint/2010/main" val="532072492"/>
+      </p:ext>
+    </p:extLst>
+  </p:cSld>
+  <p:clrMapOvr>
+    <a:masterClrMapping/>
+  </p:clrMapOvr>
+</p:sld>
+</file>
+
+<file path=ppt/slides/slide9.xml><?xml version="1.0" encoding="utf-8"?>
+<p:sld xmlns:a="http://schemas.openxmlformats.org/drawingml/2006/main" xmlns:r="http://schemas.openxmlformats.org/officeDocument/2006/relationships" xmlns:p="http://schemas.openxmlformats.org/presentationml/2006/main">
+  <p:cSld>
+    <p:spTree>
+      <p:nvGrpSpPr>
+        <p:cNvPr id="1" name=""/>
+        <p:cNvGrpSpPr/>
+        <p:nvPr/>
+      </p:nvGrpSpPr>
+      <p:grpSpPr>
+        <a:xfrm>
+          <a:off x="0" y="0"/>
+          <a:ext cx="0" cy="0"/>
+          <a:chOff x="0" y="0"/>
+          <a:chExt cx="0" cy="0"/>
+        </a:xfrm>
+      </p:grpSpPr>
+      <p:sp>
+        <p:nvSpPr>
+          <p:cNvPr id="12" name="Rectangle 11">
+            <a:extLst>
+              <a:ext uri="{FF2B5EF4-FFF2-40B4-BE49-F238E27FC236}">
+                <a16:creationId xmlns:a16="http://schemas.microsoft.com/office/drawing/2014/main" id="{42A4FC2C-047E-45A5-965D-8E1E3BF09BC6}"/>
+              </a:ext>
+              <a:ext uri="{C183D7F6-B498-43B3-948B-1728B52AA6E4}">
+                <adec:decorative xmlns:adec="http://schemas.microsoft.com/office/drawing/2017/decorative" val="1"/>
+              </a:ext>
+            </a:extLst>
+          </p:cNvPr>
+          <p:cNvSpPr>
+            <a:spLocks noGrp="1" noRot="1" noChangeAspect="1" noMove="1" noResize="1" noEditPoints="1" noAdjustHandles="1" noChangeArrowheads="1" noChangeShapeType="1" noTextEdit="1"/>
+          </p:cNvSpPr>
+          <p:nvPr>
+            <p:extLst>
+              <p:ext uri="{386F3935-93C4-4BCD-93E2-E3B085C9AB24}">
+                <p16:designElem xmlns:p16="http://schemas.microsoft.com/office/powerpoint/2015/main" val="1"/>
+              </p:ext>
+            </p:extLst>
+          </p:nvPr>
+        </p:nvSpPr>
+        <p:spPr bwMode="white">
+          <a:xfrm>
+            <a:off x="1524" y="0"/>
+            <a:ext cx="12188952" cy="6858000"/>
+          </a:xfrm>
+          <a:prstGeom prst="rect">
+            <a:avLst/>
+          </a:prstGeom>
+          <a:noFill/>
+          <a:ln>
+            <a:noFill/>
+          </a:ln>
+        </p:spPr>
+        <p:style>
+          <a:lnRef idx="2">
+            <a:schemeClr val="accent1">
+              <a:shade val="50000"/>
+            </a:schemeClr>
+          </a:lnRef>
+          <a:fillRef idx="1">
+            <a:schemeClr val="accent1"/>
+          </a:fillRef>
+          <a:effectRef idx="0">
+            <a:schemeClr val="accent1"/>
+          </a:effectRef>
+          <a:fontRef idx="minor">
+            <a:schemeClr val="lt1"/>
+          </a:fontRef>
+        </p:style>
+        <p:txBody>
+          <a:bodyPr rtlCol="0" anchor="ctr"/>
+          <a:lstStyle>
+            <a:defPPr>
+              <a:defRPr lang="en-US"/>
+            </a:defPPr>
+            <a:lvl1pPr marL="0" algn="l" defTabSz="914400" rtl="0" eaLnBrk="1" latinLnBrk="0" hangingPunct="1">
+              <a:defRPr sz="1800" kern="1200">
+                <a:solidFill>
+                  <a:schemeClr val="lt1"/>
+                </a:solidFill>
+                <a:latin typeface="+mn-lt"/>
+                <a:ea typeface="+mn-ea"/>
+                <a:cs typeface="+mn-cs"/>
+              </a:defRPr>
+            </a:lvl1pPr>
+            <a:lvl2pPr marL="457200" algn="l" defTabSz="914400" rtl="0" eaLnBrk="1" latinLnBrk="0" hangingPunct="1">
+              <a:defRPr sz="1800" kern="1200">
+                <a:solidFill>
+                  <a:schemeClr val="lt1"/>
+                </a:solidFill>
+                <a:latin typeface="+mn-lt"/>
+                <a:ea typeface="+mn-ea"/>
+                <a:cs typeface="+mn-cs"/>
+              </a:defRPr>
+            </a:lvl2pPr>
+            <a:lvl3pPr marL="914400" algn="l" defTabSz="914400" rtl="0" eaLnBrk="1" latinLnBrk="0" hangingPunct="1">
+              <a:defRPr sz="1800" kern="1200">
+                <a:solidFill>
+                  <a:schemeClr val="lt1"/>
+                </a:solidFill>
+                <a:latin typeface="+mn-lt"/>
+                <a:ea typeface="+mn-ea"/>
+                <a:cs typeface="+mn-cs"/>
+              </a:defRPr>
+            </a:lvl3pPr>
+            <a:lvl4pPr marL="1371600" algn="l" defTabSz="914400" rtl="0" eaLnBrk="1" latinLnBrk="0" hangingPunct="1">
+              <a:defRPr sz="1800" kern="1200">
+                <a:solidFill>
+                  <a:schemeClr val="lt1"/>
+                </a:solidFill>
+                <a:latin typeface="+mn-lt"/>
+                <a:ea typeface="+mn-ea"/>
+                <a:cs typeface="+mn-cs"/>
+              </a:defRPr>
+            </a:lvl4pPr>
+            <a:lvl5pPr marL="1828800" algn="l" defTabSz="914400" rtl="0" eaLnBrk="1" latinLnBrk="0" hangingPunct="1">
+              <a:defRPr sz="1800" kern="1200">
+                <a:solidFill>
+                  <a:schemeClr val="lt1"/>
+                </a:solidFill>
+                <a:latin typeface="+mn-lt"/>
+                <a:ea typeface="+mn-ea"/>
+                <a:cs typeface="+mn-cs"/>
+              </a:defRPr>
+            </a:lvl5pPr>
+            <a:lvl6pPr marL="2286000" algn="l" defTabSz="914400" rtl="0" eaLnBrk="1" latinLnBrk="0" hangingPunct="1">
+              <a:defRPr sz="1800" kern="1200">
+                <a:solidFill>
+                  <a:schemeClr val="lt1"/>
+                </a:solidFill>
+                <a:latin typeface="+mn-lt"/>
+                <a:ea typeface="+mn-ea"/>
+                <a:cs typeface="+mn-cs"/>
+              </a:defRPr>
+            </a:lvl6pPr>
+            <a:lvl7pPr marL="2743200" algn="l" defTabSz="914400" rtl="0" eaLnBrk="1" latinLnBrk="0" hangingPunct="1">
+              <a:defRPr sz="1800" kern="1200">
+                <a:solidFill>
+                  <a:schemeClr val="lt1"/>
+                </a:solidFill>
+                <a:latin typeface="+mn-lt"/>
+                <a:ea typeface="+mn-ea"/>
+                <a:cs typeface="+mn-cs"/>
+              </a:defRPr>
+            </a:lvl7pPr>
+            <a:lvl8pPr marL="3200400" algn="l" defTabSz="914400" rtl="0" eaLnBrk="1" latinLnBrk="0" hangingPunct="1">
+              <a:defRPr sz="1800" kern="1200">
+                <a:solidFill>
+                  <a:schemeClr val="lt1"/>
+                </a:solidFill>
+                <a:latin typeface="+mn-lt"/>
+                <a:ea typeface="+mn-ea"/>
+                <a:cs typeface="+mn-cs"/>
+              </a:defRPr>
+            </a:lvl8pPr>
+            <a:lvl9pPr marL="3657600" algn="l" defTabSz="914400" rtl="0" eaLnBrk="1" latinLnBrk="0" hangingPunct="1">
+              <a:defRPr sz="1800" kern="1200">
+                <a:solidFill>
+                  <a:schemeClr val="lt1"/>
+                </a:solidFill>
+                <a:latin typeface="+mn-lt"/>
+                <a:ea typeface="+mn-ea"/>
+                <a:cs typeface="+mn-cs"/>
+              </a:defRPr>
+            </a:lvl9pPr>
+          </a:lstStyle>
+          <a:p>
+            <a:pPr algn="ctr"/>
+            <a:endParaRPr lang="en-US"/>
+          </a:p>
+        </p:txBody>
+      </p:sp>
+      <p:pic>
+        <p:nvPicPr>
+          <p:cNvPr id="7" name="תמונה 6" descr="תמונה שמכילה שולחן&#10;&#10;התיאור נוצר באופן אוטומטי">
+            <a:extLst>
+              <a:ext uri="{FF2B5EF4-FFF2-40B4-BE49-F238E27FC236}">
+                <a16:creationId xmlns:a16="http://schemas.microsoft.com/office/drawing/2014/main" id="{50417BDD-94E9-4331-B903-2CCC7F596200}"/>
+              </a:ext>
+            </a:extLst>
+          </p:cNvPr>
+          <p:cNvPicPr>
+            <a:picLocks noChangeAspect="1"/>
+          </p:cNvPicPr>
+          <p:nvPr/>
+        </p:nvPicPr>
+        <p:blipFill rotWithShape="1">
+          <a:blip r:embed="rId3">
+            <a:extLst>
+              <a:ext uri="{28A0092B-C50C-407E-A947-70E740481C1C}">
+                <a14:useLocalDpi xmlns:a14="http://schemas.microsoft.com/office/drawing/2010/main" val="0"/>
+              </a:ext>
+            </a:extLst>
+          </a:blip>
+          <a:srcRect b="19"/>
+          <a:stretch/>
+        </p:blipFill>
+        <p:spPr>
+          <a:xfrm flipH="1">
+            <a:off x="20" y="1282"/>
+            <a:ext cx="12191980" cy="6856718"/>
+          </a:xfrm>
+          <a:prstGeom prst="rect">
+            <a:avLst/>
+          </a:prstGeom>
+        </p:spPr>
+      </p:pic>
+      <p:sp>
+        <p:nvSpPr>
+          <p:cNvPr id="8" name="מלבן 7">
+            <a:extLst>
+              <a:ext uri="{FF2B5EF4-FFF2-40B4-BE49-F238E27FC236}">
+                <a16:creationId xmlns:a16="http://schemas.microsoft.com/office/drawing/2014/main" id="{3836571B-B5FA-41FD-A96B-BEBD96B7DC80}"/>
+              </a:ext>
+            </a:extLst>
+          </p:cNvPr>
+          <p:cNvSpPr/>
+          <p:nvPr/>
+        </p:nvSpPr>
+        <p:spPr>
+          <a:xfrm>
+            <a:off x="6890327" y="0"/>
+            <a:ext cx="5163697" cy="769441"/>
+          </a:xfrm>
+          <a:prstGeom prst="rect">
+            <a:avLst/>
+          </a:prstGeom>
+          <a:noFill/>
+        </p:spPr>
+        <p:txBody>
+          <a:bodyPr wrap="square" lIns="91440" tIns="45720" rIns="91440" bIns="45720">
+            <a:spAutoFit/>
+          </a:bodyPr>
+          <a:lstStyle/>
+          <a:p>
+            <a:pPr algn="ctr"/>
+            <a:r>
+              <a:rPr lang="he-IL" sz="4400" dirty="0">
+                <a:ln w="0">
+                  <a:solidFill>
+                    <a:schemeClr val="accent1">
+                      <a:lumMod val="40000"/>
+                      <a:lumOff val="60000"/>
+                    </a:schemeClr>
+                  </a:solidFill>
+                </a:ln>
+                <a:effectLst>
+                  <a:glow rad="101600">
+                    <a:schemeClr val="accent1">
+                      <a:satMod val="175000"/>
+                      <a:alpha val="40000"/>
+                    </a:schemeClr>
+                  </a:glow>
+                  <a:outerShdw blurRad="38100" dist="19050" dir="2700000" algn="tl" rotWithShape="0">
+                    <a:schemeClr val="dk1">
+                      <a:alpha val="40000"/>
+                    </a:schemeClr>
+                  </a:outerShdw>
+                </a:effectLst>
+              </a:rPr>
+              <a:t>פרויקט עיבוד וידיאו</a:t>
+            </a:r>
+          </a:p>
+        </p:txBody>
+      </p:sp>
+      <p:sp>
+        <p:nvSpPr>
+          <p:cNvPr id="13" name="מלבן 12">
+            <a:extLst>
+              <a:ext uri="{FF2B5EF4-FFF2-40B4-BE49-F238E27FC236}">
+                <a16:creationId xmlns:a16="http://schemas.microsoft.com/office/drawing/2014/main" id="{205D09B1-C463-4102-9D6B-E5BCA79EF7D7}"/>
+              </a:ext>
+            </a:extLst>
+          </p:cNvPr>
+          <p:cNvSpPr/>
+          <p:nvPr/>
+        </p:nvSpPr>
+        <p:spPr>
+          <a:xfrm>
+            <a:off x="2368843" y="123110"/>
+            <a:ext cx="5163697" cy="646331"/>
+          </a:xfrm>
+          <a:prstGeom prst="rect">
+            <a:avLst/>
+          </a:prstGeom>
+          <a:noFill/>
+        </p:spPr>
+        <p:txBody>
+          <a:bodyPr wrap="square" lIns="91440" tIns="45720" rIns="91440" bIns="45720">
+            <a:spAutoFit/>
+          </a:bodyPr>
+          <a:lstStyle/>
+          <a:p>
+            <a:pPr algn="ctr"/>
+            <a:r>
+              <a:rPr lang="he-IL" dirty="0">
+                <a:ln w="0"/>
+                <a:solidFill>
+                  <a:schemeClr val="accent1">
+                    <a:lumMod val="40000"/>
+                    <a:lumOff val="60000"/>
+                  </a:schemeClr>
+                </a:solidFill>
+                <a:effectLst>
+                  <a:outerShdw blurRad="38100" dist="19050" dir="2700000" algn="tl" rotWithShape="0">
+                    <a:schemeClr val="dk1">
+                      <a:alpha val="40000"/>
+                    </a:schemeClr>
+                  </a:outerShdw>
+                </a:effectLst>
+              </a:rPr>
+              <a:t>נועם כץ 204251144</a:t>
+            </a:r>
+          </a:p>
+          <a:p>
+            <a:pPr algn="ctr"/>
+            <a:r>
+              <a:rPr lang="he-IL" dirty="0">
+                <a:ln w="0"/>
+                <a:solidFill>
+                  <a:schemeClr val="accent1">
+                    <a:lumMod val="40000"/>
+                    <a:lumOff val="60000"/>
+                  </a:schemeClr>
+                </a:solidFill>
+                <a:effectLst>
+                  <a:outerShdw blurRad="38100" dist="19050" dir="2700000" algn="tl" rotWithShape="0">
+                    <a:schemeClr val="dk1">
+                      <a:alpha val="40000"/>
+                    </a:schemeClr>
+                  </a:outerShdw>
+                </a:effectLst>
+              </a:rPr>
+              <a:t>שקד רצון 200940500</a:t>
+            </a:r>
+            <a:endParaRPr lang="he-IL" b="0" cap="none" spc="0" dirty="0">
+              <a:ln w="0"/>
+              <a:solidFill>
+                <a:schemeClr val="accent1">
+                  <a:lumMod val="40000"/>
+                  <a:lumOff val="60000"/>
+                </a:schemeClr>
+              </a:solidFill>
+              <a:effectLst>
+                <a:outerShdw blurRad="38100" dist="19050" dir="2700000" algn="tl" rotWithShape="0">
+                  <a:schemeClr val="dk1">
+                    <a:alpha val="40000"/>
+                  </a:schemeClr>
+                </a:outerShdw>
+              </a:effectLst>
+            </a:endParaRPr>
+          </a:p>
+        </p:txBody>
+      </p:sp>
+      <p:pic>
+        <p:nvPicPr>
+          <p:cNvPr id="9" name="תמונה 8">
+            <a:extLst>
+              <a:ext uri="{FF2B5EF4-FFF2-40B4-BE49-F238E27FC236}">
+                <a16:creationId xmlns:a16="http://schemas.microsoft.com/office/drawing/2014/main" id="{163993D9-4214-45D9-A2FE-17BD1E91A690}"/>
+              </a:ext>
+            </a:extLst>
+          </p:cNvPr>
+          <p:cNvPicPr>
+            <a:picLocks noChangeAspect="1"/>
+          </p:cNvPicPr>
+          <p:nvPr/>
+        </p:nvPicPr>
+        <p:blipFill>
+          <a:blip r:embed="rId4"/>
+          <a:stretch>
+            <a:fillRect/>
+          </a:stretch>
+        </p:blipFill>
+        <p:spPr>
+          <a:xfrm>
+            <a:off x="1" y="0"/>
+            <a:ext cx="818844" cy="1433689"/>
+          </a:xfrm>
+          <a:prstGeom prst="rect">
+            <a:avLst/>
+          </a:prstGeom>
+        </p:spPr>
+      </p:pic>
+      <p:sp>
+        <p:nvSpPr>
+          <p:cNvPr id="11" name="מלבן 10">
+            <a:extLst>
+              <a:ext uri="{FF2B5EF4-FFF2-40B4-BE49-F238E27FC236}">
+                <a16:creationId xmlns:a16="http://schemas.microsoft.com/office/drawing/2014/main" id="{54B7D947-39EA-49B6-945B-788A628AE68B}"/>
+              </a:ext>
+            </a:extLst>
+          </p:cNvPr>
+          <p:cNvSpPr/>
+          <p:nvPr/>
+        </p:nvSpPr>
+        <p:spPr>
+          <a:xfrm>
+            <a:off x="7616139" y="895091"/>
+            <a:ext cx="3050066" cy="707886"/>
+          </a:xfrm>
+          <a:prstGeom prst="rect">
+            <a:avLst/>
+          </a:prstGeom>
+          <a:noFill/>
+        </p:spPr>
+        <p:txBody>
+          <a:bodyPr wrap="none" lIns="91440" tIns="45720" rIns="91440" bIns="45720">
+            <a:spAutoFit/>
+          </a:bodyPr>
+          <a:lstStyle/>
+          <a:p>
+            <a:pPr algn="ctr"/>
+            <a:r>
+              <a:rPr lang="en-US" sz="4000" b="0" u="sng" cap="none" spc="0" dirty="0">
+                <a:ln w="0"/>
+                <a:solidFill>
+                  <a:schemeClr val="tx1"/>
+                </a:solidFill>
+                <a:effectLst>
+                  <a:outerShdw blurRad="38100" dist="19050" dir="2700000" algn="tl" rotWithShape="0">
+                    <a:schemeClr val="dk1">
+                      <a:alpha val="40000"/>
+                    </a:schemeClr>
+                  </a:outerShdw>
+                </a:effectLst>
+              </a:rPr>
+              <a:t>Matting block</a:t>
+            </a:r>
+            <a:endParaRPr lang="he-IL" sz="4000" b="0" u="sng" cap="none" spc="0" dirty="0">
+              <a:ln w="0"/>
+              <a:solidFill>
+                <a:schemeClr val="tx1"/>
+              </a:solidFill>
+              <a:effectLst>
+                <a:outerShdw blurRad="38100" dist="19050" dir="2700000" algn="tl" rotWithShape="0">
+                  <a:schemeClr val="dk1">
+                    <a:alpha val="40000"/>
+                  </a:schemeClr>
+                </a:outerShdw>
+              </a:effectLst>
+            </a:endParaRPr>
+          </a:p>
+        </p:txBody>
+      </p:sp>
+      <p:pic>
+        <p:nvPicPr>
+          <p:cNvPr id="21" name="תמונה 20">
+            <a:extLst>
+              <a:ext uri="{FF2B5EF4-FFF2-40B4-BE49-F238E27FC236}">
+                <a16:creationId xmlns:a16="http://schemas.microsoft.com/office/drawing/2014/main" id="{47368236-C349-4237-9D5F-67330689ACB3}"/>
+              </a:ext>
+            </a:extLst>
+          </p:cNvPr>
+          <p:cNvPicPr>
+            <a:picLocks noChangeAspect="1"/>
+          </p:cNvPicPr>
+          <p:nvPr/>
+        </p:nvPicPr>
+        <p:blipFill>
+          <a:blip r:embed="rId4"/>
+          <a:stretch>
+            <a:fillRect/>
+          </a:stretch>
+        </p:blipFill>
+        <p:spPr>
+          <a:xfrm flipH="1">
+            <a:off x="818845" y="-1"/>
+            <a:ext cx="818844" cy="1433689"/>
+          </a:xfrm>
+          <a:prstGeom prst="rect">
+            <a:avLst/>
+          </a:prstGeom>
+        </p:spPr>
+      </p:pic>
+      <mc:AlternateContent xmlns:mc="http://schemas.openxmlformats.org/markup-compatibility/2006" xmlns:a14="http://schemas.microsoft.com/office/drawing/2010/main">
+        <mc:Choice Requires="a14">
+          <p:sp>
+            <p:nvSpPr>
+              <p:cNvPr id="2" name="מלבן 1">
+                <a:extLst>
+                  <a:ext uri="{FF2B5EF4-FFF2-40B4-BE49-F238E27FC236}">
+                    <a16:creationId xmlns:a16="http://schemas.microsoft.com/office/drawing/2014/main" id="{C814F0D0-03D0-4FC2-B593-CA9411A007FB}"/>
+                  </a:ext>
+                </a:extLst>
+              </p:cNvPr>
+              <p:cNvSpPr/>
+              <p:nvPr/>
+            </p:nvSpPr>
+            <p:spPr>
+              <a:xfrm>
+                <a:off x="4550757" y="1820288"/>
+                <a:ext cx="7457872" cy="393762"/>
+              </a:xfrm>
+              <a:prstGeom prst="rect">
+                <a:avLst/>
+              </a:prstGeom>
+            </p:spPr>
+            <p:txBody>
+              <a:bodyPr wrap="square">
+                <a:spAutoFit/>
+              </a:bodyPr>
+              <a:lstStyle/>
+              <a:p>
+                <a:pPr>
+                  <a:lnSpc>
+                    <a:spcPct val="107000"/>
+                  </a:lnSpc>
+                  <a:spcAft>
+                    <a:spcPts val="800"/>
+                  </a:spcAft>
+                </a:pPr>
+                <a:r>
+                  <a:rPr lang="he-IL" dirty="0">
+                    <a:latin typeface="Calibri" panose="020F0502020204030204" pitchFamily="34" charset="0"/>
+                    <a:ea typeface="Calibri" panose="020F0502020204030204" pitchFamily="34" charset="0"/>
+                  </a:rPr>
+                  <a:t>כעת העיקרון הוא מציאת </a:t>
+                </a:r>
+                <a:r>
+                  <a:rPr lang="en-US" dirty="0" err="1">
+                    <a:latin typeface="Calibri" panose="020F0502020204030204" pitchFamily="34" charset="0"/>
+                    <a:ea typeface="Calibri" panose="020F0502020204030204" pitchFamily="34" charset="0"/>
+                    <a:cs typeface="Arial" panose="020B0604020202020204" pitchFamily="34" charset="0"/>
+                  </a:rPr>
+                  <a:t>a,b</a:t>
+                </a:r>
+                <a:r>
+                  <a:rPr lang="en-US" dirty="0">
+                    <a:latin typeface="Calibri" panose="020F0502020204030204" pitchFamily="34" charset="0"/>
+                    <a:ea typeface="Calibri" panose="020F0502020204030204" pitchFamily="34" charset="0"/>
+                    <a:cs typeface="Arial" panose="020B0604020202020204" pitchFamily="34" charset="0"/>
+                  </a:rPr>
+                  <a:t>,</a:t>
+                </a:r>
+                <a14:m>
+                  <m:oMath xmlns:m="http://schemas.openxmlformats.org/officeDocument/2006/math">
+                    <m:r>
+                      <a:rPr lang="en-US" sz="2000" i="1">
+                        <a:effectLst/>
+                        <a:latin typeface="Cambria Math" panose="02040503050406030204" pitchFamily="18" charset="0"/>
+                        <a:ea typeface="Calibri" panose="020F0502020204030204" pitchFamily="34" charset="0"/>
+                        <a:cs typeface="Times New Roman" panose="02020603050405020304" pitchFamily="18" charset="0"/>
+                      </a:rPr>
+                      <m:t> </m:t>
+                    </m:r>
+                    <m:r>
+                      <a:rPr lang="en-US" sz="2000" i="1">
+                        <a:effectLst/>
+                        <a:latin typeface="Cambria Math" panose="02040503050406030204" pitchFamily="18" charset="0"/>
+                        <a:ea typeface="Calibri" panose="020F0502020204030204" pitchFamily="34" charset="0"/>
+                        <a:cs typeface="Times New Roman" panose="02020603050405020304" pitchFamily="18" charset="0"/>
+                      </a:rPr>
+                      <m:t>𝛼</m:t>
+                    </m:r>
+                  </m:oMath>
+                </a14:m>
+                <a:r>
+                  <a:rPr lang="en-US" dirty="0">
+                    <a:latin typeface="Calibri" panose="020F0502020204030204" pitchFamily="34" charset="0"/>
+                    <a:ea typeface="Calibri" panose="020F0502020204030204" pitchFamily="34" charset="0"/>
+                    <a:cs typeface="Arial" panose="020B0604020202020204" pitchFamily="34" charset="0"/>
+                  </a:rPr>
+                  <a:t> </a:t>
+                </a:r>
+                <a:r>
+                  <a:rPr lang="he-IL" dirty="0">
+                    <a:latin typeface="Calibri" panose="020F0502020204030204" pitchFamily="34" charset="0"/>
+                    <a:ea typeface="Calibri" panose="020F0502020204030204" pitchFamily="34" charset="0"/>
+                  </a:rPr>
+                  <a:t> על ידי מציאת המינימום של פונקציית המחיר:</a:t>
+                </a:r>
+                <a:endParaRPr lang="en-US" dirty="0">
+                  <a:latin typeface="Calibri" panose="020F0502020204030204" pitchFamily="34" charset="0"/>
+                  <a:ea typeface="Calibri" panose="020F0502020204030204" pitchFamily="34" charset="0"/>
+                  <a:cs typeface="Arial" panose="020B0604020202020204" pitchFamily="34" charset="0"/>
+                </a:endParaRPr>
+              </a:p>
+            </p:txBody>
+          </p:sp>
+        </mc:Choice>
+        <mc:Fallback xmlns="">
+          <p:sp>
+            <p:nvSpPr>
+              <p:cNvPr id="2" name="מלבן 1">
+                <a:extLst>
+                  <a:ext uri="{FF2B5EF4-FFF2-40B4-BE49-F238E27FC236}">
+                    <a16:creationId xmlns:a16="http://schemas.microsoft.com/office/drawing/2014/main" id="{C814F0D0-03D0-4FC2-B593-CA9411A007FB}"/>
+                  </a:ext>
+                </a:extLst>
+              </p:cNvPr>
+              <p:cNvSpPr>
+                <a:spLocks noRot="1" noChangeAspect="1" noMove="1" noResize="1" noEditPoints="1" noAdjustHandles="1" noChangeArrowheads="1" noChangeShapeType="1" noTextEdit="1"/>
+              </p:cNvSpPr>
+              <p:nvPr/>
+            </p:nvSpPr>
+            <p:spPr>
+              <a:xfrm>
+                <a:off x="4550757" y="1820288"/>
+                <a:ext cx="7457872" cy="393762"/>
+              </a:xfrm>
+              <a:prstGeom prst="rect">
+                <a:avLst/>
+              </a:prstGeom>
+              <a:blipFill>
+                <a:blip r:embed="rId5"/>
+                <a:stretch>
+                  <a:fillRect t="-4688" r="-654" b="-25000"/>
+                </a:stretch>
+              </a:blipFill>
+            </p:spPr>
+            <p:txBody>
+              <a:bodyPr/>
+              <a:lstStyle/>
+              <a:p>
+                <a:r>
+                  <a:rPr lang="en-US">
+                    <a:noFill/>
+                  </a:rPr>
+                  <a:t> </a:t>
+                </a:r>
+              </a:p>
+            </p:txBody>
+          </p:sp>
+        </mc:Fallback>
+      </mc:AlternateContent>
+      <mc:AlternateContent xmlns:mc="http://schemas.openxmlformats.org/markup-compatibility/2006" xmlns:a14="http://schemas.microsoft.com/office/drawing/2010/main">
+        <mc:Choice Requires="a14">
+          <p:graphicFrame>
+            <p:nvGraphicFramePr>
+              <p:cNvPr id="4" name="טבלה 3">
+                <a:extLst>
+                  <a:ext uri="{FF2B5EF4-FFF2-40B4-BE49-F238E27FC236}">
+                    <a16:creationId xmlns:a16="http://schemas.microsoft.com/office/drawing/2014/main" id="{4D2FD242-FFD4-4109-9CC4-CAB20AAC8923}"/>
+                  </a:ext>
+                </a:extLst>
+              </p:cNvPr>
+              <p:cNvGraphicFramePr>
+                <a:graphicFrameLocks noGrp="1"/>
+              </p:cNvGraphicFramePr>
+              <p:nvPr>
+                <p:extLst>
+                  <p:ext uri="{D42A27DB-BD31-4B8C-83A1-F6EECF244321}">
+                    <p14:modId xmlns:p14="http://schemas.microsoft.com/office/powerpoint/2010/main" val="1991426088"/>
+                  </p:ext>
+                </p:extLst>
+              </p:nvPr>
+            </p:nvGraphicFramePr>
+            <p:xfrm>
+              <a:off x="1279188" y="2323549"/>
+              <a:ext cx="10515600" cy="666306"/>
+            </p:xfrm>
+            <a:graphic>
+              <a:graphicData uri="http://schemas.openxmlformats.org/drawingml/2006/table">
+                <a:tbl>
+                  <a:tblPr rtl="1" firstRow="1" firstCol="1" bandRow="1"/>
+                  <a:tblGrid>
+                    <a:gridCol w="1758208">
+                      <a:extLst>
+                        <a:ext uri="{9D8B030D-6E8A-4147-A177-3AD203B41FA5}">
+                          <a16:colId xmlns:a16="http://schemas.microsoft.com/office/drawing/2014/main" val="2290765936"/>
+                        </a:ext>
+                      </a:extLst>
+                    </a:gridCol>
+                    <a:gridCol w="8757392">
+                      <a:extLst>
+                        <a:ext uri="{9D8B030D-6E8A-4147-A177-3AD203B41FA5}">
+                          <a16:colId xmlns:a16="http://schemas.microsoft.com/office/drawing/2014/main" val="3804247275"/>
+                        </a:ext>
+                      </a:extLst>
+                    </a:gridCol>
+                  </a:tblGrid>
+                  <a:tr h="80010">
+                    <a:tc>
+                      <a:txBody>
+                        <a:bodyPr/>
+                        <a:lstStyle/>
+                        <a:p>
+                          <a:pPr algn="ctr" rtl="1">
+                            <a:lnSpc>
+                              <a:spcPct val="107000"/>
+                            </a:lnSpc>
+                            <a:spcAft>
+                              <a:spcPts val="0"/>
+                            </a:spcAft>
+                          </a:pPr>
+                          <a:r>
+                            <a:rPr lang="en-US" sz="1600" b="1" dirty="0">
+                              <a:effectLst/>
+                              <a:latin typeface="Times New Roman" panose="02020603050405020304" pitchFamily="18" charset="0"/>
+                              <a:ea typeface="Calibri" panose="020F0502020204030204" pitchFamily="34" charset="0"/>
+                              <a:cs typeface="Arial" panose="020B0604020202020204" pitchFamily="34" charset="0"/>
+                            </a:rPr>
+                            <a:t>Eq. 3)</a:t>
+                          </a:r>
+                          <a:r>
+                            <a:rPr lang="he-IL" sz="1600" b="1" dirty="0">
+                              <a:effectLst/>
+                              <a:latin typeface="Calibri" panose="020F0502020204030204" pitchFamily="34" charset="0"/>
+                              <a:ea typeface="Calibri" panose="020F0502020204030204" pitchFamily="34" charset="0"/>
+                              <a:cs typeface="Times New Roman" panose="02020603050405020304" pitchFamily="18" charset="0"/>
+                            </a:rPr>
+                            <a:t>)</a:t>
+                          </a:r>
+                          <a:endParaRPr lang="en-US" sz="1400" dirty="0">
+                            <a:effectLst/>
+                            <a:latin typeface="Calibri" panose="020F0502020204030204" pitchFamily="34" charset="0"/>
+                            <a:ea typeface="Calibri" panose="020F0502020204030204" pitchFamily="34" charset="0"/>
+                            <a:cs typeface="Arial" panose="020B0604020202020204" pitchFamily="34" charset="0"/>
+                          </a:endParaRPr>
+                        </a:p>
+                      </a:txBody>
+                      <a:tcPr marL="68580" marR="68580" marT="0" marB="0">
+                        <a:lnL>
+                          <a:noFill/>
+                        </a:lnL>
+                        <a:lnR>
+                          <a:noFill/>
+                        </a:lnR>
+                        <a:lnT>
+                          <a:noFill/>
+                        </a:lnT>
+                        <a:lnB>
+                          <a:noFill/>
+                        </a:lnB>
+                      </a:tcPr>
+                    </a:tc>
+                    <a:tc>
+                      <a:txBody>
+                        <a:bodyPr/>
+                        <a:lstStyle/>
+                        <a:p>
+                          <a:pPr algn="just" rtl="1">
+                            <a:lnSpc>
+                              <a:spcPct val="107000"/>
+                            </a:lnSpc>
+                            <a:spcAft>
+                              <a:spcPts val="0"/>
+                            </a:spcAft>
+                          </a:pPr>
+                          <a14:m>
+                            <m:oMathPara xmlns:m="http://schemas.openxmlformats.org/officeDocument/2006/math">
+                              <m:oMathParaPr>
+                                <m:jc m:val="centerGroup"/>
+                              </m:oMathParaPr>
+                              <m:oMath xmlns:m="http://schemas.openxmlformats.org/officeDocument/2006/math">
+                                <m:r>
+                                  <a:rPr lang="en-US" sz="1600" b="1" i="1">
+                                    <a:effectLst/>
+                                    <a:latin typeface="Cambria Math" panose="02040503050406030204" pitchFamily="18" charset="0"/>
+                                    <a:ea typeface="Calibri" panose="020F0502020204030204" pitchFamily="34" charset="0"/>
+                                    <a:cs typeface="Times New Roman" panose="02020603050405020304" pitchFamily="18" charset="0"/>
+                                  </a:rPr>
+                                  <m:t>𝑱</m:t>
+                                </m:r>
+                                <m:r>
+                                  <a:rPr lang="en-US" sz="1600" b="1" i="1">
+                                    <a:effectLst/>
+                                    <a:latin typeface="Cambria Math" panose="02040503050406030204" pitchFamily="18" charset="0"/>
+                                    <a:ea typeface="Calibri" panose="020F0502020204030204" pitchFamily="34" charset="0"/>
+                                    <a:cs typeface="Times New Roman" panose="02020603050405020304" pitchFamily="18" charset="0"/>
+                                  </a:rPr>
+                                  <m:t> (</m:t>
+                                </m:r>
+                                <m:r>
+                                  <a:rPr lang="en-US" sz="1600" b="1" i="1">
+                                    <a:effectLst/>
+                                    <a:latin typeface="Cambria Math" panose="02040503050406030204" pitchFamily="18" charset="0"/>
+                                    <a:ea typeface="Calibri" panose="020F0502020204030204" pitchFamily="34" charset="0"/>
+                                    <a:cs typeface="Times New Roman" panose="02020603050405020304" pitchFamily="18" charset="0"/>
+                                  </a:rPr>
+                                  <m:t>𝜶</m:t>
+                                </m:r>
+                                <m:r>
+                                  <a:rPr lang="en-US" sz="1600" b="1" i="1">
+                                    <a:effectLst/>
+                                    <a:latin typeface="Cambria Math" panose="02040503050406030204" pitchFamily="18" charset="0"/>
+                                    <a:ea typeface="Calibri" panose="020F0502020204030204" pitchFamily="34" charset="0"/>
+                                    <a:cs typeface="Times New Roman" panose="02020603050405020304" pitchFamily="18" charset="0"/>
+                                  </a:rPr>
+                                  <m:t>,</m:t>
+                                </m:r>
+                                <m:r>
+                                  <a:rPr lang="en-US" sz="1600" b="1" i="1">
+                                    <a:effectLst/>
+                                    <a:latin typeface="Cambria Math" panose="02040503050406030204" pitchFamily="18" charset="0"/>
+                                    <a:ea typeface="Calibri" panose="020F0502020204030204" pitchFamily="34" charset="0"/>
+                                    <a:cs typeface="Times New Roman" panose="02020603050405020304" pitchFamily="18" charset="0"/>
+                                  </a:rPr>
+                                  <m:t>𝒂</m:t>
+                                </m:r>
+                                <m:r>
+                                  <a:rPr lang="en-US" sz="1600" b="1" i="1">
+                                    <a:effectLst/>
+                                    <a:latin typeface="Cambria Math" panose="02040503050406030204" pitchFamily="18" charset="0"/>
+                                    <a:ea typeface="Calibri" panose="020F0502020204030204" pitchFamily="34" charset="0"/>
+                                    <a:cs typeface="Times New Roman" panose="02020603050405020304" pitchFamily="18" charset="0"/>
+                                  </a:rPr>
+                                  <m:t>,</m:t>
+                                </m:r>
+                                <m:r>
+                                  <a:rPr lang="en-US" sz="1600" b="1" i="1">
+                                    <a:effectLst/>
+                                    <a:latin typeface="Cambria Math" panose="02040503050406030204" pitchFamily="18" charset="0"/>
+                                    <a:ea typeface="Calibri" panose="020F0502020204030204" pitchFamily="34" charset="0"/>
+                                    <a:cs typeface="Times New Roman" panose="02020603050405020304" pitchFamily="18" charset="0"/>
+                                  </a:rPr>
+                                  <m:t>𝒃</m:t>
+                                </m:r>
+                                <m:r>
+                                  <a:rPr lang="en-US" sz="1600" b="1" i="1">
+                                    <a:effectLst/>
+                                    <a:latin typeface="Cambria Math" panose="02040503050406030204" pitchFamily="18" charset="0"/>
+                                    <a:ea typeface="Calibri" panose="020F0502020204030204" pitchFamily="34" charset="0"/>
+                                    <a:cs typeface="Times New Roman" panose="02020603050405020304" pitchFamily="18" charset="0"/>
+                                  </a:rPr>
+                                  <m:t>) = </m:t>
+                                </m:r>
+                                <m:nary>
+                                  <m:naryPr>
+                                    <m:chr m:val="∑"/>
+                                    <m:limLoc m:val="undOvr"/>
+                                    <m:supHide m:val="on"/>
+                                    <m:ctrlPr>
+                                      <a:rPr lang="en-US" sz="1600" b="1" i="1">
+                                        <a:effectLst/>
+                                        <a:latin typeface="Cambria Math" panose="02040503050406030204" pitchFamily="18" charset="0"/>
+                                        <a:ea typeface="Calibri" panose="020F0502020204030204" pitchFamily="34" charset="0"/>
+                                        <a:cs typeface="Times New Roman" panose="02020603050405020304" pitchFamily="18" charset="0"/>
+                                      </a:rPr>
+                                    </m:ctrlPr>
+                                  </m:naryPr>
+                                  <m:sub>
+                                    <m:r>
+                                      <a:rPr lang="en-US" sz="1600" b="1" i="1">
+                                        <a:effectLst/>
+                                        <a:latin typeface="Cambria Math" panose="02040503050406030204" pitchFamily="18" charset="0"/>
+                                        <a:ea typeface="Calibri" panose="020F0502020204030204" pitchFamily="34" charset="0"/>
+                                        <a:cs typeface="Times New Roman" panose="02020603050405020304" pitchFamily="18" charset="0"/>
+                                      </a:rPr>
+                                      <m:t>𝒋</m:t>
+                                    </m:r>
+                                  </m:sub>
+                                  <m:sup/>
+                                  <m:e>
+                                    <m:r>
+                                      <a:rPr lang="en-US" sz="1600" b="1" i="1">
+                                        <a:effectLst/>
+                                        <a:latin typeface="Cambria Math" panose="02040503050406030204" pitchFamily="18" charset="0"/>
+                                        <a:ea typeface="Calibri" panose="020F0502020204030204" pitchFamily="34" charset="0"/>
+                                        <a:cs typeface="Times New Roman" panose="02020603050405020304" pitchFamily="18" charset="0"/>
+                                      </a:rPr>
+                                      <m:t>(</m:t>
+                                    </m:r>
+                                    <m:nary>
+                                      <m:naryPr>
+                                        <m:chr m:val="∑"/>
+                                        <m:limLoc m:val="undOvr"/>
+                                        <m:supHide m:val="on"/>
+                                        <m:ctrlPr>
+                                          <a:rPr lang="en-US" sz="1600" b="1" i="1">
+                                            <a:effectLst/>
+                                            <a:latin typeface="Cambria Math" panose="02040503050406030204" pitchFamily="18" charset="0"/>
+                                            <a:ea typeface="Calibri" panose="020F0502020204030204" pitchFamily="34" charset="0"/>
+                                            <a:cs typeface="Times New Roman" panose="02020603050405020304" pitchFamily="18" charset="0"/>
+                                          </a:rPr>
+                                        </m:ctrlPr>
+                                      </m:naryPr>
+                                      <m:sub>
+                                        <m:r>
+                                          <a:rPr lang="en-US" sz="1600" b="1" i="1">
+                                            <a:effectLst/>
+                                            <a:latin typeface="Cambria Math" panose="02040503050406030204" pitchFamily="18" charset="0"/>
+                                            <a:ea typeface="Calibri" panose="020F0502020204030204" pitchFamily="34" charset="0"/>
+                                            <a:cs typeface="Times New Roman" panose="02020603050405020304" pitchFamily="18" charset="0"/>
+                                          </a:rPr>
+                                          <m:t>𝒊</m:t>
+                                        </m:r>
+                                      </m:sub>
+                                      <m:sup/>
+                                      <m:e>
+                                        <m:r>
+                                          <a:rPr lang="en-US" sz="1600" b="1" i="1">
+                                            <a:effectLst/>
+                                            <a:latin typeface="Cambria Math" panose="02040503050406030204" pitchFamily="18" charset="0"/>
+                                            <a:ea typeface="Calibri" panose="020F0502020204030204" pitchFamily="34" charset="0"/>
+                                            <a:cs typeface="Times New Roman" panose="02020603050405020304" pitchFamily="18" charset="0"/>
+                                          </a:rPr>
+                                          <m:t> </m:t>
+                                        </m:r>
+                                        <m:sSup>
+                                          <m:sSupPr>
+                                            <m:ctrlPr>
+                                              <a:rPr lang="en-US" sz="1600" b="1" i="1">
+                                                <a:effectLst/>
+                                                <a:latin typeface="Cambria Math" panose="02040503050406030204" pitchFamily="18" charset="0"/>
+                                                <a:ea typeface="Calibri" panose="020F0502020204030204" pitchFamily="34" charset="0"/>
+                                                <a:cs typeface="Times New Roman" panose="02020603050405020304" pitchFamily="18" charset="0"/>
+                                              </a:rPr>
+                                            </m:ctrlPr>
+                                          </m:sSupPr>
+                                          <m:e>
+                                            <m:r>
+                                              <a:rPr lang="en-US" sz="1600" b="1" i="1">
+                                                <a:effectLst/>
+                                                <a:latin typeface="Cambria Math" panose="02040503050406030204" pitchFamily="18" charset="0"/>
+                                                <a:ea typeface="Calibri" panose="020F0502020204030204" pitchFamily="34" charset="0"/>
+                                                <a:cs typeface="Times New Roman" panose="02020603050405020304" pitchFamily="18" charset="0"/>
+                                              </a:rPr>
+                                              <m:t>(</m:t>
+                                            </m:r>
+                                            <m:sSub>
+                                              <m:sSubPr>
+                                                <m:ctrlPr>
+                                                  <a:rPr lang="en-US" sz="1600" b="1" i="1">
+                                                    <a:effectLst/>
+                                                    <a:latin typeface="Cambria Math" panose="02040503050406030204" pitchFamily="18" charset="0"/>
+                                                    <a:ea typeface="Calibri" panose="020F0502020204030204" pitchFamily="34" charset="0"/>
+                                                    <a:cs typeface="Times New Roman" panose="02020603050405020304" pitchFamily="18" charset="0"/>
+                                                  </a:rPr>
+                                                </m:ctrlPr>
+                                              </m:sSubPr>
+                                              <m:e>
+                                                <m:r>
+                                                  <a:rPr lang="en-US" sz="1600" b="1" i="1">
+                                                    <a:effectLst/>
+                                                    <a:latin typeface="Cambria Math" panose="02040503050406030204" pitchFamily="18" charset="0"/>
+                                                    <a:ea typeface="Calibri" panose="020F0502020204030204" pitchFamily="34" charset="0"/>
+                                                    <a:cs typeface="Times New Roman" panose="02020603050405020304" pitchFamily="18" charset="0"/>
+                                                  </a:rPr>
+                                                  <m:t> </m:t>
+                                                </m:r>
+                                                <m:r>
+                                                  <a:rPr lang="en-US" sz="1600" b="1" i="1">
+                                                    <a:effectLst/>
+                                                    <a:latin typeface="Cambria Math" panose="02040503050406030204" pitchFamily="18" charset="0"/>
+                                                    <a:ea typeface="Calibri" panose="020F0502020204030204" pitchFamily="34" charset="0"/>
+                                                    <a:cs typeface="Times New Roman" panose="02020603050405020304" pitchFamily="18" charset="0"/>
+                                                  </a:rPr>
+                                                  <m:t>𝜶</m:t>
+                                                </m:r>
+                                              </m:e>
+                                              <m:sub>
+                                                <m:r>
+                                                  <a:rPr lang="en-US" sz="1600" b="1" i="1">
+                                                    <a:effectLst/>
+                                                    <a:latin typeface="Cambria Math" panose="02040503050406030204" pitchFamily="18" charset="0"/>
+                                                    <a:ea typeface="Calibri" panose="020F0502020204030204" pitchFamily="34" charset="0"/>
+                                                    <a:cs typeface="Times New Roman" panose="02020603050405020304" pitchFamily="18" charset="0"/>
+                                                  </a:rPr>
+                                                  <m:t>𝒊</m:t>
+                                                </m:r>
+                                              </m:sub>
+                                            </m:sSub>
+                                            <m:r>
+                                              <a:rPr lang="en-US" sz="1600" b="1" i="1">
+                                                <a:effectLst/>
+                                                <a:latin typeface="Cambria Math" panose="02040503050406030204" pitchFamily="18" charset="0"/>
+                                                <a:ea typeface="Calibri" panose="020F0502020204030204" pitchFamily="34" charset="0"/>
+                                                <a:cs typeface="Times New Roman" panose="02020603050405020304" pitchFamily="18" charset="0"/>
+                                              </a:rPr>
+                                              <m:t> −</m:t>
+                                            </m:r>
+                                            <m:sSub>
+                                              <m:sSubPr>
+                                                <m:ctrlPr>
+                                                  <a:rPr lang="en-US" sz="1600" b="1" i="1">
+                                                    <a:effectLst/>
+                                                    <a:latin typeface="Cambria Math" panose="02040503050406030204" pitchFamily="18" charset="0"/>
+                                                    <a:ea typeface="Calibri" panose="020F0502020204030204" pitchFamily="34" charset="0"/>
+                                                    <a:cs typeface="Times New Roman" panose="02020603050405020304" pitchFamily="18" charset="0"/>
+                                                  </a:rPr>
+                                                </m:ctrlPr>
+                                              </m:sSubPr>
+                                              <m:e>
+                                                <m:r>
+                                                  <a:rPr lang="en-US" sz="1600" b="1" i="1">
+                                                    <a:effectLst/>
+                                                    <a:latin typeface="Cambria Math" panose="02040503050406030204" pitchFamily="18" charset="0"/>
+                                                    <a:ea typeface="Calibri" panose="020F0502020204030204" pitchFamily="34" charset="0"/>
+                                                    <a:cs typeface="Times New Roman" panose="02020603050405020304" pitchFamily="18" charset="0"/>
+                                                  </a:rPr>
+                                                  <m:t>𝒂</m:t>
+                                                </m:r>
+                                              </m:e>
+                                              <m:sub>
+                                                <m:r>
+                                                  <a:rPr lang="en-US" sz="1600" b="1" i="1">
+                                                    <a:effectLst/>
+                                                    <a:latin typeface="Cambria Math" panose="02040503050406030204" pitchFamily="18" charset="0"/>
+                                                    <a:ea typeface="Calibri" panose="020F0502020204030204" pitchFamily="34" charset="0"/>
+                                                    <a:cs typeface="Times New Roman" panose="02020603050405020304" pitchFamily="18" charset="0"/>
+                                                  </a:rPr>
+                                                  <m:t>𝒋</m:t>
+                                                </m:r>
+                                              </m:sub>
+                                            </m:sSub>
+                                            <m:sSub>
+                                              <m:sSubPr>
+                                                <m:ctrlPr>
+                                                  <a:rPr lang="en-US" sz="1600" b="1" i="1">
+                                                    <a:effectLst/>
+                                                    <a:latin typeface="Cambria Math" panose="02040503050406030204" pitchFamily="18" charset="0"/>
+                                                    <a:ea typeface="Calibri" panose="020F0502020204030204" pitchFamily="34" charset="0"/>
+                                                    <a:cs typeface="Times New Roman" panose="02020603050405020304" pitchFamily="18" charset="0"/>
+                                                  </a:rPr>
+                                                </m:ctrlPr>
+                                              </m:sSubPr>
+                                              <m:e>
+                                                <m:r>
+                                                  <a:rPr lang="en-US" sz="1600" b="1" i="1">
+                                                    <a:effectLst/>
+                                                    <a:latin typeface="Cambria Math" panose="02040503050406030204" pitchFamily="18" charset="0"/>
+                                                    <a:ea typeface="Calibri" panose="020F0502020204030204" pitchFamily="34" charset="0"/>
+                                                    <a:cs typeface="Times New Roman" panose="02020603050405020304" pitchFamily="18" charset="0"/>
+                                                  </a:rPr>
+                                                  <m:t>𝑰</m:t>
+                                                </m:r>
+                                              </m:e>
+                                              <m:sub>
+                                                <m:r>
+                                                  <a:rPr lang="en-US" sz="1600" b="1" i="1">
+                                                    <a:effectLst/>
+                                                    <a:latin typeface="Cambria Math" panose="02040503050406030204" pitchFamily="18" charset="0"/>
+                                                    <a:ea typeface="Calibri" panose="020F0502020204030204" pitchFamily="34" charset="0"/>
+                                                    <a:cs typeface="Times New Roman" panose="02020603050405020304" pitchFamily="18" charset="0"/>
+                                                  </a:rPr>
+                                                  <m:t>𝒊</m:t>
+                                                </m:r>
+                                              </m:sub>
+                                            </m:sSub>
+                                            <m:r>
+                                              <a:rPr lang="en-US" sz="1600" b="1" i="1">
+                                                <a:effectLst/>
+                                                <a:latin typeface="Cambria Math" panose="02040503050406030204" pitchFamily="18" charset="0"/>
+                                                <a:ea typeface="Calibri" panose="020F0502020204030204" pitchFamily="34" charset="0"/>
+                                                <a:cs typeface="Times New Roman" panose="02020603050405020304" pitchFamily="18" charset="0"/>
+                                              </a:rPr>
+                                              <m:t> −</m:t>
+                                            </m:r>
+                                            <m:sSub>
+                                              <m:sSubPr>
+                                                <m:ctrlPr>
+                                                  <a:rPr lang="en-US" sz="1600" b="1" i="1">
+                                                    <a:effectLst/>
+                                                    <a:latin typeface="Cambria Math" panose="02040503050406030204" pitchFamily="18" charset="0"/>
+                                                    <a:ea typeface="Calibri" panose="020F0502020204030204" pitchFamily="34" charset="0"/>
+                                                    <a:cs typeface="Times New Roman" panose="02020603050405020304" pitchFamily="18" charset="0"/>
+                                                  </a:rPr>
+                                                </m:ctrlPr>
+                                              </m:sSubPr>
+                                              <m:e>
+                                                <m:r>
+                                                  <a:rPr lang="en-US" sz="1600" b="1" i="1">
+                                                    <a:effectLst/>
+                                                    <a:latin typeface="Cambria Math" panose="02040503050406030204" pitchFamily="18" charset="0"/>
+                                                    <a:ea typeface="Calibri" panose="020F0502020204030204" pitchFamily="34" charset="0"/>
+                                                    <a:cs typeface="Times New Roman" panose="02020603050405020304" pitchFamily="18" charset="0"/>
+                                                  </a:rPr>
+                                                  <m:t>𝒃</m:t>
+                                                </m:r>
+                                              </m:e>
+                                              <m:sub>
+                                                <m:r>
+                                                  <a:rPr lang="en-US" sz="1600" b="1" i="1">
+                                                    <a:effectLst/>
+                                                    <a:latin typeface="Cambria Math" panose="02040503050406030204" pitchFamily="18" charset="0"/>
+                                                    <a:ea typeface="Calibri" panose="020F0502020204030204" pitchFamily="34" charset="0"/>
+                                                    <a:cs typeface="Times New Roman" panose="02020603050405020304" pitchFamily="18" charset="0"/>
+                                                  </a:rPr>
+                                                  <m:t>𝒋</m:t>
+                                                </m:r>
+                                              </m:sub>
+                                            </m:sSub>
+                                            <m:r>
+                                              <a:rPr lang="en-US" sz="1600" b="1" i="1">
+                                                <a:effectLst/>
+                                                <a:latin typeface="Cambria Math" panose="02040503050406030204" pitchFamily="18" charset="0"/>
+                                                <a:ea typeface="Calibri" panose="020F0502020204030204" pitchFamily="34" charset="0"/>
+                                                <a:cs typeface="Times New Roman" panose="02020603050405020304" pitchFamily="18" charset="0"/>
+                                              </a:rPr>
+                                              <m:t>)</m:t>
+                                            </m:r>
+                                          </m:e>
+                                          <m:sup>
+                                            <m:r>
+                                              <a:rPr lang="en-US" sz="1600" b="1" i="1">
+                                                <a:effectLst/>
+                                                <a:latin typeface="Cambria Math" panose="02040503050406030204" pitchFamily="18" charset="0"/>
+                                                <a:ea typeface="Calibri" panose="020F0502020204030204" pitchFamily="34" charset="0"/>
+                                                <a:cs typeface="Times New Roman" panose="02020603050405020304" pitchFamily="18" charset="0"/>
+                                              </a:rPr>
+                                              <m:t>𝟐</m:t>
+                                            </m:r>
+                                          </m:sup>
+                                        </m:sSup>
+                                        <m:r>
+                                          <a:rPr lang="en-US" sz="1600" b="1" i="1">
+                                            <a:effectLst/>
+                                            <a:latin typeface="Cambria Math" panose="02040503050406030204" pitchFamily="18" charset="0"/>
+                                            <a:ea typeface="Calibri" panose="020F0502020204030204" pitchFamily="34" charset="0"/>
+                                            <a:cs typeface="Times New Roman" panose="02020603050405020304" pitchFamily="18" charset="0"/>
+                                          </a:rPr>
+                                          <m:t>)</m:t>
+                                        </m:r>
+                                      </m:e>
+                                    </m:nary>
+                                  </m:e>
+                                </m:nary>
+                                <m:r>
+                                  <a:rPr lang="en-US" sz="1600" b="1" i="1">
+                                    <a:effectLst/>
+                                    <a:latin typeface="Cambria Math" panose="02040503050406030204" pitchFamily="18" charset="0"/>
+                                    <a:ea typeface="Calibri" panose="020F0502020204030204" pitchFamily="34" charset="0"/>
+                                    <a:cs typeface="Times New Roman" panose="02020603050405020304" pitchFamily="18" charset="0"/>
+                                  </a:rPr>
+                                  <m:t>   +</m:t>
+                                </m:r>
+                                <m:r>
+                                  <a:rPr lang="en-US" sz="1600" b="1" i="1">
+                                    <a:effectLst/>
+                                    <a:latin typeface="Cambria Math" panose="02040503050406030204" pitchFamily="18" charset="0"/>
+                                    <a:ea typeface="Calibri" panose="020F0502020204030204" pitchFamily="34" charset="0"/>
+                                    <a:cs typeface="Times New Roman" panose="02020603050405020304" pitchFamily="18" charset="0"/>
+                                  </a:rPr>
+                                  <m:t>𝜺</m:t>
+                                </m:r>
+                                <m:sSub>
+                                  <m:sSubPr>
+                                    <m:ctrlPr>
+                                      <a:rPr lang="en-US" sz="1600" b="1" i="1">
+                                        <a:effectLst/>
+                                        <a:latin typeface="Cambria Math" panose="02040503050406030204" pitchFamily="18" charset="0"/>
+                                        <a:ea typeface="Calibri" panose="020F0502020204030204" pitchFamily="34" charset="0"/>
+                                        <a:cs typeface="Times New Roman" panose="02020603050405020304" pitchFamily="18" charset="0"/>
+                                      </a:rPr>
+                                    </m:ctrlPr>
+                                  </m:sSubPr>
+                                  <m:e>
+                                    <m:sSup>
+                                      <m:sSupPr>
+                                        <m:ctrlPr>
+                                          <a:rPr lang="en-US" sz="1600" b="1" i="1">
+                                            <a:effectLst/>
+                                            <a:latin typeface="Cambria Math" panose="02040503050406030204" pitchFamily="18" charset="0"/>
+                                            <a:ea typeface="Calibri" panose="020F0502020204030204" pitchFamily="34" charset="0"/>
+                                            <a:cs typeface="Times New Roman" panose="02020603050405020304" pitchFamily="18" charset="0"/>
+                                          </a:rPr>
+                                        </m:ctrlPr>
+                                      </m:sSupPr>
+                                      <m:e>
+                                        <m:r>
+                                          <a:rPr lang="en-US" sz="1600" b="1" i="1">
+                                            <a:effectLst/>
+                                            <a:latin typeface="Cambria Math" panose="02040503050406030204" pitchFamily="18" charset="0"/>
+                                            <a:ea typeface="Calibri" panose="020F0502020204030204" pitchFamily="34" charset="0"/>
+                                            <a:cs typeface="Times New Roman" panose="02020603050405020304" pitchFamily="18" charset="0"/>
+                                          </a:rPr>
+                                          <m:t>𝒂</m:t>
+                                        </m:r>
+                                      </m:e>
+                                      <m:sup>
+                                        <m:r>
+                                          <a:rPr lang="en-US" sz="1600" b="1" i="1">
+                                            <a:effectLst/>
+                                            <a:latin typeface="Cambria Math" panose="02040503050406030204" pitchFamily="18" charset="0"/>
+                                            <a:ea typeface="Calibri" panose="020F0502020204030204" pitchFamily="34" charset="0"/>
+                                            <a:cs typeface="Times New Roman" panose="02020603050405020304" pitchFamily="18" charset="0"/>
+                                          </a:rPr>
+                                          <m:t>𝟐</m:t>
+                                        </m:r>
+                                      </m:sup>
+                                    </m:sSup>
+                                  </m:e>
+                                  <m:sub>
+                                    <m:r>
+                                      <a:rPr lang="en-US" sz="1600" b="1" i="1">
+                                        <a:effectLst/>
+                                        <a:latin typeface="Cambria Math" panose="02040503050406030204" pitchFamily="18" charset="0"/>
+                                        <a:ea typeface="Calibri" panose="020F0502020204030204" pitchFamily="34" charset="0"/>
+                                        <a:cs typeface="Times New Roman" panose="02020603050405020304" pitchFamily="18" charset="0"/>
+                                      </a:rPr>
+                                      <m:t>𝒋</m:t>
+                                    </m:r>
+                                  </m:sub>
+                                </m:sSub>
+                                <m:r>
+                                  <a:rPr lang="en-US" sz="1600" b="1" i="1">
+                                    <a:effectLst/>
+                                    <a:latin typeface="Cambria Math" panose="02040503050406030204" pitchFamily="18" charset="0"/>
+                                    <a:ea typeface="Calibri" panose="020F0502020204030204" pitchFamily="34" charset="0"/>
+                                    <a:cs typeface="Times New Roman" panose="02020603050405020304" pitchFamily="18" charset="0"/>
+                                  </a:rPr>
+                                  <m:t>)</m:t>
+                                </m:r>
+                              </m:oMath>
+                            </m:oMathPara>
+                          </a14:m>
+                          <a:endParaRPr lang="en-US" sz="1400" dirty="0">
+                            <a:effectLst/>
+                            <a:latin typeface="Calibri" panose="020F0502020204030204" pitchFamily="34" charset="0"/>
+                            <a:ea typeface="Calibri" panose="020F0502020204030204" pitchFamily="34" charset="0"/>
+                            <a:cs typeface="Arial" panose="020B0604020202020204" pitchFamily="34" charset="0"/>
+                          </a:endParaRPr>
+                        </a:p>
+                      </a:txBody>
+                      <a:tcPr marL="68580" marR="68580" marT="0" marB="0">
+                        <a:lnL>
+                          <a:noFill/>
+                        </a:lnL>
+                        <a:lnR>
+                          <a:noFill/>
+                        </a:lnR>
+                        <a:lnT>
+                          <a:noFill/>
+                        </a:lnT>
+                        <a:lnB>
+                          <a:noFill/>
+                        </a:lnB>
+                      </a:tcPr>
+                    </a:tc>
+                    <a:extLst>
+                      <a:ext uri="{0D108BD9-81ED-4DB2-BD59-A6C34878D82A}">
+                        <a16:rowId xmlns:a16="http://schemas.microsoft.com/office/drawing/2014/main" val="4178557380"/>
+                      </a:ext>
+                    </a:extLst>
+                  </a:tr>
+                </a:tbl>
+              </a:graphicData>
+            </a:graphic>
+          </p:graphicFrame>
+        </mc:Choice>
+        <mc:Fallback xmlns="">
+          <p:graphicFrame>
+            <p:nvGraphicFramePr>
+              <p:cNvPr id="4" name="טבלה 3">
+                <a:extLst>
+                  <a:ext uri="{FF2B5EF4-FFF2-40B4-BE49-F238E27FC236}">
+                    <a16:creationId xmlns:a16="http://schemas.microsoft.com/office/drawing/2014/main" id="{4D2FD242-FFD4-4109-9CC4-CAB20AAC8923}"/>
+                  </a:ext>
+                </a:extLst>
+              </p:cNvPr>
+              <p:cNvGraphicFramePr>
+                <a:graphicFrameLocks noGrp="1"/>
+              </p:cNvGraphicFramePr>
+              <p:nvPr>
+                <p:extLst>
+                  <p:ext uri="{D42A27DB-BD31-4B8C-83A1-F6EECF244321}">
+                    <p14:modId xmlns:p14="http://schemas.microsoft.com/office/powerpoint/2010/main" val="1991426088"/>
+                  </p:ext>
+                </p:extLst>
+              </p:nvPr>
+            </p:nvGraphicFramePr>
+            <p:xfrm>
+              <a:off x="1279188" y="2323549"/>
+              <a:ext cx="10515600" cy="666306"/>
+            </p:xfrm>
+            <a:graphic>
+              <a:graphicData uri="http://schemas.openxmlformats.org/drawingml/2006/table">
+                <a:tbl>
+                  <a:tblPr rtl="1" firstRow="1" firstCol="1" bandRow="1"/>
+                  <a:tblGrid>
+                    <a:gridCol w="1758208">
+                      <a:extLst>
+                        <a:ext uri="{9D8B030D-6E8A-4147-A177-3AD203B41FA5}">
+                          <a16:colId xmlns:a16="http://schemas.microsoft.com/office/drawing/2014/main" val="2290765936"/>
+                        </a:ext>
+                      </a:extLst>
+                    </a:gridCol>
+                    <a:gridCol w="8757392">
+                      <a:extLst>
+                        <a:ext uri="{9D8B030D-6E8A-4147-A177-3AD203B41FA5}">
+                          <a16:colId xmlns:a16="http://schemas.microsoft.com/office/drawing/2014/main" val="3804247275"/>
+                        </a:ext>
+                      </a:extLst>
+                    </a:gridCol>
+                  </a:tblGrid>
+                  <a:tr h="666306">
+                    <a:tc>
+                      <a:txBody>
+                        <a:bodyPr/>
+                        <a:lstStyle/>
+                        <a:p>
+                          <a:pPr algn="ctr" rtl="1">
+                            <a:lnSpc>
+                              <a:spcPct val="107000"/>
+                            </a:lnSpc>
+                            <a:spcAft>
+                              <a:spcPts val="0"/>
+                            </a:spcAft>
+                          </a:pPr>
+                          <a:r>
+                            <a:rPr lang="en-US" sz="1600" b="1" dirty="0">
+                              <a:effectLst/>
+                              <a:latin typeface="Times New Roman" panose="02020603050405020304" pitchFamily="18" charset="0"/>
+                              <a:ea typeface="Calibri" panose="020F0502020204030204" pitchFamily="34" charset="0"/>
+                              <a:cs typeface="Arial" panose="020B0604020202020204" pitchFamily="34" charset="0"/>
+                            </a:rPr>
+                            <a:t>Eq. 3)</a:t>
+                          </a:r>
+                          <a:r>
+                            <a:rPr lang="he-IL" sz="1600" b="1" dirty="0">
+                              <a:effectLst/>
+                              <a:latin typeface="Calibri" panose="020F0502020204030204" pitchFamily="34" charset="0"/>
+                              <a:ea typeface="Calibri" panose="020F0502020204030204" pitchFamily="34" charset="0"/>
+                              <a:cs typeface="Times New Roman" panose="02020603050405020304" pitchFamily="18" charset="0"/>
+                            </a:rPr>
+                            <a:t>)</a:t>
+                          </a:r>
+                          <a:endParaRPr lang="en-US" sz="1400" dirty="0">
+                            <a:effectLst/>
+                            <a:latin typeface="Calibri" panose="020F0502020204030204" pitchFamily="34" charset="0"/>
+                            <a:ea typeface="Calibri" panose="020F0502020204030204" pitchFamily="34" charset="0"/>
+                            <a:cs typeface="Arial" panose="020B0604020202020204" pitchFamily="34" charset="0"/>
+                          </a:endParaRPr>
+                        </a:p>
+                      </a:txBody>
+                      <a:tcPr marL="68580" marR="68580" marT="0" marB="0">
+                        <a:lnL>
+                          <a:noFill/>
+                        </a:lnL>
+                        <a:lnR>
+                          <a:noFill/>
+                        </a:lnR>
+                        <a:lnT>
+                          <a:noFill/>
+                        </a:lnT>
+                        <a:lnB>
+                          <a:noFill/>
+                        </a:lnB>
+                      </a:tcPr>
+                    </a:tc>
+                    <a:tc>
+                      <a:txBody>
+                        <a:bodyPr/>
+                        <a:lstStyle/>
+                        <a:p>
+                          <a:endParaRPr lang="en-US"/>
+                        </a:p>
+                      </a:txBody>
+                      <a:tcPr marL="68580" marR="68580" marT="0" marB="0">
+                        <a:lnL>
+                          <a:noFill/>
+                        </a:lnL>
+                        <a:lnR>
+                          <a:noFill/>
+                        </a:lnR>
+                        <a:lnT>
+                          <a:noFill/>
+                        </a:lnT>
+                        <a:lnB>
+                          <a:noFill/>
+                        </a:lnB>
+                        <a:blipFill>
+                          <a:blip r:embed="rId6"/>
+                          <a:stretch>
+                            <a:fillRect l="-20111" t="-9091" b="-909"/>
+                          </a:stretch>
+                        </a:blipFill>
+                      </a:tcPr>
+                    </a:tc>
+                    <a:extLst>
+                      <a:ext uri="{0D108BD9-81ED-4DB2-BD59-A6C34878D82A}">
+                        <a16:rowId xmlns:a16="http://schemas.microsoft.com/office/drawing/2014/main" val="4178557380"/>
+                      </a:ext>
+                    </a:extLst>
+                  </a:tr>
+                </a:tbl>
+              </a:graphicData>
+            </a:graphic>
+          </p:graphicFrame>
+        </mc:Fallback>
+      </mc:AlternateContent>
+      <mc:AlternateContent xmlns:mc="http://schemas.openxmlformats.org/markup-compatibility/2006" xmlns:a14="http://schemas.microsoft.com/office/drawing/2010/main">
+        <mc:Choice Requires="a14">
+          <p:sp>
+            <p:nvSpPr>
+              <p:cNvPr id="5" name="מלבן 4">
+                <a:extLst>
+                  <a:ext uri="{FF2B5EF4-FFF2-40B4-BE49-F238E27FC236}">
+                    <a16:creationId xmlns:a16="http://schemas.microsoft.com/office/drawing/2014/main" id="{06220749-A2D8-41E3-916D-AC652E0E4F03}"/>
+                  </a:ext>
+                </a:extLst>
+              </p:cNvPr>
+              <p:cNvSpPr/>
+              <p:nvPr/>
+            </p:nvSpPr>
+            <p:spPr>
+              <a:xfrm>
+                <a:off x="708242" y="2971403"/>
+                <a:ext cx="11300387" cy="971997"/>
+              </a:xfrm>
+              <a:prstGeom prst="rect">
+                <a:avLst/>
+              </a:prstGeom>
+            </p:spPr>
+            <p:txBody>
+              <a:bodyPr wrap="square">
+                <a:spAutoFit/>
+              </a:bodyPr>
+              <a:lstStyle/>
+              <a:p>
+                <a:pPr>
+                  <a:lnSpc>
+                    <a:spcPct val="107000"/>
+                  </a:lnSpc>
+                  <a:spcAft>
+                    <a:spcPts val="800"/>
+                  </a:spcAft>
+                </a:pPr>
+                <a:r>
+                  <a:rPr lang="he-IL" sz="1600" dirty="0">
+                    <a:latin typeface="Calibri" panose="020F0502020204030204" pitchFamily="34" charset="0"/>
+                    <a:ea typeface="Calibri" panose="020F0502020204030204" pitchFamily="34" charset="0"/>
+                  </a:rPr>
+                  <a:t>כאשר את </a:t>
+                </a:r>
+                <a:r>
+                  <a:rPr lang="en-US" sz="1600" dirty="0" err="1">
+                    <a:latin typeface="Calibri" panose="020F0502020204030204" pitchFamily="34" charset="0"/>
+                    <a:ea typeface="Calibri" panose="020F0502020204030204" pitchFamily="34" charset="0"/>
+                    <a:cs typeface="Arial" panose="020B0604020202020204" pitchFamily="34" charset="0"/>
+                  </a:rPr>
+                  <a:t>i</a:t>
+                </a:r>
+                <a:r>
+                  <a:rPr lang="he-IL" sz="1600" dirty="0">
+                    <a:latin typeface="Calibri" panose="020F0502020204030204" pitchFamily="34" charset="0"/>
+                    <a:ea typeface="Calibri" panose="020F0502020204030204" pitchFamily="34" charset="0"/>
+                  </a:rPr>
+                  <a:t> </a:t>
+                </a:r>
+                <a:r>
+                  <a:rPr lang="he-IL" sz="1600" dirty="0" err="1">
+                    <a:latin typeface="Calibri" panose="020F0502020204030204" pitchFamily="34" charset="0"/>
+                    <a:ea typeface="Calibri" panose="020F0502020204030204" pitchFamily="34" charset="0"/>
+                  </a:rPr>
+                  <a:t>סוכמים</a:t>
+                </a:r>
+                <a:r>
+                  <a:rPr lang="he-IL" sz="1600" dirty="0">
+                    <a:latin typeface="Calibri" panose="020F0502020204030204" pitchFamily="34" charset="0"/>
+                    <a:ea typeface="Calibri" panose="020F0502020204030204" pitchFamily="34" charset="0"/>
+                  </a:rPr>
+                  <a:t> בחלון הקטן סביב הפיקסל </a:t>
+                </a:r>
+                <a:r>
+                  <a:rPr lang="en-US" sz="1600" dirty="0">
+                    <a:latin typeface="Calibri" panose="020F0502020204030204" pitchFamily="34" charset="0"/>
+                    <a:ea typeface="Calibri" panose="020F0502020204030204" pitchFamily="34" charset="0"/>
+                    <a:cs typeface="Arial" panose="020B0604020202020204" pitchFamily="34" charset="0"/>
+                  </a:rPr>
+                  <a:t>j</a:t>
+                </a:r>
+                <a:r>
+                  <a:rPr lang="he-IL" sz="1600" dirty="0">
+                    <a:latin typeface="Calibri" panose="020F0502020204030204" pitchFamily="34" charset="0"/>
+                    <a:ea typeface="Calibri" panose="020F0502020204030204" pitchFamily="34" charset="0"/>
+                  </a:rPr>
+                  <a:t>, ואת </a:t>
+                </a:r>
+                <a:r>
+                  <a:rPr lang="en-US" sz="1600" dirty="0">
+                    <a:latin typeface="Calibri" panose="020F0502020204030204" pitchFamily="34" charset="0"/>
+                    <a:ea typeface="Calibri" panose="020F0502020204030204" pitchFamily="34" charset="0"/>
+                    <a:cs typeface="Arial" panose="020B0604020202020204" pitchFamily="34" charset="0"/>
+                  </a:rPr>
+                  <a:t>j</a:t>
+                </a:r>
+                <a:r>
+                  <a:rPr lang="he-IL" sz="1600" dirty="0">
+                    <a:latin typeface="Calibri" panose="020F0502020204030204" pitchFamily="34" charset="0"/>
+                    <a:ea typeface="Calibri" panose="020F0502020204030204" pitchFamily="34" charset="0"/>
+                  </a:rPr>
+                  <a:t> </a:t>
+                </a:r>
+                <a:r>
+                  <a:rPr lang="he-IL" sz="1600" dirty="0" err="1">
+                    <a:latin typeface="Calibri" panose="020F0502020204030204" pitchFamily="34" charset="0"/>
+                    <a:ea typeface="Calibri" panose="020F0502020204030204" pitchFamily="34" charset="0"/>
+                  </a:rPr>
+                  <a:t>סוכמים</a:t>
+                </a:r>
+                <a:r>
+                  <a:rPr lang="he-IL" sz="1600" dirty="0">
+                    <a:latin typeface="Calibri" panose="020F0502020204030204" pitchFamily="34" charset="0"/>
+                    <a:ea typeface="Calibri" panose="020F0502020204030204" pitchFamily="34" charset="0"/>
+                  </a:rPr>
+                  <a:t> עבור התמונה </a:t>
+                </a:r>
+                <a:r>
+                  <a:rPr lang="en-US" sz="1600" dirty="0">
+                    <a:latin typeface="Calibri" panose="020F0502020204030204" pitchFamily="34" charset="0"/>
+                    <a:ea typeface="Calibri" panose="020F0502020204030204" pitchFamily="34" charset="0"/>
+                    <a:cs typeface="Arial" panose="020B0604020202020204" pitchFamily="34" charset="0"/>
+                  </a:rPr>
+                  <a:t>I</a:t>
+                </a:r>
+                <a:r>
+                  <a:rPr lang="he-IL" sz="1600" dirty="0">
+                    <a:latin typeface="Calibri" panose="020F0502020204030204" pitchFamily="34" charset="0"/>
+                    <a:ea typeface="Calibri" panose="020F0502020204030204" pitchFamily="34" charset="0"/>
+                  </a:rPr>
+                  <a:t>. החלון שנפתח סביב כל פיקסל הוא בגודל 3</a:t>
+                </a:r>
+                <a:r>
+                  <a:rPr lang="en-US" sz="1600" dirty="0">
+                    <a:latin typeface="Calibri" panose="020F0502020204030204" pitchFamily="34" charset="0"/>
+                    <a:ea typeface="Calibri" panose="020F0502020204030204" pitchFamily="34" charset="0"/>
+                    <a:cs typeface="Arial" panose="020B0604020202020204" pitchFamily="34" charset="0"/>
+                  </a:rPr>
+                  <a:t>X</a:t>
+                </a:r>
+                <a:r>
+                  <a:rPr lang="he-IL" sz="1600" dirty="0">
+                    <a:latin typeface="Calibri" panose="020F0502020204030204" pitchFamily="34" charset="0"/>
+                    <a:ea typeface="Calibri" panose="020F0502020204030204" pitchFamily="34" charset="0"/>
+                  </a:rPr>
+                  <a:t>3. </a:t>
+                </a:r>
+                <a:endParaRPr lang="en-US" sz="1600" dirty="0">
+                  <a:latin typeface="Calibri" panose="020F0502020204030204" pitchFamily="34" charset="0"/>
+                  <a:ea typeface="Calibri" panose="020F0502020204030204" pitchFamily="34" charset="0"/>
+                  <a:cs typeface="Arial" panose="020B0604020202020204" pitchFamily="34" charset="0"/>
+                </a:endParaRPr>
+              </a:p>
+              <a:p>
+                <a:pPr>
+                  <a:lnSpc>
+                    <a:spcPct val="107000"/>
+                  </a:lnSpc>
+                  <a:spcAft>
+                    <a:spcPts val="800"/>
+                  </a:spcAft>
+                </a:pPr>
+                <a:r>
+                  <a:rPr lang="he-IL" sz="1600" dirty="0">
+                    <a:latin typeface="Calibri" panose="020F0502020204030204" pitchFamily="34" charset="0"/>
+                    <a:ea typeface="Calibri" panose="020F0502020204030204" pitchFamily="34" charset="0"/>
+                  </a:rPr>
+                  <a:t>פתרון משוואה 3 דורש פתרון של </a:t>
+                </a:r>
+                <a:r>
+                  <a:rPr lang="en-US" sz="1600" dirty="0">
+                    <a:latin typeface="Calibri" panose="020F0502020204030204" pitchFamily="34" charset="0"/>
+                    <a:ea typeface="Calibri" panose="020F0502020204030204" pitchFamily="34" charset="0"/>
+                    <a:cs typeface="Arial" panose="020B0604020202020204" pitchFamily="34" charset="0"/>
+                  </a:rPr>
+                  <a:t>N</a:t>
+                </a:r>
+                <a:r>
+                  <a:rPr lang="he-IL" sz="1600" dirty="0">
+                    <a:latin typeface="Calibri" panose="020F0502020204030204" pitchFamily="34" charset="0"/>
+                    <a:ea typeface="Calibri" panose="020F0502020204030204" pitchFamily="34" charset="0"/>
+                  </a:rPr>
+                  <a:t>3 נעלמים </a:t>
+                </a:r>
+                <a:r>
+                  <a:rPr lang="en-US" sz="1600" dirty="0">
+                    <a:latin typeface="Calibri" panose="020F0502020204030204" pitchFamily="34" charset="0"/>
+                    <a:ea typeface="Calibri" panose="020F0502020204030204" pitchFamily="34" charset="0"/>
+                    <a:cs typeface="Arial" panose="020B0604020202020204" pitchFamily="34" charset="0"/>
+                  </a:rPr>
+                  <a:t>-</a:t>
+                </a:r>
+                <a:r>
+                  <a:rPr lang="en-US" sz="1600" dirty="0">
+                    <a:latin typeface="Arial" panose="020B0604020202020204" pitchFamily="34" charset="0"/>
+                    <a:ea typeface="Calibri" panose="020F0502020204030204" pitchFamily="34" charset="0"/>
+                    <a:cs typeface="Arial" panose="020B0604020202020204" pitchFamily="34" charset="0"/>
+                  </a:rPr>
+                  <a:t> </a:t>
+                </a:r>
+                <a14:m>
+                  <m:oMath xmlns:m="http://schemas.openxmlformats.org/officeDocument/2006/math">
+                    <m:sSub>
+                      <m:sSubPr>
+                        <m:ctrlPr>
+                          <a:rPr lang="en-US" sz="1600" b="1" i="1">
+                            <a:effectLst/>
+                            <a:latin typeface="Cambria Math" panose="02040503050406030204" pitchFamily="18" charset="0"/>
+                            <a:ea typeface="Calibri" panose="020F0502020204030204" pitchFamily="34" charset="0"/>
+                            <a:cs typeface="Times New Roman" panose="02020603050405020304" pitchFamily="18" charset="0"/>
+                          </a:rPr>
+                        </m:ctrlPr>
+                      </m:sSubPr>
+                      <m:e>
+                        <m:r>
+                          <a:rPr lang="en-US" sz="1600" b="1" i="1">
+                            <a:effectLst/>
+                            <a:latin typeface="Cambria Math" panose="02040503050406030204" pitchFamily="18" charset="0"/>
+                            <a:ea typeface="Calibri" panose="020F0502020204030204" pitchFamily="34" charset="0"/>
+                            <a:cs typeface="Times New Roman" panose="02020603050405020304" pitchFamily="18" charset="0"/>
+                          </a:rPr>
+                          <m:t>𝜶</m:t>
+                        </m:r>
+                      </m:e>
+                      <m:sub>
+                        <m:r>
+                          <a:rPr lang="en-US" sz="1600" b="1" i="1">
+                            <a:effectLst/>
+                            <a:latin typeface="Cambria Math" panose="02040503050406030204" pitchFamily="18" charset="0"/>
+                            <a:ea typeface="Calibri" panose="020F0502020204030204" pitchFamily="34" charset="0"/>
+                            <a:cs typeface="Times New Roman" panose="02020603050405020304" pitchFamily="18" charset="0"/>
+                          </a:rPr>
+                          <m:t>𝒊</m:t>
+                        </m:r>
+                      </m:sub>
+                    </m:sSub>
+                    <m:r>
+                      <a:rPr lang="en-US" sz="1600" b="1" i="1">
+                        <a:effectLst/>
+                        <a:latin typeface="Cambria Math" panose="02040503050406030204" pitchFamily="18" charset="0"/>
+                        <a:ea typeface="Calibri" panose="020F0502020204030204" pitchFamily="34" charset="0"/>
+                        <a:cs typeface="Times New Roman" panose="02020603050405020304" pitchFamily="18" charset="0"/>
+                      </a:rPr>
+                      <m:t>,</m:t>
+                    </m:r>
+                    <m:r>
+                      <a:rPr lang="en-US" sz="1600" b="1" i="1">
+                        <a:effectLst/>
+                        <a:latin typeface="Cambria Math" panose="02040503050406030204" pitchFamily="18" charset="0"/>
+                        <a:ea typeface="Calibri" panose="020F0502020204030204" pitchFamily="34" charset="0"/>
+                        <a:cs typeface="Times New Roman" panose="02020603050405020304" pitchFamily="18" charset="0"/>
+                      </a:rPr>
+                      <m:t>𝒂</m:t>
+                    </m:r>
+                    <m:r>
+                      <a:rPr lang="en-US" sz="1600" b="1" i="1">
+                        <a:effectLst/>
+                        <a:latin typeface="Cambria Math" panose="02040503050406030204" pitchFamily="18" charset="0"/>
+                        <a:ea typeface="Calibri" panose="020F0502020204030204" pitchFamily="34" charset="0"/>
+                        <a:cs typeface="Times New Roman" panose="02020603050405020304" pitchFamily="18" charset="0"/>
+                      </a:rPr>
+                      <m:t>,</m:t>
+                    </m:r>
+                    <m:r>
+                      <a:rPr lang="en-US" sz="1600" b="1" i="1">
+                        <a:effectLst/>
+                        <a:latin typeface="Cambria Math" panose="02040503050406030204" pitchFamily="18" charset="0"/>
+                        <a:ea typeface="Calibri" panose="020F0502020204030204" pitchFamily="34" charset="0"/>
+                        <a:cs typeface="Times New Roman" panose="02020603050405020304" pitchFamily="18" charset="0"/>
+                      </a:rPr>
+                      <m:t>𝒃</m:t>
+                    </m:r>
+                  </m:oMath>
+                </a14:m>
+                <a:r>
+                  <a:rPr lang="he-IL" sz="1600" dirty="0">
+                    <a:latin typeface="Calibri" panose="020F0502020204030204" pitchFamily="34" charset="0"/>
+                    <a:ea typeface="Times New Roman" panose="02020603050405020304" pitchFamily="18" charset="0"/>
+                  </a:rPr>
+                  <a:t>עבור </a:t>
+                </a:r>
+                <a:r>
+                  <a:rPr lang="en-US" sz="1600" dirty="0">
+                    <a:effectLst/>
+                    <a:latin typeface="Calibri" panose="020F0502020204030204" pitchFamily="34" charset="0"/>
+                    <a:ea typeface="Times New Roman" panose="02020603050405020304" pitchFamily="18" charset="0"/>
+                    <a:cs typeface="Arial" panose="020B0604020202020204" pitchFamily="34" charset="0"/>
+                  </a:rPr>
+                  <a:t>N</a:t>
+                </a:r>
+                <a:r>
+                  <a:rPr lang="he-IL" sz="1600" dirty="0">
+                    <a:latin typeface="Calibri" panose="020F0502020204030204" pitchFamily="34" charset="0"/>
+                    <a:ea typeface="Times New Roman" panose="02020603050405020304" pitchFamily="18" charset="0"/>
+                  </a:rPr>
+                  <a:t> פיקסלים. ע"י שימוש ב</a:t>
+                </a:r>
+                <a:r>
+                  <a:rPr lang="en-US" sz="1600" dirty="0" err="1">
+                    <a:effectLst/>
+                    <a:latin typeface="Calibri" panose="020F0502020204030204" pitchFamily="34" charset="0"/>
+                    <a:ea typeface="Times New Roman" panose="02020603050405020304" pitchFamily="18" charset="0"/>
+                    <a:cs typeface="Arial" panose="020B0604020202020204" pitchFamily="34" charset="0"/>
+                  </a:rPr>
+                  <a:t>a,b</a:t>
+                </a:r>
+                <a:r>
+                  <a:rPr lang="he-IL" sz="1600" dirty="0">
+                    <a:latin typeface="Calibri" panose="020F0502020204030204" pitchFamily="34" charset="0"/>
+                    <a:ea typeface="Times New Roman" panose="02020603050405020304" pitchFamily="18" charset="0"/>
+                  </a:rPr>
+                  <a:t> </a:t>
+                </a:r>
+                <a:r>
+                  <a:rPr lang="he-IL" sz="1600" dirty="0" err="1">
+                    <a:latin typeface="Calibri" panose="020F0502020204030204" pitchFamily="34" charset="0"/>
+                    <a:ea typeface="Times New Roman" panose="02020603050405020304" pitchFamily="18" charset="0"/>
+                  </a:rPr>
+                  <a:t>מינמאליים</a:t>
+                </a:r>
+                <a:r>
+                  <a:rPr lang="he-IL" sz="1600" dirty="0">
+                    <a:latin typeface="Calibri" panose="020F0502020204030204" pitchFamily="34" charset="0"/>
+                    <a:ea typeface="Times New Roman" panose="02020603050405020304" pitchFamily="18" charset="0"/>
+                  </a:rPr>
+                  <a:t> נוכל לרשום מחדש את משוואה 3 כדי להישאר עם </a:t>
+                </a:r>
+                <a:r>
+                  <a:rPr lang="en-US" sz="1600" dirty="0">
+                    <a:effectLst/>
+                    <a:latin typeface="Calibri" panose="020F0502020204030204" pitchFamily="34" charset="0"/>
+                    <a:ea typeface="Times New Roman" panose="02020603050405020304" pitchFamily="18" charset="0"/>
+                    <a:cs typeface="Arial" panose="020B0604020202020204" pitchFamily="34" charset="0"/>
+                  </a:rPr>
+                  <a:t>N</a:t>
+                </a:r>
+                <a:r>
+                  <a:rPr lang="he-IL" sz="1600" dirty="0">
+                    <a:latin typeface="Calibri" panose="020F0502020204030204" pitchFamily="34" charset="0"/>
+                    <a:ea typeface="Times New Roman" panose="02020603050405020304" pitchFamily="18" charset="0"/>
+                  </a:rPr>
+                  <a:t> נעלמים:</a:t>
+                </a:r>
+                <a:endParaRPr lang="en-US" sz="1600" dirty="0">
+                  <a:latin typeface="Calibri" panose="020F0502020204030204" pitchFamily="34" charset="0"/>
+                  <a:ea typeface="Calibri" panose="020F0502020204030204" pitchFamily="34" charset="0"/>
+                  <a:cs typeface="Arial" panose="020B0604020202020204" pitchFamily="34" charset="0"/>
+                </a:endParaRPr>
+              </a:p>
+            </p:txBody>
+          </p:sp>
+        </mc:Choice>
+        <mc:Fallback xmlns="">
+          <p:sp>
+            <p:nvSpPr>
+              <p:cNvPr id="5" name="מלבן 4">
+                <a:extLst>
+                  <a:ext uri="{FF2B5EF4-FFF2-40B4-BE49-F238E27FC236}">
+                    <a16:creationId xmlns:a16="http://schemas.microsoft.com/office/drawing/2014/main" id="{06220749-A2D8-41E3-916D-AC652E0E4F03}"/>
+                  </a:ext>
+                </a:extLst>
+              </p:cNvPr>
+              <p:cNvSpPr>
+                <a:spLocks noRot="1" noChangeAspect="1" noMove="1" noResize="1" noEditPoints="1" noAdjustHandles="1" noChangeArrowheads="1" noChangeShapeType="1" noTextEdit="1"/>
+              </p:cNvSpPr>
+              <p:nvPr/>
+            </p:nvSpPr>
+            <p:spPr>
+              <a:xfrm>
+                <a:off x="708242" y="2971403"/>
+                <a:ext cx="11300387" cy="971997"/>
+              </a:xfrm>
+              <a:prstGeom prst="rect">
+                <a:avLst/>
+              </a:prstGeom>
+              <a:blipFill>
+                <a:blip r:embed="rId7"/>
+                <a:stretch>
+                  <a:fillRect t="-1875" r="-324" b="-6875"/>
+                </a:stretch>
+              </a:blipFill>
+            </p:spPr>
+            <p:txBody>
+              <a:bodyPr/>
+              <a:lstStyle/>
+              <a:p>
+                <a:r>
+                  <a:rPr lang="en-US">
+                    <a:noFill/>
+                  </a:rPr>
+                  <a:t> </a:t>
+                </a:r>
+              </a:p>
+            </p:txBody>
+          </p:sp>
+        </mc:Fallback>
+      </mc:AlternateContent>
+      <mc:AlternateContent xmlns:mc="http://schemas.openxmlformats.org/markup-compatibility/2006" xmlns:a14="http://schemas.microsoft.com/office/drawing/2010/main">
+        <mc:Choice Requires="a14">
+          <p:graphicFrame>
+            <p:nvGraphicFramePr>
+              <p:cNvPr id="6" name="טבלה 5">
+                <a:extLst>
+                  <a:ext uri="{FF2B5EF4-FFF2-40B4-BE49-F238E27FC236}">
+                    <a16:creationId xmlns:a16="http://schemas.microsoft.com/office/drawing/2014/main" id="{759BA455-F299-4E86-9982-7D1C354BD674}"/>
+                  </a:ext>
+                </a:extLst>
+              </p:cNvPr>
+              <p:cNvGraphicFramePr>
+                <a:graphicFrameLocks noGrp="1"/>
+              </p:cNvGraphicFramePr>
+              <p:nvPr>
+                <p:extLst>
+                  <p:ext uri="{D42A27DB-BD31-4B8C-83A1-F6EECF244321}">
+                    <p14:modId xmlns:p14="http://schemas.microsoft.com/office/powerpoint/2010/main" val="72676321"/>
+                  </p:ext>
+                </p:extLst>
+              </p:nvPr>
+            </p:nvGraphicFramePr>
+            <p:xfrm>
+              <a:off x="1228267" y="4038721"/>
+              <a:ext cx="10515600" cy="318389"/>
+            </p:xfrm>
+            <a:graphic>
+              <a:graphicData uri="http://schemas.openxmlformats.org/drawingml/2006/table">
+                <a:tbl>
+                  <a:tblPr rtl="1" firstRow="1" firstCol="1" bandRow="1"/>
+                  <a:tblGrid>
+                    <a:gridCol w="1758208">
+                      <a:extLst>
+                        <a:ext uri="{9D8B030D-6E8A-4147-A177-3AD203B41FA5}">
+                          <a16:colId xmlns:a16="http://schemas.microsoft.com/office/drawing/2014/main" val="738251617"/>
+                        </a:ext>
+                      </a:extLst>
+                    </a:gridCol>
+                    <a:gridCol w="8757392">
+                      <a:extLst>
+                        <a:ext uri="{9D8B030D-6E8A-4147-A177-3AD203B41FA5}">
+                          <a16:colId xmlns:a16="http://schemas.microsoft.com/office/drawing/2014/main" val="3427180495"/>
+                        </a:ext>
+                      </a:extLst>
+                    </a:gridCol>
+                  </a:tblGrid>
+                  <a:tr h="80010">
+                    <a:tc>
+                      <a:txBody>
+                        <a:bodyPr/>
+                        <a:lstStyle/>
+                        <a:p>
+                          <a:pPr algn="ctr" rtl="1">
+                            <a:lnSpc>
+                              <a:spcPct val="107000"/>
+                            </a:lnSpc>
+                            <a:spcAft>
+                              <a:spcPts val="0"/>
+                            </a:spcAft>
+                          </a:pPr>
+                          <a:r>
+                            <a:rPr lang="en-US" sz="1800" b="1">
+                              <a:effectLst/>
+                              <a:latin typeface="Times New Roman" panose="02020603050405020304" pitchFamily="18" charset="0"/>
+                              <a:ea typeface="Calibri" panose="020F0502020204030204" pitchFamily="34" charset="0"/>
+                              <a:cs typeface="Arial" panose="020B0604020202020204" pitchFamily="34" charset="0"/>
+                            </a:rPr>
+                            <a:t>Eq. 4)</a:t>
+                          </a:r>
+                          <a:r>
+                            <a:rPr lang="he-IL" sz="1800" b="1">
+                              <a:effectLst/>
+                              <a:latin typeface="Calibri" panose="020F0502020204030204" pitchFamily="34" charset="0"/>
+                              <a:ea typeface="Calibri" panose="020F0502020204030204" pitchFamily="34" charset="0"/>
+                              <a:cs typeface="Times New Roman" panose="02020603050405020304" pitchFamily="18" charset="0"/>
+                            </a:rPr>
+                            <a:t>)</a:t>
+                          </a:r>
+                          <a:endParaRPr lang="en-US" sz="1600">
+                            <a:effectLst/>
+                            <a:latin typeface="Calibri" panose="020F0502020204030204" pitchFamily="34" charset="0"/>
+                            <a:ea typeface="Calibri" panose="020F0502020204030204" pitchFamily="34" charset="0"/>
+                            <a:cs typeface="Arial" panose="020B0604020202020204" pitchFamily="34" charset="0"/>
+                          </a:endParaRPr>
+                        </a:p>
+                      </a:txBody>
+                      <a:tcPr marL="68580" marR="68580" marT="0" marB="0">
+                        <a:lnL>
+                          <a:noFill/>
+                        </a:lnL>
+                        <a:lnR>
+                          <a:noFill/>
+                        </a:lnR>
+                        <a:lnT>
+                          <a:noFill/>
+                        </a:lnT>
+                        <a:lnB>
+                          <a:noFill/>
+                        </a:lnB>
+                      </a:tcPr>
+                    </a:tc>
+                    <a:tc>
+                      <a:txBody>
+                        <a:bodyPr/>
+                        <a:lstStyle/>
+                        <a:p>
+                          <a:pPr algn="ctr" rtl="0">
+                            <a:lnSpc>
+                              <a:spcPct val="107000"/>
+                            </a:lnSpc>
+                            <a:spcAft>
+                              <a:spcPts val="0"/>
+                            </a:spcAft>
+                          </a:pPr>
+                          <a14:m>
+                            <m:oMathPara xmlns:m="http://schemas.openxmlformats.org/officeDocument/2006/math">
+                              <m:oMathParaPr>
+                                <m:jc m:val="centerGroup"/>
+                              </m:oMathParaPr>
+                              <m:oMath xmlns:m="http://schemas.openxmlformats.org/officeDocument/2006/math">
+                                <m:r>
+                                  <a:rPr lang="en-US" sz="1800" b="1" i="1">
+                                    <a:effectLst/>
+                                    <a:latin typeface="Cambria Math" panose="02040503050406030204" pitchFamily="18" charset="0"/>
+                                    <a:ea typeface="Calibri" panose="020F0502020204030204" pitchFamily="34" charset="0"/>
+                                    <a:cs typeface="Times New Roman" panose="02020603050405020304" pitchFamily="18" charset="0"/>
+                                  </a:rPr>
+                                  <m:t>𝑱</m:t>
+                                </m:r>
+                                <m:r>
+                                  <a:rPr lang="en-US" sz="1800" b="1" i="1">
+                                    <a:effectLst/>
+                                    <a:latin typeface="Cambria Math" panose="02040503050406030204" pitchFamily="18" charset="0"/>
+                                    <a:ea typeface="Calibri" panose="020F0502020204030204" pitchFamily="34" charset="0"/>
+                                    <a:cs typeface="Times New Roman" panose="02020603050405020304" pitchFamily="18" charset="0"/>
+                                  </a:rPr>
+                                  <m:t> </m:t>
+                                </m:r>
+                                <m:d>
+                                  <m:dPr>
+                                    <m:ctrlPr>
+                                      <a:rPr lang="en-US" sz="1800" b="1" i="1">
+                                        <a:effectLst/>
+                                        <a:latin typeface="Cambria Math" panose="02040503050406030204" pitchFamily="18" charset="0"/>
+                                        <a:ea typeface="Calibri" panose="020F0502020204030204" pitchFamily="34" charset="0"/>
+                                        <a:cs typeface="Times New Roman" panose="02020603050405020304" pitchFamily="18" charset="0"/>
+                                      </a:rPr>
+                                    </m:ctrlPr>
+                                  </m:dPr>
+                                  <m:e>
+                                    <m:r>
+                                      <a:rPr lang="en-US" sz="1800" b="1" i="1">
+                                        <a:effectLst/>
+                                        <a:latin typeface="Cambria Math" panose="02040503050406030204" pitchFamily="18" charset="0"/>
+                                        <a:ea typeface="Calibri" panose="020F0502020204030204" pitchFamily="34" charset="0"/>
+                                        <a:cs typeface="Times New Roman" panose="02020603050405020304" pitchFamily="18" charset="0"/>
+                                      </a:rPr>
+                                      <m:t>𝜶</m:t>
+                                    </m:r>
+                                  </m:e>
+                                </m:d>
+                                <m:r>
+                                  <a:rPr lang="en-US" sz="1800" b="1" i="1">
+                                    <a:effectLst/>
+                                    <a:latin typeface="Cambria Math" panose="02040503050406030204" pitchFamily="18" charset="0"/>
+                                    <a:ea typeface="Calibri" panose="020F0502020204030204" pitchFamily="34" charset="0"/>
+                                    <a:cs typeface="Times New Roman" panose="02020603050405020304" pitchFamily="18" charset="0"/>
+                                  </a:rPr>
+                                  <m:t>=</m:t>
+                                </m:r>
+                                <m:sSub>
+                                  <m:sSubPr>
+                                    <m:ctrlPr>
+                                      <a:rPr lang="en-US" sz="1800" b="1" i="1">
+                                        <a:effectLst/>
+                                        <a:latin typeface="Cambria Math" panose="02040503050406030204" pitchFamily="18" charset="0"/>
+                                        <a:ea typeface="Calibri" panose="020F0502020204030204" pitchFamily="34" charset="0"/>
+                                        <a:cs typeface="Times New Roman" panose="02020603050405020304" pitchFamily="18" charset="0"/>
+                                      </a:rPr>
+                                    </m:ctrlPr>
+                                  </m:sSubPr>
+                                  <m:e>
+                                    <m:r>
+                                      <a:rPr lang="en-US" sz="1800" b="1" i="1">
+                                        <a:effectLst/>
+                                        <a:latin typeface="Cambria Math" panose="02040503050406030204" pitchFamily="18" charset="0"/>
+                                        <a:ea typeface="Calibri" panose="020F0502020204030204" pitchFamily="34" charset="0"/>
+                                        <a:cs typeface="Times New Roman" panose="02020603050405020304" pitchFamily="18" charset="0"/>
+                                      </a:rPr>
+                                      <m:t>𝒎𝒊𝒏</m:t>
+                                    </m:r>
+                                  </m:e>
+                                  <m:sub>
+                                    <m:r>
+                                      <a:rPr lang="en-US" sz="1800" b="1" i="1">
+                                        <a:effectLst/>
+                                        <a:latin typeface="Cambria Math" panose="02040503050406030204" pitchFamily="18" charset="0"/>
+                                        <a:ea typeface="Calibri" panose="020F0502020204030204" pitchFamily="34" charset="0"/>
+                                        <a:cs typeface="Times New Roman" panose="02020603050405020304" pitchFamily="18" charset="0"/>
+                                      </a:rPr>
+                                      <m:t>𝒂</m:t>
+                                    </m:r>
+                                    <m:r>
+                                      <a:rPr lang="en-US" sz="1800" b="1" i="1">
+                                        <a:effectLst/>
+                                        <a:latin typeface="Cambria Math" panose="02040503050406030204" pitchFamily="18" charset="0"/>
+                                        <a:ea typeface="Calibri" panose="020F0502020204030204" pitchFamily="34" charset="0"/>
+                                        <a:cs typeface="Times New Roman" panose="02020603050405020304" pitchFamily="18" charset="0"/>
+                                      </a:rPr>
+                                      <m:t>,</m:t>
+                                    </m:r>
+                                    <m:r>
+                                      <a:rPr lang="en-US" sz="1800" b="1" i="1">
+                                        <a:effectLst/>
+                                        <a:latin typeface="Cambria Math" panose="02040503050406030204" pitchFamily="18" charset="0"/>
+                                        <a:ea typeface="Calibri" panose="020F0502020204030204" pitchFamily="34" charset="0"/>
+                                        <a:cs typeface="Times New Roman" panose="02020603050405020304" pitchFamily="18" charset="0"/>
+                                      </a:rPr>
+                                      <m:t>𝒃</m:t>
+                                    </m:r>
+                                  </m:sub>
+                                </m:sSub>
+                                <m:r>
+                                  <a:rPr lang="en-US" sz="1800" b="1" i="1">
+                                    <a:effectLst/>
+                                    <a:latin typeface="Cambria Math" panose="02040503050406030204" pitchFamily="18" charset="0"/>
+                                    <a:ea typeface="Calibri" panose="020F0502020204030204" pitchFamily="34" charset="0"/>
+                                    <a:cs typeface="Times New Roman" panose="02020603050405020304" pitchFamily="18" charset="0"/>
+                                  </a:rPr>
+                                  <m:t> </m:t>
+                                </m:r>
+                                <m:r>
+                                  <a:rPr lang="en-US" sz="1800" b="1" i="1">
+                                    <a:effectLst/>
+                                    <a:latin typeface="Cambria Math" panose="02040503050406030204" pitchFamily="18" charset="0"/>
+                                    <a:ea typeface="Calibri" panose="020F0502020204030204" pitchFamily="34" charset="0"/>
+                                    <a:cs typeface="Times New Roman" panose="02020603050405020304" pitchFamily="18" charset="0"/>
+                                  </a:rPr>
+                                  <m:t>𝑱</m:t>
+                                </m:r>
+                                <m:r>
+                                  <a:rPr lang="en-US" sz="1800" b="1" i="1">
+                                    <a:effectLst/>
+                                    <a:latin typeface="Cambria Math" panose="02040503050406030204" pitchFamily="18" charset="0"/>
+                                    <a:ea typeface="Calibri" panose="020F0502020204030204" pitchFamily="34" charset="0"/>
+                                    <a:cs typeface="Times New Roman" panose="02020603050405020304" pitchFamily="18" charset="0"/>
+                                  </a:rPr>
+                                  <m:t> </m:t>
+                                </m:r>
+                                <m:d>
+                                  <m:dPr>
+                                    <m:ctrlPr>
+                                      <a:rPr lang="en-US" sz="1800" b="1" i="1">
+                                        <a:effectLst/>
+                                        <a:latin typeface="Cambria Math" panose="02040503050406030204" pitchFamily="18" charset="0"/>
+                                        <a:ea typeface="Calibri" panose="020F0502020204030204" pitchFamily="34" charset="0"/>
+                                        <a:cs typeface="Times New Roman" panose="02020603050405020304" pitchFamily="18" charset="0"/>
+                                      </a:rPr>
+                                    </m:ctrlPr>
+                                  </m:dPr>
+                                  <m:e>
+                                    <m:r>
+                                      <a:rPr lang="en-US" sz="1800" b="1" i="1">
+                                        <a:effectLst/>
+                                        <a:latin typeface="Cambria Math" panose="02040503050406030204" pitchFamily="18" charset="0"/>
+                                        <a:ea typeface="Calibri" panose="020F0502020204030204" pitchFamily="34" charset="0"/>
+                                        <a:cs typeface="Times New Roman" panose="02020603050405020304" pitchFamily="18" charset="0"/>
+                                      </a:rPr>
+                                      <m:t>𝜶</m:t>
+                                    </m:r>
+                                    <m:r>
+                                      <a:rPr lang="en-US" sz="1800" b="1" i="1">
+                                        <a:effectLst/>
+                                        <a:latin typeface="Cambria Math" panose="02040503050406030204" pitchFamily="18" charset="0"/>
+                                        <a:ea typeface="Calibri" panose="020F0502020204030204" pitchFamily="34" charset="0"/>
+                                        <a:cs typeface="Times New Roman" panose="02020603050405020304" pitchFamily="18" charset="0"/>
+                                      </a:rPr>
+                                      <m:t>,</m:t>
+                                    </m:r>
+                                    <m:r>
+                                      <a:rPr lang="en-US" sz="1800" b="1" i="1">
+                                        <a:effectLst/>
+                                        <a:latin typeface="Cambria Math" panose="02040503050406030204" pitchFamily="18" charset="0"/>
+                                        <a:ea typeface="Calibri" panose="020F0502020204030204" pitchFamily="34" charset="0"/>
+                                        <a:cs typeface="Times New Roman" panose="02020603050405020304" pitchFamily="18" charset="0"/>
+                                      </a:rPr>
+                                      <m:t>𝒂</m:t>
+                                    </m:r>
+                                    <m:r>
+                                      <a:rPr lang="en-US" sz="1800" b="1" i="1">
+                                        <a:effectLst/>
+                                        <a:latin typeface="Cambria Math" panose="02040503050406030204" pitchFamily="18" charset="0"/>
+                                        <a:ea typeface="Calibri" panose="020F0502020204030204" pitchFamily="34" charset="0"/>
+                                        <a:cs typeface="Times New Roman" panose="02020603050405020304" pitchFamily="18" charset="0"/>
+                                      </a:rPr>
+                                      <m:t>,</m:t>
+                                    </m:r>
+                                    <m:r>
+                                      <a:rPr lang="en-US" sz="1800" b="1" i="1">
+                                        <a:effectLst/>
+                                        <a:latin typeface="Cambria Math" panose="02040503050406030204" pitchFamily="18" charset="0"/>
+                                        <a:ea typeface="Calibri" panose="020F0502020204030204" pitchFamily="34" charset="0"/>
+                                        <a:cs typeface="Times New Roman" panose="02020603050405020304" pitchFamily="18" charset="0"/>
+                                      </a:rPr>
+                                      <m:t>𝒃</m:t>
+                                    </m:r>
+                                  </m:e>
+                                </m:d>
+                                <m:r>
+                                  <a:rPr lang="en-US" sz="1800" b="1" i="1">
+                                    <a:effectLst/>
+                                    <a:latin typeface="Cambria Math" panose="02040503050406030204" pitchFamily="18" charset="0"/>
+                                    <a:ea typeface="Calibri" panose="020F0502020204030204" pitchFamily="34" charset="0"/>
+                                    <a:cs typeface="Times New Roman" panose="02020603050405020304" pitchFamily="18" charset="0"/>
+                                  </a:rPr>
+                                  <m:t>=&gt; </m:t>
+                                </m:r>
+                                <m:r>
+                                  <a:rPr lang="en-US" sz="1800" b="1" i="1">
+                                    <a:effectLst/>
+                                    <a:latin typeface="Cambria Math" panose="02040503050406030204" pitchFamily="18" charset="0"/>
+                                    <a:ea typeface="Calibri" panose="020F0502020204030204" pitchFamily="34" charset="0"/>
+                                    <a:cs typeface="Times New Roman" panose="02020603050405020304" pitchFamily="18" charset="0"/>
+                                  </a:rPr>
+                                  <m:t>𝑱</m:t>
+                                </m:r>
+                                <m:r>
+                                  <a:rPr lang="en-US" sz="1800" b="1" i="1">
+                                    <a:effectLst/>
+                                    <a:latin typeface="Cambria Math" panose="02040503050406030204" pitchFamily="18" charset="0"/>
+                                    <a:ea typeface="Calibri" panose="020F0502020204030204" pitchFamily="34" charset="0"/>
+                                    <a:cs typeface="Times New Roman" panose="02020603050405020304" pitchFamily="18" charset="0"/>
+                                  </a:rPr>
+                                  <m:t> </m:t>
+                                </m:r>
+                                <m:d>
+                                  <m:dPr>
+                                    <m:ctrlPr>
+                                      <a:rPr lang="en-US" sz="1800" b="1" i="1">
+                                        <a:effectLst/>
+                                        <a:latin typeface="Cambria Math" panose="02040503050406030204" pitchFamily="18" charset="0"/>
+                                        <a:ea typeface="Calibri" panose="020F0502020204030204" pitchFamily="34" charset="0"/>
+                                        <a:cs typeface="Times New Roman" panose="02020603050405020304" pitchFamily="18" charset="0"/>
+                                      </a:rPr>
+                                    </m:ctrlPr>
+                                  </m:dPr>
+                                  <m:e>
+                                    <m:r>
+                                      <a:rPr lang="en-US" sz="1800" b="1" i="1">
+                                        <a:effectLst/>
+                                        <a:latin typeface="Cambria Math" panose="02040503050406030204" pitchFamily="18" charset="0"/>
+                                        <a:ea typeface="Calibri" panose="020F0502020204030204" pitchFamily="34" charset="0"/>
+                                        <a:cs typeface="Times New Roman" panose="02020603050405020304" pitchFamily="18" charset="0"/>
+                                      </a:rPr>
+                                      <m:t>𝜶</m:t>
+                                    </m:r>
+                                  </m:e>
+                                </m:d>
+                                <m:r>
+                                  <a:rPr lang="en-US" sz="1800" b="1" i="1">
+                                    <a:effectLst/>
+                                    <a:latin typeface="Cambria Math" panose="02040503050406030204" pitchFamily="18" charset="0"/>
+                                    <a:ea typeface="Calibri" panose="020F0502020204030204" pitchFamily="34" charset="0"/>
+                                    <a:cs typeface="Times New Roman" panose="02020603050405020304" pitchFamily="18" charset="0"/>
+                                  </a:rPr>
+                                  <m:t>=</m:t>
+                                </m:r>
+                                <m:sSup>
+                                  <m:sSupPr>
+                                    <m:ctrlPr>
+                                      <a:rPr lang="en-US" sz="1800" b="1" i="1">
+                                        <a:effectLst/>
+                                        <a:latin typeface="Cambria Math" panose="02040503050406030204" pitchFamily="18" charset="0"/>
+                                        <a:ea typeface="Calibri" panose="020F0502020204030204" pitchFamily="34" charset="0"/>
+                                        <a:cs typeface="Times New Roman" panose="02020603050405020304" pitchFamily="18" charset="0"/>
+                                      </a:rPr>
+                                    </m:ctrlPr>
+                                  </m:sSupPr>
+                                  <m:e>
+                                    <m:r>
+                                      <a:rPr lang="en-US" sz="1800" b="1" i="1">
+                                        <a:effectLst/>
+                                        <a:latin typeface="Cambria Math" panose="02040503050406030204" pitchFamily="18" charset="0"/>
+                                        <a:ea typeface="Calibri" panose="020F0502020204030204" pitchFamily="34" charset="0"/>
+                                        <a:cs typeface="Times New Roman" panose="02020603050405020304" pitchFamily="18" charset="0"/>
+                                      </a:rPr>
+                                      <m:t>𝜶</m:t>
+                                    </m:r>
+                                  </m:e>
+                                  <m:sup>
+                                    <m:r>
+                                      <a:rPr lang="en-US" sz="1800" b="1" i="1">
+                                        <a:effectLst/>
+                                        <a:latin typeface="Cambria Math" panose="02040503050406030204" pitchFamily="18" charset="0"/>
+                                        <a:ea typeface="Calibri" panose="020F0502020204030204" pitchFamily="34" charset="0"/>
+                                        <a:cs typeface="Times New Roman" panose="02020603050405020304" pitchFamily="18" charset="0"/>
+                                      </a:rPr>
+                                      <m:t>𝑻</m:t>
+                                    </m:r>
+                                  </m:sup>
+                                </m:sSup>
+                                <m:r>
+                                  <a:rPr lang="en-US" sz="1800" b="1" i="1">
+                                    <a:effectLst/>
+                                    <a:latin typeface="Cambria Math" panose="02040503050406030204" pitchFamily="18" charset="0"/>
+                                    <a:ea typeface="Calibri" panose="020F0502020204030204" pitchFamily="34" charset="0"/>
+                                    <a:cs typeface="Times New Roman" panose="02020603050405020304" pitchFamily="18" charset="0"/>
+                                  </a:rPr>
+                                  <m:t>𝑳</m:t>
+                                </m:r>
+                                <m:r>
+                                  <a:rPr lang="en-US" sz="1800" b="1" i="1">
+                                    <a:effectLst/>
+                                    <a:latin typeface="Cambria Math" panose="02040503050406030204" pitchFamily="18" charset="0"/>
+                                    <a:ea typeface="Calibri" panose="020F0502020204030204" pitchFamily="34" charset="0"/>
+                                    <a:cs typeface="Times New Roman" panose="02020603050405020304" pitchFamily="18" charset="0"/>
+                                  </a:rPr>
+                                  <m:t>𝜶</m:t>
+                                </m:r>
+                              </m:oMath>
+                            </m:oMathPara>
+                          </a14:m>
+                          <a:endParaRPr lang="en-US" sz="1600" dirty="0">
+                            <a:effectLst/>
+                            <a:latin typeface="Calibri" panose="020F0502020204030204" pitchFamily="34" charset="0"/>
+                            <a:ea typeface="Calibri" panose="020F0502020204030204" pitchFamily="34" charset="0"/>
+                            <a:cs typeface="Arial" panose="020B0604020202020204" pitchFamily="34" charset="0"/>
+                          </a:endParaRPr>
+                        </a:p>
+                      </a:txBody>
+                      <a:tcPr marL="68580" marR="68580" marT="0" marB="0">
+                        <a:lnL>
+                          <a:noFill/>
+                        </a:lnL>
+                        <a:lnR>
+                          <a:noFill/>
+                        </a:lnR>
+                        <a:lnT>
+                          <a:noFill/>
+                        </a:lnT>
+                        <a:lnB>
+                          <a:noFill/>
+                        </a:lnB>
+                      </a:tcPr>
+                    </a:tc>
+                    <a:extLst>
+                      <a:ext uri="{0D108BD9-81ED-4DB2-BD59-A6C34878D82A}">
+                        <a16:rowId xmlns:a16="http://schemas.microsoft.com/office/drawing/2014/main" val="298348645"/>
+                      </a:ext>
+                    </a:extLst>
+                  </a:tr>
+                </a:tbl>
+              </a:graphicData>
+            </a:graphic>
+          </p:graphicFrame>
+        </mc:Choice>
+        <mc:Fallback xmlns="">
+          <p:graphicFrame>
+            <p:nvGraphicFramePr>
+              <p:cNvPr id="6" name="טבלה 5">
+                <a:extLst>
+                  <a:ext uri="{FF2B5EF4-FFF2-40B4-BE49-F238E27FC236}">
+                    <a16:creationId xmlns:a16="http://schemas.microsoft.com/office/drawing/2014/main" id="{759BA455-F299-4E86-9982-7D1C354BD674}"/>
+                  </a:ext>
+                </a:extLst>
+              </p:cNvPr>
+              <p:cNvGraphicFramePr>
+                <a:graphicFrameLocks noGrp="1"/>
+              </p:cNvGraphicFramePr>
+              <p:nvPr>
+                <p:extLst>
+                  <p:ext uri="{D42A27DB-BD31-4B8C-83A1-F6EECF244321}">
+                    <p14:modId xmlns:p14="http://schemas.microsoft.com/office/powerpoint/2010/main" val="72676321"/>
+                  </p:ext>
+                </p:extLst>
+              </p:nvPr>
+            </p:nvGraphicFramePr>
+            <p:xfrm>
+              <a:off x="1228267" y="4038721"/>
+              <a:ext cx="10515600" cy="318389"/>
+            </p:xfrm>
+            <a:graphic>
+              <a:graphicData uri="http://schemas.openxmlformats.org/drawingml/2006/table">
+                <a:tbl>
+                  <a:tblPr rtl="1" firstRow="1" firstCol="1" bandRow="1"/>
+                  <a:tblGrid>
+                    <a:gridCol w="1758208">
+                      <a:extLst>
+                        <a:ext uri="{9D8B030D-6E8A-4147-A177-3AD203B41FA5}">
+                          <a16:colId xmlns:a16="http://schemas.microsoft.com/office/drawing/2014/main" val="738251617"/>
+                        </a:ext>
+                      </a:extLst>
+                    </a:gridCol>
+                    <a:gridCol w="8757392">
+                      <a:extLst>
+                        <a:ext uri="{9D8B030D-6E8A-4147-A177-3AD203B41FA5}">
+                          <a16:colId xmlns:a16="http://schemas.microsoft.com/office/drawing/2014/main" val="3427180495"/>
+                        </a:ext>
+                      </a:extLst>
+                    </a:gridCol>
+                  </a:tblGrid>
+                  <a:tr h="318389">
+                    <a:tc>
+                      <a:txBody>
+                        <a:bodyPr/>
+                        <a:lstStyle/>
+                        <a:p>
+                          <a:pPr algn="ctr" rtl="1">
+                            <a:lnSpc>
+                              <a:spcPct val="107000"/>
+                            </a:lnSpc>
+                            <a:spcAft>
+                              <a:spcPts val="0"/>
+                            </a:spcAft>
+                          </a:pPr>
+                          <a:r>
+                            <a:rPr lang="en-US" sz="1800" b="1">
+                              <a:effectLst/>
+                              <a:latin typeface="Times New Roman" panose="02020603050405020304" pitchFamily="18" charset="0"/>
+                              <a:ea typeface="Calibri" panose="020F0502020204030204" pitchFamily="34" charset="0"/>
+                              <a:cs typeface="Arial" panose="020B0604020202020204" pitchFamily="34" charset="0"/>
+                            </a:rPr>
+                            <a:t>Eq. 4)</a:t>
+                          </a:r>
+                          <a:r>
+                            <a:rPr lang="he-IL" sz="1800" b="1">
+                              <a:effectLst/>
+                              <a:latin typeface="Calibri" panose="020F0502020204030204" pitchFamily="34" charset="0"/>
+                              <a:ea typeface="Calibri" panose="020F0502020204030204" pitchFamily="34" charset="0"/>
+                              <a:cs typeface="Times New Roman" panose="02020603050405020304" pitchFamily="18" charset="0"/>
+                            </a:rPr>
+                            <a:t>)</a:t>
+                          </a:r>
+                          <a:endParaRPr lang="en-US" sz="1600">
+                            <a:effectLst/>
+                            <a:latin typeface="Calibri" panose="020F0502020204030204" pitchFamily="34" charset="0"/>
+                            <a:ea typeface="Calibri" panose="020F0502020204030204" pitchFamily="34" charset="0"/>
+                            <a:cs typeface="Arial" panose="020B0604020202020204" pitchFamily="34" charset="0"/>
+                          </a:endParaRPr>
+                        </a:p>
+                      </a:txBody>
+                      <a:tcPr marL="68580" marR="68580" marT="0" marB="0">
+                        <a:lnL>
+                          <a:noFill/>
+                        </a:lnL>
+                        <a:lnR>
+                          <a:noFill/>
+                        </a:lnR>
+                        <a:lnT>
+                          <a:noFill/>
+                        </a:lnT>
+                        <a:lnB>
+                          <a:noFill/>
+                        </a:lnB>
+                      </a:tcPr>
+                    </a:tc>
+                    <a:tc>
+                      <a:txBody>
+                        <a:bodyPr/>
+                        <a:lstStyle/>
+                        <a:p>
+                          <a:endParaRPr lang="en-US"/>
+                        </a:p>
+                      </a:txBody>
+                      <a:tcPr marL="68580" marR="68580" marT="0" marB="0">
+                        <a:lnL>
+                          <a:noFill/>
+                        </a:lnL>
+                        <a:lnR>
+                          <a:noFill/>
+                        </a:lnR>
+                        <a:lnT>
+                          <a:noFill/>
+                        </a:lnT>
+                        <a:lnB>
+                          <a:noFill/>
+                        </a:lnB>
+                        <a:blipFill>
+                          <a:blip r:embed="rId8"/>
+                          <a:stretch>
+                            <a:fillRect l="-20111" t="-22642" b="-30189"/>
+                          </a:stretch>
+                        </a:blipFill>
+                      </a:tcPr>
+                    </a:tc>
+                    <a:extLst>
+                      <a:ext uri="{0D108BD9-81ED-4DB2-BD59-A6C34878D82A}">
+                        <a16:rowId xmlns:a16="http://schemas.microsoft.com/office/drawing/2014/main" val="298348645"/>
+                      </a:ext>
+                    </a:extLst>
+                  </a:tr>
+                </a:tbl>
+              </a:graphicData>
+            </a:graphic>
+          </p:graphicFrame>
+        </mc:Fallback>
+      </mc:AlternateContent>
+      <p:sp>
+        <p:nvSpPr>
+          <p:cNvPr id="10" name="מלבן 9">
+            <a:extLst>
+              <a:ext uri="{FF2B5EF4-FFF2-40B4-BE49-F238E27FC236}">
+                <a16:creationId xmlns:a16="http://schemas.microsoft.com/office/drawing/2014/main" id="{5619C78A-71F0-43C3-B0EA-D677DFF3D55C}"/>
+              </a:ext>
+            </a:extLst>
+          </p:cNvPr>
+          <p:cNvSpPr/>
+          <p:nvPr/>
+        </p:nvSpPr>
+        <p:spPr>
+          <a:xfrm>
+            <a:off x="6719888" y="4430267"/>
+            <a:ext cx="5237331" cy="373757"/>
+          </a:xfrm>
+          <a:prstGeom prst="rect">
+            <a:avLst/>
+          </a:prstGeom>
+        </p:spPr>
+        <p:txBody>
+          <a:bodyPr wrap="none">
+            <a:spAutoFit/>
+          </a:bodyPr>
+          <a:lstStyle/>
+          <a:p>
+            <a:pPr>
+              <a:lnSpc>
+                <a:spcPct val="107000"/>
+              </a:lnSpc>
+              <a:spcAft>
+                <a:spcPts val="800"/>
+              </a:spcAft>
+            </a:pPr>
+            <a:r>
+              <a:rPr lang="he-IL" dirty="0">
+                <a:latin typeface="Calibri" panose="020F0502020204030204" pitchFamily="34" charset="0"/>
+                <a:ea typeface="Times New Roman" panose="02020603050405020304" pitchFamily="18" charset="0"/>
+              </a:rPr>
+              <a:t>כאשר </a:t>
+            </a:r>
+            <a:r>
+              <a:rPr lang="en-US" dirty="0">
+                <a:latin typeface="Calibri" panose="020F0502020204030204" pitchFamily="34" charset="0"/>
+                <a:ea typeface="Times New Roman" panose="02020603050405020304" pitchFamily="18" charset="0"/>
+                <a:cs typeface="Arial" panose="020B0604020202020204" pitchFamily="34" charset="0"/>
+              </a:rPr>
+              <a:t>L</a:t>
+            </a:r>
+            <a:r>
+              <a:rPr lang="he-IL" dirty="0">
+                <a:latin typeface="Calibri" panose="020F0502020204030204" pitchFamily="34" charset="0"/>
+                <a:ea typeface="Times New Roman" panose="02020603050405020304" pitchFamily="18" charset="0"/>
+              </a:rPr>
+              <a:t> היא מטריצה </a:t>
+            </a:r>
+            <a:r>
+              <a:rPr lang="en-US" dirty="0">
+                <a:latin typeface="Calibri" panose="020F0502020204030204" pitchFamily="34" charset="0"/>
+                <a:ea typeface="Times New Roman" panose="02020603050405020304" pitchFamily="18" charset="0"/>
+                <a:cs typeface="Arial" panose="020B0604020202020204" pitchFamily="34" charset="0"/>
+              </a:rPr>
+              <a:t>NXN</a:t>
+            </a:r>
+            <a:r>
+              <a:rPr lang="he-IL" dirty="0">
+                <a:latin typeface="Calibri" panose="020F0502020204030204" pitchFamily="34" charset="0"/>
+                <a:ea typeface="Times New Roman" panose="02020603050405020304" pitchFamily="18" charset="0"/>
+              </a:rPr>
+              <a:t> שהאיבר במקום ה</a:t>
+            </a:r>
+            <a:r>
+              <a:rPr lang="en-US" dirty="0" err="1">
+                <a:latin typeface="Calibri" panose="020F0502020204030204" pitchFamily="34" charset="0"/>
+                <a:ea typeface="Times New Roman" panose="02020603050405020304" pitchFamily="18" charset="0"/>
+                <a:cs typeface="Arial" panose="020B0604020202020204" pitchFamily="34" charset="0"/>
+              </a:rPr>
+              <a:t>i,j</a:t>
+            </a:r>
+            <a:r>
+              <a:rPr lang="he-IL" dirty="0">
+                <a:latin typeface="Calibri" panose="020F0502020204030204" pitchFamily="34" charset="0"/>
+                <a:ea typeface="Times New Roman" panose="02020603050405020304" pitchFamily="18" charset="0"/>
+              </a:rPr>
+              <a:t> שלה הוא:</a:t>
+            </a:r>
+            <a:endParaRPr lang="en-US" sz="1600" dirty="0">
+              <a:effectLst/>
+              <a:latin typeface="Calibri" panose="020F0502020204030204" pitchFamily="34" charset="0"/>
+              <a:ea typeface="Calibri" panose="020F0502020204030204" pitchFamily="34" charset="0"/>
+              <a:cs typeface="Arial" panose="020B0604020202020204" pitchFamily="34" charset="0"/>
+            </a:endParaRPr>
+          </a:p>
+        </p:txBody>
+      </p:sp>
+      <p:graphicFrame>
+        <p:nvGraphicFramePr>
+          <p:cNvPr id="14" name="טבלה 13">
+            <a:extLst>
+              <a:ext uri="{FF2B5EF4-FFF2-40B4-BE49-F238E27FC236}">
+                <a16:creationId xmlns:a16="http://schemas.microsoft.com/office/drawing/2014/main" id="{032E5F0F-A6AB-4ABB-8B0D-524C291004AB}"/>
+              </a:ext>
+            </a:extLst>
+          </p:cNvPr>
+          <p:cNvGraphicFramePr>
+            <a:graphicFrameLocks noGrp="1"/>
+          </p:cNvGraphicFramePr>
+          <p:nvPr>
+            <p:extLst>
+              <p:ext uri="{D42A27DB-BD31-4B8C-83A1-F6EECF244321}">
+                <p14:modId xmlns:p14="http://schemas.microsoft.com/office/powerpoint/2010/main" val="1416351030"/>
+              </p:ext>
+            </p:extLst>
+          </p:nvPr>
+        </p:nvGraphicFramePr>
+        <p:xfrm>
+          <a:off x="1279188" y="4956662"/>
+          <a:ext cx="10515600" cy="279019"/>
+        </p:xfrm>
+        <a:graphic>
+          <a:graphicData uri="http://schemas.openxmlformats.org/drawingml/2006/table">
+            <a:tbl>
+              <a:tblPr rtl="1" firstRow="1" firstCol="1" bandRow="1"/>
+              <a:tblGrid>
+                <a:gridCol w="1758208">
+                  <a:extLst>
+                    <a:ext uri="{9D8B030D-6E8A-4147-A177-3AD203B41FA5}">
+                      <a16:colId xmlns:a16="http://schemas.microsoft.com/office/drawing/2014/main" val="2967685307"/>
+                    </a:ext>
+                  </a:extLst>
+                </a:gridCol>
+                <a:gridCol w="8757392">
+                  <a:extLst>
+                    <a:ext uri="{9D8B030D-6E8A-4147-A177-3AD203B41FA5}">
+                      <a16:colId xmlns:a16="http://schemas.microsoft.com/office/drawing/2014/main" val="1719903924"/>
+                    </a:ext>
+                  </a:extLst>
+                </a:gridCol>
+              </a:tblGrid>
+              <a:tr h="80010">
+                <a:tc>
+                  <a:txBody>
+                    <a:bodyPr/>
+                    <a:lstStyle/>
+                    <a:p>
+                      <a:pPr algn="ctr" rtl="1">
+                        <a:lnSpc>
+                          <a:spcPct val="107000"/>
+                        </a:lnSpc>
+                        <a:spcAft>
+                          <a:spcPts val="0"/>
+                        </a:spcAft>
+                      </a:pPr>
+                      <a:r>
+                        <a:rPr lang="en-US" sz="1800" b="1" dirty="0">
+                          <a:effectLst/>
+                          <a:latin typeface="Times New Roman" panose="02020603050405020304" pitchFamily="18" charset="0"/>
+                          <a:ea typeface="Calibri" panose="020F0502020204030204" pitchFamily="34" charset="0"/>
+                          <a:cs typeface="Arial" panose="020B0604020202020204" pitchFamily="34" charset="0"/>
+                        </a:rPr>
+                        <a:t>Eq. 5)</a:t>
+                      </a:r>
+                      <a:r>
+                        <a:rPr lang="he-IL" sz="1800" b="1" dirty="0">
+                          <a:effectLst/>
+                          <a:latin typeface="Calibri" panose="020F0502020204030204" pitchFamily="34" charset="0"/>
+                          <a:ea typeface="Calibri" panose="020F0502020204030204" pitchFamily="34" charset="0"/>
+                          <a:cs typeface="Times New Roman" panose="02020603050405020304" pitchFamily="18" charset="0"/>
+                        </a:rPr>
+                        <a:t>)</a:t>
+                      </a:r>
+                      <a:endParaRPr lang="en-US" sz="1600" dirty="0">
+                        <a:effectLst/>
+                        <a:latin typeface="Calibri" panose="020F0502020204030204" pitchFamily="34" charset="0"/>
+                        <a:ea typeface="Calibri" panose="020F0502020204030204" pitchFamily="34" charset="0"/>
+                        <a:cs typeface="Arial" panose="020B0604020202020204" pitchFamily="34" charset="0"/>
+                      </a:endParaRPr>
+                    </a:p>
+                  </a:txBody>
+                  <a:tcPr marL="68580" marR="68580" marT="0" marB="0">
+                    <a:lnL>
+                      <a:noFill/>
+                    </a:lnL>
+                    <a:lnR>
+                      <a:noFill/>
+                    </a:lnR>
+                    <a:lnT>
+                      <a:noFill/>
+                    </a:lnT>
+                    <a:lnB>
+                      <a:noFill/>
+                    </a:lnB>
+                  </a:tcPr>
+                </a:tc>
+                <a:tc>
+                  <a:txBody>
+                    <a:bodyPr/>
+                    <a:lstStyle/>
+                    <a:p>
+                      <a:pPr algn="ctr" rtl="0">
+                        <a:lnSpc>
+                          <a:spcPct val="107000"/>
+                        </a:lnSpc>
+                        <a:spcAft>
+                          <a:spcPts val="0"/>
+                        </a:spcAft>
+                      </a:pPr>
+                      <a:endParaRPr lang="en-US" sz="1600" dirty="0">
+                        <a:effectLst/>
+                        <a:latin typeface="Calibri" panose="020F0502020204030204" pitchFamily="34" charset="0"/>
+                        <a:ea typeface="Calibri" panose="020F0502020204030204" pitchFamily="34" charset="0"/>
+                        <a:cs typeface="Arial" panose="020B0604020202020204" pitchFamily="34" charset="0"/>
+                      </a:endParaRPr>
+                    </a:p>
+                  </a:txBody>
+                  <a:tcPr marL="68580" marR="68580" marT="0" marB="0">
+                    <a:lnL>
+                      <a:noFill/>
+                    </a:lnL>
+                    <a:lnR>
+                      <a:noFill/>
+                    </a:lnR>
+                    <a:lnT>
+                      <a:noFill/>
+                    </a:lnT>
+                    <a:lnB>
+                      <a:noFill/>
+                    </a:lnB>
+                  </a:tcPr>
+                </a:tc>
+                <a:extLst>
+                  <a:ext uri="{0D108BD9-81ED-4DB2-BD59-A6C34878D82A}">
+                    <a16:rowId xmlns:a16="http://schemas.microsoft.com/office/drawing/2014/main" val="3030112722"/>
+                  </a:ext>
+                </a:extLst>
+              </a:tr>
+            </a:tbl>
+          </a:graphicData>
+        </a:graphic>
+      </p:graphicFrame>
+      <p:pic>
+        <p:nvPicPr>
+          <p:cNvPr id="2049" name="Picture 1">
+            <a:extLst>
+              <a:ext uri="{FF2B5EF4-FFF2-40B4-BE49-F238E27FC236}">
+                <a16:creationId xmlns:a16="http://schemas.microsoft.com/office/drawing/2014/main" id="{80010E2C-1F7D-41C7-AAA6-6B901AFA6AED}"/>
+              </a:ext>
+            </a:extLst>
+          </p:cNvPr>
+          <p:cNvPicPr>
+            <a:picLocks noChangeAspect="1" noChangeArrowheads="1"/>
+          </p:cNvPicPr>
+          <p:nvPr/>
+        </p:nvPicPr>
+        <p:blipFill>
+          <a:blip r:embed="rId9">
+            <a:extLst>
+              <a:ext uri="{28A0092B-C50C-407E-A947-70E740481C1C}">
+                <a14:useLocalDpi xmlns:a14="http://schemas.microsoft.com/office/drawing/2010/main" val="0"/>
+              </a:ext>
+            </a:extLst>
+          </a:blip>
+          <a:srcRect/>
+          <a:stretch>
+            <a:fillRect/>
+          </a:stretch>
+        </p:blipFill>
+        <p:spPr bwMode="auto">
+          <a:xfrm>
+            <a:off x="3989962" y="4872395"/>
+            <a:ext cx="3883266" cy="545237"/>
+          </a:xfrm>
+          <a:prstGeom prst="rect">
+            <a:avLst/>
+          </a:prstGeom>
+          <a:noFill/>
+          <a:extLst>
+            <a:ext uri="{909E8E84-426E-40DD-AFC4-6F175D3DCCD1}">
+              <a14:hiddenFill xmlns:a14="http://schemas.microsoft.com/office/drawing/2010/main">
+                <a:solidFill>
+                  <a:srgbClr val="FFFFFF"/>
+                </a:solidFill>
+              </a14:hiddenFill>
+            </a:ext>
+          </a:extLst>
+        </p:spPr>
+      </p:pic>
+      <mc:AlternateContent xmlns:mc="http://schemas.openxmlformats.org/markup-compatibility/2006" xmlns:a14="http://schemas.microsoft.com/office/drawing/2010/main">
+        <mc:Choice Requires="a14">
+          <p:sp>
+            <p:nvSpPr>
+              <p:cNvPr id="15" name="מלבן 14">
+                <a:extLst>
+                  <a:ext uri="{FF2B5EF4-FFF2-40B4-BE49-F238E27FC236}">
+                    <a16:creationId xmlns:a16="http://schemas.microsoft.com/office/drawing/2014/main" id="{3F3ABD4E-C0F5-4CB8-8654-4B041FC51CBB}"/>
+                  </a:ext>
+                </a:extLst>
+              </p:cNvPr>
+              <p:cNvSpPr/>
+              <p:nvPr/>
+            </p:nvSpPr>
+            <p:spPr>
+              <a:xfrm>
+                <a:off x="767435" y="5497821"/>
+                <a:ext cx="11189784" cy="1069075"/>
+              </a:xfrm>
+              <a:prstGeom prst="rect">
+                <a:avLst/>
+              </a:prstGeom>
+            </p:spPr>
+            <p:txBody>
+              <a:bodyPr wrap="square">
+                <a:spAutoFit/>
+              </a:bodyPr>
+              <a:lstStyle/>
+              <a:p>
+                <a:pPr>
+                  <a:lnSpc>
+                    <a:spcPct val="107000"/>
+                  </a:lnSpc>
+                  <a:spcAft>
+                    <a:spcPts val="800"/>
+                  </a:spcAft>
+                </a:pPr>
+                <a:r>
+                  <a:rPr lang="he-IL" dirty="0">
+                    <a:latin typeface="Calibri" panose="020F0502020204030204" pitchFamily="34" charset="0"/>
+                    <a:ea typeface="Times New Roman" panose="02020603050405020304" pitchFamily="18" charset="0"/>
+                  </a:rPr>
+                  <a:t>כך שלמעשה ע"י חישוב מטריצה </a:t>
+                </a:r>
+                <a:r>
+                  <a:rPr lang="en-US" dirty="0">
+                    <a:latin typeface="Calibri" panose="020F0502020204030204" pitchFamily="34" charset="0"/>
+                    <a:ea typeface="Times New Roman" panose="02020603050405020304" pitchFamily="18" charset="0"/>
+                    <a:cs typeface="Arial" panose="020B0604020202020204" pitchFamily="34" charset="0"/>
+                  </a:rPr>
+                  <a:t>L</a:t>
+                </a:r>
+                <a:r>
+                  <a:rPr lang="he-IL" dirty="0">
+                    <a:latin typeface="Calibri" panose="020F0502020204030204" pitchFamily="34" charset="0"/>
+                    <a:ea typeface="Times New Roman" panose="02020603050405020304" pitchFamily="18" charset="0"/>
+                  </a:rPr>
+                  <a:t> אנו יכולים למצוא את </a:t>
+                </a:r>
+                <a14:m>
+                  <m:oMath xmlns:m="http://schemas.openxmlformats.org/officeDocument/2006/math">
+                    <m:sSub>
+                      <m:sSubPr>
+                        <m:ctrlPr>
+                          <a:rPr lang="en-US" b="1" i="1">
+                            <a:latin typeface="Cambria Math" panose="02040503050406030204" pitchFamily="18" charset="0"/>
+                            <a:ea typeface="Calibri" panose="020F0502020204030204" pitchFamily="34" charset="0"/>
+                            <a:cs typeface="Times New Roman" panose="02020603050405020304" pitchFamily="18" charset="0"/>
+                          </a:rPr>
+                        </m:ctrlPr>
+                      </m:sSubPr>
+                      <m:e>
+                        <m:r>
+                          <a:rPr lang="en-US" b="1" i="1">
+                            <a:latin typeface="Cambria Math" panose="02040503050406030204" pitchFamily="18" charset="0"/>
+                            <a:ea typeface="Calibri" panose="020F0502020204030204" pitchFamily="34" charset="0"/>
+                            <a:cs typeface="Times New Roman" panose="02020603050405020304" pitchFamily="18" charset="0"/>
+                          </a:rPr>
+                          <m:t>𝜶</m:t>
+                        </m:r>
+                      </m:e>
+                      <m:sub>
+                        <m:r>
+                          <a:rPr lang="en-US" b="1" i="1">
+                            <a:latin typeface="Cambria Math" panose="02040503050406030204" pitchFamily="18" charset="0"/>
+                            <a:ea typeface="Calibri" panose="020F0502020204030204" pitchFamily="34" charset="0"/>
+                            <a:cs typeface="Times New Roman" panose="02020603050405020304" pitchFamily="18" charset="0"/>
+                          </a:rPr>
+                          <m:t>𝒊</m:t>
+                        </m:r>
+                      </m:sub>
+                    </m:sSub>
+                  </m:oMath>
+                </a14:m>
+                <a:r>
+                  <a:rPr lang="he-IL" b="1" dirty="0">
+                    <a:latin typeface="Calibri" panose="020F0502020204030204" pitchFamily="34" charset="0"/>
+                    <a:ea typeface="Times New Roman" panose="02020603050405020304" pitchFamily="18" charset="0"/>
+                  </a:rPr>
+                  <a:t>.</a:t>
+                </a:r>
+                <a:endParaRPr lang="en-US" sz="1600" dirty="0">
+                  <a:effectLst/>
+                  <a:latin typeface="Calibri" panose="020F0502020204030204" pitchFamily="34" charset="0"/>
+                  <a:ea typeface="Calibri" panose="020F0502020204030204" pitchFamily="34" charset="0"/>
+                  <a:cs typeface="Arial" panose="020B0604020202020204" pitchFamily="34" charset="0"/>
+                </a:endParaRPr>
+              </a:p>
+              <a:p>
+                <a:pPr>
+                  <a:lnSpc>
+                    <a:spcPct val="107000"/>
+                  </a:lnSpc>
+                  <a:spcAft>
+                    <a:spcPts val="800"/>
+                  </a:spcAft>
+                </a:pPr>
+                <a:r>
+                  <a:rPr lang="he-IL" dirty="0">
+                    <a:latin typeface="Calibri" panose="020F0502020204030204" pitchFamily="34" charset="0"/>
+                    <a:ea typeface="Times New Roman" panose="02020603050405020304" pitchFamily="18" charset="0"/>
+                  </a:rPr>
+                  <a:t>זהו עיקרון הפתרון עבור תמונות שחור-לבן. עבור תמונות צבע נבצע את אותו מינימום על פונקציית המחיר עבור 3 ערוצי הצבע ונבנה מטריצה בעלת 4 </a:t>
+                </a:r>
+                <a:r>
+                  <a:rPr lang="he-IL" dirty="0" err="1">
+                    <a:latin typeface="Calibri" panose="020F0502020204030204" pitchFamily="34" charset="0"/>
+                    <a:ea typeface="Times New Roman" panose="02020603050405020304" pitchFamily="18" charset="0"/>
+                  </a:rPr>
+                  <a:t>מימדים</a:t>
+                </a:r>
+                <a:r>
+                  <a:rPr lang="he-IL" dirty="0">
+                    <a:latin typeface="Calibri" panose="020F0502020204030204" pitchFamily="34" charset="0"/>
+                    <a:ea typeface="Times New Roman" panose="02020603050405020304" pitchFamily="18" charset="0"/>
+                  </a:rPr>
+                  <a:t>, כך שמציאת מטריצה </a:t>
+                </a:r>
+                <a:r>
+                  <a:rPr lang="en-US" dirty="0">
+                    <a:latin typeface="Calibri" panose="020F0502020204030204" pitchFamily="34" charset="0"/>
+                    <a:ea typeface="Times New Roman" panose="02020603050405020304" pitchFamily="18" charset="0"/>
+                    <a:cs typeface="Arial" panose="020B0604020202020204" pitchFamily="34" charset="0"/>
+                  </a:rPr>
+                  <a:t>L</a:t>
+                </a:r>
+                <a:r>
+                  <a:rPr lang="he-IL" dirty="0">
+                    <a:latin typeface="Calibri" panose="020F0502020204030204" pitchFamily="34" charset="0"/>
+                    <a:ea typeface="Times New Roman" panose="02020603050405020304" pitchFamily="18" charset="0"/>
+                  </a:rPr>
+                  <a:t> תתבצע בצורה דומה.</a:t>
+                </a:r>
+                <a:endParaRPr lang="en-US" sz="1600" dirty="0">
+                  <a:effectLst/>
+                  <a:latin typeface="Calibri" panose="020F0502020204030204" pitchFamily="34" charset="0"/>
+                  <a:ea typeface="Calibri" panose="020F0502020204030204" pitchFamily="34" charset="0"/>
+                  <a:cs typeface="Arial" panose="020B0604020202020204" pitchFamily="34" charset="0"/>
+                </a:endParaRPr>
+              </a:p>
+            </p:txBody>
+          </p:sp>
+        </mc:Choice>
+        <mc:Fallback xmlns="">
+          <p:sp>
+            <p:nvSpPr>
+              <p:cNvPr id="15" name="מלבן 14">
+                <a:extLst>
+                  <a:ext uri="{FF2B5EF4-FFF2-40B4-BE49-F238E27FC236}">
+                    <a16:creationId xmlns:a16="http://schemas.microsoft.com/office/drawing/2014/main" id="{3F3ABD4E-C0F5-4CB8-8654-4B041FC51CBB}"/>
+                  </a:ext>
+                </a:extLst>
+              </p:cNvPr>
+              <p:cNvSpPr>
+                <a:spLocks noRot="1" noChangeAspect="1" noMove="1" noResize="1" noEditPoints="1" noAdjustHandles="1" noChangeArrowheads="1" noChangeShapeType="1" noTextEdit="1"/>
+              </p:cNvSpPr>
+              <p:nvPr/>
+            </p:nvSpPr>
+            <p:spPr>
+              <a:xfrm>
+                <a:off x="767435" y="5497821"/>
+                <a:ext cx="11189784" cy="1069075"/>
+              </a:xfrm>
+              <a:prstGeom prst="rect">
+                <a:avLst/>
+              </a:prstGeom>
+              <a:blipFill>
+                <a:blip r:embed="rId10"/>
+                <a:stretch>
+                  <a:fillRect t="-3429" r="-436" b="-8571"/>
+                </a:stretch>
+              </a:blipFill>
+            </p:spPr>
+            <p:txBody>
+              <a:bodyPr/>
+              <a:lstStyle/>
+              <a:p>
+                <a:r>
+                  <a:rPr lang="en-US">
+                    <a:noFill/>
+                  </a:rPr>
+                  <a:t> </a:t>
+                </a:r>
+              </a:p>
+            </p:txBody>
+          </p:sp>
+        </mc:Fallback>
+      </mc:AlternateContent>
+    </p:spTree>
+    <p:extLst>
+      <p:ext uri="{BB962C8B-B14F-4D97-AF65-F5344CB8AC3E}">
+        <p14:creationId xmlns:p14="http://schemas.microsoft.com/office/powerpoint/2010/main" val="3466669936"/>
       </p:ext>
     </p:extLst>
   </p:cSld>
@@ -7236,4 +15017,299 @@
     </a:ext>
   </a:extLst>
 </a:theme>
+</file>
+
+<file path=ppt/theme/theme2.xml><?xml version="1.0" encoding="utf-8"?>
+<a:theme xmlns:a="http://schemas.openxmlformats.org/drawingml/2006/main" name="ערכת נושא Office">
+  <a:themeElements>
+    <a:clrScheme name="Office">
+      <a:dk1>
+        <a:sysClr val="windowText" lastClr="000000"/>
+      </a:dk1>
+      <a:lt1>
+        <a:sysClr val="window" lastClr="FFFFFF"/>
+      </a:lt1>
+      <a:dk2>
+        <a:srgbClr val="44546A"/>
+      </a:dk2>
+      <a:lt2>
+        <a:srgbClr val="E7E6E6"/>
+      </a:lt2>
+      <a:accent1>
+        <a:srgbClr val="4472C4"/>
+      </a:accent1>
+      <a:accent2>
+        <a:srgbClr val="ED7D31"/>
+      </a:accent2>
+      <a:accent3>
+        <a:srgbClr val="A5A5A5"/>
+      </a:accent3>
+      <a:accent4>
+        <a:srgbClr val="FFC000"/>
+      </a:accent4>
+      <a:accent5>
+        <a:srgbClr val="5B9BD5"/>
+      </a:accent5>
+      <a:accent6>
+        <a:srgbClr val="70AD47"/>
+      </a:accent6>
+      <a:hlink>
+        <a:srgbClr val="0563C1"/>
+      </a:hlink>
+      <a:folHlink>
+        <a:srgbClr val="954F72"/>
+      </a:folHlink>
+    </a:clrScheme>
+    <a:fontScheme name="Office">
+      <a:majorFont>
+        <a:latin typeface="Calibri Light" panose="020F0302020204030204"/>
+        <a:ea typeface=""/>
+        <a:cs typeface=""/>
+        <a:font script="Jpan" typeface="游ゴシック Light"/>
+        <a:font script="Hang" typeface="맑은 고딕"/>
+        <a:font script="Hans" typeface="等线 Light"/>
+        <a:font script="Hant" typeface="新細明體"/>
+        <a:font script="Arab" typeface="Times New Roman"/>
+        <a:font script="Hebr" typeface="Times New Roman"/>
+        <a:font script="Thai" typeface="Angsana New"/>
+        <a:font script="Ethi" typeface="Nyala"/>
+        <a:font script="Beng" typeface="Vrinda"/>
+        <a:font script="Gujr" typeface="Shruti"/>
+        <a:font script="Khmr" typeface="MoolBoran"/>
+        <a:font script="Knda" typeface="Tunga"/>
+        <a:font script="Guru" typeface="Raavi"/>
+        <a:font script="Cans" typeface="Euphemia"/>
+        <a:font script="Cher" typeface="Plantagenet Cherokee"/>
+        <a:font script="Yiii" typeface="Microsoft Yi Baiti"/>
+        <a:font script="Tibt" typeface="Microsoft Himalaya"/>
+        <a:font script="Thaa" typeface="MV Boli"/>
+        <a:font script="Deva" typeface="Mangal"/>
+        <a:font script="Telu" typeface="Gautami"/>
+        <a:font script="Taml" typeface="Latha"/>
+        <a:font script="Syrc" typeface="Estrangelo Edessa"/>
+        <a:font script="Orya" typeface="Kalinga"/>
+        <a:font script="Mlym" typeface="Kartika"/>
+        <a:font script="Laoo" typeface="DokChampa"/>
+        <a:font script="Sinh" typeface="Iskoola Pota"/>
+        <a:font script="Mong" typeface="Mongolian Baiti"/>
+        <a:font script="Viet" typeface="Times New Roman"/>
+        <a:font script="Uigh" typeface="Microsoft Uighur"/>
+        <a:font script="Geor" typeface="Sylfaen"/>
+        <a:font script="Armn" typeface="Arial"/>
+        <a:font script="Bugi" typeface="Leelawadee UI"/>
+        <a:font script="Bopo" typeface="Microsoft JhengHei"/>
+        <a:font script="Java" typeface="Javanese Text"/>
+        <a:font script="Lisu" typeface="Segoe UI"/>
+        <a:font script="Mymr" typeface="Myanmar Text"/>
+        <a:font script="Nkoo" typeface="Ebrima"/>
+        <a:font script="Olck" typeface="Nirmala UI"/>
+        <a:font script="Osma" typeface="Ebrima"/>
+        <a:font script="Phag" typeface="Phagspa"/>
+        <a:font script="Syrn" typeface="Estrangelo Edessa"/>
+        <a:font script="Syrj" typeface="Estrangelo Edessa"/>
+        <a:font script="Syre" typeface="Estrangelo Edessa"/>
+        <a:font script="Sora" typeface="Nirmala UI"/>
+        <a:font script="Tale" typeface="Microsoft Tai Le"/>
+        <a:font script="Talu" typeface="Microsoft New Tai Lue"/>
+        <a:font script="Tfng" typeface="Ebrima"/>
+      </a:majorFont>
+      <a:minorFont>
+        <a:latin typeface="Calibri" panose="020F0502020204030204"/>
+        <a:ea typeface=""/>
+        <a:cs typeface=""/>
+        <a:font script="Jpan" typeface="游ゴシック"/>
+        <a:font script="Hang" typeface="맑은 고딕"/>
+        <a:font script="Hans" typeface="等线"/>
+        <a:font script="Hant" typeface="新細明體"/>
+        <a:font script="Arab" typeface="Arial"/>
+        <a:font script="Hebr" typeface="Arial"/>
+        <a:font script="Thai" typeface="Cordia New"/>
+        <a:font script="Ethi" typeface="Nyala"/>
+        <a:font script="Beng" typeface="Vrinda"/>
+        <a:font script="Gujr" typeface="Shruti"/>
+        <a:font script="Khmr" typeface="DaunPenh"/>
+        <a:font script="Knda" typeface="Tunga"/>
+        <a:font script="Guru" typeface="Raavi"/>
+        <a:font script="Cans" typeface="Euphemia"/>
+        <a:font script="Cher" typeface="Plantagenet Cherokee"/>
+        <a:font script="Yiii" typeface="Microsoft Yi Baiti"/>
+        <a:font script="Tibt" typeface="Microsoft Himalaya"/>
+        <a:font script="Thaa" typeface="MV Boli"/>
+        <a:font script="Deva" typeface="Mangal"/>
+        <a:font script="Telu" typeface="Gautami"/>
+        <a:font script="Taml" typeface="Latha"/>
+        <a:font script="Syrc" typeface="Estrangelo Edessa"/>
+        <a:font script="Orya" typeface="Kalinga"/>
+        <a:font script="Mlym" typeface="Kartika"/>
+        <a:font script="Laoo" typeface="DokChampa"/>
+        <a:font script="Sinh" typeface="Iskoola Pota"/>
+        <a:font script="Mong" typeface="Mongolian Baiti"/>
+        <a:font script="Viet" typeface="Arial"/>
+        <a:font script="Uigh" typeface="Microsoft Uighur"/>
+        <a:font script="Geor" typeface="Sylfaen"/>
+        <a:font script="Armn" typeface="Arial"/>
+        <a:font script="Bugi" typeface="Leelawadee UI"/>
+        <a:font script="Bopo" typeface="Microsoft JhengHei"/>
+        <a:font script="Java" typeface="Javanese Text"/>
+        <a:font script="Lisu" typeface="Segoe UI"/>
+        <a:font script="Mymr" typeface="Myanmar Text"/>
+        <a:font script="Nkoo" typeface="Ebrima"/>
+        <a:font script="Olck" typeface="Nirmala UI"/>
+        <a:font script="Osma" typeface="Ebrima"/>
+        <a:font script="Phag" typeface="Phagspa"/>
+        <a:font script="Syrn" typeface="Estrangelo Edessa"/>
+        <a:font script="Syrj" typeface="Estrangelo Edessa"/>
+        <a:font script="Syre" typeface="Estrangelo Edessa"/>
+        <a:font script="Sora" typeface="Nirmala UI"/>
+        <a:font script="Tale" typeface="Microsoft Tai Le"/>
+        <a:font script="Talu" typeface="Microsoft New Tai Lue"/>
+        <a:font script="Tfng" typeface="Ebrima"/>
+      </a:minorFont>
+    </a:fontScheme>
+    <a:fmtScheme name="Office">
+      <a:fillStyleLst>
+        <a:solidFill>
+          <a:schemeClr val="phClr"/>
+        </a:solidFill>
+        <a:gradFill rotWithShape="1">
+          <a:gsLst>
+            <a:gs pos="0">
+              <a:schemeClr val="phClr">
+                <a:lumMod val="110000"/>
+                <a:satMod val="105000"/>
+                <a:tint val="67000"/>
+              </a:schemeClr>
+            </a:gs>
+            <a:gs pos="50000">
+              <a:schemeClr val="phClr">
+                <a:lumMod val="105000"/>
+                <a:satMod val="103000"/>
+                <a:tint val="73000"/>
+              </a:schemeClr>
+            </a:gs>
+            <a:gs pos="100000">
+              <a:schemeClr val="phClr">
+                <a:lumMod val="105000"/>
+                <a:satMod val="109000"/>
+                <a:tint val="81000"/>
+              </a:schemeClr>
+            </a:gs>
+          </a:gsLst>
+          <a:lin ang="5400000" scaled="0"/>
+        </a:gradFill>
+        <a:gradFill rotWithShape="1">
+          <a:gsLst>
+            <a:gs pos="0">
+              <a:schemeClr val="phClr">
+                <a:satMod val="103000"/>
+                <a:lumMod val="102000"/>
+                <a:tint val="94000"/>
+              </a:schemeClr>
+            </a:gs>
+            <a:gs pos="50000">
+              <a:schemeClr val="phClr">
+                <a:satMod val="110000"/>
+                <a:lumMod val="100000"/>
+                <a:shade val="100000"/>
+              </a:schemeClr>
+            </a:gs>
+            <a:gs pos="100000">
+              <a:schemeClr val="phClr">
+                <a:lumMod val="99000"/>
+                <a:satMod val="120000"/>
+                <a:shade val="78000"/>
+              </a:schemeClr>
+            </a:gs>
+          </a:gsLst>
+          <a:lin ang="5400000" scaled="0"/>
+        </a:gradFill>
+      </a:fillStyleLst>
+      <a:lnStyleLst>
+        <a:ln w="6350" cap="flat" cmpd="sng" algn="ctr">
+          <a:solidFill>
+            <a:schemeClr val="phClr"/>
+          </a:solidFill>
+          <a:prstDash val="solid"/>
+          <a:miter lim="800000"/>
+        </a:ln>
+        <a:ln w="12700" cap="flat" cmpd="sng" algn="ctr">
+          <a:solidFill>
+            <a:schemeClr val="phClr"/>
+          </a:solidFill>
+          <a:prstDash val="solid"/>
+          <a:miter lim="800000"/>
+        </a:ln>
+        <a:ln w="19050" cap="flat" cmpd="sng" algn="ctr">
+          <a:solidFill>
+            <a:schemeClr val="phClr"/>
+          </a:solidFill>
+          <a:prstDash val="solid"/>
+          <a:miter lim="800000"/>
+        </a:ln>
+      </a:lnStyleLst>
+      <a:effectStyleLst>
+        <a:effectStyle>
+          <a:effectLst/>
+        </a:effectStyle>
+        <a:effectStyle>
+          <a:effectLst/>
+        </a:effectStyle>
+        <a:effectStyle>
+          <a:effectLst>
+            <a:outerShdw blurRad="57150" dist="19050" dir="5400000" algn="ctr" rotWithShape="0">
+              <a:srgbClr val="000000">
+                <a:alpha val="63000"/>
+              </a:srgbClr>
+            </a:outerShdw>
+          </a:effectLst>
+        </a:effectStyle>
+      </a:effectStyleLst>
+      <a:bgFillStyleLst>
+        <a:solidFill>
+          <a:schemeClr val="phClr"/>
+        </a:solidFill>
+        <a:solidFill>
+          <a:schemeClr val="phClr">
+            <a:tint val="95000"/>
+            <a:satMod val="170000"/>
+          </a:schemeClr>
+        </a:solidFill>
+        <a:gradFill rotWithShape="1">
+          <a:gsLst>
+            <a:gs pos="0">
+              <a:schemeClr val="phClr">
+                <a:tint val="93000"/>
+                <a:satMod val="150000"/>
+                <a:shade val="98000"/>
+                <a:lumMod val="102000"/>
+              </a:schemeClr>
+            </a:gs>
+            <a:gs pos="50000">
+              <a:schemeClr val="phClr">
+                <a:tint val="98000"/>
+                <a:satMod val="130000"/>
+                <a:shade val="90000"/>
+                <a:lumMod val="103000"/>
+              </a:schemeClr>
+            </a:gs>
+            <a:gs pos="100000">
+              <a:schemeClr val="phClr">
+                <a:shade val="63000"/>
+                <a:satMod val="120000"/>
+              </a:schemeClr>
+            </a:gs>
+          </a:gsLst>
+          <a:lin ang="5400000" scaled="0"/>
+        </a:gradFill>
+      </a:bgFillStyleLst>
+    </a:fmtScheme>
+  </a:themeElements>
+  <a:objectDefaults/>
+  <a:extraClrSchemeLst/>
+  <a:extLst>
+    <a:ext uri="{05A4C25C-085E-4340-85A3-A5531E510DB2}">
+      <thm15:themeFamily xmlns:thm15="http://schemas.microsoft.com/office/thememl/2012/main" name="Office Theme" id="{62F939B6-93AF-4DB8-9C6B-D6C7DFDC589F}" vid="{4A3C46E8-61CC-4603-A589-7422A47A8E4A}"/>
+    </a:ext>
+  </a:extLst>
+</a:theme>
 </file>